--- a/220924_session3/220924_세션3_모델평가_하이퍼파라미터튜닝.pptx
+++ b/220924_session3/220924_세션3_모델평가_하이퍼파라미터튜닝.pptx
@@ -5,7 +5,7 @@
     <p:sldMasterId id="2147483648" r:id="rId1"/>
   </p:sldMasterIdLst>
   <p:notesMasterIdLst>
-    <p:notesMasterId r:id="rId12"/>
+    <p:notesMasterId r:id="rId13"/>
   </p:notesMasterIdLst>
   <p:sldIdLst>
     <p:sldId id="427" r:id="rId2"/>
@@ -14,10 +14,11 @@
     <p:sldId id="421" r:id="rId5"/>
     <p:sldId id="425" r:id="rId6"/>
     <p:sldId id="426" r:id="rId7"/>
-    <p:sldId id="417" r:id="rId8"/>
-    <p:sldId id="420" r:id="rId9"/>
-    <p:sldId id="419" r:id="rId10"/>
-    <p:sldId id="413" r:id="rId11"/>
+    <p:sldId id="428" r:id="rId8"/>
+    <p:sldId id="417" r:id="rId9"/>
+    <p:sldId id="420" r:id="rId10"/>
+    <p:sldId id="419" r:id="rId11"/>
+    <p:sldId id="413" r:id="rId12"/>
   </p:sldIdLst>
   <p:sldSz cx="12192000" cy="6858000"/>
   <p:notesSz cx="6858000" cy="9144000"/>
@@ -127,6 +128,7 @@
 <file path=ppt/revisionInfo.xml><?xml version="1.0" encoding="utf-8"?>
 <p1510:revInfo xmlns:a="http://schemas.openxmlformats.org/drawingml/2006/main" xmlns:r="http://schemas.openxmlformats.org/officeDocument/2006/relationships" xmlns:p1510="http://schemas.microsoft.com/office/powerpoint/2015/10/main">
   <p1510:revLst>
+    <p1510:client id="{9A301F82-2960-4DF1-B250-63C7B7D28C2E}" v="74" dt="2022-09-13T08:30:38.459"/>
     <p1510:client id="{B0BBD50F-AC58-4C6B-B8C4-7E70D7C07BE1}" v="268" dt="2022-09-12T15:21:01.907"/>
   </p1510:revLst>
 </p1510:revInfo>
@@ -1768,6 +1770,227 @@
       </pc:sldMasterChg>
     </pc:docChg>
   </pc:docChgLst>
+  <pc:docChgLst>
+    <pc:chgData name="이승준" userId="73256f58-64ad-4fdb-8087-b1e36ecff85d" providerId="ADAL" clId="{9A301F82-2960-4DF1-B250-63C7B7D28C2E}"/>
+    <pc:docChg chg="undo custSel addSld modSld">
+      <pc:chgData name="이승준" userId="73256f58-64ad-4fdb-8087-b1e36ecff85d" providerId="ADAL" clId="{9A301F82-2960-4DF1-B250-63C7B7D28C2E}" dt="2022-09-13T08:30:44.906" v="491" actId="1076"/>
+      <pc:docMkLst>
+        <pc:docMk/>
+      </pc:docMkLst>
+      <pc:sldChg chg="addSp delSp modSp mod">
+        <pc:chgData name="이승준" userId="73256f58-64ad-4fdb-8087-b1e36ecff85d" providerId="ADAL" clId="{9A301F82-2960-4DF1-B250-63C7B7D28C2E}" dt="2022-09-13T08:16:51.646" v="393" actId="571"/>
+        <pc:sldMkLst>
+          <pc:docMk/>
+          <pc:sldMk cId="9714486" sldId="419"/>
+        </pc:sldMkLst>
+        <pc:spChg chg="add mod">
+          <ac:chgData name="이승준" userId="73256f58-64ad-4fdb-8087-b1e36ecff85d" providerId="ADAL" clId="{9A301F82-2960-4DF1-B250-63C7B7D28C2E}" dt="2022-09-13T08:14:36.225" v="343" actId="1076"/>
+          <ac:spMkLst>
+            <pc:docMk/>
+            <pc:sldMk cId="9714486" sldId="419"/>
+            <ac:spMk id="5" creationId="{3FE08748-10B0-ECEE-5296-C114C3BA4598}"/>
+          </ac:spMkLst>
+        </pc:spChg>
+        <pc:spChg chg="mod">
+          <ac:chgData name="이승준" userId="73256f58-64ad-4fdb-8087-b1e36ecff85d" providerId="ADAL" clId="{9A301F82-2960-4DF1-B250-63C7B7D28C2E}" dt="2022-09-13T08:16:37.063" v="392"/>
+          <ac:spMkLst>
+            <pc:docMk/>
+            <pc:sldMk cId="9714486" sldId="419"/>
+            <ac:spMk id="8" creationId="{02A582AC-F3AE-5045-69B3-39842E5122D8}"/>
+          </ac:spMkLst>
+        </pc:spChg>
+        <pc:spChg chg="add mod">
+          <ac:chgData name="이승준" userId="73256f58-64ad-4fdb-8087-b1e36ecff85d" providerId="ADAL" clId="{9A301F82-2960-4DF1-B250-63C7B7D28C2E}" dt="2022-09-13T08:16:00.932" v="382" actId="1076"/>
+          <ac:spMkLst>
+            <pc:docMk/>
+            <pc:sldMk cId="9714486" sldId="419"/>
+            <ac:spMk id="11" creationId="{47EBCAFB-0A16-017D-A808-8BC8AE63EDC6}"/>
+          </ac:spMkLst>
+        </pc:spChg>
+        <pc:spChg chg="mod">
+          <ac:chgData name="이승준" userId="73256f58-64ad-4fdb-8087-b1e36ecff85d" providerId="ADAL" clId="{9A301F82-2960-4DF1-B250-63C7B7D28C2E}" dt="2022-09-13T08:09:26.843" v="299" actId="20577"/>
+          <ac:spMkLst>
+            <pc:docMk/>
+            <pc:sldMk cId="9714486" sldId="419"/>
+            <ac:spMk id="12" creationId="{00000000-0000-0000-0000-000000000000}"/>
+          </ac:spMkLst>
+        </pc:spChg>
+        <pc:picChg chg="mod">
+          <ac:chgData name="이승준" userId="73256f58-64ad-4fdb-8087-b1e36ecff85d" providerId="ADAL" clId="{9A301F82-2960-4DF1-B250-63C7B7D28C2E}" dt="2022-09-13T08:16:26.249" v="387" actId="1076"/>
+          <ac:picMkLst>
+            <pc:docMk/>
+            <pc:sldMk cId="9714486" sldId="419"/>
+            <ac:picMk id="1026" creationId="{6B9CDC3B-56E1-F290-1D91-1BB83921AF54}"/>
+          </ac:picMkLst>
+        </pc:picChg>
+        <pc:cxnChg chg="mod">
+          <ac:chgData name="이승준" userId="73256f58-64ad-4fdb-8087-b1e36ecff85d" providerId="ADAL" clId="{9A301F82-2960-4DF1-B250-63C7B7D28C2E}" dt="2022-09-13T08:15:17.451" v="360" actId="1076"/>
+          <ac:cxnSpMkLst>
+            <pc:docMk/>
+            <pc:sldMk cId="9714486" sldId="419"/>
+            <ac:cxnSpMk id="3" creationId="{112601B4-0B1B-8274-D088-D7BC2D3C6170}"/>
+          </ac:cxnSpMkLst>
+        </pc:cxnChg>
+        <pc:cxnChg chg="del mod">
+          <ac:chgData name="이승준" userId="73256f58-64ad-4fdb-8087-b1e36ecff85d" providerId="ADAL" clId="{9A301F82-2960-4DF1-B250-63C7B7D28C2E}" dt="2022-09-13T08:14:58.939" v="352" actId="478"/>
+          <ac:cxnSpMkLst>
+            <pc:docMk/>
+            <pc:sldMk cId="9714486" sldId="419"/>
+            <ac:cxnSpMk id="4" creationId="{054F418A-B054-3BBC-C78C-0FBD04C79672}"/>
+          </ac:cxnSpMkLst>
+        </pc:cxnChg>
+        <pc:cxnChg chg="add mod">
+          <ac:chgData name="이승준" userId="73256f58-64ad-4fdb-8087-b1e36ecff85d" providerId="ADAL" clId="{9A301F82-2960-4DF1-B250-63C7B7D28C2E}" dt="2022-09-13T08:16:51.646" v="393" actId="571"/>
+          <ac:cxnSpMkLst>
+            <pc:docMk/>
+            <pc:sldMk cId="9714486" sldId="419"/>
+            <ac:cxnSpMk id="13" creationId="{B993B516-0EB7-C941-CDCD-D351D1A8F66A}"/>
+          </ac:cxnSpMkLst>
+        </pc:cxnChg>
+      </pc:sldChg>
+      <pc:sldChg chg="modSp mod">
+        <pc:chgData name="이승준" userId="73256f58-64ad-4fdb-8087-b1e36ecff85d" providerId="ADAL" clId="{9A301F82-2960-4DF1-B250-63C7B7D28C2E}" dt="2022-09-13T08:09:24.303" v="295" actId="20577"/>
+        <pc:sldMkLst>
+          <pc:docMk/>
+          <pc:sldMk cId="2779397201" sldId="420"/>
+        </pc:sldMkLst>
+        <pc:spChg chg="mod">
+          <ac:chgData name="이승준" userId="73256f58-64ad-4fdb-8087-b1e36ecff85d" providerId="ADAL" clId="{9A301F82-2960-4DF1-B250-63C7B7D28C2E}" dt="2022-09-13T07:43:18.763" v="291" actId="1076"/>
+          <ac:spMkLst>
+            <pc:docMk/>
+            <pc:sldMk cId="2779397201" sldId="420"/>
+            <ac:spMk id="7" creationId="{00000000-0000-0000-0000-000000000000}"/>
+          </ac:spMkLst>
+        </pc:spChg>
+        <pc:spChg chg="mod">
+          <ac:chgData name="이승준" userId="73256f58-64ad-4fdb-8087-b1e36ecff85d" providerId="ADAL" clId="{9A301F82-2960-4DF1-B250-63C7B7D28C2E}" dt="2022-09-13T08:09:24.303" v="295" actId="20577"/>
+          <ac:spMkLst>
+            <pc:docMk/>
+            <pc:sldMk cId="2779397201" sldId="420"/>
+            <ac:spMk id="12" creationId="{00000000-0000-0000-0000-000000000000}"/>
+          </ac:spMkLst>
+        </pc:spChg>
+        <pc:picChg chg="mod">
+          <ac:chgData name="이승준" userId="73256f58-64ad-4fdb-8087-b1e36ecff85d" providerId="ADAL" clId="{9A301F82-2960-4DF1-B250-63C7B7D28C2E}" dt="2022-09-13T07:42:44.515" v="290" actId="1076"/>
+          <ac:picMkLst>
+            <pc:docMk/>
+            <pc:sldMk cId="2779397201" sldId="420"/>
+            <ac:picMk id="3" creationId="{FA0DB2AD-F860-0785-9CF6-A57F4F6158F4}"/>
+          </ac:picMkLst>
+        </pc:picChg>
+      </pc:sldChg>
+      <pc:sldChg chg="addSp modSp mod">
+        <pc:chgData name="이승준" userId="73256f58-64ad-4fdb-8087-b1e36ecff85d" providerId="ADAL" clId="{9A301F82-2960-4DF1-B250-63C7B7D28C2E}" dt="2022-09-13T08:30:44.906" v="491" actId="1076"/>
+        <pc:sldMkLst>
+          <pc:docMk/>
+          <pc:sldMk cId="803719723" sldId="425"/>
+        </pc:sldMkLst>
+        <pc:spChg chg="add mod">
+          <ac:chgData name="이승준" userId="73256f58-64ad-4fdb-8087-b1e36ecff85d" providerId="ADAL" clId="{9A301F82-2960-4DF1-B250-63C7B7D28C2E}" dt="2022-09-13T08:30:44.906" v="491" actId="1076"/>
+          <ac:spMkLst>
+            <pc:docMk/>
+            <pc:sldMk cId="803719723" sldId="425"/>
+            <ac:spMk id="2" creationId="{D90E37B8-06A4-A0CC-A11E-DF2698E024EF}"/>
+          </ac:spMkLst>
+        </pc:spChg>
+        <pc:spChg chg="mod">
+          <ac:chgData name="이승준" userId="73256f58-64ad-4fdb-8087-b1e36ecff85d" providerId="ADAL" clId="{9A301F82-2960-4DF1-B250-63C7B7D28C2E}" dt="2022-09-13T08:30:22.241" v="395" actId="1076"/>
+          <ac:spMkLst>
+            <pc:docMk/>
+            <pc:sldMk cId="803719723" sldId="425"/>
+            <ac:spMk id="16" creationId="{EFD4FF8C-5850-128D-F0EE-8F2468CAD6D0}"/>
+          </ac:spMkLst>
+        </pc:spChg>
+      </pc:sldChg>
+      <pc:sldChg chg="addSp delSp modSp add mod">
+        <pc:chgData name="이승준" userId="73256f58-64ad-4fdb-8087-b1e36ecff85d" providerId="ADAL" clId="{9A301F82-2960-4DF1-B250-63C7B7D28C2E}" dt="2022-09-13T07:32:52.994" v="287" actId="20577"/>
+        <pc:sldMkLst>
+          <pc:docMk/>
+          <pc:sldMk cId="1399212407" sldId="428"/>
+        </pc:sldMkLst>
+        <pc:spChg chg="add mod">
+          <ac:chgData name="이승준" userId="73256f58-64ad-4fdb-8087-b1e36ecff85d" providerId="ADAL" clId="{9A301F82-2960-4DF1-B250-63C7B7D28C2E}" dt="2022-09-13T07:32:33.813" v="273" actId="1076"/>
+          <ac:spMkLst>
+            <pc:docMk/>
+            <pc:sldMk cId="1399212407" sldId="428"/>
+            <ac:spMk id="3" creationId="{DEB8D348-B51A-106E-E7C0-341EC55BA11B}"/>
+          </ac:spMkLst>
+        </pc:spChg>
+        <pc:spChg chg="add mod">
+          <ac:chgData name="이승준" userId="73256f58-64ad-4fdb-8087-b1e36ecff85d" providerId="ADAL" clId="{9A301F82-2960-4DF1-B250-63C7B7D28C2E}" dt="2022-09-13T07:32:14.283" v="264" actId="1038"/>
+          <ac:spMkLst>
+            <pc:docMk/>
+            <pc:sldMk cId="1399212407" sldId="428"/>
+            <ac:spMk id="4" creationId="{E4429AAA-6BA8-8E32-14A0-F770A63351C2}"/>
+          </ac:spMkLst>
+        </pc:spChg>
+        <pc:spChg chg="add del mod">
+          <ac:chgData name="이승준" userId="73256f58-64ad-4fdb-8087-b1e36ecff85d" providerId="ADAL" clId="{9A301F82-2960-4DF1-B250-63C7B7D28C2E}" dt="2022-09-13T07:31:36.490" v="103"/>
+          <ac:spMkLst>
+            <pc:docMk/>
+            <pc:sldMk cId="1399212407" sldId="428"/>
+            <ac:spMk id="6" creationId="{ABBCF127-4EC3-F65E-4209-F5934F86782C}"/>
+          </ac:spMkLst>
+        </pc:spChg>
+        <pc:spChg chg="del mod">
+          <ac:chgData name="이승준" userId="73256f58-64ad-4fdb-8087-b1e36ecff85d" providerId="ADAL" clId="{9A301F82-2960-4DF1-B250-63C7B7D28C2E}" dt="2022-09-13T07:30:12.906" v="90" actId="478"/>
+          <ac:spMkLst>
+            <pc:docMk/>
+            <pc:sldMk cId="1399212407" sldId="428"/>
+            <ac:spMk id="7" creationId="{31BC09DF-A80E-54AB-293C-E1C0CEB3E679}"/>
+          </ac:spMkLst>
+        </pc:spChg>
+        <pc:spChg chg="add mod">
+          <ac:chgData name="이승준" userId="73256f58-64ad-4fdb-8087-b1e36ecff85d" providerId="ADAL" clId="{9A301F82-2960-4DF1-B250-63C7B7D28C2E}" dt="2022-09-13T07:32:33.813" v="273" actId="1076"/>
+          <ac:spMkLst>
+            <pc:docMk/>
+            <pc:sldMk cId="1399212407" sldId="428"/>
+            <ac:spMk id="9" creationId="{187DEABE-BFF5-6815-8F45-68AADFC121A0}"/>
+          </ac:spMkLst>
+        </pc:spChg>
+        <pc:spChg chg="add del mod">
+          <ac:chgData name="이승준" userId="73256f58-64ad-4fdb-8087-b1e36ecff85d" providerId="ADAL" clId="{9A301F82-2960-4DF1-B250-63C7B7D28C2E}" dt="2022-09-13T07:32:52.994" v="287" actId="20577"/>
+          <ac:spMkLst>
+            <pc:docMk/>
+            <pc:sldMk cId="1399212407" sldId="428"/>
+            <ac:spMk id="3088" creationId="{4E24F135-D002-F025-8E74-C2E9601E3B48}"/>
+          </ac:spMkLst>
+        </pc:spChg>
+        <pc:picChg chg="add mod">
+          <ac:chgData name="이승준" userId="73256f58-64ad-4fdb-8087-b1e36ecff85d" providerId="ADAL" clId="{9A301F82-2960-4DF1-B250-63C7B7D28C2E}" dt="2022-09-13T07:32:27.960" v="270" actId="1076"/>
+          <ac:picMkLst>
+            <pc:docMk/>
+            <pc:sldMk cId="1399212407" sldId="428"/>
+            <ac:picMk id="1026" creationId="{4D3424F7-6B10-7513-C00F-5037CCF19AC8}"/>
+          </ac:picMkLst>
+        </pc:picChg>
+        <pc:picChg chg="add del mod">
+          <ac:chgData name="이승준" userId="73256f58-64ad-4fdb-8087-b1e36ecff85d" providerId="ADAL" clId="{9A301F82-2960-4DF1-B250-63C7B7D28C2E}" dt="2022-09-13T07:21:56.303" v="55" actId="478"/>
+          <ac:picMkLst>
+            <pc:docMk/>
+            <pc:sldMk cId="1399212407" sldId="428"/>
+            <ac:picMk id="1028" creationId="{D3168C64-355C-AA05-7992-09B2DC414700}"/>
+          </ac:picMkLst>
+        </pc:picChg>
+        <pc:picChg chg="add mod">
+          <ac:chgData name="이승준" userId="73256f58-64ad-4fdb-8087-b1e36ecff85d" providerId="ADAL" clId="{9A301F82-2960-4DF1-B250-63C7B7D28C2E}" dt="2022-09-13T07:32:27.960" v="270" actId="1076"/>
+          <ac:picMkLst>
+            <pc:docMk/>
+            <pc:sldMk cId="1399212407" sldId="428"/>
+            <ac:picMk id="1030" creationId="{F76071FA-6496-03B4-4791-15C7B94517FE}"/>
+          </ac:picMkLst>
+        </pc:picChg>
+        <pc:picChg chg="del">
+          <ac:chgData name="이승준" userId="73256f58-64ad-4fdb-8087-b1e36ecff85d" providerId="ADAL" clId="{9A301F82-2960-4DF1-B250-63C7B7D28C2E}" dt="2022-09-13T07:21:40.881" v="44" actId="478"/>
+          <ac:picMkLst>
+            <pc:docMk/>
+            <pc:sldMk cId="1399212407" sldId="428"/>
+            <ac:picMk id="5122" creationId="{A91DAC9B-8F4D-C52B-828D-85CFEE18D7BE}"/>
+          </ac:picMkLst>
+        </pc:picChg>
+      </pc:sldChg>
+    </pc:docChg>
+  </pc:docChgLst>
 </pc:chgInfo>
 </file>
 
@@ -1853,7 +2076,7 @@
           <a:p>
             <a:fld id="{F38A86D5-FB34-4FA2-AD09-E683F3549931}" type="datetimeFigureOut">
               <a:rPr lang="ko-KR" altLang="en-US" smtClean="0"/>
-              <a:t>2022-09-12</a:t>
+              <a:t>2022-09-13</a:t>
             </a:fld>
             <a:endParaRPr lang="ko-KR" altLang="en-US"/>
           </a:p>
@@ -2336,7 +2559,7 @@
           <a:p>
             <a:fld id="{B4D05D8A-C572-4ED6-9BF4-8BF12D399983}" type="datetimeFigureOut">
               <a:rPr lang="ko-KR" altLang="en-US" smtClean="0"/>
-              <a:t>2022-09-12</a:t>
+              <a:t>2022-09-13</a:t>
             </a:fld>
             <a:endParaRPr lang="ko-KR" altLang="en-US"/>
           </a:p>
@@ -2504,7 +2727,7 @@
           <a:p>
             <a:fld id="{B4D05D8A-C572-4ED6-9BF4-8BF12D399983}" type="datetimeFigureOut">
               <a:rPr lang="ko-KR" altLang="en-US" smtClean="0"/>
-              <a:t>2022-09-12</a:t>
+              <a:t>2022-09-13</a:t>
             </a:fld>
             <a:endParaRPr lang="ko-KR" altLang="en-US"/>
           </a:p>
@@ -2682,7 +2905,7 @@
           <a:p>
             <a:fld id="{B4D05D8A-C572-4ED6-9BF4-8BF12D399983}" type="datetimeFigureOut">
               <a:rPr lang="ko-KR" altLang="en-US" smtClean="0"/>
-              <a:t>2022-09-12</a:t>
+              <a:t>2022-09-13</a:t>
             </a:fld>
             <a:endParaRPr lang="ko-KR" altLang="en-US"/>
           </a:p>
@@ -2850,7 +3073,7 @@
           <a:p>
             <a:fld id="{B4D05D8A-C572-4ED6-9BF4-8BF12D399983}" type="datetimeFigureOut">
               <a:rPr lang="ko-KR" altLang="en-US" smtClean="0"/>
-              <a:t>2022-09-12</a:t>
+              <a:t>2022-09-13</a:t>
             </a:fld>
             <a:endParaRPr lang="ko-KR" altLang="en-US"/>
           </a:p>
@@ -3095,7 +3318,7 @@
           <a:p>
             <a:fld id="{B4D05D8A-C572-4ED6-9BF4-8BF12D399983}" type="datetimeFigureOut">
               <a:rPr lang="ko-KR" altLang="en-US" smtClean="0"/>
-              <a:t>2022-09-12</a:t>
+              <a:t>2022-09-13</a:t>
             </a:fld>
             <a:endParaRPr lang="ko-KR" altLang="en-US"/>
           </a:p>
@@ -3324,7 +3547,7 @@
           <a:p>
             <a:fld id="{B4D05D8A-C572-4ED6-9BF4-8BF12D399983}" type="datetimeFigureOut">
               <a:rPr lang="ko-KR" altLang="en-US" smtClean="0"/>
-              <a:t>2022-09-12</a:t>
+              <a:t>2022-09-13</a:t>
             </a:fld>
             <a:endParaRPr lang="ko-KR" altLang="en-US"/>
           </a:p>
@@ -3688,7 +3911,7 @@
           <a:p>
             <a:fld id="{B4D05D8A-C572-4ED6-9BF4-8BF12D399983}" type="datetimeFigureOut">
               <a:rPr lang="ko-KR" altLang="en-US" smtClean="0"/>
-              <a:t>2022-09-12</a:t>
+              <a:t>2022-09-13</a:t>
             </a:fld>
             <a:endParaRPr lang="ko-KR" altLang="en-US"/>
           </a:p>
@@ -3805,7 +4028,7 @@
           <a:p>
             <a:fld id="{B4D05D8A-C572-4ED6-9BF4-8BF12D399983}" type="datetimeFigureOut">
               <a:rPr lang="ko-KR" altLang="en-US" smtClean="0"/>
-              <a:t>2022-09-12</a:t>
+              <a:t>2022-09-13</a:t>
             </a:fld>
             <a:endParaRPr lang="ko-KR" altLang="en-US"/>
           </a:p>
@@ -3900,7 +4123,7 @@
           <a:p>
             <a:fld id="{B4D05D8A-C572-4ED6-9BF4-8BF12D399983}" type="datetimeFigureOut">
               <a:rPr lang="ko-KR" altLang="en-US" smtClean="0"/>
-              <a:t>2022-09-12</a:t>
+              <a:t>2022-09-13</a:t>
             </a:fld>
             <a:endParaRPr lang="ko-KR" altLang="en-US"/>
           </a:p>
@@ -4175,7 +4398,7 @@
           <a:p>
             <a:fld id="{B4D05D8A-C572-4ED6-9BF4-8BF12D399983}" type="datetimeFigureOut">
               <a:rPr lang="ko-KR" altLang="en-US" smtClean="0"/>
-              <a:t>2022-09-12</a:t>
+              <a:t>2022-09-13</a:t>
             </a:fld>
             <a:endParaRPr lang="ko-KR" altLang="en-US"/>
           </a:p>
@@ -4427,7 +4650,7 @@
           <a:p>
             <a:fld id="{B4D05D8A-C572-4ED6-9BF4-8BF12D399983}" type="datetimeFigureOut">
               <a:rPr lang="ko-KR" altLang="en-US" smtClean="0"/>
-              <a:t>2022-09-12</a:t>
+              <a:t>2022-09-13</a:t>
             </a:fld>
             <a:endParaRPr lang="ko-KR" altLang="en-US"/>
           </a:p>
@@ -4647,7 +4870,7 @@
           <a:p>
             <a:fld id="{B4D05D8A-C572-4ED6-9BF4-8BF12D399983}" type="datetimeFigureOut">
               <a:rPr lang="ko-KR" altLang="en-US" smtClean="0"/>
-              <a:t>2022-09-12</a:t>
+              <a:t>2022-09-13</a:t>
             </a:fld>
             <a:endParaRPr lang="ko-KR" altLang="en-US"/>
           </a:p>
@@ -5165,6 +5388,696 @@
       </p:grpSpPr>
       <p:sp>
         <p:nvSpPr>
+          <p:cNvPr id="7" name="직사각형 6"/>
+          <p:cNvSpPr/>
+          <p:nvPr/>
+        </p:nvSpPr>
+        <p:spPr>
+          <a:xfrm>
+            <a:off x="1450268" y="1639018"/>
+            <a:ext cx="9599587" cy="1101135"/>
+          </a:xfrm>
+          <a:prstGeom prst="rect">
+            <a:avLst/>
+          </a:prstGeom>
+          <a:noFill/>
+        </p:spPr>
+        <p:txBody>
+          <a:bodyPr wrap="square">
+            <a:spAutoFit/>
+          </a:bodyPr>
+          <a:lstStyle/>
+          <a:p>
+            <a:pPr marR="0" lvl="0" defTabSz="914400" rtl="0" eaLnBrk="1" fontAlgn="auto" latinLnBrk="1" hangingPunct="1">
+              <a:lnSpc>
+                <a:spcPct val="200000"/>
+              </a:lnSpc>
+              <a:spcBef>
+                <a:spcPts val="0"/>
+              </a:spcBef>
+              <a:spcAft>
+                <a:spcPts val="0"/>
+              </a:spcAft>
+              <a:buClrTx/>
+              <a:buSzTx/>
+              <a:tabLst/>
+              <a:defRPr/>
+            </a:pPr>
+            <a:r>
+              <a:rPr lang="en-US" altLang="ko-KR" dirty="0">
+                <a:latin typeface="12롯데마트드림Medium" panose="02020603020101020101" pitchFamily="18" charset="-127"/>
+                <a:ea typeface="12롯데마트드림Medium" panose="02020603020101020101" pitchFamily="18" charset="-127"/>
+              </a:rPr>
+              <a:t>4.   </a:t>
+            </a:r>
+            <a:r>
+              <a:rPr lang="ko-KR" altLang="en-US" dirty="0">
+                <a:latin typeface="12롯데마트드림Medium" panose="02020603020101020101" pitchFamily="18" charset="-127"/>
+                <a:ea typeface="12롯데마트드림Medium" panose="02020603020101020101" pitchFamily="18" charset="-127"/>
+              </a:rPr>
+              <a:t>베이지안 최적화</a:t>
+            </a:r>
+            <a:r>
+              <a:rPr lang="en-US" altLang="ko-KR" dirty="0">
+                <a:latin typeface="12롯데마트드림Medium" panose="02020603020101020101" pitchFamily="18" charset="-127"/>
+                <a:ea typeface="12롯데마트드림Medium" panose="02020603020101020101" pitchFamily="18" charset="-127"/>
+              </a:rPr>
+              <a:t> Bayesian Optimization : </a:t>
+            </a:r>
+            <a:r>
+              <a:rPr lang="ko-KR" altLang="en-US" dirty="0" err="1">
+                <a:latin typeface="12롯데마트드림Medium" panose="02020603020101020101" pitchFamily="18" charset="-127"/>
+                <a:ea typeface="12롯데마트드림Medium" panose="02020603020101020101" pitchFamily="18" charset="-127"/>
+              </a:rPr>
+              <a:t>베이즈</a:t>
+            </a:r>
+            <a:r>
+              <a:rPr lang="ko-KR" altLang="en-US" dirty="0">
+                <a:latin typeface="12롯데마트드림Medium" panose="02020603020101020101" pitchFamily="18" charset="-127"/>
+                <a:ea typeface="12롯데마트드림Medium" panose="02020603020101020101" pitchFamily="18" charset="-127"/>
+              </a:rPr>
+              <a:t> 정리를 기반으로 목적함수를 최대화하는 최적해 </a:t>
+            </a:r>
+            <a:endParaRPr kumimoji="0" lang="en-US" altLang="ko-KR" i="0" u="none" strike="noStrike" kern="1200" cap="none" spc="0" normalizeH="0" baseline="0" noProof="0" dirty="0">
+              <a:ln>
+                <a:noFill/>
+              </a:ln>
+              <a:effectLst/>
+              <a:uLnTx/>
+              <a:uFillTx/>
+              <a:latin typeface="12롯데마트드림Medium" panose="02020603020101020101" pitchFamily="18" charset="-127"/>
+              <a:ea typeface="12롯데마트드림Medium" panose="02020603020101020101" pitchFamily="18" charset="-127"/>
+            </a:endParaRPr>
+          </a:p>
+          <a:p>
+            <a:pPr marL="0" marR="0" lvl="0" indent="0" defTabSz="914400" rtl="0" eaLnBrk="1" fontAlgn="auto" latinLnBrk="1" hangingPunct="1">
+              <a:lnSpc>
+                <a:spcPct val="200000"/>
+              </a:lnSpc>
+              <a:spcBef>
+                <a:spcPts val="0"/>
+              </a:spcBef>
+              <a:spcAft>
+                <a:spcPts val="0"/>
+              </a:spcAft>
+              <a:buClrTx/>
+              <a:buSzTx/>
+              <a:buFontTx/>
+              <a:buNone/>
+              <a:tabLst/>
+              <a:defRPr/>
+            </a:pPr>
+            <a:endParaRPr kumimoji="0" lang="en-US" altLang="ko-KR" i="0" u="none" strike="noStrike" kern="1200" cap="none" spc="0" normalizeH="0" baseline="0" noProof="0" dirty="0">
+              <a:ln>
+                <a:noFill/>
+              </a:ln>
+              <a:effectLst/>
+              <a:uLnTx/>
+              <a:uFillTx/>
+              <a:latin typeface="12롯데마트드림Medium" panose="02020603020101020101" pitchFamily="18" charset="-127"/>
+              <a:ea typeface="12롯데마트드림Medium" panose="02020603020101020101" pitchFamily="18" charset="-127"/>
+            </a:endParaRPr>
+          </a:p>
+        </p:txBody>
+      </p:sp>
+      <p:sp>
+        <p:nvSpPr>
+          <p:cNvPr id="12" name="직사각형 11"/>
+          <p:cNvSpPr/>
+          <p:nvPr/>
+        </p:nvSpPr>
+        <p:spPr>
+          <a:xfrm>
+            <a:off x="1249922" y="868368"/>
+            <a:ext cx="3979655" cy="461665"/>
+          </a:xfrm>
+          <a:prstGeom prst="rect">
+            <a:avLst/>
+          </a:prstGeom>
+          <a:noFill/>
+        </p:spPr>
+        <p:txBody>
+          <a:bodyPr wrap="square">
+            <a:spAutoFit/>
+          </a:bodyPr>
+          <a:lstStyle/>
+          <a:p>
+            <a:pPr marL="0" marR="0" lvl="0" indent="0" algn="l" defTabSz="914400" rtl="0" eaLnBrk="1" fontAlgn="auto" latinLnBrk="1" hangingPunct="1">
+              <a:lnSpc>
+                <a:spcPct val="100000"/>
+              </a:lnSpc>
+              <a:spcBef>
+                <a:spcPts val="0"/>
+              </a:spcBef>
+              <a:spcAft>
+                <a:spcPts val="0"/>
+              </a:spcAft>
+              <a:buClrTx/>
+              <a:buSzTx/>
+              <a:buFontTx/>
+              <a:buNone/>
+              <a:tabLst/>
+              <a:defRPr/>
+            </a:pPr>
+            <a:r>
+              <a:rPr kumimoji="0" lang="ko-KR" altLang="en-US" sz="2400" b="0" i="0" u="none" strike="noStrike" kern="1200" cap="none" spc="0" normalizeH="0" baseline="0" noProof="0" dirty="0" err="1">
+                <a:ln>
+                  <a:noFill/>
+                </a:ln>
+                <a:effectLst/>
+                <a:uLnTx/>
+                <a:uFillTx/>
+                <a:latin typeface="12롯데마트드림Bold" panose="02020603020101020101" pitchFamily="18" charset="-127"/>
+                <a:ea typeface="12롯데마트드림Bold" panose="02020603020101020101" pitchFamily="18" charset="-127"/>
+              </a:rPr>
+              <a:t>하이퍼파라미터</a:t>
+            </a:r>
+            <a:r>
+              <a:rPr kumimoji="0" lang="ko-KR" altLang="en-US" sz="2400" b="0" i="0" u="none" strike="noStrike" kern="1200" cap="none" spc="0" normalizeH="0" baseline="0" noProof="0" dirty="0">
+                <a:ln>
+                  <a:noFill/>
+                </a:ln>
+                <a:effectLst/>
+                <a:uLnTx/>
+                <a:uFillTx/>
+                <a:latin typeface="12롯데마트드림Bold" panose="02020603020101020101" pitchFamily="18" charset="-127"/>
+                <a:ea typeface="12롯데마트드림Bold" panose="02020603020101020101" pitchFamily="18" charset="-127"/>
+              </a:rPr>
+              <a:t> 최적화</a:t>
+            </a:r>
+            <a:endParaRPr kumimoji="0" lang="en-US" altLang="ko-KR" sz="2400" b="0" i="0" u="none" strike="noStrike" kern="1200" cap="none" spc="0" normalizeH="0" baseline="0" noProof="0" dirty="0">
+              <a:ln>
+                <a:noFill/>
+              </a:ln>
+              <a:effectLst/>
+              <a:uLnTx/>
+              <a:uFillTx/>
+              <a:latin typeface="12롯데마트드림Bold" panose="02020603020101020101" pitchFamily="18" charset="-127"/>
+              <a:ea typeface="12롯데마트드림Bold" panose="02020603020101020101" pitchFamily="18" charset="-127"/>
+            </a:endParaRPr>
+          </a:p>
+        </p:txBody>
+      </p:sp>
+      <p:pic>
+        <p:nvPicPr>
+          <p:cNvPr id="1026" name="Picture 2" descr="베이즈 정리의 의미 - 공돌이의 수학정리노트">
+            <a:extLst>
+              <a:ext uri="{FF2B5EF4-FFF2-40B4-BE49-F238E27FC236}">
+                <a16:creationId xmlns:a16="http://schemas.microsoft.com/office/drawing/2014/main" id="{6B9CDC3B-56E1-F290-1D91-1BB83921AF54}"/>
+              </a:ext>
+            </a:extLst>
+          </p:cNvPr>
+          <p:cNvPicPr>
+            <a:picLocks noChangeAspect="1" noChangeArrowheads="1"/>
+          </p:cNvPicPr>
+          <p:nvPr/>
+        </p:nvPicPr>
+        <p:blipFill>
+          <a:blip r:embed="rId2">
+            <a:extLst>
+              <a:ext uri="{28A0092B-C50C-407E-A947-70E740481C1C}">
+                <a14:useLocalDpi xmlns:a14="http://schemas.microsoft.com/office/drawing/2010/main" val="0"/>
+              </a:ext>
+            </a:extLst>
+          </a:blip>
+          <a:srcRect/>
+          <a:stretch>
+            <a:fillRect/>
+          </a:stretch>
+        </p:blipFill>
+        <p:spPr bwMode="auto">
+          <a:xfrm>
+            <a:off x="2038037" y="4175750"/>
+            <a:ext cx="2758139" cy="1314801"/>
+          </a:xfrm>
+          <a:prstGeom prst="rect">
+            <a:avLst/>
+          </a:prstGeom>
+          <a:noFill/>
+          <a:extLst>
+            <a:ext uri="{909E8E84-426E-40DD-AFC4-6F175D3DCCD1}">
+              <a14:hiddenFill xmlns:a14="http://schemas.microsoft.com/office/drawing/2010/main">
+                <a:solidFill>
+                  <a:srgbClr val="FFFFFF"/>
+                </a:solidFill>
+              </a14:hiddenFill>
+            </a:ext>
+          </a:extLst>
+        </p:spPr>
+      </p:pic>
+      <p:cxnSp>
+        <p:nvCxnSpPr>
+          <p:cNvPr id="3" name="직선 연결선 2">
+            <a:extLst>
+              <a:ext uri="{FF2B5EF4-FFF2-40B4-BE49-F238E27FC236}">
+                <a16:creationId xmlns:a16="http://schemas.microsoft.com/office/drawing/2014/main" id="{112601B4-0B1B-8274-D088-D7BC2D3C6170}"/>
+              </a:ext>
+            </a:extLst>
+          </p:cNvPr>
+          <p:cNvCxnSpPr/>
+          <p:nvPr/>
+        </p:nvCxnSpPr>
+        <p:spPr>
+          <a:xfrm>
+            <a:off x="8119635" y="2170226"/>
+            <a:ext cx="796247" cy="0"/>
+          </a:xfrm>
+          <a:prstGeom prst="line">
+            <a:avLst/>
+          </a:prstGeom>
+          <a:ln w="28575">
+            <a:solidFill>
+              <a:schemeClr val="accent6">
+                <a:lumMod val="60000"/>
+                <a:lumOff val="40000"/>
+              </a:schemeClr>
+            </a:solidFill>
+          </a:ln>
+        </p:spPr>
+        <p:style>
+          <a:lnRef idx="1">
+            <a:schemeClr val="accent4"/>
+          </a:lnRef>
+          <a:fillRef idx="0">
+            <a:schemeClr val="accent4"/>
+          </a:fillRef>
+          <a:effectRef idx="0">
+            <a:schemeClr val="accent4"/>
+          </a:effectRef>
+          <a:fontRef idx="minor">
+            <a:schemeClr val="tx1"/>
+          </a:fontRef>
+        </p:style>
+      </p:cxnSp>
+      <p:sp>
+        <p:nvSpPr>
+          <p:cNvPr id="8" name="TextBox 7">
+            <a:extLst>
+              <a:ext uri="{FF2B5EF4-FFF2-40B4-BE49-F238E27FC236}">
+                <a16:creationId xmlns:a16="http://schemas.microsoft.com/office/drawing/2014/main" id="{02A582AC-F3AE-5045-69B3-39842E5122D8}"/>
+              </a:ext>
+            </a:extLst>
+          </p:cNvPr>
+          <p:cNvSpPr txBox="1"/>
+          <p:nvPr/>
+        </p:nvSpPr>
+        <p:spPr>
+          <a:xfrm>
+            <a:off x="6887568" y="3841288"/>
+            <a:ext cx="4056628" cy="1881605"/>
+          </a:xfrm>
+          <a:prstGeom prst="rect">
+            <a:avLst/>
+          </a:prstGeom>
+          <a:noFill/>
+          <a:ln w="19050">
+            <a:solidFill>
+              <a:schemeClr val="accent6">
+                <a:lumMod val="60000"/>
+                <a:lumOff val="40000"/>
+              </a:schemeClr>
+            </a:solidFill>
+          </a:ln>
+        </p:spPr>
+        <p:txBody>
+          <a:bodyPr wrap="square" rtlCol="0">
+            <a:spAutoFit/>
+          </a:bodyPr>
+          <a:lstStyle/>
+          <a:p>
+            <a:pPr>
+              <a:lnSpc>
+                <a:spcPct val="150000"/>
+              </a:lnSpc>
+            </a:pPr>
+            <a:endParaRPr lang="en-US" altLang="ko-KR" sz="1600" dirty="0">
+              <a:latin typeface="12롯데마트드림Medium" panose="02020603020101020101" pitchFamily="18" charset="-127"/>
+              <a:ea typeface="12롯데마트드림Medium" panose="02020603020101020101" pitchFamily="18" charset="-127"/>
+            </a:endParaRPr>
+          </a:p>
+          <a:p>
+            <a:pPr>
+              <a:lnSpc>
+                <a:spcPct val="150000"/>
+              </a:lnSpc>
+            </a:pPr>
+            <a:r>
+              <a:rPr lang="ko-KR" altLang="en-US" sz="1600" dirty="0">
+                <a:latin typeface="12롯데마트드림Medium" panose="02020603020101020101" pitchFamily="18" charset="-127"/>
+                <a:ea typeface="12롯데마트드림Medium" panose="02020603020101020101" pitchFamily="18" charset="-127"/>
+              </a:rPr>
+              <a:t> 예측 </a:t>
+            </a:r>
+            <a:r>
+              <a:rPr lang="en-US" altLang="ko-KR" sz="1600" dirty="0">
+                <a:latin typeface="12롯데마트드림Medium" panose="02020603020101020101" pitchFamily="18" charset="-127"/>
+                <a:ea typeface="12롯데마트드림Medium" panose="02020603020101020101" pitchFamily="18" charset="-127"/>
+              </a:rPr>
+              <a:t>/ </a:t>
+            </a:r>
+            <a:r>
+              <a:rPr lang="ko-KR" altLang="en-US" sz="1600" dirty="0">
+                <a:latin typeface="12롯데마트드림Medium" panose="02020603020101020101" pitchFamily="18" charset="-127"/>
+                <a:ea typeface="12롯데마트드림Medium" panose="02020603020101020101" pitchFamily="18" charset="-127"/>
+              </a:rPr>
+              <a:t>회귀 </a:t>
+            </a:r>
+            <a:r>
+              <a:rPr lang="en-US" altLang="ko-KR" sz="1600" dirty="0">
+                <a:latin typeface="12롯데마트드림Medium" panose="02020603020101020101" pitchFamily="18" charset="-127"/>
+                <a:ea typeface="12롯데마트드림Medium" panose="02020603020101020101" pitchFamily="18" charset="-127"/>
+              </a:rPr>
+              <a:t>: MSE, RMSE </a:t>
+            </a:r>
+            <a:r>
+              <a:rPr lang="ko-KR" altLang="en-US" sz="1600" dirty="0">
+                <a:latin typeface="12롯데마트드림Medium" panose="02020603020101020101" pitchFamily="18" charset="-127"/>
+                <a:ea typeface="12롯데마트드림Medium" panose="02020603020101020101" pitchFamily="18" charset="-127"/>
+              </a:rPr>
+              <a:t>등</a:t>
+            </a:r>
+            <a:r>
+              <a:rPr lang="en-US" altLang="ko-KR" sz="1600" dirty="0">
+                <a:latin typeface="12롯데마트드림Medium" panose="02020603020101020101" pitchFamily="18" charset="-127"/>
+                <a:ea typeface="12롯데마트드림Medium" panose="02020603020101020101" pitchFamily="18" charset="-127"/>
+              </a:rPr>
+              <a:t>…</a:t>
+            </a:r>
+          </a:p>
+          <a:p>
+            <a:pPr>
+              <a:lnSpc>
+                <a:spcPct val="150000"/>
+              </a:lnSpc>
+            </a:pPr>
+            <a:endParaRPr lang="en-US" altLang="ko-KR" sz="1600" dirty="0">
+              <a:latin typeface="12롯데마트드림Medium" panose="02020603020101020101" pitchFamily="18" charset="-127"/>
+              <a:ea typeface="12롯데마트드림Medium" panose="02020603020101020101" pitchFamily="18" charset="-127"/>
+            </a:endParaRPr>
+          </a:p>
+          <a:p>
+            <a:pPr>
+              <a:lnSpc>
+                <a:spcPct val="150000"/>
+              </a:lnSpc>
+            </a:pPr>
+            <a:r>
+              <a:rPr lang="ko-KR" altLang="en-US" sz="1600" dirty="0">
+                <a:latin typeface="12롯데마트드림Medium" panose="02020603020101020101" pitchFamily="18" charset="-127"/>
+                <a:ea typeface="12롯데마트드림Medium" panose="02020603020101020101" pitchFamily="18" charset="-127"/>
+              </a:rPr>
+              <a:t> 분류 </a:t>
+            </a:r>
+            <a:r>
+              <a:rPr lang="en-US" altLang="ko-KR" sz="1600" dirty="0">
+                <a:latin typeface="12롯데마트드림Medium" panose="02020603020101020101" pitchFamily="18" charset="-127"/>
+                <a:ea typeface="12롯데마트드림Medium" panose="02020603020101020101" pitchFamily="18" charset="-127"/>
+              </a:rPr>
+              <a:t>: </a:t>
+            </a:r>
+            <a:r>
+              <a:rPr lang="ko-KR" altLang="en-US" sz="1600" dirty="0">
+                <a:latin typeface="12롯데마트드림Medium" panose="02020603020101020101" pitchFamily="18" charset="-127"/>
+                <a:ea typeface="12롯데마트드림Medium" panose="02020603020101020101" pitchFamily="18" charset="-127"/>
+              </a:rPr>
+              <a:t>정확도</a:t>
+            </a:r>
+            <a:r>
+              <a:rPr lang="en-US" altLang="ko-KR" sz="1600" dirty="0">
+                <a:latin typeface="12롯데마트드림Medium" panose="02020603020101020101" pitchFamily="18" charset="-127"/>
+                <a:ea typeface="12롯데마트드림Medium" panose="02020603020101020101" pitchFamily="18" charset="-127"/>
+              </a:rPr>
+              <a:t>, </a:t>
+            </a:r>
+            <a:r>
+              <a:rPr lang="ko-KR" altLang="en-US" sz="1600" dirty="0">
+                <a:latin typeface="12롯데마트드림Medium" panose="02020603020101020101" pitchFamily="18" charset="-127"/>
+                <a:ea typeface="12롯데마트드림Medium" panose="02020603020101020101" pitchFamily="18" charset="-127"/>
+              </a:rPr>
+              <a:t>정밀도</a:t>
+            </a:r>
+            <a:r>
+              <a:rPr lang="en-US" altLang="ko-KR" sz="1600" dirty="0">
+                <a:latin typeface="12롯데마트드림Medium" panose="02020603020101020101" pitchFamily="18" charset="-127"/>
+                <a:ea typeface="12롯데마트드림Medium" panose="02020603020101020101" pitchFamily="18" charset="-127"/>
+              </a:rPr>
+              <a:t>, </a:t>
+            </a:r>
+            <a:r>
+              <a:rPr lang="ko-KR" altLang="en-US" sz="1600" dirty="0" err="1">
+                <a:latin typeface="12롯데마트드림Medium" panose="02020603020101020101" pitchFamily="18" charset="-127"/>
+                <a:ea typeface="12롯데마트드림Medium" panose="02020603020101020101" pitchFamily="18" charset="-127"/>
+              </a:rPr>
+              <a:t>재현율</a:t>
+            </a:r>
+            <a:r>
+              <a:rPr lang="en-US" altLang="ko-KR" sz="1600" dirty="0">
+                <a:latin typeface="12롯데마트드림Medium" panose="02020603020101020101" pitchFamily="18" charset="-127"/>
+                <a:ea typeface="12롯데마트드림Medium" panose="02020603020101020101" pitchFamily="18" charset="-127"/>
+              </a:rPr>
+              <a:t>, f1-score </a:t>
+            </a:r>
+            <a:r>
+              <a:rPr lang="ko-KR" altLang="en-US" sz="1600" dirty="0">
+                <a:latin typeface="12롯데마트드림Medium" panose="02020603020101020101" pitchFamily="18" charset="-127"/>
+                <a:ea typeface="12롯데마트드림Medium" panose="02020603020101020101" pitchFamily="18" charset="-127"/>
+              </a:rPr>
+              <a:t>등</a:t>
+            </a:r>
+            <a:r>
+              <a:rPr lang="en-US" altLang="ko-KR" sz="1600" dirty="0">
+                <a:latin typeface="12롯데마트드림Medium" panose="02020603020101020101" pitchFamily="18" charset="-127"/>
+                <a:ea typeface="12롯데마트드림Medium" panose="02020603020101020101" pitchFamily="18" charset="-127"/>
+              </a:rPr>
+              <a:t>…</a:t>
+            </a:r>
+          </a:p>
+          <a:p>
+            <a:pPr>
+              <a:lnSpc>
+                <a:spcPct val="150000"/>
+              </a:lnSpc>
+            </a:pPr>
+            <a:endParaRPr lang="en-US" altLang="ko-KR" sz="1600" dirty="0">
+              <a:latin typeface="12롯데마트드림Medium" panose="02020603020101020101" pitchFamily="18" charset="-127"/>
+              <a:ea typeface="12롯데마트드림Medium" panose="02020603020101020101" pitchFamily="18" charset="-127"/>
+            </a:endParaRPr>
+          </a:p>
+        </p:txBody>
+      </p:sp>
+      <p:sp>
+        <p:nvSpPr>
+          <p:cNvPr id="5" name="TextBox 4">
+            <a:extLst>
+              <a:ext uri="{FF2B5EF4-FFF2-40B4-BE49-F238E27FC236}">
+                <a16:creationId xmlns:a16="http://schemas.microsoft.com/office/drawing/2014/main" id="{3FE08748-10B0-ECEE-5296-C114C3BA4598}"/>
+              </a:ext>
+            </a:extLst>
+          </p:cNvPr>
+          <p:cNvSpPr txBox="1"/>
+          <p:nvPr/>
+        </p:nvSpPr>
+        <p:spPr>
+          <a:xfrm>
+            <a:off x="1805350" y="2353348"/>
+            <a:ext cx="7739806" cy="773610"/>
+          </a:xfrm>
+          <a:prstGeom prst="rect">
+            <a:avLst/>
+          </a:prstGeom>
+          <a:noFill/>
+        </p:spPr>
+        <p:txBody>
+          <a:bodyPr wrap="square">
+            <a:spAutoFit/>
+          </a:bodyPr>
+          <a:lstStyle/>
+          <a:p>
+            <a:pPr algn="l">
+              <a:lnSpc>
+                <a:spcPct val="150000"/>
+              </a:lnSpc>
+            </a:pPr>
+            <a:r>
+              <a:rPr lang="ko-KR" altLang="en-US" sz="1600" i="0" dirty="0">
+                <a:effectLst/>
+                <a:latin typeface="12롯데마트드림Medium" panose="02020603020101020101" pitchFamily="18" charset="-127"/>
+                <a:ea typeface="12롯데마트드림Medium" panose="02020603020101020101" pitchFamily="18" charset="-127"/>
+              </a:rPr>
+              <a:t>매 회 새로운 </a:t>
+            </a:r>
+            <a:r>
+              <a:rPr lang="en-US" altLang="ko-KR" sz="1600" i="0" dirty="0">
+                <a:effectLst/>
+                <a:latin typeface="12롯데마트드림Medium" panose="02020603020101020101" pitchFamily="18" charset="-127"/>
+                <a:ea typeface="12롯데마트드림Medium" panose="02020603020101020101" pitchFamily="18" charset="-127"/>
+              </a:rPr>
+              <a:t>hyperparameter </a:t>
+            </a:r>
+            <a:r>
+              <a:rPr lang="ko-KR" altLang="en-US" sz="1600" i="0" dirty="0">
+                <a:effectLst/>
+                <a:latin typeface="12롯데마트드림Medium" panose="02020603020101020101" pitchFamily="18" charset="-127"/>
+                <a:ea typeface="12롯데마트드림Medium" panose="02020603020101020101" pitchFamily="18" charset="-127"/>
+              </a:rPr>
+              <a:t>값에 대한 조사를 수행할 시 </a:t>
+            </a:r>
+            <a:r>
+              <a:rPr lang="ko-KR" altLang="en-US" sz="1600" i="0" dirty="0">
+                <a:solidFill>
+                  <a:srgbClr val="FF0000"/>
+                </a:solidFill>
+                <a:effectLst/>
+                <a:latin typeface="12롯데마트드림Medium" panose="02020603020101020101" pitchFamily="18" charset="-127"/>
+                <a:ea typeface="12롯데마트드림Medium" panose="02020603020101020101" pitchFamily="18" charset="-127"/>
+              </a:rPr>
+              <a:t>사전 지식</a:t>
+            </a:r>
+            <a:r>
+              <a:rPr lang="ko-KR" altLang="en-US" sz="1600" i="0" dirty="0">
+                <a:effectLst/>
+                <a:latin typeface="12롯데마트드림Medium" panose="02020603020101020101" pitchFamily="18" charset="-127"/>
+                <a:ea typeface="12롯데마트드림Medium" panose="02020603020101020101" pitchFamily="18" charset="-127"/>
+              </a:rPr>
+              <a:t>을 충분히 반영하면서</a:t>
+            </a:r>
+            <a:r>
+              <a:rPr lang="en-US" altLang="ko-KR" sz="1600" i="0" dirty="0">
+                <a:effectLst/>
+                <a:latin typeface="12롯데마트드림Medium" panose="02020603020101020101" pitchFamily="18" charset="-127"/>
+                <a:ea typeface="12롯데마트드림Medium" panose="02020603020101020101" pitchFamily="18" charset="-127"/>
+              </a:rPr>
+              <a:t>, </a:t>
+            </a:r>
+            <a:r>
+              <a:rPr lang="ko-KR" altLang="en-US" sz="1600" i="0" dirty="0">
+                <a:effectLst/>
+                <a:latin typeface="12롯데마트드림Medium" panose="02020603020101020101" pitchFamily="18" charset="-127"/>
+                <a:ea typeface="12롯데마트드림Medium" panose="02020603020101020101" pitchFamily="18" charset="-127"/>
+              </a:rPr>
+              <a:t>동시에 전체적인 탐색 과정을 체계적으로 수행</a:t>
+            </a:r>
+          </a:p>
+        </p:txBody>
+      </p:sp>
+      <p:sp>
+        <p:nvSpPr>
+          <p:cNvPr id="11" name="TextBox 10">
+            <a:extLst>
+              <a:ext uri="{FF2B5EF4-FFF2-40B4-BE49-F238E27FC236}">
+                <a16:creationId xmlns:a16="http://schemas.microsoft.com/office/drawing/2014/main" id="{47EBCAFB-0A16-017D-A808-8BC8AE63EDC6}"/>
+              </a:ext>
+            </a:extLst>
+          </p:cNvPr>
+          <p:cNvSpPr txBox="1"/>
+          <p:nvPr/>
+        </p:nvSpPr>
+        <p:spPr>
+          <a:xfrm>
+            <a:off x="7079875" y="3656622"/>
+            <a:ext cx="1039760" cy="369332"/>
+          </a:xfrm>
+          <a:prstGeom prst="rect">
+            <a:avLst/>
+          </a:prstGeom>
+          <a:solidFill>
+            <a:schemeClr val="bg1"/>
+          </a:solidFill>
+        </p:spPr>
+        <p:txBody>
+          <a:bodyPr wrap="square">
+            <a:spAutoFit/>
+          </a:bodyPr>
+          <a:lstStyle/>
+          <a:p>
+            <a:pPr algn="ctr"/>
+            <a:r>
+              <a:rPr lang="ko-KR" altLang="en-US" dirty="0">
+                <a:latin typeface="12롯데마트드림Medium" panose="02020603020101020101" pitchFamily="18" charset="-127"/>
+                <a:ea typeface="12롯데마트드림Medium" panose="02020603020101020101" pitchFamily="18" charset="-127"/>
+              </a:rPr>
+              <a:t>목적함수</a:t>
+            </a:r>
+            <a:endParaRPr lang="ko-KR" altLang="en-US" dirty="0"/>
+          </a:p>
+        </p:txBody>
+      </p:sp>
+      <p:cxnSp>
+        <p:nvCxnSpPr>
+          <p:cNvPr id="13" name="직선 연결선 12">
+            <a:extLst>
+              <a:ext uri="{FF2B5EF4-FFF2-40B4-BE49-F238E27FC236}">
+                <a16:creationId xmlns:a16="http://schemas.microsoft.com/office/drawing/2014/main" id="{B993B516-0EB7-C941-CDCD-D351D1A8F66A}"/>
+              </a:ext>
+            </a:extLst>
+          </p:cNvPr>
+          <p:cNvCxnSpPr/>
+          <p:nvPr/>
+        </p:nvCxnSpPr>
+        <p:spPr>
+          <a:xfrm>
+            <a:off x="7205235" y="4025954"/>
+            <a:ext cx="796247" cy="0"/>
+          </a:xfrm>
+          <a:prstGeom prst="line">
+            <a:avLst/>
+          </a:prstGeom>
+          <a:ln w="28575">
+            <a:solidFill>
+              <a:schemeClr val="accent6">
+                <a:lumMod val="60000"/>
+                <a:lumOff val="40000"/>
+              </a:schemeClr>
+            </a:solidFill>
+          </a:ln>
+        </p:spPr>
+        <p:style>
+          <a:lnRef idx="1">
+            <a:schemeClr val="accent4"/>
+          </a:lnRef>
+          <a:fillRef idx="0">
+            <a:schemeClr val="accent4"/>
+          </a:fillRef>
+          <a:effectRef idx="0">
+            <a:schemeClr val="accent4"/>
+          </a:effectRef>
+          <a:fontRef idx="minor">
+            <a:schemeClr val="tx1"/>
+          </a:fontRef>
+        </p:style>
+      </p:cxnSp>
+    </p:spTree>
+    <p:extLst>
+      <p:ext uri="{BB962C8B-B14F-4D97-AF65-F5344CB8AC3E}">
+        <p14:creationId xmlns:p14="http://schemas.microsoft.com/office/powerpoint/2010/main" val="9714486"/>
+      </p:ext>
+    </p:extLst>
+  </p:cSld>
+  <p:clrMapOvr>
+    <a:masterClrMapping/>
+  </p:clrMapOvr>
+</p:sld>
+</file>
+
+<file path=ppt/slides/slide11.xml><?xml version="1.0" encoding="utf-8"?>
+<p:sld xmlns:a="http://schemas.openxmlformats.org/drawingml/2006/main" xmlns:r="http://schemas.openxmlformats.org/officeDocument/2006/relationships" xmlns:p="http://schemas.openxmlformats.org/presentationml/2006/main">
+  <p:cSld>
+    <p:spTree>
+      <p:nvGrpSpPr>
+        <p:cNvPr id="1" name=""/>
+        <p:cNvGrpSpPr/>
+        <p:nvPr/>
+      </p:nvGrpSpPr>
+      <p:grpSpPr>
+        <a:xfrm>
+          <a:off x="0" y="0"/>
+          <a:ext cx="0" cy="0"/>
+          <a:chOff x="0" y="0"/>
+          <a:chExt cx="0" cy="0"/>
+        </a:xfrm>
+      </p:grpSpPr>
+      <p:sp>
+        <p:nvSpPr>
           <p:cNvPr id="3" name="직사각형 2"/>
           <p:cNvSpPr/>
           <p:nvPr/>
@@ -7363,7 +8276,7 @@
         </p:nvSpPr>
         <p:spPr>
           <a:xfrm>
-            <a:off x="6429940" y="2426049"/>
+            <a:off x="6076066" y="2595286"/>
             <a:ext cx="1877129" cy="326308"/>
           </a:xfrm>
           <a:prstGeom prst="rect">
@@ -7399,6 +8312,63 @@
               </a:rPr>
               <a:t>K = 5</a:t>
             </a:r>
+          </a:p>
+        </p:txBody>
+      </p:sp>
+      <p:sp>
+        <p:nvSpPr>
+          <p:cNvPr id="2" name="직사각형 1">
+            <a:extLst>
+              <a:ext uri="{FF2B5EF4-FFF2-40B4-BE49-F238E27FC236}">
+                <a16:creationId xmlns:a16="http://schemas.microsoft.com/office/drawing/2014/main" id="{D90E37B8-06A4-A0CC-A11E-DF2698E024EF}"/>
+              </a:ext>
+            </a:extLst>
+          </p:cNvPr>
+          <p:cNvSpPr/>
+          <p:nvPr/>
+        </p:nvSpPr>
+        <p:spPr>
+          <a:xfrm>
+            <a:off x="7651193" y="2035619"/>
+            <a:ext cx="2424905" cy="326308"/>
+          </a:xfrm>
+          <a:prstGeom prst="rect">
+            <a:avLst/>
+          </a:prstGeom>
+          <a:noFill/>
+        </p:spPr>
+        <p:txBody>
+          <a:bodyPr wrap="square">
+            <a:spAutoFit/>
+          </a:bodyPr>
+          <a:lstStyle/>
+          <a:p>
+            <a:pPr marR="0" lvl="0" algn="ctr" defTabSz="914400" rtl="0" eaLnBrk="1" fontAlgn="auto" latinLnBrk="1" hangingPunct="1">
+              <a:lnSpc>
+                <a:spcPct val="150000"/>
+              </a:lnSpc>
+              <a:spcBef>
+                <a:spcPts val="0"/>
+              </a:spcBef>
+              <a:spcAft>
+                <a:spcPts val="0"/>
+              </a:spcAft>
+              <a:buClrTx/>
+              <a:buSzTx/>
+              <a:tabLst/>
+              <a:defRPr/>
+            </a:pPr>
+            <a:r>
+              <a:rPr lang="ko-KR" altLang="en-US" sz="1200">
+                <a:latin typeface="12롯데마트드림Medium" panose="02020603020101020101" pitchFamily="18" charset="-127"/>
+                <a:ea typeface="12롯데마트드림Medium" panose="02020603020101020101" pitchFamily="18" charset="-127"/>
+              </a:rPr>
+              <a:t>데이터 수가 적을 때 활용하기 좋음</a:t>
+            </a:r>
+            <a:endParaRPr lang="en-US" altLang="ko-KR" sz="1200" dirty="0">
+              <a:latin typeface="12롯데마트드림Medium" panose="02020603020101020101" pitchFamily="18" charset="-127"/>
+              <a:ea typeface="12롯데마트드림Medium" panose="02020603020101020101" pitchFamily="18" charset="-127"/>
+            </a:endParaRPr>
           </a:p>
         </p:txBody>
       </p:sp>
@@ -7786,6 +8756,435 @@
       </p:grpSpPr>
       <p:sp>
         <p:nvSpPr>
+          <p:cNvPr id="8" name="직사각형 7">
+            <a:extLst>
+              <a:ext uri="{FF2B5EF4-FFF2-40B4-BE49-F238E27FC236}">
+                <a16:creationId xmlns:a16="http://schemas.microsoft.com/office/drawing/2014/main" id="{A9FD2E96-2993-E73F-17A8-661274DF4A1F}"/>
+              </a:ext>
+            </a:extLst>
+          </p:cNvPr>
+          <p:cNvSpPr/>
+          <p:nvPr/>
+        </p:nvSpPr>
+        <p:spPr>
+          <a:xfrm>
+            <a:off x="1249922" y="868368"/>
+            <a:ext cx="3979655" cy="461665"/>
+          </a:xfrm>
+          <a:prstGeom prst="rect">
+            <a:avLst/>
+          </a:prstGeom>
+          <a:noFill/>
+        </p:spPr>
+        <p:txBody>
+          <a:bodyPr wrap="square">
+            <a:spAutoFit/>
+          </a:bodyPr>
+          <a:lstStyle/>
+          <a:p>
+            <a:pPr marL="0" marR="0" lvl="0" indent="0" algn="l" defTabSz="914400" rtl="0" eaLnBrk="1" fontAlgn="auto" latinLnBrk="1" hangingPunct="1">
+              <a:lnSpc>
+                <a:spcPct val="100000"/>
+              </a:lnSpc>
+              <a:spcBef>
+                <a:spcPts val="0"/>
+              </a:spcBef>
+              <a:spcAft>
+                <a:spcPts val="0"/>
+              </a:spcAft>
+              <a:buClrTx/>
+              <a:buSzTx/>
+              <a:buFontTx/>
+              <a:buNone/>
+              <a:tabLst/>
+              <a:defRPr/>
+            </a:pPr>
+            <a:r>
+              <a:rPr kumimoji="0" lang="ko-KR" altLang="en-US" sz="2400" b="0" i="0" u="none" strike="noStrike" kern="1200" cap="none" spc="0" normalizeH="0" baseline="0" noProof="0" dirty="0">
+                <a:ln>
+                  <a:noFill/>
+                </a:ln>
+                <a:effectLst/>
+                <a:uLnTx/>
+                <a:uFillTx/>
+                <a:latin typeface="12롯데마트드림Bold" panose="02020603020101020101" pitchFamily="18" charset="-127"/>
+                <a:ea typeface="12롯데마트드림Bold" panose="02020603020101020101" pitchFamily="18" charset="-127"/>
+              </a:rPr>
+              <a:t>모델 검증</a:t>
+            </a:r>
+            <a:endParaRPr kumimoji="0" lang="en-US" altLang="ko-KR" sz="2400" b="0" i="0" u="none" strike="noStrike" kern="1200" cap="none" spc="0" normalizeH="0" baseline="0" noProof="0" dirty="0">
+              <a:ln>
+                <a:noFill/>
+              </a:ln>
+              <a:effectLst/>
+              <a:uLnTx/>
+              <a:uFillTx/>
+              <a:latin typeface="12롯데마트드림Bold" panose="02020603020101020101" pitchFamily="18" charset="-127"/>
+              <a:ea typeface="12롯데마트드림Bold" panose="02020603020101020101" pitchFamily="18" charset="-127"/>
+            </a:endParaRPr>
+          </a:p>
+        </p:txBody>
+      </p:sp>
+      <p:sp>
+        <p:nvSpPr>
+          <p:cNvPr id="3088" name="직사각형 3087">
+            <a:extLst>
+              <a:ext uri="{FF2B5EF4-FFF2-40B4-BE49-F238E27FC236}">
+                <a16:creationId xmlns:a16="http://schemas.microsoft.com/office/drawing/2014/main" id="{4E24F135-D002-F025-8E74-C2E9601E3B48}"/>
+              </a:ext>
+            </a:extLst>
+          </p:cNvPr>
+          <p:cNvSpPr/>
+          <p:nvPr/>
+        </p:nvSpPr>
+        <p:spPr>
+          <a:xfrm>
+            <a:off x="1839311" y="2129218"/>
+            <a:ext cx="6939955" cy="404278"/>
+          </a:xfrm>
+          <a:prstGeom prst="rect">
+            <a:avLst/>
+          </a:prstGeom>
+          <a:noFill/>
+        </p:spPr>
+        <p:txBody>
+          <a:bodyPr wrap="square">
+            <a:spAutoFit/>
+          </a:bodyPr>
+          <a:lstStyle/>
+          <a:p>
+            <a:pPr marR="0" lvl="0" defTabSz="914400" rtl="0" eaLnBrk="1" fontAlgn="auto" latinLnBrk="1" hangingPunct="1">
+              <a:lnSpc>
+                <a:spcPct val="150000"/>
+              </a:lnSpc>
+              <a:spcBef>
+                <a:spcPts val="0"/>
+              </a:spcBef>
+              <a:spcAft>
+                <a:spcPts val="0"/>
+              </a:spcAft>
+              <a:buClrTx/>
+              <a:buSzTx/>
+              <a:tabLst/>
+              <a:defRPr/>
+            </a:pPr>
+            <a:r>
+              <a:rPr lang="ko-KR" altLang="en-US" sz="1600" dirty="0">
+                <a:latin typeface="12롯데마트드림Medium" panose="02020603020101020101" pitchFamily="18" charset="-127"/>
+                <a:ea typeface="12롯데마트드림Medium" panose="02020603020101020101" pitchFamily="18" charset="-127"/>
+              </a:rPr>
+              <a:t> </a:t>
+            </a:r>
+            <a:r>
+              <a:rPr lang="en-US" altLang="ko-KR" sz="1600" dirty="0">
+                <a:latin typeface="12롯데마트드림Medium" panose="02020603020101020101" pitchFamily="18" charset="-127"/>
+                <a:ea typeface="12롯데마트드림Medium" panose="02020603020101020101" pitchFamily="18" charset="-127"/>
+              </a:rPr>
+              <a:t>※ </a:t>
+            </a:r>
+            <a:r>
+              <a:rPr lang="ko-KR" altLang="en-US" sz="1600" dirty="0">
+                <a:latin typeface="12롯데마트드림Medium" panose="02020603020101020101" pitchFamily="18" charset="-127"/>
+                <a:ea typeface="12롯데마트드림Medium" panose="02020603020101020101" pitchFamily="18" charset="-127"/>
+              </a:rPr>
+              <a:t>일반 </a:t>
+            </a:r>
+            <a:r>
+              <a:rPr lang="en-US" altLang="ko-KR" sz="1600" dirty="0">
+                <a:latin typeface="12롯데마트드림Medium" panose="02020603020101020101" pitchFamily="18" charset="-127"/>
+                <a:ea typeface="12롯데마트드림Medium" panose="02020603020101020101" pitchFamily="18" charset="-127"/>
+              </a:rPr>
+              <a:t>k-fold </a:t>
+            </a:r>
+            <a:r>
+              <a:rPr lang="ko-KR" altLang="en-US" sz="1600" dirty="0">
+                <a:latin typeface="12롯데마트드림Medium" panose="02020603020101020101" pitchFamily="18" charset="-127"/>
+                <a:ea typeface="12롯데마트드림Medium" panose="02020603020101020101" pitchFamily="18" charset="-127"/>
+              </a:rPr>
+              <a:t>방식을 사용하면 미래 자료로 과거를 예측하는 꼴이 되어버린다</a:t>
+            </a:r>
+            <a:r>
+              <a:rPr lang="en-US" altLang="ko-KR" sz="1600" dirty="0">
+                <a:latin typeface="12롯데마트드림Medium" panose="02020603020101020101" pitchFamily="18" charset="-127"/>
+                <a:ea typeface="12롯데마트드림Medium" panose="02020603020101020101" pitchFamily="18" charset="-127"/>
+              </a:rPr>
+              <a:t>.</a:t>
+            </a:r>
+          </a:p>
+        </p:txBody>
+      </p:sp>
+      <p:pic>
+        <p:nvPicPr>
+          <p:cNvPr id="1026" name="Picture 2">
+            <a:extLst>
+              <a:ext uri="{FF2B5EF4-FFF2-40B4-BE49-F238E27FC236}">
+                <a16:creationId xmlns:a16="http://schemas.microsoft.com/office/drawing/2014/main" id="{4D3424F7-6B10-7513-C00F-5037CCF19AC8}"/>
+              </a:ext>
+            </a:extLst>
+          </p:cNvPr>
+          <p:cNvPicPr>
+            <a:picLocks noChangeAspect="1" noChangeArrowheads="1"/>
+          </p:cNvPicPr>
+          <p:nvPr/>
+        </p:nvPicPr>
+        <p:blipFill rotWithShape="1">
+          <a:blip r:embed="rId2">
+            <a:extLst>
+              <a:ext uri="{28A0092B-C50C-407E-A947-70E740481C1C}">
+                <a14:useLocalDpi xmlns:a14="http://schemas.microsoft.com/office/drawing/2010/main" val="0"/>
+              </a:ext>
+            </a:extLst>
+          </a:blip>
+          <a:srcRect t="6393"/>
+          <a:stretch/>
+        </p:blipFill>
+        <p:spPr bwMode="auto">
+          <a:xfrm>
+            <a:off x="1942662" y="3424056"/>
+            <a:ext cx="3375084" cy="2386758"/>
+          </a:xfrm>
+          <a:prstGeom prst="rect">
+            <a:avLst/>
+          </a:prstGeom>
+          <a:noFill/>
+          <a:extLst>
+            <a:ext uri="{909E8E84-426E-40DD-AFC4-6F175D3DCCD1}">
+              <a14:hiddenFill xmlns:a14="http://schemas.microsoft.com/office/drawing/2010/main">
+                <a:solidFill>
+                  <a:srgbClr val="FFFFFF"/>
+                </a:solidFill>
+              </a14:hiddenFill>
+            </a:ext>
+          </a:extLst>
+        </p:spPr>
+      </p:pic>
+      <p:pic>
+        <p:nvPicPr>
+          <p:cNvPr id="1030" name="Picture 6">
+            <a:extLst>
+              <a:ext uri="{FF2B5EF4-FFF2-40B4-BE49-F238E27FC236}">
+                <a16:creationId xmlns:a16="http://schemas.microsoft.com/office/drawing/2014/main" id="{F76071FA-6496-03B4-4791-15C7B94517FE}"/>
+              </a:ext>
+            </a:extLst>
+          </p:cNvPr>
+          <p:cNvPicPr>
+            <a:picLocks noChangeAspect="1" noChangeArrowheads="1"/>
+          </p:cNvPicPr>
+          <p:nvPr/>
+        </p:nvPicPr>
+        <p:blipFill rotWithShape="1">
+          <a:blip r:embed="rId3">
+            <a:extLst>
+              <a:ext uri="{28A0092B-C50C-407E-A947-70E740481C1C}">
+                <a14:useLocalDpi xmlns:a14="http://schemas.microsoft.com/office/drawing/2010/main" val="0"/>
+              </a:ext>
+            </a:extLst>
+          </a:blip>
+          <a:srcRect t="8380"/>
+          <a:stretch/>
+        </p:blipFill>
+        <p:spPr bwMode="auto">
+          <a:xfrm>
+            <a:off x="6570324" y="3505412"/>
+            <a:ext cx="4476108" cy="2224044"/>
+          </a:xfrm>
+          <a:prstGeom prst="rect">
+            <a:avLst/>
+          </a:prstGeom>
+          <a:noFill/>
+          <a:extLst>
+            <a:ext uri="{909E8E84-426E-40DD-AFC4-6F175D3DCCD1}">
+              <a14:hiddenFill xmlns:a14="http://schemas.microsoft.com/office/drawing/2010/main">
+                <a:solidFill>
+                  <a:srgbClr val="FFFFFF"/>
+                </a:solidFill>
+              </a14:hiddenFill>
+            </a:ext>
+          </a:extLst>
+        </p:spPr>
+      </p:pic>
+      <p:sp>
+        <p:nvSpPr>
+          <p:cNvPr id="3" name="TextBox 2">
+            <a:extLst>
+              <a:ext uri="{FF2B5EF4-FFF2-40B4-BE49-F238E27FC236}">
+                <a16:creationId xmlns:a16="http://schemas.microsoft.com/office/drawing/2014/main" id="{DEB8D348-B51A-106E-E7C0-341EC55BA11B}"/>
+              </a:ext>
+            </a:extLst>
+          </p:cNvPr>
+          <p:cNvSpPr txBox="1"/>
+          <p:nvPr/>
+        </p:nvSpPr>
+        <p:spPr>
+          <a:xfrm>
+            <a:off x="7022176" y="3116279"/>
+            <a:ext cx="3581784" cy="307777"/>
+          </a:xfrm>
+          <a:prstGeom prst="rect">
+            <a:avLst/>
+          </a:prstGeom>
+          <a:noFill/>
+        </p:spPr>
+        <p:txBody>
+          <a:bodyPr wrap="square">
+            <a:spAutoFit/>
+          </a:bodyPr>
+          <a:lstStyle/>
+          <a:p>
+            <a:pPr algn="ctr"/>
+            <a:r>
+              <a:rPr lang="en-US" altLang="ko-KR" sz="1400" i="0" dirty="0">
+                <a:solidFill>
+                  <a:srgbClr val="000000"/>
+                </a:solidFill>
+                <a:effectLst/>
+                <a:latin typeface="12롯데마트드림Bold" panose="02020603020101020101" pitchFamily="18" charset="-127"/>
+                <a:ea typeface="12롯데마트드림Bold" panose="02020603020101020101" pitchFamily="18" charset="-127"/>
+              </a:rPr>
+              <a:t>blocked cross-validation </a:t>
+            </a:r>
+          </a:p>
+        </p:txBody>
+      </p:sp>
+      <p:sp>
+        <p:nvSpPr>
+          <p:cNvPr id="4" name="직사각형 3">
+            <a:extLst>
+              <a:ext uri="{FF2B5EF4-FFF2-40B4-BE49-F238E27FC236}">
+                <a16:creationId xmlns:a16="http://schemas.microsoft.com/office/drawing/2014/main" id="{E4429AAA-6BA8-8E32-14A0-F770A63351C2}"/>
+              </a:ext>
+            </a:extLst>
+          </p:cNvPr>
+          <p:cNvSpPr/>
+          <p:nvPr/>
+        </p:nvSpPr>
+        <p:spPr>
+          <a:xfrm>
+            <a:off x="1497807" y="1685306"/>
+            <a:ext cx="5649809" cy="443263"/>
+          </a:xfrm>
+          <a:prstGeom prst="rect">
+            <a:avLst/>
+          </a:prstGeom>
+          <a:noFill/>
+        </p:spPr>
+        <p:txBody>
+          <a:bodyPr wrap="square">
+            <a:spAutoFit/>
+          </a:bodyPr>
+          <a:lstStyle/>
+          <a:p>
+            <a:pPr marR="0" lvl="0" defTabSz="914400" rtl="0" eaLnBrk="1" fontAlgn="auto" latinLnBrk="1" hangingPunct="1">
+              <a:lnSpc>
+                <a:spcPct val="150000"/>
+              </a:lnSpc>
+              <a:spcBef>
+                <a:spcPts val="0"/>
+              </a:spcBef>
+              <a:spcAft>
+                <a:spcPts val="0"/>
+              </a:spcAft>
+              <a:buClrTx/>
+              <a:buSzTx/>
+              <a:tabLst/>
+              <a:defRPr/>
+            </a:pPr>
+            <a:r>
+              <a:rPr lang="en-US" altLang="ko-KR" dirty="0">
+                <a:latin typeface="12롯데마트드림Medium" panose="02020603020101020101" pitchFamily="18" charset="-127"/>
+                <a:ea typeface="12롯데마트드림Medium" panose="02020603020101020101" pitchFamily="18" charset="-127"/>
+              </a:rPr>
+              <a:t>4. </a:t>
+            </a:r>
+            <a:r>
+              <a:rPr lang="ko-KR" altLang="en-US" dirty="0">
+                <a:latin typeface="12롯데마트드림Medium" panose="02020603020101020101" pitchFamily="18" charset="-127"/>
+                <a:ea typeface="12롯데마트드림Medium" panose="02020603020101020101" pitchFamily="18" charset="-127"/>
+              </a:rPr>
+              <a:t>시계열 데이터 교차 검증</a:t>
+            </a:r>
+            <a:endParaRPr lang="en-US" altLang="ko-KR" dirty="0">
+              <a:latin typeface="12롯데마트드림Medium" panose="02020603020101020101" pitchFamily="18" charset="-127"/>
+              <a:ea typeface="12롯데마트드림Medium" panose="02020603020101020101" pitchFamily="18" charset="-127"/>
+            </a:endParaRPr>
+          </a:p>
+        </p:txBody>
+      </p:sp>
+      <p:sp>
+        <p:nvSpPr>
+          <p:cNvPr id="9" name="TextBox 8">
+            <a:extLst>
+              <a:ext uri="{FF2B5EF4-FFF2-40B4-BE49-F238E27FC236}">
+                <a16:creationId xmlns:a16="http://schemas.microsoft.com/office/drawing/2014/main" id="{187DEABE-BFF5-6815-8F45-68AADFC121A0}"/>
+              </a:ext>
+            </a:extLst>
+          </p:cNvPr>
+          <p:cNvSpPr txBox="1"/>
+          <p:nvPr/>
+        </p:nvSpPr>
+        <p:spPr>
+          <a:xfrm>
+            <a:off x="1839312" y="3116279"/>
+            <a:ext cx="3581784" cy="307777"/>
+          </a:xfrm>
+          <a:prstGeom prst="rect">
+            <a:avLst/>
+          </a:prstGeom>
+          <a:noFill/>
+        </p:spPr>
+        <p:txBody>
+          <a:bodyPr wrap="square">
+            <a:spAutoFit/>
+          </a:bodyPr>
+          <a:lstStyle/>
+          <a:p>
+            <a:pPr algn="ctr"/>
+            <a:r>
+              <a:rPr lang="en-US" altLang="ko-KR" sz="1400" i="0" dirty="0">
+                <a:solidFill>
+                  <a:srgbClr val="000000"/>
+                </a:solidFill>
+                <a:effectLst/>
+                <a:latin typeface="12롯데마트드림Bold" panose="02020603020101020101" pitchFamily="18" charset="-127"/>
+                <a:ea typeface="12롯데마트드림Bold" panose="02020603020101020101" pitchFamily="18" charset="-127"/>
+              </a:rPr>
+              <a:t>Nested Cross-Validation</a:t>
+            </a:r>
+          </a:p>
+        </p:txBody>
+      </p:sp>
+    </p:spTree>
+    <p:extLst>
+      <p:ext uri="{BB962C8B-B14F-4D97-AF65-F5344CB8AC3E}">
+        <p14:creationId xmlns:p14="http://schemas.microsoft.com/office/powerpoint/2010/main" val="1399212407"/>
+      </p:ext>
+    </p:extLst>
+  </p:cSld>
+  <p:clrMapOvr>
+    <a:masterClrMapping/>
+  </p:clrMapOvr>
+</p:sld>
+</file>
+
+<file path=ppt/slides/slide8.xml><?xml version="1.0" encoding="utf-8"?>
+<p:sld xmlns:a="http://schemas.openxmlformats.org/drawingml/2006/main" xmlns:r="http://schemas.openxmlformats.org/officeDocument/2006/relationships" xmlns:p="http://schemas.openxmlformats.org/presentationml/2006/main">
+  <p:cSld>
+    <p:spTree>
+      <p:nvGrpSpPr>
+        <p:cNvPr id="1" name=""/>
+        <p:cNvGrpSpPr/>
+        <p:nvPr/>
+      </p:nvGrpSpPr>
+      <p:grpSpPr>
+        <a:xfrm>
+          <a:off x="0" y="0"/>
+          <a:ext cx="0" cy="0"/>
+          <a:chOff x="0" y="0"/>
+          <a:chExt cx="0" cy="0"/>
+        </a:xfrm>
+      </p:grpSpPr>
+      <p:sp>
+        <p:nvSpPr>
           <p:cNvPr id="7" name="직사각형 6"/>
           <p:cNvSpPr/>
           <p:nvPr/>
@@ -8588,7 +9987,7 @@
 </p:sld>
 </file>
 
-<file path=ppt/slides/slide8.xml><?xml version="1.0" encoding="utf-8"?>
+<file path=ppt/slides/slide9.xml><?xml version="1.0" encoding="utf-8"?>
 <p:sld xmlns:a="http://schemas.openxmlformats.org/drawingml/2006/main" xmlns:r="http://schemas.openxmlformats.org/officeDocument/2006/relationships" xmlns:p="http://schemas.openxmlformats.org/presentationml/2006/main">
   <p:cSld>
     <p:spTree>
@@ -8627,7 +10026,7 @@
         </p:blipFill>
         <p:spPr>
           <a:xfrm>
-            <a:off x="3219670" y="3263071"/>
+            <a:off x="3077307" y="3310264"/>
             <a:ext cx="5752659" cy="2876330"/>
           </a:xfrm>
           <a:prstGeom prst="rect">
@@ -8643,7 +10042,7 @@
         </p:nvSpPr>
         <p:spPr>
           <a:xfrm>
-            <a:off x="1450269" y="1639018"/>
+            <a:off x="1462067" y="1480829"/>
             <a:ext cx="8983138" cy="1655133"/>
           </a:xfrm>
           <a:prstGeom prst="rect">
@@ -8970,7 +10369,7 @@
                 <a:latin typeface="12롯데마트드림Bold" panose="02020603020101020101" pitchFamily="18" charset="-127"/>
                 <a:ea typeface="12롯데마트드림Bold" panose="02020603020101020101" pitchFamily="18" charset="-127"/>
               </a:rPr>
-              <a:t> 최적화의 종류</a:t>
+              <a:t> 최적화</a:t>
             </a:r>
             <a:endParaRPr kumimoji="0" lang="en-US" altLang="ko-KR" sz="2400" b="0" i="0" u="none" strike="noStrike" kern="1200" cap="none" spc="0" normalizeH="0" baseline="0" noProof="0" dirty="0">
               <a:ln>
@@ -8989,519 +10388,6 @@
     <p:extLst>
       <p:ext uri="{BB962C8B-B14F-4D97-AF65-F5344CB8AC3E}">
         <p14:creationId xmlns:p14="http://schemas.microsoft.com/office/powerpoint/2010/main" val="2779397201"/>
-      </p:ext>
-    </p:extLst>
-  </p:cSld>
-  <p:clrMapOvr>
-    <a:masterClrMapping/>
-  </p:clrMapOvr>
-</p:sld>
-</file>
-
-<file path=ppt/slides/slide9.xml><?xml version="1.0" encoding="utf-8"?>
-<p:sld xmlns:a="http://schemas.openxmlformats.org/drawingml/2006/main" xmlns:r="http://schemas.openxmlformats.org/officeDocument/2006/relationships" xmlns:p="http://schemas.openxmlformats.org/presentationml/2006/main">
-  <p:cSld>
-    <p:spTree>
-      <p:nvGrpSpPr>
-        <p:cNvPr id="1" name=""/>
-        <p:cNvGrpSpPr/>
-        <p:nvPr/>
-      </p:nvGrpSpPr>
-      <p:grpSpPr>
-        <a:xfrm>
-          <a:off x="0" y="0"/>
-          <a:ext cx="0" cy="0"/>
-          <a:chOff x="0" y="0"/>
-          <a:chExt cx="0" cy="0"/>
-        </a:xfrm>
-      </p:grpSpPr>
-      <p:sp>
-        <p:nvSpPr>
-          <p:cNvPr id="7" name="직사각형 6"/>
-          <p:cNvSpPr/>
-          <p:nvPr/>
-        </p:nvSpPr>
-        <p:spPr>
-          <a:xfrm>
-            <a:off x="1450268" y="1639018"/>
-            <a:ext cx="9599587" cy="1101135"/>
-          </a:xfrm>
-          <a:prstGeom prst="rect">
-            <a:avLst/>
-          </a:prstGeom>
-          <a:noFill/>
-        </p:spPr>
-        <p:txBody>
-          <a:bodyPr wrap="square">
-            <a:spAutoFit/>
-          </a:bodyPr>
-          <a:lstStyle/>
-          <a:p>
-            <a:pPr marR="0" lvl="0" defTabSz="914400" rtl="0" eaLnBrk="1" fontAlgn="auto" latinLnBrk="1" hangingPunct="1">
-              <a:lnSpc>
-                <a:spcPct val="200000"/>
-              </a:lnSpc>
-              <a:spcBef>
-                <a:spcPts val="0"/>
-              </a:spcBef>
-              <a:spcAft>
-                <a:spcPts val="0"/>
-              </a:spcAft>
-              <a:buClrTx/>
-              <a:buSzTx/>
-              <a:tabLst/>
-              <a:defRPr/>
-            </a:pPr>
-            <a:r>
-              <a:rPr lang="en-US" altLang="ko-KR" dirty="0">
-                <a:latin typeface="12롯데마트드림Medium" panose="02020603020101020101" pitchFamily="18" charset="-127"/>
-                <a:ea typeface="12롯데마트드림Medium" panose="02020603020101020101" pitchFamily="18" charset="-127"/>
-              </a:rPr>
-              <a:t>4.   </a:t>
-            </a:r>
-            <a:r>
-              <a:rPr lang="ko-KR" altLang="en-US" dirty="0">
-                <a:latin typeface="12롯데마트드림Medium" panose="02020603020101020101" pitchFamily="18" charset="-127"/>
-                <a:ea typeface="12롯데마트드림Medium" panose="02020603020101020101" pitchFamily="18" charset="-127"/>
-              </a:rPr>
-              <a:t>베이지안 최적화</a:t>
-            </a:r>
-            <a:r>
-              <a:rPr lang="en-US" altLang="ko-KR" dirty="0">
-                <a:latin typeface="12롯데마트드림Medium" panose="02020603020101020101" pitchFamily="18" charset="-127"/>
-                <a:ea typeface="12롯데마트드림Medium" panose="02020603020101020101" pitchFamily="18" charset="-127"/>
-              </a:rPr>
-              <a:t> Bayesian Optimization : </a:t>
-            </a:r>
-            <a:r>
-              <a:rPr lang="ko-KR" altLang="en-US" dirty="0" err="1">
-                <a:latin typeface="12롯데마트드림Medium" panose="02020603020101020101" pitchFamily="18" charset="-127"/>
-                <a:ea typeface="12롯데마트드림Medium" panose="02020603020101020101" pitchFamily="18" charset="-127"/>
-              </a:rPr>
-              <a:t>베이즈</a:t>
-            </a:r>
-            <a:r>
-              <a:rPr lang="ko-KR" altLang="en-US" dirty="0">
-                <a:latin typeface="12롯데마트드림Medium" panose="02020603020101020101" pitchFamily="18" charset="-127"/>
-                <a:ea typeface="12롯데마트드림Medium" panose="02020603020101020101" pitchFamily="18" charset="-127"/>
-              </a:rPr>
-              <a:t> 정리를 기반으로 목적함수를 최대화하는 최적해 </a:t>
-            </a:r>
-            <a:endParaRPr kumimoji="0" lang="en-US" altLang="ko-KR" i="0" u="none" strike="noStrike" kern="1200" cap="none" spc="0" normalizeH="0" baseline="0" noProof="0" dirty="0">
-              <a:ln>
-                <a:noFill/>
-              </a:ln>
-              <a:effectLst/>
-              <a:uLnTx/>
-              <a:uFillTx/>
-              <a:latin typeface="12롯데마트드림Medium" panose="02020603020101020101" pitchFamily="18" charset="-127"/>
-              <a:ea typeface="12롯데마트드림Medium" panose="02020603020101020101" pitchFamily="18" charset="-127"/>
-            </a:endParaRPr>
-          </a:p>
-          <a:p>
-            <a:pPr marL="0" marR="0" lvl="0" indent="0" defTabSz="914400" rtl="0" eaLnBrk="1" fontAlgn="auto" latinLnBrk="1" hangingPunct="1">
-              <a:lnSpc>
-                <a:spcPct val="200000"/>
-              </a:lnSpc>
-              <a:spcBef>
-                <a:spcPts val="0"/>
-              </a:spcBef>
-              <a:spcAft>
-                <a:spcPts val="0"/>
-              </a:spcAft>
-              <a:buClrTx/>
-              <a:buSzTx/>
-              <a:buFontTx/>
-              <a:buNone/>
-              <a:tabLst/>
-              <a:defRPr/>
-            </a:pPr>
-            <a:endParaRPr kumimoji="0" lang="en-US" altLang="ko-KR" i="0" u="none" strike="noStrike" kern="1200" cap="none" spc="0" normalizeH="0" baseline="0" noProof="0" dirty="0">
-              <a:ln>
-                <a:noFill/>
-              </a:ln>
-              <a:effectLst/>
-              <a:uLnTx/>
-              <a:uFillTx/>
-              <a:latin typeface="12롯데마트드림Medium" panose="02020603020101020101" pitchFamily="18" charset="-127"/>
-              <a:ea typeface="12롯데마트드림Medium" panose="02020603020101020101" pitchFamily="18" charset="-127"/>
-            </a:endParaRPr>
-          </a:p>
-        </p:txBody>
-      </p:sp>
-      <p:sp>
-        <p:nvSpPr>
-          <p:cNvPr id="12" name="직사각형 11"/>
-          <p:cNvSpPr/>
-          <p:nvPr/>
-        </p:nvSpPr>
-        <p:spPr>
-          <a:xfrm>
-            <a:off x="1249922" y="868368"/>
-            <a:ext cx="3979655" cy="461665"/>
-          </a:xfrm>
-          <a:prstGeom prst="rect">
-            <a:avLst/>
-          </a:prstGeom>
-          <a:noFill/>
-        </p:spPr>
-        <p:txBody>
-          <a:bodyPr wrap="square">
-            <a:spAutoFit/>
-          </a:bodyPr>
-          <a:lstStyle/>
-          <a:p>
-            <a:pPr marL="0" marR="0" lvl="0" indent="0" algn="l" defTabSz="914400" rtl="0" eaLnBrk="1" fontAlgn="auto" latinLnBrk="1" hangingPunct="1">
-              <a:lnSpc>
-                <a:spcPct val="100000"/>
-              </a:lnSpc>
-              <a:spcBef>
-                <a:spcPts val="0"/>
-              </a:spcBef>
-              <a:spcAft>
-                <a:spcPts val="0"/>
-              </a:spcAft>
-              <a:buClrTx/>
-              <a:buSzTx/>
-              <a:buFontTx/>
-              <a:buNone/>
-              <a:tabLst/>
-              <a:defRPr/>
-            </a:pPr>
-            <a:r>
-              <a:rPr kumimoji="0" lang="ko-KR" altLang="en-US" sz="2400" b="0" i="0" u="none" strike="noStrike" kern="1200" cap="none" spc="0" normalizeH="0" baseline="0" noProof="0" dirty="0" err="1">
-                <a:ln>
-                  <a:noFill/>
-                </a:ln>
-                <a:effectLst/>
-                <a:uLnTx/>
-                <a:uFillTx/>
-                <a:latin typeface="12롯데마트드림Bold" panose="02020603020101020101" pitchFamily="18" charset="-127"/>
-                <a:ea typeface="12롯데마트드림Bold" panose="02020603020101020101" pitchFamily="18" charset="-127"/>
-              </a:rPr>
-              <a:t>하이퍼파라미터</a:t>
-            </a:r>
-            <a:r>
-              <a:rPr kumimoji="0" lang="ko-KR" altLang="en-US" sz="2400" b="0" i="0" u="none" strike="noStrike" kern="1200" cap="none" spc="0" normalizeH="0" baseline="0" noProof="0" dirty="0">
-                <a:ln>
-                  <a:noFill/>
-                </a:ln>
-                <a:effectLst/>
-                <a:uLnTx/>
-                <a:uFillTx/>
-                <a:latin typeface="12롯데마트드림Bold" panose="02020603020101020101" pitchFamily="18" charset="-127"/>
-                <a:ea typeface="12롯데마트드림Bold" panose="02020603020101020101" pitchFamily="18" charset="-127"/>
-              </a:rPr>
-              <a:t> 최적화의 종류</a:t>
-            </a:r>
-            <a:endParaRPr kumimoji="0" lang="en-US" altLang="ko-KR" sz="2400" b="0" i="0" u="none" strike="noStrike" kern="1200" cap="none" spc="0" normalizeH="0" baseline="0" noProof="0" dirty="0">
-              <a:ln>
-                <a:noFill/>
-              </a:ln>
-              <a:effectLst/>
-              <a:uLnTx/>
-              <a:uFillTx/>
-              <a:latin typeface="12롯데마트드림Bold" panose="02020603020101020101" pitchFamily="18" charset="-127"/>
-              <a:ea typeface="12롯데마트드림Bold" panose="02020603020101020101" pitchFamily="18" charset="-127"/>
-            </a:endParaRPr>
-          </a:p>
-        </p:txBody>
-      </p:sp>
-      <p:pic>
-        <p:nvPicPr>
-          <p:cNvPr id="1026" name="Picture 2" descr="베이즈 정리의 의미 - 공돌이의 수학정리노트">
-            <a:extLst>
-              <a:ext uri="{FF2B5EF4-FFF2-40B4-BE49-F238E27FC236}">
-                <a16:creationId xmlns:a16="http://schemas.microsoft.com/office/drawing/2014/main" id="{6B9CDC3B-56E1-F290-1D91-1BB83921AF54}"/>
-              </a:ext>
-            </a:extLst>
-          </p:cNvPr>
-          <p:cNvPicPr>
-            <a:picLocks noChangeAspect="1" noChangeArrowheads="1"/>
-          </p:cNvPicPr>
-          <p:nvPr/>
-        </p:nvPicPr>
-        <p:blipFill>
-          <a:blip r:embed="rId2">
-            <a:extLst>
-              <a:ext uri="{28A0092B-C50C-407E-A947-70E740481C1C}">
-                <a14:useLocalDpi xmlns:a14="http://schemas.microsoft.com/office/drawing/2010/main" val="0"/>
-              </a:ext>
-            </a:extLst>
-          </a:blip>
-          <a:srcRect/>
-          <a:stretch>
-            <a:fillRect/>
-          </a:stretch>
-        </p:blipFill>
-        <p:spPr bwMode="auto">
-          <a:xfrm>
-            <a:off x="5354447" y="2189585"/>
-            <a:ext cx="2212469" cy="1054681"/>
-          </a:xfrm>
-          <a:prstGeom prst="rect">
-            <a:avLst/>
-          </a:prstGeom>
-          <a:noFill/>
-          <a:extLst>
-            <a:ext uri="{909E8E84-426E-40DD-AFC4-6F175D3DCCD1}">
-              <a14:hiddenFill xmlns:a14="http://schemas.microsoft.com/office/drawing/2010/main">
-                <a:solidFill>
-                  <a:srgbClr val="FFFFFF"/>
-                </a:solidFill>
-              </a14:hiddenFill>
-            </a:ext>
-          </a:extLst>
-        </p:spPr>
-      </p:pic>
-      <p:cxnSp>
-        <p:nvCxnSpPr>
-          <p:cNvPr id="3" name="직선 연결선 2">
-            <a:extLst>
-              <a:ext uri="{FF2B5EF4-FFF2-40B4-BE49-F238E27FC236}">
-                <a16:creationId xmlns:a16="http://schemas.microsoft.com/office/drawing/2014/main" id="{112601B4-0B1B-8274-D088-D7BC2D3C6170}"/>
-              </a:ext>
-            </a:extLst>
-          </p:cNvPr>
-          <p:cNvCxnSpPr/>
-          <p:nvPr/>
-        </p:nvCxnSpPr>
-        <p:spPr>
-          <a:xfrm>
-            <a:off x="8096037" y="2170226"/>
-            <a:ext cx="796247" cy="0"/>
-          </a:xfrm>
-          <a:prstGeom prst="line">
-            <a:avLst/>
-          </a:prstGeom>
-          <a:ln w="19050">
-            <a:solidFill>
-              <a:schemeClr val="accent6">
-                <a:lumMod val="60000"/>
-                <a:lumOff val="40000"/>
-              </a:schemeClr>
-            </a:solidFill>
-          </a:ln>
-        </p:spPr>
-        <p:style>
-          <a:lnRef idx="1">
-            <a:schemeClr val="accent4"/>
-          </a:lnRef>
-          <a:fillRef idx="0">
-            <a:schemeClr val="accent4"/>
-          </a:fillRef>
-          <a:effectRef idx="0">
-            <a:schemeClr val="accent4"/>
-          </a:effectRef>
-          <a:fontRef idx="minor">
-            <a:schemeClr val="tx1"/>
-          </a:fontRef>
-        </p:style>
-      </p:cxnSp>
-      <p:cxnSp>
-        <p:nvCxnSpPr>
-          <p:cNvPr id="4" name="직선 화살표 연결선 3">
-            <a:extLst>
-              <a:ext uri="{FF2B5EF4-FFF2-40B4-BE49-F238E27FC236}">
-                <a16:creationId xmlns:a16="http://schemas.microsoft.com/office/drawing/2014/main" id="{054F418A-B054-3BBC-C78C-0FBD04C79672}"/>
-              </a:ext>
-            </a:extLst>
-          </p:cNvPr>
-          <p:cNvCxnSpPr>
-            <a:cxnSpLocks/>
-          </p:cNvCxnSpPr>
-          <p:nvPr/>
-        </p:nvCxnSpPr>
-        <p:spPr>
-          <a:xfrm>
-            <a:off x="8474579" y="2170226"/>
-            <a:ext cx="0" cy="2274774"/>
-          </a:xfrm>
-          <a:prstGeom prst="straightConnector1">
-            <a:avLst/>
-          </a:prstGeom>
-          <a:ln w="19050">
-            <a:solidFill>
-              <a:schemeClr val="accent6">
-                <a:lumMod val="60000"/>
-                <a:lumOff val="40000"/>
-              </a:schemeClr>
-            </a:solidFill>
-            <a:tailEnd type="triangle"/>
-          </a:ln>
-        </p:spPr>
-        <p:style>
-          <a:lnRef idx="1">
-            <a:schemeClr val="accent1"/>
-          </a:lnRef>
-          <a:fillRef idx="0">
-            <a:schemeClr val="accent1"/>
-          </a:fillRef>
-          <a:effectRef idx="0">
-            <a:schemeClr val="accent1"/>
-          </a:effectRef>
-          <a:fontRef idx="minor">
-            <a:schemeClr val="tx1"/>
-          </a:fontRef>
-        </p:style>
-      </p:cxnSp>
-      <p:sp>
-        <p:nvSpPr>
-          <p:cNvPr id="8" name="TextBox 7">
-            <a:extLst>
-              <a:ext uri="{FF2B5EF4-FFF2-40B4-BE49-F238E27FC236}">
-                <a16:creationId xmlns:a16="http://schemas.microsoft.com/office/drawing/2014/main" id="{02A582AC-F3AE-5045-69B3-39842E5122D8}"/>
-              </a:ext>
-            </a:extLst>
-          </p:cNvPr>
-          <p:cNvSpPr txBox="1"/>
-          <p:nvPr/>
-        </p:nvSpPr>
-        <p:spPr>
-          <a:xfrm>
-            <a:off x="6513700" y="4445000"/>
-            <a:ext cx="4123819" cy="858761"/>
-          </a:xfrm>
-          <a:prstGeom prst="rect">
-            <a:avLst/>
-          </a:prstGeom>
-          <a:noFill/>
-          <a:ln w="19050">
-            <a:solidFill>
-              <a:schemeClr val="accent6">
-                <a:lumMod val="60000"/>
-                <a:lumOff val="40000"/>
-              </a:schemeClr>
-            </a:solidFill>
-          </a:ln>
-        </p:spPr>
-        <p:txBody>
-          <a:bodyPr wrap="square" rtlCol="0">
-            <a:spAutoFit/>
-          </a:bodyPr>
-          <a:lstStyle/>
-          <a:p>
-            <a:pPr>
-              <a:lnSpc>
-                <a:spcPct val="150000"/>
-              </a:lnSpc>
-            </a:pPr>
-            <a:r>
-              <a:rPr lang="ko-KR" altLang="en-US" dirty="0">
-                <a:latin typeface="12롯데마트드림Medium" panose="02020603020101020101" pitchFamily="18" charset="-127"/>
-                <a:ea typeface="12롯데마트드림Medium" panose="02020603020101020101" pitchFamily="18" charset="-127"/>
-              </a:rPr>
-              <a:t>예측 </a:t>
-            </a:r>
-            <a:r>
-              <a:rPr lang="en-US" altLang="ko-KR" dirty="0">
-                <a:latin typeface="12롯데마트드림Medium" panose="02020603020101020101" pitchFamily="18" charset="-127"/>
-                <a:ea typeface="12롯데마트드림Medium" panose="02020603020101020101" pitchFamily="18" charset="-127"/>
-              </a:rPr>
-              <a:t>/ </a:t>
-            </a:r>
-            <a:r>
-              <a:rPr lang="ko-KR" altLang="en-US" dirty="0">
-                <a:latin typeface="12롯데마트드림Medium" panose="02020603020101020101" pitchFamily="18" charset="-127"/>
-                <a:ea typeface="12롯데마트드림Medium" panose="02020603020101020101" pitchFamily="18" charset="-127"/>
-              </a:rPr>
-              <a:t>회귀 </a:t>
-            </a:r>
-            <a:r>
-              <a:rPr lang="en-US" altLang="ko-KR" dirty="0">
-                <a:latin typeface="12롯데마트드림Medium" panose="02020603020101020101" pitchFamily="18" charset="-127"/>
-                <a:ea typeface="12롯데마트드림Medium" panose="02020603020101020101" pitchFamily="18" charset="-127"/>
-              </a:rPr>
-              <a:t>: MSE, RMSE </a:t>
-            </a:r>
-            <a:r>
-              <a:rPr lang="ko-KR" altLang="en-US" dirty="0">
-                <a:latin typeface="12롯데마트드림Medium" panose="02020603020101020101" pitchFamily="18" charset="-127"/>
-                <a:ea typeface="12롯데마트드림Medium" panose="02020603020101020101" pitchFamily="18" charset="-127"/>
-              </a:rPr>
-              <a:t>등</a:t>
-            </a:r>
-            <a:r>
-              <a:rPr lang="en-US" altLang="ko-KR" dirty="0">
-                <a:latin typeface="12롯데마트드림Medium" panose="02020603020101020101" pitchFamily="18" charset="-127"/>
-                <a:ea typeface="12롯데마트드림Medium" panose="02020603020101020101" pitchFamily="18" charset="-127"/>
-              </a:rPr>
-              <a:t>…</a:t>
-            </a:r>
-          </a:p>
-          <a:p>
-            <a:pPr>
-              <a:lnSpc>
-                <a:spcPct val="150000"/>
-              </a:lnSpc>
-            </a:pPr>
-            <a:r>
-              <a:rPr lang="ko-KR" altLang="en-US" dirty="0">
-                <a:latin typeface="12롯데마트드림Medium" panose="02020603020101020101" pitchFamily="18" charset="-127"/>
-                <a:ea typeface="12롯데마트드림Medium" panose="02020603020101020101" pitchFamily="18" charset="-127"/>
-              </a:rPr>
-              <a:t>분류 </a:t>
-            </a:r>
-            <a:r>
-              <a:rPr lang="en-US" altLang="ko-KR" dirty="0">
-                <a:latin typeface="12롯데마트드림Medium" panose="02020603020101020101" pitchFamily="18" charset="-127"/>
-                <a:ea typeface="12롯데마트드림Medium" panose="02020603020101020101" pitchFamily="18" charset="-127"/>
-              </a:rPr>
-              <a:t>: </a:t>
-            </a:r>
-            <a:r>
-              <a:rPr lang="ko-KR" altLang="en-US" dirty="0">
-                <a:latin typeface="12롯데마트드림Medium" panose="02020603020101020101" pitchFamily="18" charset="-127"/>
-                <a:ea typeface="12롯데마트드림Medium" panose="02020603020101020101" pitchFamily="18" charset="-127"/>
-              </a:rPr>
-              <a:t>정확도</a:t>
-            </a:r>
-            <a:r>
-              <a:rPr lang="en-US" altLang="ko-KR" dirty="0">
-                <a:latin typeface="12롯데마트드림Medium" panose="02020603020101020101" pitchFamily="18" charset="-127"/>
-                <a:ea typeface="12롯데마트드림Medium" panose="02020603020101020101" pitchFamily="18" charset="-127"/>
-              </a:rPr>
-              <a:t>, </a:t>
-            </a:r>
-            <a:r>
-              <a:rPr lang="ko-KR" altLang="en-US" dirty="0">
-                <a:latin typeface="12롯데마트드림Medium" panose="02020603020101020101" pitchFamily="18" charset="-127"/>
-                <a:ea typeface="12롯데마트드림Medium" panose="02020603020101020101" pitchFamily="18" charset="-127"/>
-              </a:rPr>
-              <a:t>정밀도</a:t>
-            </a:r>
-            <a:r>
-              <a:rPr lang="en-US" altLang="ko-KR" dirty="0">
-                <a:latin typeface="12롯데마트드림Medium" panose="02020603020101020101" pitchFamily="18" charset="-127"/>
-                <a:ea typeface="12롯데마트드림Medium" panose="02020603020101020101" pitchFamily="18" charset="-127"/>
-              </a:rPr>
-              <a:t>, </a:t>
-            </a:r>
-            <a:r>
-              <a:rPr lang="ko-KR" altLang="en-US" dirty="0" err="1">
-                <a:latin typeface="12롯데마트드림Medium" panose="02020603020101020101" pitchFamily="18" charset="-127"/>
-                <a:ea typeface="12롯데마트드림Medium" panose="02020603020101020101" pitchFamily="18" charset="-127"/>
-              </a:rPr>
-              <a:t>재현율</a:t>
-            </a:r>
-            <a:r>
-              <a:rPr lang="en-US" altLang="ko-KR" dirty="0">
-                <a:latin typeface="12롯데마트드림Medium" panose="02020603020101020101" pitchFamily="18" charset="-127"/>
-                <a:ea typeface="12롯데마트드림Medium" panose="02020603020101020101" pitchFamily="18" charset="-127"/>
-              </a:rPr>
-              <a:t>, f1-score…</a:t>
-            </a:r>
-            <a:endParaRPr lang="ko-KR" altLang="en-US" dirty="0">
-              <a:latin typeface="12롯데마트드림Medium" panose="02020603020101020101" pitchFamily="18" charset="-127"/>
-              <a:ea typeface="12롯데마트드림Medium" panose="02020603020101020101" pitchFamily="18" charset="-127"/>
-            </a:endParaRPr>
-          </a:p>
-        </p:txBody>
-      </p:sp>
-    </p:spTree>
-    <p:extLst>
-      <p:ext uri="{BB962C8B-B14F-4D97-AF65-F5344CB8AC3E}">
-        <p14:creationId xmlns:p14="http://schemas.microsoft.com/office/powerpoint/2010/main" val="9714486"/>
       </p:ext>
     </p:extLst>
   </p:cSld>

--- a/220924_session3/220924_세션3_모델평가_하이퍼파라미터튜닝.pptx
+++ b/220924_session3/220924_세션3_모델평가_하이퍼파라미터튜닝.pptx
@@ -1,24 +1,26 @@
 
 <file path=ppt/presentation.xml><?xml version="1.0" encoding="utf-8"?>
-<p:presentation xmlns:a="http://schemas.openxmlformats.org/drawingml/2006/main" xmlns:r="http://schemas.openxmlformats.org/officeDocument/2006/relationships" xmlns:p="http://schemas.openxmlformats.org/presentationml/2006/main" saveSubsetFonts="1">
+<p:presentation xmlns:a="http://schemas.openxmlformats.org/drawingml/2006/main" xmlns:r="http://schemas.openxmlformats.org/officeDocument/2006/relationships" xmlns:p="http://schemas.openxmlformats.org/presentationml/2006/main" firstSlideNum="0" saveSubsetFonts="1">
   <p:sldMasterIdLst>
     <p:sldMasterId id="2147483648" r:id="rId1"/>
   </p:sldMasterIdLst>
   <p:notesMasterIdLst>
-    <p:notesMasterId r:id="rId13"/>
+    <p:notesMasterId r:id="rId15"/>
   </p:notesMasterIdLst>
   <p:sldIdLst>
     <p:sldId id="427" r:id="rId2"/>
     <p:sldId id="256" r:id="rId3"/>
     <p:sldId id="415" r:id="rId4"/>
-    <p:sldId id="421" r:id="rId5"/>
+    <p:sldId id="431" r:id="rId5"/>
     <p:sldId id="425" r:id="rId6"/>
     <p:sldId id="426" r:id="rId7"/>
     <p:sldId id="428" r:id="rId8"/>
-    <p:sldId id="417" r:id="rId9"/>
-    <p:sldId id="420" r:id="rId10"/>
-    <p:sldId id="419" r:id="rId11"/>
-    <p:sldId id="413" r:id="rId12"/>
+    <p:sldId id="429" r:id="rId9"/>
+    <p:sldId id="430" r:id="rId10"/>
+    <p:sldId id="417" r:id="rId11"/>
+    <p:sldId id="420" r:id="rId12"/>
+    <p:sldId id="419" r:id="rId13"/>
+    <p:sldId id="413" r:id="rId14"/>
   </p:sldIdLst>
   <p:sldSz cx="12192000" cy="6858000"/>
   <p:notesSz cx="6858000" cy="9144000"/>
@@ -128,14 +130,1105 @@
 <file path=ppt/revisionInfo.xml><?xml version="1.0" encoding="utf-8"?>
 <p1510:revInfo xmlns:a="http://schemas.openxmlformats.org/drawingml/2006/main" xmlns:r="http://schemas.openxmlformats.org/officeDocument/2006/relationships" xmlns:p1510="http://schemas.microsoft.com/office/powerpoint/2015/10/main">
   <p1510:revLst>
-    <p1510:client id="{9A301F82-2960-4DF1-B250-63C7B7D28C2E}" v="74" dt="2022-09-13T08:30:38.459"/>
-    <p1510:client id="{B0BBD50F-AC58-4C6B-B8C4-7E70D7C07BE1}" v="268" dt="2022-09-12T15:21:01.907"/>
+    <p1510:client id="{CC20913E-06C9-4771-9A62-3D068F00AEF3}" v="294" dt="2022-09-21T08:53:11.769"/>
   </p1510:revLst>
 </p1510:revInfo>
 </file>
 
 <file path=ppt/changesInfos/changesInfo1.xml><?xml version="1.0" encoding="utf-8"?>
 <pc:chgInfo xmlns:a="http://schemas.openxmlformats.org/drawingml/2006/main" xmlns:r="http://schemas.openxmlformats.org/officeDocument/2006/relationships" xmlns:ac="http://schemas.microsoft.com/office/drawing/2013/main/command" xmlns:pc="http://schemas.microsoft.com/office/powerpoint/2013/main/command">
+  <pc:docChgLst>
+    <pc:chgData name="이승준" userId="73256f58-64ad-4fdb-8087-b1e36ecff85d" providerId="ADAL" clId="{CC20913E-06C9-4771-9A62-3D068F00AEF3}"/>
+    <pc:docChg chg="undo custSel addSld delSld modSld sldOrd modMainMaster">
+      <pc:chgData name="이승준" userId="73256f58-64ad-4fdb-8087-b1e36ecff85d" providerId="ADAL" clId="{CC20913E-06C9-4771-9A62-3D068F00AEF3}" dt="2022-09-21T08:53:11.768" v="2255" actId="1076"/>
+      <pc:docMkLst>
+        <pc:docMk/>
+      </pc:docMkLst>
+      <pc:sldChg chg="delSp modSp mod">
+        <pc:chgData name="이승준" userId="73256f58-64ad-4fdb-8087-b1e36ecff85d" providerId="ADAL" clId="{CC20913E-06C9-4771-9A62-3D068F00AEF3}" dt="2022-09-21T00:01:32.547" v="1385"/>
+        <pc:sldMkLst>
+          <pc:docMk/>
+          <pc:sldMk cId="75906580" sldId="256"/>
+        </pc:sldMkLst>
+        <pc:spChg chg="del">
+          <ac:chgData name="이승준" userId="73256f58-64ad-4fdb-8087-b1e36ecff85d" providerId="ADAL" clId="{CC20913E-06C9-4771-9A62-3D068F00AEF3}" dt="2022-09-17T06:18:47.075" v="1026"/>
+          <ac:spMkLst>
+            <pc:docMk/>
+            <pc:sldMk cId="75906580" sldId="256"/>
+            <ac:spMk id="3" creationId="{4C00C9DB-F1A2-928B-7F5B-14575CF1A4BD}"/>
+          </ac:spMkLst>
+        </pc:spChg>
+        <pc:spChg chg="del mod">
+          <ac:chgData name="이승준" userId="73256f58-64ad-4fdb-8087-b1e36ecff85d" providerId="ADAL" clId="{CC20913E-06C9-4771-9A62-3D068F00AEF3}" dt="2022-09-17T06:20:16.273" v="1043" actId="478"/>
+          <ac:spMkLst>
+            <pc:docMk/>
+            <pc:sldMk cId="75906580" sldId="256"/>
+            <ac:spMk id="4" creationId="{CD22D897-672D-BDC0-C3C9-9B0F633472C4}"/>
+          </ac:spMkLst>
+        </pc:spChg>
+        <pc:spChg chg="del">
+          <ac:chgData name="이승준" userId="73256f58-64ad-4fdb-8087-b1e36ecff85d" providerId="ADAL" clId="{CC20913E-06C9-4771-9A62-3D068F00AEF3}" dt="2022-09-17T06:23:52.394" v="1071" actId="478"/>
+          <ac:spMkLst>
+            <pc:docMk/>
+            <pc:sldMk cId="75906580" sldId="256"/>
+            <ac:spMk id="5" creationId="{F67721A5-C8FC-49D0-AC61-6E859AE2BB4C}"/>
+          </ac:spMkLst>
+        </pc:spChg>
+        <pc:spChg chg="mod">
+          <ac:chgData name="이승준" userId="73256f58-64ad-4fdb-8087-b1e36ecff85d" providerId="ADAL" clId="{CC20913E-06C9-4771-9A62-3D068F00AEF3}" dt="2022-09-21T00:01:32.547" v="1385"/>
+          <ac:spMkLst>
+            <pc:docMk/>
+            <pc:sldMk cId="75906580" sldId="256"/>
+            <ac:spMk id="6" creationId="{961275EB-EB59-CC2A-4E46-404BC4238DE6}"/>
+          </ac:spMkLst>
+        </pc:spChg>
+      </pc:sldChg>
+      <pc:sldChg chg="delSp">
+        <pc:chgData name="이승준" userId="73256f58-64ad-4fdb-8087-b1e36ecff85d" providerId="ADAL" clId="{CC20913E-06C9-4771-9A62-3D068F00AEF3}" dt="2022-09-17T06:18:47.075" v="1026"/>
+        <pc:sldMkLst>
+          <pc:docMk/>
+          <pc:sldMk cId="2406432434" sldId="413"/>
+        </pc:sldMkLst>
+        <pc:spChg chg="del">
+          <ac:chgData name="이승준" userId="73256f58-64ad-4fdb-8087-b1e36ecff85d" providerId="ADAL" clId="{CC20913E-06C9-4771-9A62-3D068F00AEF3}" dt="2022-09-17T06:18:47.075" v="1026"/>
+          <ac:spMkLst>
+            <pc:docMk/>
+            <pc:sldMk cId="2406432434" sldId="413"/>
+            <ac:spMk id="2" creationId="{109F1586-A346-8746-6FF6-77A3CF0F2EDE}"/>
+          </ac:spMkLst>
+        </pc:spChg>
+      </pc:sldChg>
+      <pc:sldChg chg="addSp delSp modSp mod modClrScheme chgLayout">
+        <pc:chgData name="이승준" userId="73256f58-64ad-4fdb-8087-b1e36ecff85d" providerId="ADAL" clId="{CC20913E-06C9-4771-9A62-3D068F00AEF3}" dt="2022-09-17T06:20:47.588" v="1049" actId="700"/>
+        <pc:sldMkLst>
+          <pc:docMk/>
+          <pc:sldMk cId="2973473679" sldId="415"/>
+        </pc:sldMkLst>
+        <pc:spChg chg="del">
+          <ac:chgData name="이승준" userId="73256f58-64ad-4fdb-8087-b1e36ecff85d" providerId="ADAL" clId="{CC20913E-06C9-4771-9A62-3D068F00AEF3}" dt="2022-09-17T06:18:47.075" v="1026"/>
+          <ac:spMkLst>
+            <pc:docMk/>
+            <pc:sldMk cId="2973473679" sldId="415"/>
+            <ac:spMk id="3" creationId="{6CCC1B6F-5F97-EF98-E00D-B0853B827418}"/>
+          </ac:spMkLst>
+        </pc:spChg>
+        <pc:spChg chg="mod ord">
+          <ac:chgData name="이승준" userId="73256f58-64ad-4fdb-8087-b1e36ecff85d" providerId="ADAL" clId="{CC20913E-06C9-4771-9A62-3D068F00AEF3}" dt="2022-09-17T06:20:47.588" v="1049" actId="700"/>
+          <ac:spMkLst>
+            <pc:docMk/>
+            <pc:sldMk cId="2973473679" sldId="415"/>
+            <ac:spMk id="4" creationId="{1F6844BA-6719-8D6C-E63F-D168AEA8011F}"/>
+          </ac:spMkLst>
+        </pc:spChg>
+        <pc:spChg chg="add del mod ord">
+          <ac:chgData name="이승준" userId="73256f58-64ad-4fdb-8087-b1e36ecff85d" providerId="ADAL" clId="{CC20913E-06C9-4771-9A62-3D068F00AEF3}" dt="2022-09-17T06:20:47.588" v="1049" actId="700"/>
+          <ac:spMkLst>
+            <pc:docMk/>
+            <pc:sldMk cId="2973473679" sldId="415"/>
+            <ac:spMk id="5" creationId="{0B30167C-F024-68BA-35D2-E45BC18121F7}"/>
+          </ac:spMkLst>
+        </pc:spChg>
+        <pc:spChg chg="add del mod ord">
+          <ac:chgData name="이승준" userId="73256f58-64ad-4fdb-8087-b1e36ecff85d" providerId="ADAL" clId="{CC20913E-06C9-4771-9A62-3D068F00AEF3}" dt="2022-09-17T06:20:47.588" v="1049" actId="700"/>
+          <ac:spMkLst>
+            <pc:docMk/>
+            <pc:sldMk cId="2973473679" sldId="415"/>
+            <ac:spMk id="7" creationId="{43A7FC99-6E99-AA63-75E8-6F6F30C81B52}"/>
+          </ac:spMkLst>
+        </pc:spChg>
+      </pc:sldChg>
+      <pc:sldChg chg="addSp delSp modSp mod modClrScheme chgLayout">
+        <pc:chgData name="이승준" userId="73256f58-64ad-4fdb-8087-b1e36ecff85d" providerId="ADAL" clId="{CC20913E-06C9-4771-9A62-3D068F00AEF3}" dt="2022-09-21T00:17:29.394" v="1995" actId="1076"/>
+        <pc:sldMkLst>
+          <pc:docMk/>
+          <pc:sldMk cId="2751320109" sldId="417"/>
+        </pc:sldMkLst>
+        <pc:spChg chg="add mod">
+          <ac:chgData name="이승준" userId="73256f58-64ad-4fdb-8087-b1e36ecff85d" providerId="ADAL" clId="{CC20913E-06C9-4771-9A62-3D068F00AEF3}" dt="2022-09-21T00:17:01.259" v="1977"/>
+          <ac:spMkLst>
+            <pc:docMk/>
+            <pc:sldMk cId="2751320109" sldId="417"/>
+            <ac:spMk id="2" creationId="{402C4EC1-9FAB-2525-1982-1431D6A45E6D}"/>
+          </ac:spMkLst>
+        </pc:spChg>
+        <pc:spChg chg="del">
+          <ac:chgData name="이승준" userId="73256f58-64ad-4fdb-8087-b1e36ecff85d" providerId="ADAL" clId="{CC20913E-06C9-4771-9A62-3D068F00AEF3}" dt="2022-09-17T06:18:47.075" v="1026"/>
+          <ac:spMkLst>
+            <pc:docMk/>
+            <pc:sldMk cId="2751320109" sldId="417"/>
+            <ac:spMk id="2" creationId="{DBC43ECD-7615-B31C-2588-0F7F2A223299}"/>
+          </ac:spMkLst>
+        </pc:spChg>
+        <pc:spChg chg="mod ord">
+          <ac:chgData name="이승준" userId="73256f58-64ad-4fdb-8087-b1e36ecff85d" providerId="ADAL" clId="{CC20913E-06C9-4771-9A62-3D068F00AEF3}" dt="2022-09-17T06:20:47.588" v="1049" actId="700"/>
+          <ac:spMkLst>
+            <pc:docMk/>
+            <pc:sldMk cId="2751320109" sldId="417"/>
+            <ac:spMk id="3" creationId="{39730D26-60B5-0075-413E-80F091144E7D}"/>
+          </ac:spMkLst>
+        </pc:spChg>
+        <pc:spChg chg="add del mod ord">
+          <ac:chgData name="이승준" userId="73256f58-64ad-4fdb-8087-b1e36ecff85d" providerId="ADAL" clId="{CC20913E-06C9-4771-9A62-3D068F00AEF3}" dt="2022-09-17T06:20:47.588" v="1049" actId="700"/>
+          <ac:spMkLst>
+            <pc:docMk/>
+            <pc:sldMk cId="2751320109" sldId="417"/>
+            <ac:spMk id="4" creationId="{92C174BE-4FBC-C7BF-8E50-DC2BA783C8C0}"/>
+          </ac:spMkLst>
+        </pc:spChg>
+        <pc:spChg chg="mod">
+          <ac:chgData name="이승준" userId="73256f58-64ad-4fdb-8087-b1e36ecff85d" providerId="ADAL" clId="{CC20913E-06C9-4771-9A62-3D068F00AEF3}" dt="2022-09-21T00:15:50.460" v="1914" actId="1076"/>
+          <ac:spMkLst>
+            <pc:docMk/>
+            <pc:sldMk cId="2751320109" sldId="417"/>
+            <ac:spMk id="5" creationId="{E025B14A-2479-4CD4-38E0-4A8C7F1576AC}"/>
+          </ac:spMkLst>
+        </pc:spChg>
+        <pc:spChg chg="add del mod ord">
+          <ac:chgData name="이승준" userId="73256f58-64ad-4fdb-8087-b1e36ecff85d" providerId="ADAL" clId="{CC20913E-06C9-4771-9A62-3D068F00AEF3}" dt="2022-09-17T06:20:47.588" v="1049" actId="700"/>
+          <ac:spMkLst>
+            <pc:docMk/>
+            <pc:sldMk cId="2751320109" sldId="417"/>
+            <ac:spMk id="6" creationId="{C8970F36-BF30-7B49-6429-6D280DDE12D2}"/>
+          </ac:spMkLst>
+        </pc:spChg>
+        <pc:spChg chg="add mod">
+          <ac:chgData name="이승준" userId="73256f58-64ad-4fdb-8087-b1e36ecff85d" providerId="ADAL" clId="{CC20913E-06C9-4771-9A62-3D068F00AEF3}" dt="2022-09-21T00:17:29.394" v="1995" actId="1076"/>
+          <ac:spMkLst>
+            <pc:docMk/>
+            <pc:sldMk cId="2751320109" sldId="417"/>
+            <ac:spMk id="6" creationId="{DEA193C9-5558-4C05-2BD6-793207B4DAF1}"/>
+          </ac:spMkLst>
+        </pc:spChg>
+        <pc:spChg chg="mod">
+          <ac:chgData name="이승준" userId="73256f58-64ad-4fdb-8087-b1e36ecff85d" providerId="ADAL" clId="{CC20913E-06C9-4771-9A62-3D068F00AEF3}" dt="2022-09-21T00:17:26.444" v="1994" actId="1076"/>
+          <ac:spMkLst>
+            <pc:docMk/>
+            <pc:sldMk cId="2751320109" sldId="417"/>
+            <ac:spMk id="7" creationId="{00000000-0000-0000-0000-000000000000}"/>
+          </ac:spMkLst>
+        </pc:spChg>
+        <pc:spChg chg="add mod">
+          <ac:chgData name="이승준" userId="73256f58-64ad-4fdb-8087-b1e36ecff85d" providerId="ADAL" clId="{CC20913E-06C9-4771-9A62-3D068F00AEF3}" dt="2022-09-21T00:14:55.736" v="1875" actId="571"/>
+          <ac:spMkLst>
+            <pc:docMk/>
+            <pc:sldMk cId="2751320109" sldId="417"/>
+            <ac:spMk id="8" creationId="{73662CB2-0280-F153-F866-C22F3CC5D6B9}"/>
+          </ac:spMkLst>
+        </pc:spChg>
+      </pc:sldChg>
+      <pc:sldChg chg="addSp delSp modSp mod modClrScheme chgLayout">
+        <pc:chgData name="이승준" userId="73256f58-64ad-4fdb-8087-b1e36ecff85d" providerId="ADAL" clId="{CC20913E-06C9-4771-9A62-3D068F00AEF3}" dt="2022-09-17T06:20:47.588" v="1049" actId="700"/>
+        <pc:sldMkLst>
+          <pc:docMk/>
+          <pc:sldMk cId="9714486" sldId="419"/>
+        </pc:sldMkLst>
+        <pc:spChg chg="del">
+          <ac:chgData name="이승준" userId="73256f58-64ad-4fdb-8087-b1e36ecff85d" providerId="ADAL" clId="{CC20913E-06C9-4771-9A62-3D068F00AEF3}" dt="2022-09-17T06:18:47.075" v="1026"/>
+          <ac:spMkLst>
+            <pc:docMk/>
+            <pc:sldMk cId="9714486" sldId="419"/>
+            <ac:spMk id="2" creationId="{AE2ADB11-467F-7202-9803-298DEA0BC6CA}"/>
+          </ac:spMkLst>
+        </pc:spChg>
+        <pc:spChg chg="mod ord">
+          <ac:chgData name="이승준" userId="73256f58-64ad-4fdb-8087-b1e36ecff85d" providerId="ADAL" clId="{CC20913E-06C9-4771-9A62-3D068F00AEF3}" dt="2022-09-17T06:20:47.588" v="1049" actId="700"/>
+          <ac:spMkLst>
+            <pc:docMk/>
+            <pc:sldMk cId="9714486" sldId="419"/>
+            <ac:spMk id="4" creationId="{DC7E6485-ACBA-D008-97CD-E36648B6A702}"/>
+          </ac:spMkLst>
+        </pc:spChg>
+        <pc:spChg chg="add del mod ord">
+          <ac:chgData name="이승준" userId="73256f58-64ad-4fdb-8087-b1e36ecff85d" providerId="ADAL" clId="{CC20913E-06C9-4771-9A62-3D068F00AEF3}" dt="2022-09-17T06:20:47.588" v="1049" actId="700"/>
+          <ac:spMkLst>
+            <pc:docMk/>
+            <pc:sldMk cId="9714486" sldId="419"/>
+            <ac:spMk id="6" creationId="{3E479471-7B3E-BD39-03C7-2A883B5AB73F}"/>
+          </ac:spMkLst>
+        </pc:spChg>
+        <pc:spChg chg="add del mod ord">
+          <ac:chgData name="이승준" userId="73256f58-64ad-4fdb-8087-b1e36ecff85d" providerId="ADAL" clId="{CC20913E-06C9-4771-9A62-3D068F00AEF3}" dt="2022-09-17T06:20:47.588" v="1049" actId="700"/>
+          <ac:spMkLst>
+            <pc:docMk/>
+            <pc:sldMk cId="9714486" sldId="419"/>
+            <ac:spMk id="9" creationId="{01EF7C7F-5665-F233-8A78-C55B40F737FE}"/>
+          </ac:spMkLst>
+        </pc:spChg>
+      </pc:sldChg>
+      <pc:sldChg chg="addSp delSp modSp mod modClrScheme chgLayout">
+        <pc:chgData name="이승준" userId="73256f58-64ad-4fdb-8087-b1e36ecff85d" providerId="ADAL" clId="{CC20913E-06C9-4771-9A62-3D068F00AEF3}" dt="2022-09-21T00:20:19.720" v="2013" actId="208"/>
+        <pc:sldMkLst>
+          <pc:docMk/>
+          <pc:sldMk cId="2779397201" sldId="420"/>
+        </pc:sldMkLst>
+        <pc:spChg chg="add mod">
+          <ac:chgData name="이승준" userId="73256f58-64ad-4fdb-8087-b1e36ecff85d" providerId="ADAL" clId="{CC20913E-06C9-4771-9A62-3D068F00AEF3}" dt="2022-09-21T00:20:19.720" v="2013" actId="208"/>
+          <ac:spMkLst>
+            <pc:docMk/>
+            <pc:sldMk cId="2779397201" sldId="420"/>
+            <ac:spMk id="2" creationId="{D9F4063A-C998-5389-261A-982AA737B9E6}"/>
+          </ac:spMkLst>
+        </pc:spChg>
+        <pc:spChg chg="del">
+          <ac:chgData name="이승준" userId="73256f58-64ad-4fdb-8087-b1e36ecff85d" providerId="ADAL" clId="{CC20913E-06C9-4771-9A62-3D068F00AEF3}" dt="2022-09-17T06:18:47.075" v="1026"/>
+          <ac:spMkLst>
+            <pc:docMk/>
+            <pc:sldMk cId="2779397201" sldId="420"/>
+            <ac:spMk id="2" creationId="{FCCFD9B5-6797-A834-E054-8663BD594304}"/>
+          </ac:spMkLst>
+        </pc:spChg>
+        <pc:spChg chg="mod ord">
+          <ac:chgData name="이승준" userId="73256f58-64ad-4fdb-8087-b1e36ecff85d" providerId="ADAL" clId="{CC20913E-06C9-4771-9A62-3D068F00AEF3}" dt="2022-09-17T06:20:47.588" v="1049" actId="700"/>
+          <ac:spMkLst>
+            <pc:docMk/>
+            <pc:sldMk cId="2779397201" sldId="420"/>
+            <ac:spMk id="4" creationId="{F9A33F19-ADE4-D41C-71DC-E15A02010F6C}"/>
+          </ac:spMkLst>
+        </pc:spChg>
+        <pc:spChg chg="add del mod ord">
+          <ac:chgData name="이승준" userId="73256f58-64ad-4fdb-8087-b1e36ecff85d" providerId="ADAL" clId="{CC20913E-06C9-4771-9A62-3D068F00AEF3}" dt="2022-09-17T06:20:47.588" v="1049" actId="700"/>
+          <ac:spMkLst>
+            <pc:docMk/>
+            <pc:sldMk cId="2779397201" sldId="420"/>
+            <ac:spMk id="5" creationId="{68AA481E-C437-6DC6-9EE5-024686FBFA83}"/>
+          </ac:spMkLst>
+        </pc:spChg>
+        <pc:spChg chg="add del mod ord">
+          <ac:chgData name="이승준" userId="73256f58-64ad-4fdb-8087-b1e36ecff85d" providerId="ADAL" clId="{CC20913E-06C9-4771-9A62-3D068F00AEF3}" dt="2022-09-17T06:20:47.588" v="1049" actId="700"/>
+          <ac:spMkLst>
+            <pc:docMk/>
+            <pc:sldMk cId="2779397201" sldId="420"/>
+            <ac:spMk id="6" creationId="{1DCE7A85-8A32-E288-6C79-8766E1E91A6D}"/>
+          </ac:spMkLst>
+        </pc:spChg>
+        <pc:spChg chg="mod">
+          <ac:chgData name="이승준" userId="73256f58-64ad-4fdb-8087-b1e36ecff85d" providerId="ADAL" clId="{CC20913E-06C9-4771-9A62-3D068F00AEF3}" dt="2022-09-21T00:19:43.922" v="2000" actId="1076"/>
+          <ac:spMkLst>
+            <pc:docMk/>
+            <pc:sldMk cId="2779397201" sldId="420"/>
+            <ac:spMk id="7" creationId="{00000000-0000-0000-0000-000000000000}"/>
+          </ac:spMkLst>
+        </pc:spChg>
+        <pc:picChg chg="mod">
+          <ac:chgData name="이승준" userId="73256f58-64ad-4fdb-8087-b1e36ecff85d" providerId="ADAL" clId="{CC20913E-06C9-4771-9A62-3D068F00AEF3}" dt="2022-09-21T00:20:02.439" v="2008" actId="1076"/>
+          <ac:picMkLst>
+            <pc:docMk/>
+            <pc:sldMk cId="2779397201" sldId="420"/>
+            <ac:picMk id="3" creationId="{FA0DB2AD-F860-0785-9CF6-A57F4F6158F4}"/>
+          </ac:picMkLst>
+        </pc:picChg>
+      </pc:sldChg>
+      <pc:sldChg chg="addSp delSp modSp del mod modClrScheme chgLayout">
+        <pc:chgData name="이승준" userId="73256f58-64ad-4fdb-8087-b1e36ecff85d" providerId="ADAL" clId="{CC20913E-06C9-4771-9A62-3D068F00AEF3}" dt="2022-09-21T00:00:12.283" v="1375" actId="47"/>
+        <pc:sldMkLst>
+          <pc:docMk/>
+          <pc:sldMk cId="2707322339" sldId="421"/>
+        </pc:sldMkLst>
+        <pc:spChg chg="del">
+          <ac:chgData name="이승준" userId="73256f58-64ad-4fdb-8087-b1e36ecff85d" providerId="ADAL" clId="{CC20913E-06C9-4771-9A62-3D068F00AEF3}" dt="2022-09-17T06:18:47.075" v="1026"/>
+          <ac:spMkLst>
+            <pc:docMk/>
+            <pc:sldMk cId="2707322339" sldId="421"/>
+            <ac:spMk id="2" creationId="{25FB1A57-B22F-F5BE-ECE9-BC76F22FA83D}"/>
+          </ac:spMkLst>
+        </pc:spChg>
+        <pc:spChg chg="add mod">
+          <ac:chgData name="이승준" userId="73256f58-64ad-4fdb-8087-b1e36ecff85d" providerId="ADAL" clId="{CC20913E-06C9-4771-9A62-3D068F00AEF3}" dt="2022-09-20T23:58:29.894" v="1291"/>
+          <ac:spMkLst>
+            <pc:docMk/>
+            <pc:sldMk cId="2707322339" sldId="421"/>
+            <ac:spMk id="2" creationId="{E282A85C-0533-B7BF-2337-1F7FEDD108B4}"/>
+          </ac:spMkLst>
+        </pc:spChg>
+        <pc:spChg chg="add del mod">
+          <ac:chgData name="이승준" userId="73256f58-64ad-4fdb-8087-b1e36ecff85d" providerId="ADAL" clId="{CC20913E-06C9-4771-9A62-3D068F00AEF3}" dt="2022-09-20T23:57:46.730" v="1155"/>
+          <ac:spMkLst>
+            <pc:docMk/>
+            <pc:sldMk cId="2707322339" sldId="421"/>
+            <ac:spMk id="3" creationId="{9752490C-CBBC-765B-1D08-BDCDFFA706F6}"/>
+          </ac:spMkLst>
+        </pc:spChg>
+        <pc:spChg chg="del mod">
+          <ac:chgData name="이승준" userId="73256f58-64ad-4fdb-8087-b1e36ecff85d" providerId="ADAL" clId="{CC20913E-06C9-4771-9A62-3D068F00AEF3}" dt="2022-09-20T23:57:37.391" v="1129" actId="478"/>
+          <ac:spMkLst>
+            <pc:docMk/>
+            <pc:sldMk cId="2707322339" sldId="421"/>
+            <ac:spMk id="5" creationId="{C913A765-EECE-086F-547E-30BF0EE73DA8}"/>
+          </ac:spMkLst>
+        </pc:spChg>
+        <pc:spChg chg="mod ord">
+          <ac:chgData name="이승준" userId="73256f58-64ad-4fdb-8087-b1e36ecff85d" providerId="ADAL" clId="{CC20913E-06C9-4771-9A62-3D068F00AEF3}" dt="2022-09-17T06:20:47.588" v="1049" actId="700"/>
+          <ac:spMkLst>
+            <pc:docMk/>
+            <pc:sldMk cId="2707322339" sldId="421"/>
+            <ac:spMk id="6" creationId="{114FD493-3893-BC57-587C-603B374E87A8}"/>
+          </ac:spMkLst>
+        </pc:spChg>
+        <pc:spChg chg="add del mod ord">
+          <ac:chgData name="이승준" userId="73256f58-64ad-4fdb-8087-b1e36ecff85d" providerId="ADAL" clId="{CC20913E-06C9-4771-9A62-3D068F00AEF3}" dt="2022-09-17T06:20:47.588" v="1049" actId="700"/>
+          <ac:spMkLst>
+            <pc:docMk/>
+            <pc:sldMk cId="2707322339" sldId="421"/>
+            <ac:spMk id="7" creationId="{202FC419-D786-4DE6-8D29-AD3FAA55652B}"/>
+          </ac:spMkLst>
+        </pc:spChg>
+        <pc:spChg chg="add del mod ord">
+          <ac:chgData name="이승준" userId="73256f58-64ad-4fdb-8087-b1e36ecff85d" providerId="ADAL" clId="{CC20913E-06C9-4771-9A62-3D068F00AEF3}" dt="2022-09-17T06:20:47.588" v="1049" actId="700"/>
+          <ac:spMkLst>
+            <pc:docMk/>
+            <pc:sldMk cId="2707322339" sldId="421"/>
+            <ac:spMk id="8" creationId="{0DC6A8B7-032A-4082-326B-CC865A9CCB5D}"/>
+          </ac:spMkLst>
+        </pc:spChg>
+        <pc:picChg chg="del mod">
+          <ac:chgData name="이승준" userId="73256f58-64ad-4fdb-8087-b1e36ecff85d" providerId="ADAL" clId="{CC20913E-06C9-4771-9A62-3D068F00AEF3}" dt="2022-09-20T23:57:36.896" v="1128" actId="478"/>
+          <ac:picMkLst>
+            <pc:docMk/>
+            <pc:sldMk cId="2707322339" sldId="421"/>
+            <ac:picMk id="2050" creationId="{32FC2BBA-27C7-D3DA-AB34-FCD35BB6986E}"/>
+          </ac:picMkLst>
+        </pc:picChg>
+      </pc:sldChg>
+      <pc:sldChg chg="addSp delSp modSp mod modClrScheme chgLayout">
+        <pc:chgData name="이승준" userId="73256f58-64ad-4fdb-8087-b1e36ecff85d" providerId="ADAL" clId="{CC20913E-06C9-4771-9A62-3D068F00AEF3}" dt="2022-09-21T08:23:22.067" v="2216" actId="20577"/>
+        <pc:sldMkLst>
+          <pc:docMk/>
+          <pc:sldMk cId="803719723" sldId="425"/>
+        </pc:sldMkLst>
+        <pc:spChg chg="add mod">
+          <ac:chgData name="이승준" userId="73256f58-64ad-4fdb-8087-b1e36ecff85d" providerId="ADAL" clId="{CC20913E-06C9-4771-9A62-3D068F00AEF3}" dt="2022-09-21T08:13:03.906" v="2192" actId="207"/>
+          <ac:spMkLst>
+            <pc:docMk/>
+            <pc:sldMk cId="803719723" sldId="425"/>
+            <ac:spMk id="4" creationId="{72BD88CC-9269-FD97-B361-C480CFFF60D5}"/>
+          </ac:spMkLst>
+        </pc:spChg>
+        <pc:spChg chg="add del mod">
+          <ac:chgData name="이승준" userId="73256f58-64ad-4fdb-8087-b1e36ecff85d" providerId="ADAL" clId="{CC20913E-06C9-4771-9A62-3D068F00AEF3}" dt="2022-09-17T05:49:51.366" v="4" actId="478"/>
+          <ac:spMkLst>
+            <pc:docMk/>
+            <pc:sldMk cId="803719723" sldId="425"/>
+            <ac:spMk id="4" creationId="{E195F9E7-FA40-F986-A2D4-EBFCB523C8D2}"/>
+          </ac:spMkLst>
+        </pc:spChg>
+        <pc:spChg chg="del">
+          <ac:chgData name="이승준" userId="73256f58-64ad-4fdb-8087-b1e36ecff85d" providerId="ADAL" clId="{CC20913E-06C9-4771-9A62-3D068F00AEF3}" dt="2022-09-17T06:18:47.075" v="1026"/>
+          <ac:spMkLst>
+            <pc:docMk/>
+            <pc:sldMk cId="803719723" sldId="425"/>
+            <ac:spMk id="5" creationId="{A47E1ED6-1D44-05D7-8F21-620C5A1FDE62}"/>
+          </ac:spMkLst>
+        </pc:spChg>
+        <pc:spChg chg="add mod">
+          <ac:chgData name="이승준" userId="73256f58-64ad-4fdb-8087-b1e36ecff85d" providerId="ADAL" clId="{CC20913E-06C9-4771-9A62-3D068F00AEF3}" dt="2022-09-21T08:13:14.301" v="2194" actId="1076"/>
+          <ac:spMkLst>
+            <pc:docMk/>
+            <pc:sldMk cId="803719723" sldId="425"/>
+            <ac:spMk id="5" creationId="{A70BAB51-6B6F-1CD2-47E0-F034CA686D1A}"/>
+          </ac:spMkLst>
+        </pc:spChg>
+        <pc:spChg chg="mod ord">
+          <ac:chgData name="이승준" userId="73256f58-64ad-4fdb-8087-b1e36ecff85d" providerId="ADAL" clId="{CC20913E-06C9-4771-9A62-3D068F00AEF3}" dt="2022-09-17T06:20:47.588" v="1049" actId="700"/>
+          <ac:spMkLst>
+            <pc:docMk/>
+            <pc:sldMk cId="803719723" sldId="425"/>
+            <ac:spMk id="6" creationId="{BE9774AF-B901-0D92-4580-6F8C2C716F42}"/>
+          </ac:spMkLst>
+        </pc:spChg>
+        <pc:spChg chg="add mod">
+          <ac:chgData name="이승준" userId="73256f58-64ad-4fdb-8087-b1e36ecff85d" providerId="ADAL" clId="{CC20913E-06C9-4771-9A62-3D068F00AEF3}" dt="2022-09-21T08:13:17.085" v="2195" actId="571"/>
+          <ac:spMkLst>
+            <pc:docMk/>
+            <pc:sldMk cId="803719723" sldId="425"/>
+            <ac:spMk id="9" creationId="{251903BB-B7F0-1E03-7A37-E1AB8D880113}"/>
+          </ac:spMkLst>
+        </pc:spChg>
+        <pc:spChg chg="add del mod ord">
+          <ac:chgData name="이승준" userId="73256f58-64ad-4fdb-8087-b1e36ecff85d" providerId="ADAL" clId="{CC20913E-06C9-4771-9A62-3D068F00AEF3}" dt="2022-09-17T06:20:47.588" v="1049" actId="700"/>
+          <ac:spMkLst>
+            <pc:docMk/>
+            <pc:sldMk cId="803719723" sldId="425"/>
+            <ac:spMk id="9" creationId="{8CCA1779-C1CE-3AA8-96D8-54E0AC581653}"/>
+          </ac:spMkLst>
+        </pc:spChg>
+        <pc:spChg chg="add del mod ord">
+          <ac:chgData name="이승준" userId="73256f58-64ad-4fdb-8087-b1e36ecff85d" providerId="ADAL" clId="{CC20913E-06C9-4771-9A62-3D068F00AEF3}" dt="2022-09-17T06:20:47.588" v="1049" actId="700"/>
+          <ac:spMkLst>
+            <pc:docMk/>
+            <pc:sldMk cId="803719723" sldId="425"/>
+            <ac:spMk id="11" creationId="{D214132F-C495-ADFC-0171-D4BCEB86F026}"/>
+          </ac:spMkLst>
+        </pc:spChg>
+        <pc:spChg chg="add mod">
+          <ac:chgData name="이승준" userId="73256f58-64ad-4fdb-8087-b1e36ecff85d" providerId="ADAL" clId="{CC20913E-06C9-4771-9A62-3D068F00AEF3}" dt="2022-09-21T08:13:23.258" v="2196" actId="571"/>
+          <ac:spMkLst>
+            <pc:docMk/>
+            <pc:sldMk cId="803719723" sldId="425"/>
+            <ac:spMk id="11" creationId="{E0104DDF-6850-5A06-3BCD-507AC1FD7C85}"/>
+          </ac:spMkLst>
+        </pc:spChg>
+        <pc:spChg chg="add mod">
+          <ac:chgData name="이승준" userId="73256f58-64ad-4fdb-8087-b1e36ecff85d" providerId="ADAL" clId="{CC20913E-06C9-4771-9A62-3D068F00AEF3}" dt="2022-09-21T08:13:25.885" v="2197" actId="571"/>
+          <ac:spMkLst>
+            <pc:docMk/>
+            <pc:sldMk cId="803719723" sldId="425"/>
+            <ac:spMk id="12" creationId="{3E319462-302B-AB7D-0B0E-54AA5E7AEB14}"/>
+          </ac:spMkLst>
+        </pc:spChg>
+        <pc:spChg chg="mod">
+          <ac:chgData name="이승준" userId="73256f58-64ad-4fdb-8087-b1e36ecff85d" providerId="ADAL" clId="{CC20913E-06C9-4771-9A62-3D068F00AEF3}" dt="2022-09-21T08:23:19.950" v="2207" actId="20577"/>
+          <ac:spMkLst>
+            <pc:docMk/>
+            <pc:sldMk cId="803719723" sldId="425"/>
+            <ac:spMk id="14" creationId="{278648BA-CC5D-2B21-F70C-7746314712D2}"/>
+          </ac:spMkLst>
+        </pc:spChg>
+        <pc:spChg chg="mod">
+          <ac:chgData name="이승준" userId="73256f58-64ad-4fdb-8087-b1e36ecff85d" providerId="ADAL" clId="{CC20913E-06C9-4771-9A62-3D068F00AEF3}" dt="2022-09-21T08:23:22.067" v="2216" actId="20577"/>
+          <ac:spMkLst>
+            <pc:docMk/>
+            <pc:sldMk cId="803719723" sldId="425"/>
+            <ac:spMk id="15" creationId="{F1D872BB-BA1D-E204-361A-A23017CD39AE}"/>
+          </ac:spMkLst>
+        </pc:spChg>
+      </pc:sldChg>
+      <pc:sldChg chg="addSp delSp modSp mod modClrScheme chgLayout">
+        <pc:chgData name="이승준" userId="73256f58-64ad-4fdb-8087-b1e36ecff85d" providerId="ADAL" clId="{CC20913E-06C9-4771-9A62-3D068F00AEF3}" dt="2022-09-21T08:32:48.272" v="2253" actId="1076"/>
+        <pc:sldMkLst>
+          <pc:docMk/>
+          <pc:sldMk cId="2947606966" sldId="426"/>
+        </pc:sldMkLst>
+        <pc:spChg chg="del">
+          <ac:chgData name="이승준" userId="73256f58-64ad-4fdb-8087-b1e36ecff85d" providerId="ADAL" clId="{CC20913E-06C9-4771-9A62-3D068F00AEF3}" dt="2022-09-17T06:18:47.075" v="1026"/>
+          <ac:spMkLst>
+            <pc:docMk/>
+            <pc:sldMk cId="2947606966" sldId="426"/>
+            <ac:spMk id="2" creationId="{BD7DD84B-2621-A4E6-4E69-85BFDEF6E045}"/>
+          </ac:spMkLst>
+        </pc:spChg>
+        <pc:spChg chg="mod ord">
+          <ac:chgData name="이승준" userId="73256f58-64ad-4fdb-8087-b1e36ecff85d" providerId="ADAL" clId="{CC20913E-06C9-4771-9A62-3D068F00AEF3}" dt="2022-09-17T06:20:47.588" v="1049" actId="700"/>
+          <ac:spMkLst>
+            <pc:docMk/>
+            <pc:sldMk cId="2947606966" sldId="426"/>
+            <ac:spMk id="3" creationId="{085842EE-661B-D9DE-2DCB-C0661E816835}"/>
+          </ac:spMkLst>
+        </pc:spChg>
+        <pc:spChg chg="add del mod ord">
+          <ac:chgData name="이승준" userId="73256f58-64ad-4fdb-8087-b1e36ecff85d" providerId="ADAL" clId="{CC20913E-06C9-4771-9A62-3D068F00AEF3}" dt="2022-09-17T06:20:47.588" v="1049" actId="700"/>
+          <ac:spMkLst>
+            <pc:docMk/>
+            <pc:sldMk cId="2947606966" sldId="426"/>
+            <ac:spMk id="4" creationId="{A3BAB17E-E6FA-A391-4D70-0BAA1E841FFF}"/>
+          </ac:spMkLst>
+        </pc:spChg>
+        <pc:spChg chg="add del mod ord">
+          <ac:chgData name="이승준" userId="73256f58-64ad-4fdb-8087-b1e36ecff85d" providerId="ADAL" clId="{CC20913E-06C9-4771-9A62-3D068F00AEF3}" dt="2022-09-17T06:20:47.588" v="1049" actId="700"/>
+          <ac:spMkLst>
+            <pc:docMk/>
+            <pc:sldMk cId="2947606966" sldId="426"/>
+            <ac:spMk id="5" creationId="{8421F19F-4EA4-F6AE-49E8-50DBD5BC6D54}"/>
+          </ac:spMkLst>
+        </pc:spChg>
+        <pc:spChg chg="mod">
+          <ac:chgData name="이승준" userId="73256f58-64ad-4fdb-8087-b1e36ecff85d" providerId="ADAL" clId="{CC20913E-06C9-4771-9A62-3D068F00AEF3}" dt="2022-09-21T08:32:48.272" v="2253" actId="1076"/>
+          <ac:spMkLst>
+            <pc:docMk/>
+            <pc:sldMk cId="2947606966" sldId="426"/>
+            <ac:spMk id="3088" creationId="{4E24F135-D002-F025-8E74-C2E9601E3B48}"/>
+          </ac:spMkLst>
+        </pc:spChg>
+        <pc:picChg chg="mod">
+          <ac:chgData name="이승준" userId="73256f58-64ad-4fdb-8087-b1e36ecff85d" providerId="ADAL" clId="{CC20913E-06C9-4771-9A62-3D068F00AEF3}" dt="2022-09-21T08:32:27.155" v="2240" actId="1076"/>
+          <ac:picMkLst>
+            <pc:docMk/>
+            <pc:sldMk cId="2947606966" sldId="426"/>
+            <ac:picMk id="5122" creationId="{A91DAC9B-8F4D-C52B-828D-85CFEE18D7BE}"/>
+          </ac:picMkLst>
+        </pc:picChg>
+      </pc:sldChg>
+      <pc:sldChg chg="addSp delSp modSp mod modClrScheme chgLayout">
+        <pc:chgData name="이승준" userId="73256f58-64ad-4fdb-8087-b1e36ecff85d" providerId="ADAL" clId="{CC20913E-06C9-4771-9A62-3D068F00AEF3}" dt="2022-09-17T06:23:51.570" v="1070" actId="478"/>
+        <pc:sldMkLst>
+          <pc:docMk/>
+          <pc:sldMk cId="3873211471" sldId="427"/>
+        </pc:sldMkLst>
+        <pc:spChg chg="del mod ord">
+          <ac:chgData name="이승준" userId="73256f58-64ad-4fdb-8087-b1e36ecff85d" providerId="ADAL" clId="{CC20913E-06C9-4771-9A62-3D068F00AEF3}" dt="2022-09-17T06:21:14.277" v="1055" actId="478"/>
+          <ac:spMkLst>
+            <pc:docMk/>
+            <pc:sldMk cId="3873211471" sldId="427"/>
+            <ac:spMk id="2" creationId="{78C3CBFC-AAEC-2D92-9758-2EF0CEC93E0A}"/>
+          </ac:spMkLst>
+        </pc:spChg>
+        <pc:spChg chg="del">
+          <ac:chgData name="이승준" userId="73256f58-64ad-4fdb-8087-b1e36ecff85d" providerId="ADAL" clId="{CC20913E-06C9-4771-9A62-3D068F00AEF3}" dt="2022-09-17T06:18:47.075" v="1026"/>
+          <ac:spMkLst>
+            <pc:docMk/>
+            <pc:sldMk cId="3873211471" sldId="427"/>
+            <ac:spMk id="3" creationId="{D9755025-43DB-56A1-D2DF-892F37EBCCE3}"/>
+          </ac:spMkLst>
+        </pc:spChg>
+        <pc:spChg chg="del">
+          <ac:chgData name="이승준" userId="73256f58-64ad-4fdb-8087-b1e36ecff85d" providerId="ADAL" clId="{CC20913E-06C9-4771-9A62-3D068F00AEF3}" dt="2022-09-17T06:18:59.973" v="1027"/>
+          <ac:spMkLst>
+            <pc:docMk/>
+            <pc:sldMk cId="3873211471" sldId="427"/>
+            <ac:spMk id="4" creationId="{6FD12457-7835-86B7-CBE0-04B4D22A5EC2}"/>
+          </ac:spMkLst>
+        </pc:spChg>
+        <pc:spChg chg="del mod">
+          <ac:chgData name="이승준" userId="73256f58-64ad-4fdb-8087-b1e36ecff85d" providerId="ADAL" clId="{CC20913E-06C9-4771-9A62-3D068F00AEF3}" dt="2022-09-17T06:20:12.497" v="1042" actId="478"/>
+          <ac:spMkLst>
+            <pc:docMk/>
+            <pc:sldMk cId="3873211471" sldId="427"/>
+            <ac:spMk id="5" creationId="{AAA169BA-DD9D-4CDB-7B03-211E0C461C34}"/>
+          </ac:spMkLst>
+        </pc:spChg>
+        <pc:spChg chg="add del mod ord">
+          <ac:chgData name="이승준" userId="73256f58-64ad-4fdb-8087-b1e36ecff85d" providerId="ADAL" clId="{CC20913E-06C9-4771-9A62-3D068F00AEF3}" dt="2022-09-17T06:21:06.875" v="1053" actId="700"/>
+          <ac:spMkLst>
+            <pc:docMk/>
+            <pc:sldMk cId="3873211471" sldId="427"/>
+            <ac:spMk id="6" creationId="{517E1150-8522-A297-D4B4-A0E5808022B1}"/>
+          </ac:spMkLst>
+        </pc:spChg>
+        <pc:spChg chg="add del mod ord">
+          <ac:chgData name="이승준" userId="73256f58-64ad-4fdb-8087-b1e36ecff85d" providerId="ADAL" clId="{CC20913E-06C9-4771-9A62-3D068F00AEF3}" dt="2022-09-17T06:21:14.277" v="1055" actId="478"/>
+          <ac:spMkLst>
+            <pc:docMk/>
+            <pc:sldMk cId="3873211471" sldId="427"/>
+            <ac:spMk id="7" creationId="{67EA673F-5F41-B8E6-E760-10CFE20388B2}"/>
+          </ac:spMkLst>
+        </pc:spChg>
+        <pc:spChg chg="add del mod">
+          <ac:chgData name="이승준" userId="73256f58-64ad-4fdb-8087-b1e36ecff85d" providerId="ADAL" clId="{CC20913E-06C9-4771-9A62-3D068F00AEF3}" dt="2022-09-17T06:21:16.330" v="1058" actId="478"/>
+          <ac:spMkLst>
+            <pc:docMk/>
+            <pc:sldMk cId="3873211471" sldId="427"/>
+            <ac:spMk id="9" creationId="{9C38F9AF-9867-B217-5242-F2ED298F1137}"/>
+          </ac:spMkLst>
+        </pc:spChg>
+        <pc:spChg chg="add mod">
+          <ac:chgData name="이승준" userId="73256f58-64ad-4fdb-8087-b1e36ecff85d" providerId="ADAL" clId="{CC20913E-06C9-4771-9A62-3D068F00AEF3}" dt="2022-09-17T06:21:14.926" v="1057" actId="27636"/>
+          <ac:spMkLst>
+            <pc:docMk/>
+            <pc:sldMk cId="3873211471" sldId="427"/>
+            <ac:spMk id="10" creationId="{0CD6EDCE-BC0B-C752-0905-3B113D4971B0}"/>
+          </ac:spMkLst>
+        </pc:spChg>
+        <pc:spChg chg="del">
+          <ac:chgData name="이승준" userId="73256f58-64ad-4fdb-8087-b1e36ecff85d" providerId="ADAL" clId="{CC20913E-06C9-4771-9A62-3D068F00AEF3}" dt="2022-09-17T06:23:51.570" v="1070" actId="478"/>
+          <ac:spMkLst>
+            <pc:docMk/>
+            <pc:sldMk cId="3873211471" sldId="427"/>
+            <ac:spMk id="11" creationId="{5FEF5841-6024-2150-965F-67C5CC57577C}"/>
+          </ac:spMkLst>
+        </pc:spChg>
+      </pc:sldChg>
+      <pc:sldChg chg="addSp delSp modSp mod modClrScheme chgLayout">
+        <pc:chgData name="이승준" userId="73256f58-64ad-4fdb-8087-b1e36ecff85d" providerId="ADAL" clId="{CC20913E-06C9-4771-9A62-3D068F00AEF3}" dt="2022-09-17T06:20:47.588" v="1049" actId="700"/>
+        <pc:sldMkLst>
+          <pc:docMk/>
+          <pc:sldMk cId="1399212407" sldId="428"/>
+        </pc:sldMkLst>
+        <pc:spChg chg="del">
+          <ac:chgData name="이승준" userId="73256f58-64ad-4fdb-8087-b1e36ecff85d" providerId="ADAL" clId="{CC20913E-06C9-4771-9A62-3D068F00AEF3}" dt="2022-09-17T06:18:47.075" v="1026"/>
+          <ac:spMkLst>
+            <pc:docMk/>
+            <pc:sldMk cId="1399212407" sldId="428"/>
+            <ac:spMk id="2" creationId="{53543A8B-969C-D29F-CE67-71BA04914788}"/>
+          </ac:spMkLst>
+        </pc:spChg>
+        <pc:spChg chg="mod ord">
+          <ac:chgData name="이승준" userId="73256f58-64ad-4fdb-8087-b1e36ecff85d" providerId="ADAL" clId="{CC20913E-06C9-4771-9A62-3D068F00AEF3}" dt="2022-09-17T06:20:47.588" v="1049" actId="700"/>
+          <ac:spMkLst>
+            <pc:docMk/>
+            <pc:sldMk cId="1399212407" sldId="428"/>
+            <ac:spMk id="5" creationId="{0DC23E59-B81B-9D4F-CB90-096ED5A40896}"/>
+          </ac:spMkLst>
+        </pc:spChg>
+        <pc:spChg chg="add del mod ord">
+          <ac:chgData name="이승준" userId="73256f58-64ad-4fdb-8087-b1e36ecff85d" providerId="ADAL" clId="{CC20913E-06C9-4771-9A62-3D068F00AEF3}" dt="2022-09-17T06:20:47.588" v="1049" actId="700"/>
+          <ac:spMkLst>
+            <pc:docMk/>
+            <pc:sldMk cId="1399212407" sldId="428"/>
+            <ac:spMk id="6" creationId="{DAA5ABD9-D4A7-6D6C-4BE1-CC7D4A81D1CB}"/>
+          </ac:spMkLst>
+        </pc:spChg>
+        <pc:spChg chg="add del mod ord">
+          <ac:chgData name="이승준" userId="73256f58-64ad-4fdb-8087-b1e36ecff85d" providerId="ADAL" clId="{CC20913E-06C9-4771-9A62-3D068F00AEF3}" dt="2022-09-17T06:20:47.588" v="1049" actId="700"/>
+          <ac:spMkLst>
+            <pc:docMk/>
+            <pc:sldMk cId="1399212407" sldId="428"/>
+            <ac:spMk id="7" creationId="{4DD92A4C-D72C-6FD5-DA5E-F7EE96E28012}"/>
+          </ac:spMkLst>
+        </pc:spChg>
+      </pc:sldChg>
+      <pc:sldChg chg="addSp delSp modSp add mod ord modClrScheme chgLayout">
+        <pc:chgData name="이승준" userId="73256f58-64ad-4fdb-8087-b1e36ecff85d" providerId="ADAL" clId="{CC20913E-06C9-4771-9A62-3D068F00AEF3}" dt="2022-09-21T08:53:11.768" v="2255" actId="1076"/>
+        <pc:sldMkLst>
+          <pc:docMk/>
+          <pc:sldMk cId="3115309125" sldId="429"/>
+        </pc:sldMkLst>
+        <pc:spChg chg="add mod">
+          <ac:chgData name="이승준" userId="73256f58-64ad-4fdb-8087-b1e36ecff85d" providerId="ADAL" clId="{CC20913E-06C9-4771-9A62-3D068F00AEF3}" dt="2022-09-21T00:08:29.179" v="1640" actId="207"/>
+          <ac:spMkLst>
+            <pc:docMk/>
+            <pc:sldMk cId="3115309125" sldId="429"/>
+            <ac:spMk id="2" creationId="{97C63588-5307-82DE-D298-0A40F795107A}"/>
+          </ac:spMkLst>
+        </pc:spChg>
+        <pc:spChg chg="add del mod">
+          <ac:chgData name="이승준" userId="73256f58-64ad-4fdb-8087-b1e36ecff85d" providerId="ADAL" clId="{CC20913E-06C9-4771-9A62-3D068F00AEF3}" dt="2022-09-17T05:58:04.957" v="107" actId="478"/>
+          <ac:spMkLst>
+            <pc:docMk/>
+            <pc:sldMk cId="3115309125" sldId="429"/>
+            <ac:spMk id="2" creationId="{99ED7D5D-1CBC-D3D0-2A14-9C151D2236E3}"/>
+          </ac:spMkLst>
+        </pc:spChg>
+        <pc:spChg chg="add mod">
+          <ac:chgData name="이승준" userId="73256f58-64ad-4fdb-8087-b1e36ecff85d" providerId="ADAL" clId="{CC20913E-06C9-4771-9A62-3D068F00AEF3}" dt="2022-09-21T00:09:29.016" v="1660" actId="20577"/>
+          <ac:spMkLst>
+            <pc:docMk/>
+            <pc:sldMk cId="3115309125" sldId="429"/>
+            <ac:spMk id="3" creationId="{97FBCFA7-FEA1-2BCC-120E-68C9419F914B}"/>
+          </ac:spMkLst>
+        </pc:spChg>
+        <pc:spChg chg="add del mod">
+          <ac:chgData name="이승준" userId="73256f58-64ad-4fdb-8087-b1e36ecff85d" providerId="ADAL" clId="{CC20913E-06C9-4771-9A62-3D068F00AEF3}" dt="2022-09-21T08:53:10.008" v="2254" actId="478"/>
+          <ac:spMkLst>
+            <pc:docMk/>
+            <pc:sldMk cId="3115309125" sldId="429"/>
+            <ac:spMk id="4" creationId="{2C670B67-E06A-EDD2-EF0A-7EA19FB48BED}"/>
+          </ac:spMkLst>
+        </pc:spChg>
+        <pc:spChg chg="add del mod">
+          <ac:chgData name="이승준" userId="73256f58-64ad-4fdb-8087-b1e36ecff85d" providerId="ADAL" clId="{CC20913E-06C9-4771-9A62-3D068F00AEF3}" dt="2022-09-17T05:58:04.957" v="107" actId="478"/>
+          <ac:spMkLst>
+            <pc:docMk/>
+            <pc:sldMk cId="3115309125" sldId="429"/>
+            <ac:spMk id="4" creationId="{571D20C0-6E01-4517-B022-F4A95561E6D4}"/>
+          </ac:spMkLst>
+        </pc:spChg>
+        <pc:spChg chg="del">
+          <ac:chgData name="이승준" userId="73256f58-64ad-4fdb-8087-b1e36ecff85d" providerId="ADAL" clId="{CC20913E-06C9-4771-9A62-3D068F00AEF3}" dt="2022-09-17T05:53:35.629" v="46" actId="478"/>
+          <ac:spMkLst>
+            <pc:docMk/>
+            <pc:sldMk cId="3115309125" sldId="429"/>
+            <ac:spMk id="5" creationId="{3FE08748-10B0-ECEE-5296-C114C3BA4598}"/>
+          </ac:spMkLst>
+        </pc:spChg>
+        <pc:spChg chg="del mod">
+          <ac:chgData name="이승준" userId="73256f58-64ad-4fdb-8087-b1e36ecff85d" providerId="ADAL" clId="{CC20913E-06C9-4771-9A62-3D068F00AEF3}" dt="2022-09-17T06:08:12.628" v="636"/>
+          <ac:spMkLst>
+            <pc:docMk/>
+            <pc:sldMk cId="3115309125" sldId="429"/>
+            <ac:spMk id="7" creationId="{00000000-0000-0000-0000-000000000000}"/>
+          </ac:spMkLst>
+        </pc:spChg>
+        <pc:spChg chg="del">
+          <ac:chgData name="이승준" userId="73256f58-64ad-4fdb-8087-b1e36ecff85d" providerId="ADAL" clId="{CC20913E-06C9-4771-9A62-3D068F00AEF3}" dt="2022-09-17T05:54:07.609" v="57" actId="478"/>
+          <ac:spMkLst>
+            <pc:docMk/>
+            <pc:sldMk cId="3115309125" sldId="429"/>
+            <ac:spMk id="8" creationId="{02A582AC-F3AE-5045-69B3-39842E5122D8}"/>
+          </ac:spMkLst>
+        </pc:spChg>
+        <pc:spChg chg="add mod">
+          <ac:chgData name="이승준" userId="73256f58-64ad-4fdb-8087-b1e36ecff85d" providerId="ADAL" clId="{CC20913E-06C9-4771-9A62-3D068F00AEF3}" dt="2022-09-21T00:08:29.179" v="1640" actId="207"/>
+          <ac:spMkLst>
+            <pc:docMk/>
+            <pc:sldMk cId="3115309125" sldId="429"/>
+            <ac:spMk id="9" creationId="{DEA7CEEE-E89B-13A5-C0B2-D59F5FA13504}"/>
+          </ac:spMkLst>
+        </pc:spChg>
+        <pc:spChg chg="add del mod">
+          <ac:chgData name="이승준" userId="73256f58-64ad-4fdb-8087-b1e36ecff85d" providerId="ADAL" clId="{CC20913E-06C9-4771-9A62-3D068F00AEF3}" dt="2022-09-17T06:08:27.612" v="642" actId="478"/>
+          <ac:spMkLst>
+            <pc:docMk/>
+            <pc:sldMk cId="3115309125" sldId="429"/>
+            <ac:spMk id="10" creationId="{C58EB9DC-9BC8-3CE6-15F6-A435129EC3D7}"/>
+          </ac:spMkLst>
+        </pc:spChg>
+        <pc:spChg chg="mod">
+          <ac:chgData name="이승준" userId="73256f58-64ad-4fdb-8087-b1e36ecff85d" providerId="ADAL" clId="{CC20913E-06C9-4771-9A62-3D068F00AEF3}" dt="2022-09-21T00:08:39.908" v="1646" actId="20577"/>
+          <ac:spMkLst>
+            <pc:docMk/>
+            <pc:sldMk cId="3115309125" sldId="429"/>
+            <ac:spMk id="11" creationId="{47EBCAFB-0A16-017D-A808-8BC8AE63EDC6}"/>
+          </ac:spMkLst>
+        </pc:spChg>
+        <pc:spChg chg="mod">
+          <ac:chgData name="이승준" userId="73256f58-64ad-4fdb-8087-b1e36ecff85d" providerId="ADAL" clId="{CC20913E-06C9-4771-9A62-3D068F00AEF3}" dt="2022-09-17T06:09:34.612" v="658" actId="1076"/>
+          <ac:spMkLst>
+            <pc:docMk/>
+            <pc:sldMk cId="3115309125" sldId="429"/>
+            <ac:spMk id="12" creationId="{00000000-0000-0000-0000-000000000000}"/>
+          </ac:spMkLst>
+        </pc:spChg>
+        <pc:spChg chg="add del">
+          <ac:chgData name="이승준" userId="73256f58-64ad-4fdb-8087-b1e36ecff85d" providerId="ADAL" clId="{CC20913E-06C9-4771-9A62-3D068F00AEF3}" dt="2022-09-17T06:11:15.381" v="675" actId="22"/>
+          <ac:spMkLst>
+            <pc:docMk/>
+            <pc:sldMk cId="3115309125" sldId="429"/>
+            <ac:spMk id="16" creationId="{56F0E3F5-D69C-8F6F-3B8D-CB72FF05FF14}"/>
+          </ac:spMkLst>
+        </pc:spChg>
+        <pc:spChg chg="add del mod">
+          <ac:chgData name="이승준" userId="73256f58-64ad-4fdb-8087-b1e36ecff85d" providerId="ADAL" clId="{CC20913E-06C9-4771-9A62-3D068F00AEF3}" dt="2022-09-17T06:12:29.553" v="752" actId="478"/>
+          <ac:spMkLst>
+            <pc:docMk/>
+            <pc:sldMk cId="3115309125" sldId="429"/>
+            <ac:spMk id="19" creationId="{2AF99254-DD10-C5D0-062B-AF2D58BBACF3}"/>
+          </ac:spMkLst>
+        </pc:spChg>
+        <pc:spChg chg="del">
+          <ac:chgData name="이승준" userId="73256f58-64ad-4fdb-8087-b1e36ecff85d" providerId="ADAL" clId="{CC20913E-06C9-4771-9A62-3D068F00AEF3}" dt="2022-09-17T06:18:47.075" v="1026"/>
+          <ac:spMkLst>
+            <pc:docMk/>
+            <pc:sldMk cId="3115309125" sldId="429"/>
+            <ac:spMk id="20" creationId="{10C8FF8E-41B4-10A9-13FE-06581F55983A}"/>
+          </ac:spMkLst>
+        </pc:spChg>
+        <pc:spChg chg="mod ord">
+          <ac:chgData name="이승준" userId="73256f58-64ad-4fdb-8087-b1e36ecff85d" providerId="ADAL" clId="{CC20913E-06C9-4771-9A62-3D068F00AEF3}" dt="2022-09-17T06:20:47.588" v="1049" actId="700"/>
+          <ac:spMkLst>
+            <pc:docMk/>
+            <pc:sldMk cId="3115309125" sldId="429"/>
+            <ac:spMk id="21" creationId="{9F1BD499-6863-EF71-8663-59B35CE3A219}"/>
+          </ac:spMkLst>
+        </pc:spChg>
+        <pc:spChg chg="add del mod ord">
+          <ac:chgData name="이승준" userId="73256f58-64ad-4fdb-8087-b1e36ecff85d" providerId="ADAL" clId="{CC20913E-06C9-4771-9A62-3D068F00AEF3}" dt="2022-09-17T06:20:47.588" v="1049" actId="700"/>
+          <ac:spMkLst>
+            <pc:docMk/>
+            <pc:sldMk cId="3115309125" sldId="429"/>
+            <ac:spMk id="22" creationId="{7F8BFC17-CD3C-EDE5-B496-82D017667D43}"/>
+          </ac:spMkLst>
+        </pc:spChg>
+        <pc:spChg chg="add del mod ord">
+          <ac:chgData name="이승준" userId="73256f58-64ad-4fdb-8087-b1e36ecff85d" providerId="ADAL" clId="{CC20913E-06C9-4771-9A62-3D068F00AEF3}" dt="2022-09-17T06:20:47.588" v="1049" actId="700"/>
+          <ac:spMkLst>
+            <pc:docMk/>
+            <pc:sldMk cId="3115309125" sldId="429"/>
+            <ac:spMk id="23" creationId="{89D46677-DB14-E766-411A-676E68A18DDA}"/>
+          </ac:spMkLst>
+        </pc:spChg>
+        <pc:picChg chg="add del mod">
+          <ac:chgData name="이승준" userId="73256f58-64ad-4fdb-8087-b1e36ecff85d" providerId="ADAL" clId="{CC20913E-06C9-4771-9A62-3D068F00AEF3}" dt="2022-09-17T05:58:04.957" v="107" actId="478"/>
+          <ac:picMkLst>
+            <pc:docMk/>
+            <pc:sldMk cId="3115309125" sldId="429"/>
+            <ac:picMk id="6" creationId="{6A752C03-D78C-D997-334F-17A55AB38B4F}"/>
+          </ac:picMkLst>
+        </pc:picChg>
+        <pc:picChg chg="add del mod">
+          <ac:chgData name="이승준" userId="73256f58-64ad-4fdb-8087-b1e36ecff85d" providerId="ADAL" clId="{CC20913E-06C9-4771-9A62-3D068F00AEF3}" dt="2022-09-17T06:09:25.690" v="655" actId="478"/>
+          <ac:picMkLst>
+            <pc:docMk/>
+            <pc:sldMk cId="3115309125" sldId="429"/>
+            <ac:picMk id="14" creationId="{C33927F5-B920-AB71-4B88-4954ACA30C46}"/>
+          </ac:picMkLst>
+        </pc:picChg>
+        <pc:picChg chg="add mod">
+          <ac:chgData name="이승준" userId="73256f58-64ad-4fdb-8087-b1e36ecff85d" providerId="ADAL" clId="{CC20913E-06C9-4771-9A62-3D068F00AEF3}" dt="2022-09-21T00:08:29.179" v="1640" actId="207"/>
+          <ac:picMkLst>
+            <pc:docMk/>
+            <pc:sldMk cId="3115309125" sldId="429"/>
+            <ac:picMk id="18" creationId="{0275FEF4-A520-E60A-FADB-9EACECCFE59B}"/>
+          </ac:picMkLst>
+        </pc:picChg>
+        <pc:picChg chg="del">
+          <ac:chgData name="이승준" userId="73256f58-64ad-4fdb-8087-b1e36ecff85d" providerId="ADAL" clId="{CC20913E-06C9-4771-9A62-3D068F00AEF3}" dt="2022-09-17T05:54:04.835" v="55" actId="478"/>
+          <ac:picMkLst>
+            <pc:docMk/>
+            <pc:sldMk cId="3115309125" sldId="429"/>
+            <ac:picMk id="1026" creationId="{6B9CDC3B-56E1-F290-1D91-1BB83921AF54}"/>
+          </ac:picMkLst>
+        </pc:picChg>
+        <pc:picChg chg="add mod">
+          <ac:chgData name="이승준" userId="73256f58-64ad-4fdb-8087-b1e36ecff85d" providerId="ADAL" clId="{CC20913E-06C9-4771-9A62-3D068F00AEF3}" dt="2022-09-21T00:08:44.574" v="1647" actId="1076"/>
+          <ac:picMkLst>
+            <pc:docMk/>
+            <pc:sldMk cId="3115309125" sldId="429"/>
+            <ac:picMk id="1026" creationId="{73BC8886-B7C2-64A5-334D-5B72F6E8BEF3}"/>
+          </ac:picMkLst>
+        </pc:picChg>
+        <pc:picChg chg="add del mod">
+          <ac:chgData name="이승준" userId="73256f58-64ad-4fdb-8087-b1e36ecff85d" providerId="ADAL" clId="{CC20913E-06C9-4771-9A62-3D068F00AEF3}" dt="2022-09-17T06:09:25.690" v="655" actId="478"/>
+          <ac:picMkLst>
+            <pc:docMk/>
+            <pc:sldMk cId="3115309125" sldId="429"/>
+            <ac:picMk id="1028" creationId="{CFDFBDF2-779D-15C6-F71D-D518D68B3704}"/>
+          </ac:picMkLst>
+        </pc:picChg>
+        <pc:picChg chg="add del mod">
+          <ac:chgData name="이승준" userId="73256f58-64ad-4fdb-8087-b1e36ecff85d" providerId="ADAL" clId="{CC20913E-06C9-4771-9A62-3D068F00AEF3}" dt="2022-09-17T06:09:50.758" v="667" actId="478"/>
+          <ac:picMkLst>
+            <pc:docMk/>
+            <pc:sldMk cId="3115309125" sldId="429"/>
+            <ac:picMk id="1030" creationId="{7C86A18F-F344-866B-2AF1-97FA86914A67}"/>
+          </ac:picMkLst>
+        </pc:picChg>
+        <pc:picChg chg="add del">
+          <ac:chgData name="이승준" userId="73256f58-64ad-4fdb-8087-b1e36ecff85d" providerId="ADAL" clId="{CC20913E-06C9-4771-9A62-3D068F00AEF3}" dt="2022-09-17T06:09:44.106" v="663"/>
+          <ac:picMkLst>
+            <pc:docMk/>
+            <pc:sldMk cId="3115309125" sldId="429"/>
+            <ac:picMk id="1032" creationId="{40CAFD03-91E9-874F-7254-EDCA06429726}"/>
+          </ac:picMkLst>
+        </pc:picChg>
+        <pc:picChg chg="add del">
+          <ac:chgData name="이승준" userId="73256f58-64ad-4fdb-8087-b1e36ecff85d" providerId="ADAL" clId="{CC20913E-06C9-4771-9A62-3D068F00AEF3}" dt="2022-09-17T06:09:47.215" v="665"/>
+          <ac:picMkLst>
+            <pc:docMk/>
+            <pc:sldMk cId="3115309125" sldId="429"/>
+            <ac:picMk id="1034" creationId="{6F7CBA07-5E19-4817-0B87-63AE08B666F5}"/>
+          </ac:picMkLst>
+        </pc:picChg>
+        <pc:picChg chg="add mod">
+          <ac:chgData name="이승준" userId="73256f58-64ad-4fdb-8087-b1e36ecff85d" providerId="ADAL" clId="{CC20913E-06C9-4771-9A62-3D068F00AEF3}" dt="2022-09-21T08:53:11.768" v="2255" actId="1076"/>
+          <ac:picMkLst>
+            <pc:docMk/>
+            <pc:sldMk cId="3115309125" sldId="429"/>
+            <ac:picMk id="1036" creationId="{91559BAF-AF70-69D9-E238-74784FB5272B}"/>
+          </ac:picMkLst>
+        </pc:picChg>
+        <pc:picChg chg="add del mod">
+          <ac:chgData name="이승준" userId="73256f58-64ad-4fdb-8087-b1e36ecff85d" providerId="ADAL" clId="{CC20913E-06C9-4771-9A62-3D068F00AEF3}" dt="2022-09-17T06:14:16.962" v="862" actId="478"/>
+          <ac:picMkLst>
+            <pc:docMk/>
+            <pc:sldMk cId="3115309125" sldId="429"/>
+            <ac:picMk id="1038" creationId="{D02A4A99-0B91-AC61-283D-2D6C23C73E47}"/>
+          </ac:picMkLst>
+        </pc:picChg>
+        <pc:picChg chg="add mod">
+          <ac:chgData name="이승준" userId="73256f58-64ad-4fdb-8087-b1e36ecff85d" providerId="ADAL" clId="{CC20913E-06C9-4771-9A62-3D068F00AEF3}" dt="2022-09-21T00:08:29.179" v="1640" actId="207"/>
+          <ac:picMkLst>
+            <pc:docMk/>
+            <pc:sldMk cId="3115309125" sldId="429"/>
+            <ac:picMk id="1040" creationId="{F862AE07-32FE-6F78-20CA-4E1D98D5B29B}"/>
+          </ac:picMkLst>
+        </pc:picChg>
+        <pc:cxnChg chg="del">
+          <ac:chgData name="이승준" userId="73256f58-64ad-4fdb-8087-b1e36ecff85d" providerId="ADAL" clId="{CC20913E-06C9-4771-9A62-3D068F00AEF3}" dt="2022-09-17T05:53:38.965" v="48" actId="478"/>
+          <ac:cxnSpMkLst>
+            <pc:docMk/>
+            <pc:sldMk cId="3115309125" sldId="429"/>
+            <ac:cxnSpMk id="3" creationId="{112601B4-0B1B-8274-D088-D7BC2D3C6170}"/>
+          </ac:cxnSpMkLst>
+        </pc:cxnChg>
+        <pc:cxnChg chg="del">
+          <ac:chgData name="이승준" userId="73256f58-64ad-4fdb-8087-b1e36ecff85d" providerId="ADAL" clId="{CC20913E-06C9-4771-9A62-3D068F00AEF3}" dt="2022-09-17T05:54:07.278" v="56" actId="478"/>
+          <ac:cxnSpMkLst>
+            <pc:docMk/>
+            <pc:sldMk cId="3115309125" sldId="429"/>
+            <ac:cxnSpMk id="13" creationId="{B993B516-0EB7-C941-CDCD-D351D1A8F66A}"/>
+          </ac:cxnSpMkLst>
+        </pc:cxnChg>
+      </pc:sldChg>
+      <pc:sldChg chg="addSp delSp modSp add mod modClrScheme chgLayout modNotesTx">
+        <pc:chgData name="이승준" userId="73256f58-64ad-4fdb-8087-b1e36ecff85d" providerId="ADAL" clId="{CC20913E-06C9-4771-9A62-3D068F00AEF3}" dt="2022-09-21T00:11:20.146" v="1679"/>
+        <pc:sldMkLst>
+          <pc:docMk/>
+          <pc:sldMk cId="2384452723" sldId="430"/>
+        </pc:sldMkLst>
+        <pc:spChg chg="del mod">
+          <ac:chgData name="이승준" userId="73256f58-64ad-4fdb-8087-b1e36ecff85d" providerId="ADAL" clId="{CC20913E-06C9-4771-9A62-3D068F00AEF3}" dt="2022-09-17T05:58:22.989" v="117"/>
+          <ac:spMkLst>
+            <pc:docMk/>
+            <pc:sldMk cId="2384452723" sldId="430"/>
+            <ac:spMk id="2" creationId="{99ED7D5D-1CBC-D3D0-2A14-9C151D2236E3}"/>
+          </ac:spMkLst>
+        </pc:spChg>
+        <pc:spChg chg="add mod">
+          <ac:chgData name="이승준" userId="73256f58-64ad-4fdb-8087-b1e36ecff85d" providerId="ADAL" clId="{CC20913E-06C9-4771-9A62-3D068F00AEF3}" dt="2022-09-17T05:58:22.623" v="115"/>
+          <ac:spMkLst>
+            <pc:docMk/>
+            <pc:sldMk cId="2384452723" sldId="430"/>
+            <ac:spMk id="3" creationId="{F4F7C999-AC69-FF5F-172F-E542BAB13986}"/>
+          </ac:spMkLst>
+        </pc:spChg>
+        <pc:spChg chg="mod">
+          <ac:chgData name="이승준" userId="73256f58-64ad-4fdb-8087-b1e36ecff85d" providerId="ADAL" clId="{CC20913E-06C9-4771-9A62-3D068F00AEF3}" dt="2022-09-21T00:11:20.146" v="1679"/>
+          <ac:spMkLst>
+            <pc:docMk/>
+            <pc:sldMk cId="2384452723" sldId="430"/>
+            <ac:spMk id="4" creationId="{571D20C0-6E01-4517-B022-F4A95561E6D4}"/>
+          </ac:spMkLst>
+        </pc:spChg>
+        <pc:spChg chg="del">
+          <ac:chgData name="이승준" userId="73256f58-64ad-4fdb-8087-b1e36ecff85d" providerId="ADAL" clId="{CC20913E-06C9-4771-9A62-3D068F00AEF3}" dt="2022-09-17T05:58:07.358" v="108" actId="478"/>
+          <ac:spMkLst>
+            <pc:docMk/>
+            <pc:sldMk cId="2384452723" sldId="430"/>
+            <ac:spMk id="7" creationId="{00000000-0000-0000-0000-000000000000}"/>
+          </ac:spMkLst>
+        </pc:spChg>
+        <pc:spChg chg="add mod">
+          <ac:chgData name="이승준" userId="73256f58-64ad-4fdb-8087-b1e36ecff85d" providerId="ADAL" clId="{CC20913E-06C9-4771-9A62-3D068F00AEF3}" dt="2022-09-17T06:17:13.389" v="1007" actId="1076"/>
+          <ac:spMkLst>
+            <pc:docMk/>
+            <pc:sldMk cId="2384452723" sldId="430"/>
+            <ac:spMk id="8" creationId="{5B6C4F52-4D75-8ECD-82A4-7C4877E70AF3}"/>
+          </ac:spMkLst>
+        </pc:spChg>
+        <pc:spChg chg="add mod">
+          <ac:chgData name="이승준" userId="73256f58-64ad-4fdb-8087-b1e36ecff85d" providerId="ADAL" clId="{CC20913E-06C9-4771-9A62-3D068F00AEF3}" dt="2022-09-17T06:06:37.379" v="520" actId="1076"/>
+          <ac:spMkLst>
+            <pc:docMk/>
+            <pc:sldMk cId="2384452723" sldId="430"/>
+            <ac:spMk id="9" creationId="{07105FCC-651F-B405-63F5-641102CEA52C}"/>
+          </ac:spMkLst>
+        </pc:spChg>
+        <pc:spChg chg="del">
+          <ac:chgData name="이승준" userId="73256f58-64ad-4fdb-8087-b1e36ecff85d" providerId="ADAL" clId="{CC20913E-06C9-4771-9A62-3D068F00AEF3}" dt="2022-09-17T06:18:47.075" v="1026"/>
+          <ac:spMkLst>
+            <pc:docMk/>
+            <pc:sldMk cId="2384452723" sldId="430"/>
+            <ac:spMk id="10" creationId="{7C468297-58BB-BF1C-295C-97A18A8AC9CC}"/>
+          </ac:spMkLst>
+        </pc:spChg>
+        <pc:spChg chg="del">
+          <ac:chgData name="이승준" userId="73256f58-64ad-4fdb-8087-b1e36ecff85d" providerId="ADAL" clId="{CC20913E-06C9-4771-9A62-3D068F00AEF3}" dt="2022-09-17T05:58:07.358" v="108" actId="478"/>
+          <ac:spMkLst>
+            <pc:docMk/>
+            <pc:sldMk cId="2384452723" sldId="430"/>
+            <ac:spMk id="11" creationId="{47EBCAFB-0A16-017D-A808-8BC8AE63EDC6}"/>
+          </ac:spMkLst>
+        </pc:spChg>
+        <pc:spChg chg="mod ord">
+          <ac:chgData name="이승준" userId="73256f58-64ad-4fdb-8087-b1e36ecff85d" providerId="ADAL" clId="{CC20913E-06C9-4771-9A62-3D068F00AEF3}" dt="2022-09-17T06:20:47.588" v="1049" actId="700"/>
+          <ac:spMkLst>
+            <pc:docMk/>
+            <pc:sldMk cId="2384452723" sldId="430"/>
+            <ac:spMk id="13" creationId="{8920037B-4162-945F-20F6-C7F5E134BA64}"/>
+          </ac:spMkLst>
+        </pc:spChg>
+        <pc:spChg chg="add del mod ord">
+          <ac:chgData name="이승준" userId="73256f58-64ad-4fdb-8087-b1e36ecff85d" providerId="ADAL" clId="{CC20913E-06C9-4771-9A62-3D068F00AEF3}" dt="2022-09-17T06:20:47.588" v="1049" actId="700"/>
+          <ac:spMkLst>
+            <pc:docMk/>
+            <pc:sldMk cId="2384452723" sldId="430"/>
+            <ac:spMk id="14" creationId="{DEC64636-EDB4-5E47-5DD0-1896866460B2}"/>
+          </ac:spMkLst>
+        </pc:spChg>
+        <pc:spChg chg="add del mod ord">
+          <ac:chgData name="이승준" userId="73256f58-64ad-4fdb-8087-b1e36ecff85d" providerId="ADAL" clId="{CC20913E-06C9-4771-9A62-3D068F00AEF3}" dt="2022-09-17T06:20:47.588" v="1049" actId="700"/>
+          <ac:spMkLst>
+            <pc:docMk/>
+            <pc:sldMk cId="2384452723" sldId="430"/>
+            <ac:spMk id="15" creationId="{B5A40B0F-4A29-9217-81E3-52247988C3FF}"/>
+          </ac:spMkLst>
+        </pc:spChg>
+        <pc:graphicFrameChg chg="add mod modGraphic">
+          <ac:chgData name="이승준" userId="73256f58-64ad-4fdb-8087-b1e36ecff85d" providerId="ADAL" clId="{CC20913E-06C9-4771-9A62-3D068F00AEF3}" dt="2022-09-17T06:17:13.389" v="1007" actId="1076"/>
+          <ac:graphicFrameMkLst>
+            <pc:docMk/>
+            <pc:sldMk cId="2384452723" sldId="430"/>
+            <ac:graphicFrameMk id="5" creationId="{446FE62F-96AB-B4D7-B6A5-D9D2C491B913}"/>
+          </ac:graphicFrameMkLst>
+        </pc:graphicFrameChg>
+        <pc:picChg chg="add del mod">
+          <ac:chgData name="이승준" userId="73256f58-64ad-4fdb-8087-b1e36ecff85d" providerId="ADAL" clId="{CC20913E-06C9-4771-9A62-3D068F00AEF3}" dt="2022-09-17T06:00:10.617" v="251" actId="478"/>
+          <ac:picMkLst>
+            <pc:docMk/>
+            <pc:sldMk cId="2384452723" sldId="430"/>
+            <ac:picMk id="6" creationId="{6A752C03-D78C-D997-334F-17A55AB38B4F}"/>
+          </ac:picMkLst>
+        </pc:picChg>
+      </pc:sldChg>
+      <pc:sldChg chg="modSp add mod ord">
+        <pc:chgData name="이승준" userId="73256f58-64ad-4fdb-8087-b1e36ecff85d" providerId="ADAL" clId="{CC20913E-06C9-4771-9A62-3D068F00AEF3}" dt="2022-09-21T07:56:08.548" v="2111" actId="13926"/>
+        <pc:sldMkLst>
+          <pc:docMk/>
+          <pc:sldMk cId="1401841489" sldId="431"/>
+        </pc:sldMkLst>
+        <pc:spChg chg="mod">
+          <ac:chgData name="이승준" userId="73256f58-64ad-4fdb-8087-b1e36ecff85d" providerId="ADAL" clId="{CC20913E-06C9-4771-9A62-3D068F00AEF3}" dt="2022-09-21T07:54:22.366" v="2100" actId="6549"/>
+          <ac:spMkLst>
+            <pc:docMk/>
+            <pc:sldMk cId="1401841489" sldId="431"/>
+            <ac:spMk id="2" creationId="{E282A85C-0533-B7BF-2337-1F7FEDD108B4}"/>
+          </ac:spMkLst>
+        </pc:spChg>
+        <pc:spChg chg="mod">
+          <ac:chgData name="이승준" userId="73256f58-64ad-4fdb-8087-b1e36ecff85d" providerId="ADAL" clId="{CC20913E-06C9-4771-9A62-3D068F00AEF3}" dt="2022-09-21T07:56:08.548" v="2111" actId="13926"/>
+          <ac:spMkLst>
+            <pc:docMk/>
+            <pc:sldMk cId="1401841489" sldId="431"/>
+            <ac:spMk id="5" creationId="{C913A765-EECE-086F-547E-30BF0EE73DA8}"/>
+          </ac:spMkLst>
+        </pc:spChg>
+        <pc:picChg chg="mod">
+          <ac:chgData name="이승준" userId="73256f58-64ad-4fdb-8087-b1e36ecff85d" providerId="ADAL" clId="{CC20913E-06C9-4771-9A62-3D068F00AEF3}" dt="2022-09-20T23:58:52.247" v="1293" actId="1076"/>
+          <ac:picMkLst>
+            <pc:docMk/>
+            <pc:sldMk cId="1401841489" sldId="431"/>
+            <ac:picMk id="2050" creationId="{32FC2BBA-27C7-D3DA-AB34-FCD35BB6986E}"/>
+          </ac:picMkLst>
+        </pc:picChg>
+      </pc:sldChg>
+      <pc:sldMasterChg chg="modSp addSldLayout delSldLayout modSldLayout">
+        <pc:chgData name="이승준" userId="73256f58-64ad-4fdb-8087-b1e36ecff85d" providerId="ADAL" clId="{CC20913E-06C9-4771-9A62-3D068F00AEF3}" dt="2022-09-17T06:22:50.020" v="1069" actId="1076"/>
+        <pc:sldMasterMkLst>
+          <pc:docMk/>
+          <pc:sldMasterMk cId="450330620" sldId="2147483648"/>
+        </pc:sldMasterMkLst>
+        <pc:spChg chg="mod">
+          <ac:chgData name="이승준" userId="73256f58-64ad-4fdb-8087-b1e36ecff85d" providerId="ADAL" clId="{CC20913E-06C9-4771-9A62-3D068F00AEF3}" dt="2022-09-17T06:19:36.551" v="1032" actId="2711"/>
+          <ac:spMkLst>
+            <pc:docMk/>
+            <pc:sldMasterMk cId="450330620" sldId="2147483648"/>
+            <ac:spMk id="6" creationId="{00000000-0000-0000-0000-000000000000}"/>
+          </ac:spMkLst>
+        </pc:spChg>
+        <pc:sldLayoutChg chg="modSp mod">
+          <pc:chgData name="이승준" userId="73256f58-64ad-4fdb-8087-b1e36ecff85d" providerId="ADAL" clId="{CC20913E-06C9-4771-9A62-3D068F00AEF3}" dt="2022-09-17T06:22:50.020" v="1069" actId="1076"/>
+          <pc:sldLayoutMkLst>
+            <pc:docMk/>
+            <pc:sldMasterMk cId="450330620" sldId="2147483648"/>
+            <pc:sldLayoutMk cId="1557019042" sldId="2147483649"/>
+          </pc:sldLayoutMkLst>
+          <pc:spChg chg="mod">
+            <ac:chgData name="이승준" userId="73256f58-64ad-4fdb-8087-b1e36ecff85d" providerId="ADAL" clId="{CC20913E-06C9-4771-9A62-3D068F00AEF3}" dt="2022-09-17T06:22:50.020" v="1069" actId="1076"/>
+            <ac:spMkLst>
+              <pc:docMk/>
+              <pc:sldMasterMk cId="450330620" sldId="2147483648"/>
+              <pc:sldLayoutMk cId="1557019042" sldId="2147483649"/>
+              <ac:spMk id="6" creationId="{00000000-0000-0000-0000-000000000000}"/>
+            </ac:spMkLst>
+          </pc:spChg>
+        </pc:sldLayoutChg>
+        <pc:sldLayoutChg chg="modSp mod">
+          <pc:chgData name="이승준" userId="73256f58-64ad-4fdb-8087-b1e36ecff85d" providerId="ADAL" clId="{CC20913E-06C9-4771-9A62-3D068F00AEF3}" dt="2022-09-17T06:22:28.692" v="1064" actId="20577"/>
+          <pc:sldLayoutMkLst>
+            <pc:docMk/>
+            <pc:sldMasterMk cId="450330620" sldId="2147483648"/>
+            <pc:sldLayoutMk cId="1091287033" sldId="2147483655"/>
+          </pc:sldLayoutMkLst>
+          <pc:spChg chg="mod">
+            <ac:chgData name="이승준" userId="73256f58-64ad-4fdb-8087-b1e36ecff85d" providerId="ADAL" clId="{CC20913E-06C9-4771-9A62-3D068F00AEF3}" dt="2022-09-17T06:22:28.692" v="1064" actId="20577"/>
+            <ac:spMkLst>
+              <pc:docMk/>
+              <pc:sldMasterMk cId="450330620" sldId="2147483648"/>
+              <pc:sldLayoutMk cId="1091287033" sldId="2147483655"/>
+              <ac:spMk id="4" creationId="{00000000-0000-0000-0000-000000000000}"/>
+            </ac:spMkLst>
+          </pc:spChg>
+        </pc:sldLayoutChg>
+        <pc:sldLayoutChg chg="new del mod">
+          <pc:chgData name="이승준" userId="73256f58-64ad-4fdb-8087-b1e36ecff85d" providerId="ADAL" clId="{CC20913E-06C9-4771-9A62-3D068F00AEF3}" dt="2022-09-17T06:18:22.007" v="1025" actId="11236"/>
+          <pc:sldLayoutMkLst>
+            <pc:docMk/>
+            <pc:sldMasterMk cId="450330620" sldId="2147483648"/>
+            <pc:sldLayoutMk cId="4024679637" sldId="2147483660"/>
+          </pc:sldLayoutMkLst>
+        </pc:sldLayoutChg>
+      </pc:sldMasterChg>
+    </pc:docChg>
+  </pc:docChgLst>
   <pc:docChgLst>
     <pc:chgData name="이승준" userId="73256f58-64ad-4fdb-8087-b1e36ecff85d" providerId="ADAL" clId="{B0BBD50F-AC58-4C6B-B8C4-7E70D7C07BE1}"/>
     <pc:docChg chg="undo redo custSel addSld delSld modSld sldOrd modMainMaster">
@@ -2076,7 +3169,7 @@
           <a:p>
             <a:fld id="{F38A86D5-FB34-4FA2-AD09-E683F3549931}" type="datetimeFigureOut">
               <a:rPr lang="ko-KR" altLang="en-US" smtClean="0"/>
-              <a:t>2022-09-13</a:t>
+              <a:t>2022-09-21</a:t>
             </a:fld>
             <a:endParaRPr lang="ko-KR" altLang="en-US"/>
           </a:p>
@@ -2411,7 +3504,7 @@
           <a:p>
             <a:fld id="{B42B89A6-FB4F-4E24-B5E2-7766C0D39733}" type="slidenum">
               <a:rPr lang="ko-KR" altLang="en-US" smtClean="0"/>
-              <a:t>4</a:t>
+              <a:t>3</a:t>
             </a:fld>
             <a:endParaRPr lang="ko-KR" altLang="en-US"/>
           </a:p>
@@ -2420,7 +3513,102 @@
     </p:spTree>
     <p:extLst>
       <p:ext uri="{BB962C8B-B14F-4D97-AF65-F5344CB8AC3E}">
-        <p14:creationId xmlns:p14="http://schemas.microsoft.com/office/powerpoint/2010/main" val="943778727"/>
+        <p14:creationId xmlns:p14="http://schemas.microsoft.com/office/powerpoint/2010/main" val="2723213259"/>
+      </p:ext>
+    </p:extLst>
+  </p:cSld>
+  <p:clrMapOvr>
+    <a:masterClrMapping/>
+  </p:clrMapOvr>
+</p:notes>
+</file>
+
+<file path=ppt/notesSlides/notesSlide2.xml><?xml version="1.0" encoding="utf-8"?>
+<p:notes xmlns:a="http://schemas.openxmlformats.org/drawingml/2006/main" xmlns:r="http://schemas.openxmlformats.org/officeDocument/2006/relationships" xmlns:p="http://schemas.openxmlformats.org/presentationml/2006/main">
+  <p:cSld>
+    <p:spTree>
+      <p:nvGrpSpPr>
+        <p:cNvPr id="1" name=""/>
+        <p:cNvGrpSpPr/>
+        <p:nvPr/>
+      </p:nvGrpSpPr>
+      <p:grpSpPr>
+        <a:xfrm>
+          <a:off x="0" y="0"/>
+          <a:ext cx="0" cy="0"/>
+          <a:chOff x="0" y="0"/>
+          <a:chExt cx="0" cy="0"/>
+        </a:xfrm>
+      </p:grpSpPr>
+      <p:sp>
+        <p:nvSpPr>
+          <p:cNvPr id="2" name="슬라이드 이미지 개체 틀 1"/>
+          <p:cNvSpPr>
+            <a:spLocks noGrp="1" noRot="1" noChangeAspect="1"/>
+          </p:cNvSpPr>
+          <p:nvPr>
+            <p:ph type="sldImg"/>
+          </p:nvPr>
+        </p:nvSpPr>
+        <p:spPr/>
+      </p:sp>
+      <p:sp>
+        <p:nvSpPr>
+          <p:cNvPr id="3" name="슬라이드 노트 개체 틀 2"/>
+          <p:cNvSpPr>
+            <a:spLocks noGrp="1"/>
+          </p:cNvSpPr>
+          <p:nvPr>
+            <p:ph type="body" idx="1"/>
+          </p:nvPr>
+        </p:nvSpPr>
+        <p:spPr/>
+        <p:txBody>
+          <a:bodyPr/>
+          <a:lstStyle/>
+          <a:p>
+            <a:r>
+              <a:rPr lang="ko-KR" altLang="en-US" dirty="0"/>
+              <a:t>조화 평균을 쓰는 이유 </a:t>
+            </a:r>
+            <a:r>
+              <a:rPr lang="en-US" altLang="ko-KR" dirty="0"/>
+              <a:t>: </a:t>
+            </a:r>
+            <a:r>
+              <a:rPr lang="ko-KR" altLang="en-US" dirty="0"/>
+              <a:t>둘 중 하나가 줄어드는 것을 확인하고자</a:t>
+            </a:r>
+          </a:p>
+        </p:txBody>
+      </p:sp>
+      <p:sp>
+        <p:nvSpPr>
+          <p:cNvPr id="4" name="슬라이드 번호 개체 틀 3"/>
+          <p:cNvSpPr>
+            <a:spLocks noGrp="1"/>
+          </p:cNvSpPr>
+          <p:nvPr>
+            <p:ph type="sldNum" sz="quarter" idx="5"/>
+          </p:nvPr>
+        </p:nvSpPr>
+        <p:spPr/>
+        <p:txBody>
+          <a:bodyPr/>
+          <a:lstStyle/>
+          <a:p>
+            <a:fld id="{B42B89A6-FB4F-4E24-B5E2-7766C0D39733}" type="slidenum">
+              <a:rPr lang="ko-KR" altLang="en-US" smtClean="0"/>
+              <a:t>8</a:t>
+            </a:fld>
+            <a:endParaRPr lang="ko-KR" altLang="en-US"/>
+          </a:p>
+        </p:txBody>
+      </p:sp>
+    </p:spTree>
+    <p:extLst>
+      <p:ext uri="{BB962C8B-B14F-4D97-AF65-F5344CB8AC3E}">
+        <p14:creationId xmlns:p14="http://schemas.microsoft.com/office/powerpoint/2010/main" val="3616106863"/>
       </p:ext>
     </p:extLst>
   </p:cSld>
@@ -2557,9 +3745,9 @@
           <a:bodyPr/>
           <a:lstStyle/>
           <a:p>
-            <a:fld id="{B4D05D8A-C572-4ED6-9BF4-8BF12D399983}" type="datetimeFigureOut">
+            <a:fld id="{DF071497-30A1-4CEC-98D6-209710470D1D}" type="datetime1">
               <a:rPr lang="ko-KR" altLang="en-US" smtClean="0"/>
-              <a:t>2022-09-13</a:t>
+              <a:t>2022-09-21</a:t>
             </a:fld>
             <a:endParaRPr lang="ko-KR" altLang="en-US"/>
           </a:p>
@@ -2594,7 +3782,12 @@
             <p:ph type="sldNum" sz="quarter" idx="12"/>
           </p:nvPr>
         </p:nvSpPr>
-        <p:spPr/>
+        <p:spPr>
+          <a:xfrm>
+            <a:off x="8727682" y="5780070"/>
+            <a:ext cx="2743200" cy="365125"/>
+          </a:xfrm>
+        </p:spPr>
         <p:txBody>
           <a:bodyPr/>
           <a:lstStyle/>
@@ -2603,7 +3796,7 @@
               <a:rPr lang="ko-KR" altLang="en-US" smtClean="0"/>
               <a:t>‹#›</a:t>
             </a:fld>
-            <a:endParaRPr lang="ko-KR" altLang="en-US"/>
+            <a:endParaRPr lang="ko-KR" altLang="en-US" dirty="0"/>
           </a:p>
         </p:txBody>
       </p:sp>
@@ -2725,9 +3918,9 @@
           <a:bodyPr/>
           <a:lstStyle/>
           <a:p>
-            <a:fld id="{B4D05D8A-C572-4ED6-9BF4-8BF12D399983}" type="datetimeFigureOut">
+            <a:fld id="{4B91412A-1D5C-4F5B-962D-684E2F2BAA99}" type="datetime1">
               <a:rPr lang="ko-KR" altLang="en-US" smtClean="0"/>
-              <a:t>2022-09-13</a:t>
+              <a:t>2022-09-21</a:t>
             </a:fld>
             <a:endParaRPr lang="ko-KR" altLang="en-US"/>
           </a:p>
@@ -2903,9 +4096,9 @@
           <a:bodyPr/>
           <a:lstStyle/>
           <a:p>
-            <a:fld id="{B4D05D8A-C572-4ED6-9BF4-8BF12D399983}" type="datetimeFigureOut">
+            <a:fld id="{0525773C-3FEC-4DF3-A51B-FDE95E2A45E4}" type="datetime1">
               <a:rPr lang="ko-KR" altLang="en-US" smtClean="0"/>
-              <a:t>2022-09-13</a:t>
+              <a:t>2022-09-21</a:t>
             </a:fld>
             <a:endParaRPr lang="ko-KR" altLang="en-US"/>
           </a:p>
@@ -3071,9 +4264,9 @@
           <a:bodyPr/>
           <a:lstStyle/>
           <a:p>
-            <a:fld id="{B4D05D8A-C572-4ED6-9BF4-8BF12D399983}" type="datetimeFigureOut">
+            <a:fld id="{22A1367F-B19D-4B5D-8EDB-9E8905347DFC}" type="datetime1">
               <a:rPr lang="ko-KR" altLang="en-US" smtClean="0"/>
-              <a:t>2022-09-13</a:t>
+              <a:t>2022-09-21</a:t>
             </a:fld>
             <a:endParaRPr lang="ko-KR" altLang="en-US"/>
           </a:p>
@@ -3316,9 +4509,9 @@
           <a:bodyPr/>
           <a:lstStyle/>
           <a:p>
-            <a:fld id="{B4D05D8A-C572-4ED6-9BF4-8BF12D399983}" type="datetimeFigureOut">
+            <a:fld id="{4BE265DA-8161-48C7-8AE2-9B21AFA3B52F}" type="datetime1">
               <a:rPr lang="ko-KR" altLang="en-US" smtClean="0"/>
-              <a:t>2022-09-13</a:t>
+              <a:t>2022-09-21</a:t>
             </a:fld>
             <a:endParaRPr lang="ko-KR" altLang="en-US"/>
           </a:p>
@@ -3545,9 +4738,9 @@
           <a:bodyPr/>
           <a:lstStyle/>
           <a:p>
-            <a:fld id="{B4D05D8A-C572-4ED6-9BF4-8BF12D399983}" type="datetimeFigureOut">
+            <a:fld id="{B3E71CA1-7818-49DF-92EF-67A9F9D0FA1B}" type="datetime1">
               <a:rPr lang="ko-KR" altLang="en-US" smtClean="0"/>
-              <a:t>2022-09-13</a:t>
+              <a:t>2022-09-21</a:t>
             </a:fld>
             <a:endParaRPr lang="ko-KR" altLang="en-US"/>
           </a:p>
@@ -3909,9 +5102,9 @@
           <a:bodyPr/>
           <a:lstStyle/>
           <a:p>
-            <a:fld id="{B4D05D8A-C572-4ED6-9BF4-8BF12D399983}" type="datetimeFigureOut">
+            <a:fld id="{DED8E9E6-2364-432C-8770-54F9559EB318}" type="datetime1">
               <a:rPr lang="ko-KR" altLang="en-US" smtClean="0"/>
-              <a:t>2022-09-13</a:t>
+              <a:t>2022-09-21</a:t>
             </a:fld>
             <a:endParaRPr lang="ko-KR" altLang="en-US"/>
           </a:p>
@@ -4026,9 +5219,9 @@
           <a:bodyPr/>
           <a:lstStyle/>
           <a:p>
-            <a:fld id="{B4D05D8A-C572-4ED6-9BF4-8BF12D399983}" type="datetimeFigureOut">
+            <a:fld id="{6333617F-A1AD-4255-BD8B-1B211ED1AC3A}" type="datetime1">
               <a:rPr lang="ko-KR" altLang="en-US" smtClean="0"/>
-              <a:t>2022-09-13</a:t>
+              <a:t>2022-09-21</a:t>
             </a:fld>
             <a:endParaRPr lang="ko-KR" altLang="en-US"/>
           </a:p>
@@ -4121,9 +5314,9 @@
           <a:bodyPr/>
           <a:lstStyle/>
           <a:p>
-            <a:fld id="{B4D05D8A-C572-4ED6-9BF4-8BF12D399983}" type="datetimeFigureOut">
+            <a:fld id="{4101FA2B-C30A-4EDC-B819-C374EBBD0DBC}" type="datetime1">
               <a:rPr lang="ko-KR" altLang="en-US" smtClean="0"/>
-              <a:t>2022-09-13</a:t>
+              <a:t>2022-09-21</a:t>
             </a:fld>
             <a:endParaRPr lang="ko-KR" altLang="en-US"/>
           </a:p>
@@ -4158,16 +5351,26 @@
             <p:ph type="sldNum" sz="quarter" idx="12"/>
           </p:nvPr>
         </p:nvSpPr>
-        <p:spPr/>
+        <p:spPr>
+          <a:xfrm>
+            <a:off x="8749301" y="5863190"/>
+            <a:ext cx="2743200" cy="365125"/>
+          </a:xfrm>
+        </p:spPr>
         <p:txBody>
           <a:bodyPr/>
           <a:lstStyle/>
           <a:p>
             <a:fld id="{377596EA-09B2-4F20-B22D-AC03DEA0B276}" type="slidenum">
               <a:rPr lang="ko-KR" altLang="en-US" smtClean="0"/>
+              <a:pPr/>
               <a:t>‹#›</a:t>
             </a:fld>
-            <a:endParaRPr lang="ko-KR" altLang="en-US"/>
+            <a:r>
+              <a:rPr lang="en-US" altLang="ko-KR" dirty="0"/>
+              <a:t>-2</a:t>
+            </a:r>
+            <a:endParaRPr lang="ko-KR" altLang="en-US" dirty="0"/>
           </a:p>
         </p:txBody>
       </p:sp>
@@ -4396,9 +5599,9 @@
           <a:bodyPr/>
           <a:lstStyle/>
           <a:p>
-            <a:fld id="{B4D05D8A-C572-4ED6-9BF4-8BF12D399983}" type="datetimeFigureOut">
+            <a:fld id="{D761786B-B07E-4458-A855-95E0871651CE}" type="datetime1">
               <a:rPr lang="ko-KR" altLang="en-US" smtClean="0"/>
-              <a:t>2022-09-13</a:t>
+              <a:t>2022-09-21</a:t>
             </a:fld>
             <a:endParaRPr lang="ko-KR" altLang="en-US"/>
           </a:p>
@@ -4648,9 +5851,9 @@
           <a:bodyPr/>
           <a:lstStyle/>
           <a:p>
-            <a:fld id="{B4D05D8A-C572-4ED6-9BF4-8BF12D399983}" type="datetimeFigureOut">
+            <a:fld id="{030B023D-F462-46ED-84A7-A3112CBAC4E2}" type="datetime1">
               <a:rPr lang="ko-KR" altLang="en-US" smtClean="0"/>
-              <a:t>2022-09-13</a:t>
+              <a:t>2022-09-21</a:t>
             </a:fld>
             <a:endParaRPr lang="ko-KR" altLang="en-US"/>
           </a:p>
@@ -4768,7 +5971,7 @@
           <a:lstStyle/>
           <a:p>
             <a:r>
-              <a:rPr lang="ko-KR" altLang="en-US"/>
+              <a:rPr lang="ko-KR" altLang="en-US" dirty="0"/>
               <a:t>마스터 제목 스타일 편집</a:t>
             </a:r>
           </a:p>
@@ -4868,9 +6071,9 @@
             </a:lvl1pPr>
           </a:lstStyle>
           <a:p>
-            <a:fld id="{B4D05D8A-C572-4ED6-9BF4-8BF12D399983}" type="datetimeFigureOut">
+            <a:fld id="{34D8D09B-B50D-4580-A90E-A6113A936F22}" type="datetime1">
               <a:rPr lang="ko-KR" altLang="en-US" smtClean="0"/>
-              <a:t>2022-09-13</a:t>
+              <a:t>2022-09-21</a:t>
             </a:fld>
             <a:endParaRPr lang="ko-KR" altLang="en-US"/>
           </a:p>
@@ -4936,21 +6139,22 @@
           <a:bodyPr vert="horz" lIns="91440" tIns="45720" rIns="91440" bIns="45720" rtlCol="0" anchor="ctr"/>
           <a:lstStyle>
             <a:lvl1pPr algn="r">
-              <a:defRPr sz="1200">
+              <a:defRPr sz="1600" b="1">
                 <a:solidFill>
-                  <a:schemeClr val="tx1">
-                    <a:tint val="75000"/>
-                  </a:schemeClr>
+                  <a:schemeClr val="tx1"/>
                 </a:solidFill>
+                <a:latin typeface="12롯데마트드림Bold" panose="02020603020101020101" pitchFamily="18" charset="-127"/>
+                <a:ea typeface="12롯데마트드림Bold" panose="02020603020101020101" pitchFamily="18" charset="-127"/>
               </a:defRPr>
             </a:lvl1pPr>
           </a:lstStyle>
           <a:p>
             <a:fld id="{377596EA-09B2-4F20-B22D-AC03DEA0B276}" type="slidenum">
               <a:rPr lang="ko-KR" altLang="en-US" smtClean="0"/>
+              <a:pPr/>
               <a:t>‹#›</a:t>
             </a:fld>
-            <a:endParaRPr lang="ko-KR" altLang="en-US"/>
+            <a:endParaRPr lang="ko-KR" altLang="en-US" dirty="0"/>
           </a:p>
         </p:txBody>
       </p:sp>
@@ -4975,6 +6179,7 @@
     <p:sldLayoutId id="2147483658" r:id="rId10"/>
     <p:sldLayoutId id="2147483659" r:id="rId11"/>
   </p:sldLayoutIdLst>
+  <p:hf hdr="0" ftr="0" dt="0"/>
   <p:txStyles>
     <p:titleStyle>
       <a:lvl1pPr algn="l" defTabSz="914400" rtl="0" eaLnBrk="1" latinLnBrk="1" hangingPunct="1">
@@ -5285,39 +6490,57 @@
       </p:grpSpPr>
       <p:sp>
         <p:nvSpPr>
-          <p:cNvPr id="2" name="제목 1">
+          <p:cNvPr id="10" name="제목 1">
             <a:extLst>
               <a:ext uri="{FF2B5EF4-FFF2-40B4-BE49-F238E27FC236}">
-                <a16:creationId xmlns:a16="http://schemas.microsoft.com/office/drawing/2014/main" id="{78C3CBFC-AAEC-2D92-9758-2EF0CEC93E0A}"/>
+                <a16:creationId xmlns:a16="http://schemas.microsoft.com/office/drawing/2014/main" id="{0CD6EDCE-BC0B-C752-0905-3B113D4971B0}"/>
               </a:ext>
             </a:extLst>
           </p:cNvPr>
-          <p:cNvSpPr>
-            <a:spLocks noGrp="1"/>
+          <p:cNvSpPr txBox="1">
+            <a:spLocks/>
           </p:cNvSpPr>
-          <p:nvPr>
-            <p:ph type="title"/>
-          </p:nvPr>
+          <p:nvPr/>
         </p:nvSpPr>
         <p:spPr>
           <a:xfrm>
             <a:off x="838200" y="2687085"/>
             <a:ext cx="10515600" cy="1325563"/>
           </a:xfrm>
+          <a:prstGeom prst="rect">
+            <a:avLst/>
+          </a:prstGeom>
         </p:spPr>
         <p:txBody>
-          <a:bodyPr>
-            <a:normAutofit fontScale="90000"/>
+          <a:bodyPr vert="horz" lIns="91440" tIns="45720" rIns="91440" bIns="45720" rtlCol="0" anchor="b">
+            <a:normAutofit fontScale="60000" lnSpcReduction="20000"/>
           </a:bodyPr>
-          <a:lstStyle/>
-          <a:p>
-            <a:pPr algn="ctr"/>
-            <a:r>
-              <a:rPr lang="ko-KR" altLang="en-US" dirty="0"/>
+          <a:lstStyle>
+            <a:lvl1pPr algn="ctr" defTabSz="914400" rtl="0" eaLnBrk="1" latinLnBrk="1" hangingPunct="1">
+              <a:lnSpc>
+                <a:spcPct val="90000"/>
+              </a:lnSpc>
+              <a:spcBef>
+                <a:spcPct val="0"/>
+              </a:spcBef>
+              <a:buNone/>
+              <a:defRPr sz="6000" kern="1200">
+                <a:solidFill>
+                  <a:schemeClr val="tx1"/>
+                </a:solidFill>
+                <a:latin typeface="+mj-lt"/>
+                <a:ea typeface="+mj-ea"/>
+                <a:cs typeface="+mj-cs"/>
+              </a:defRPr>
+            </a:lvl1pPr>
+          </a:lstStyle>
+          <a:p>
+            <a:r>
+              <a:rPr lang="ko-KR" altLang="en-US"/>
               <a:t>채팅창에 </a:t>
             </a:r>
             <a:r>
-              <a:rPr lang="ko-KR" altLang="en-US" dirty="0">
+              <a:rPr lang="ko-KR" altLang="en-US">
                 <a:solidFill>
                   <a:schemeClr val="accent5">
                     <a:lumMod val="60000"/>
@@ -5328,31 +6551,32 @@
               <a:t>출석</a:t>
             </a:r>
             <a:r>
-              <a:rPr lang="ko-KR" altLang="en-US" dirty="0"/>
+              <a:rPr lang="ko-KR" altLang="en-US"/>
               <a:t> 적어주세요</a:t>
             </a:r>
             <a:br>
-              <a:rPr lang="en-US" altLang="ko-KR" dirty="0"/>
+              <a:rPr lang="en-US" altLang="ko-KR"/>
             </a:br>
             <a:br>
-              <a:rPr lang="en-US" altLang="ko-KR" dirty="0"/>
+              <a:rPr lang="en-US" altLang="ko-KR"/>
             </a:br>
             <a:r>
-              <a:rPr lang="en-US" altLang="ko-KR" dirty="0"/>
+              <a:rPr lang="en-US" altLang="ko-KR"/>
               <a:t>10</a:t>
             </a:r>
             <a:r>
-              <a:rPr lang="ko-KR" altLang="en-US" dirty="0"/>
+              <a:rPr lang="ko-KR" altLang="en-US"/>
               <a:t>시 </a:t>
             </a:r>
             <a:r>
-              <a:rPr lang="en-US" altLang="ko-KR" dirty="0"/>
+              <a:rPr lang="en-US" altLang="ko-KR"/>
               <a:t>5</a:t>
             </a:r>
             <a:r>
-              <a:rPr lang="ko-KR" altLang="en-US" dirty="0"/>
+              <a:rPr lang="ko-KR" altLang="en-US"/>
               <a:t>분에 시작합니다</a:t>
             </a:r>
+            <a:endParaRPr lang="ko-KR" altLang="en-US" dirty="0"/>
           </a:p>
         </p:txBody>
       </p:sp>
@@ -5370,6 +6594,1768 @@
 </file>
 
 <file path=ppt/slides/slide10.xml><?xml version="1.0" encoding="utf-8"?>
+<p:sld xmlns:a="http://schemas.openxmlformats.org/drawingml/2006/main" xmlns:r="http://schemas.openxmlformats.org/officeDocument/2006/relationships" xmlns:p="http://schemas.openxmlformats.org/presentationml/2006/main">
+  <p:cSld>
+    <p:spTree>
+      <p:nvGrpSpPr>
+        <p:cNvPr id="1" name=""/>
+        <p:cNvGrpSpPr/>
+        <p:nvPr/>
+      </p:nvGrpSpPr>
+      <p:grpSpPr>
+        <a:xfrm>
+          <a:off x="0" y="0"/>
+          <a:ext cx="0" cy="0"/>
+          <a:chOff x="0" y="0"/>
+          <a:chExt cx="0" cy="0"/>
+        </a:xfrm>
+      </p:grpSpPr>
+      <p:sp>
+        <p:nvSpPr>
+          <p:cNvPr id="7" name="직사각형 6"/>
+          <p:cNvSpPr/>
+          <p:nvPr/>
+        </p:nvSpPr>
+        <p:spPr>
+          <a:xfrm>
+            <a:off x="1450268" y="2217637"/>
+            <a:ext cx="9532691" cy="858761"/>
+          </a:xfrm>
+          <a:prstGeom prst="rect">
+            <a:avLst/>
+          </a:prstGeom>
+          <a:noFill/>
+        </p:spPr>
+        <p:txBody>
+          <a:bodyPr wrap="square">
+            <a:spAutoFit/>
+          </a:bodyPr>
+          <a:lstStyle/>
+          <a:p>
+            <a:pPr marR="0" lvl="0" defTabSz="914400" rtl="0" eaLnBrk="1" fontAlgn="auto" latinLnBrk="1" hangingPunct="1">
+              <a:lnSpc>
+                <a:spcPct val="150000"/>
+              </a:lnSpc>
+              <a:spcBef>
+                <a:spcPts val="0"/>
+              </a:spcBef>
+              <a:spcAft>
+                <a:spcPts val="0"/>
+              </a:spcAft>
+              <a:buClrTx/>
+              <a:buSzTx/>
+              <a:tabLst/>
+              <a:defRPr/>
+            </a:pPr>
+            <a:r>
+              <a:rPr kumimoji="0" lang="ko-KR" altLang="en-US" i="0" u="none" strike="noStrike" kern="1200" cap="none" spc="0" normalizeH="0" baseline="0" noProof="0" dirty="0" err="1">
+                <a:ln>
+                  <a:noFill/>
+                </a:ln>
+                <a:effectLst/>
+                <a:uLnTx/>
+                <a:uFillTx/>
+                <a:latin typeface="12롯데마트드림Bold" panose="02020603020101020101" pitchFamily="18" charset="-127"/>
+                <a:ea typeface="12롯데마트드림Bold" panose="02020603020101020101" pitchFamily="18" charset="-127"/>
+              </a:rPr>
+              <a:t>하이퍼파라미터</a:t>
+            </a:r>
+            <a:r>
+              <a:rPr kumimoji="0" lang="en-US" altLang="ko-KR" i="0" u="none" strike="noStrike" kern="1200" cap="none" spc="0" normalizeH="0" baseline="0" noProof="0" dirty="0">
+                <a:ln>
+                  <a:noFill/>
+                </a:ln>
+                <a:effectLst/>
+                <a:uLnTx/>
+                <a:uFillTx/>
+                <a:latin typeface="12롯데마트드림Bold" panose="02020603020101020101" pitchFamily="18" charset="-127"/>
+                <a:ea typeface="12롯데마트드림Bold" panose="02020603020101020101" pitchFamily="18" charset="-127"/>
+              </a:rPr>
+              <a:t>(Hyper parameter)</a:t>
+            </a:r>
+            <a:r>
+              <a:rPr kumimoji="0" lang="ko-KR" altLang="en-US" i="0" u="none" strike="noStrike" kern="1200" cap="none" spc="0" normalizeH="0" baseline="0" noProof="0" dirty="0">
+                <a:ln>
+                  <a:noFill/>
+                </a:ln>
+                <a:effectLst/>
+                <a:uLnTx/>
+                <a:uFillTx/>
+                <a:latin typeface="12롯데마트드림Medium" panose="02020603020101020101" pitchFamily="18" charset="-127"/>
+                <a:ea typeface="12롯데마트드림Medium" panose="02020603020101020101" pitchFamily="18" charset="-127"/>
+              </a:rPr>
+              <a:t> </a:t>
+            </a:r>
+            <a:r>
+              <a:rPr kumimoji="0" lang="en-US" altLang="ko-KR" i="0" u="none" strike="noStrike" kern="1200" cap="none" spc="0" normalizeH="0" baseline="0" noProof="0" dirty="0">
+                <a:ln>
+                  <a:noFill/>
+                </a:ln>
+                <a:effectLst/>
+                <a:uLnTx/>
+                <a:uFillTx/>
+                <a:latin typeface="12롯데마트드림Medium" panose="02020603020101020101" pitchFamily="18" charset="-127"/>
+                <a:ea typeface="12롯데마트드림Medium" panose="02020603020101020101" pitchFamily="18" charset="-127"/>
+              </a:rPr>
+              <a:t>:</a:t>
+            </a:r>
+            <a:r>
+              <a:rPr kumimoji="0" lang="ko-KR" altLang="en-US" i="0" u="none" strike="noStrike" kern="1200" cap="none" spc="0" normalizeH="0" baseline="0" noProof="0" dirty="0">
+                <a:ln>
+                  <a:noFill/>
+                </a:ln>
+                <a:effectLst/>
+                <a:uLnTx/>
+                <a:uFillTx/>
+                <a:latin typeface="12롯데마트드림Medium" panose="02020603020101020101" pitchFamily="18" charset="-127"/>
+                <a:ea typeface="12롯데마트드림Medium" panose="02020603020101020101" pitchFamily="18" charset="-127"/>
+              </a:rPr>
+              <a:t> 모델링에서 사용자가 직접 세팅해주는 값</a:t>
+            </a:r>
+            <a:r>
+              <a:rPr kumimoji="0" lang="en-US" altLang="ko-KR" i="0" u="none" strike="noStrike" kern="1200" cap="none" spc="0" normalizeH="0" baseline="0" noProof="0" dirty="0">
+                <a:ln>
+                  <a:noFill/>
+                </a:ln>
+                <a:effectLst/>
+                <a:uLnTx/>
+                <a:uFillTx/>
+                <a:latin typeface="12롯데마트드림Medium" panose="02020603020101020101" pitchFamily="18" charset="-127"/>
+                <a:ea typeface="12롯데마트드림Medium" panose="02020603020101020101" pitchFamily="18" charset="-127"/>
+              </a:rPr>
+              <a:t>, </a:t>
+            </a:r>
+            <a:r>
+              <a:rPr lang="ko-KR" altLang="en-US" dirty="0">
+                <a:latin typeface="12롯데마트드림Medium" panose="02020603020101020101" pitchFamily="18" charset="-127"/>
+                <a:ea typeface="12롯데마트드림Medium" panose="02020603020101020101" pitchFamily="18" charset="-127"/>
+              </a:rPr>
+              <a:t>정해진 </a:t>
+            </a:r>
+            <a:r>
+              <a:rPr lang="ko-KR" altLang="en-US" dirty="0" err="1">
+                <a:latin typeface="12롯데마트드림Medium" panose="02020603020101020101" pitchFamily="18" charset="-127"/>
+                <a:ea typeface="12롯데마트드림Medium" panose="02020603020101020101" pitchFamily="18" charset="-127"/>
+              </a:rPr>
+              <a:t>최적값이</a:t>
+            </a:r>
+            <a:r>
+              <a:rPr lang="ko-KR" altLang="en-US" dirty="0">
+                <a:latin typeface="12롯데마트드림Medium" panose="02020603020101020101" pitchFamily="18" charset="-127"/>
+                <a:ea typeface="12롯데마트드림Medium" panose="02020603020101020101" pitchFamily="18" charset="-127"/>
+              </a:rPr>
+              <a:t> 없다</a:t>
+            </a:r>
+            <a:r>
+              <a:rPr lang="en-US" altLang="ko-KR" dirty="0">
+                <a:latin typeface="12롯데마트드림Medium" panose="02020603020101020101" pitchFamily="18" charset="-127"/>
+                <a:ea typeface="12롯데마트드림Medium" panose="02020603020101020101" pitchFamily="18" charset="-127"/>
+              </a:rPr>
+              <a:t>.</a:t>
+            </a:r>
+            <a:r>
+              <a:rPr kumimoji="0" lang="ko-KR" altLang="en-US" i="0" u="none" strike="noStrike" kern="1200" cap="none" spc="0" normalizeH="0" baseline="0" noProof="0" dirty="0">
+                <a:ln>
+                  <a:noFill/>
+                </a:ln>
+                <a:effectLst/>
+                <a:uLnTx/>
+                <a:uFillTx/>
+                <a:latin typeface="12롯데마트드림Medium" panose="02020603020101020101" pitchFamily="18" charset="-127"/>
+                <a:ea typeface="12롯데마트드림Medium" panose="02020603020101020101" pitchFamily="18" charset="-127"/>
+              </a:rPr>
+              <a:t> </a:t>
+            </a:r>
+            <a:endParaRPr lang="en-US" altLang="ko-KR" dirty="0">
+              <a:latin typeface="12롯데마트드림Medium" panose="02020603020101020101" pitchFamily="18" charset="-127"/>
+              <a:ea typeface="12롯데마트드림Medium" panose="02020603020101020101" pitchFamily="18" charset="-127"/>
+            </a:endParaRPr>
+          </a:p>
+          <a:p>
+            <a:pPr marR="0" lvl="0" defTabSz="914400" rtl="0" eaLnBrk="1" fontAlgn="auto" latinLnBrk="1" hangingPunct="1">
+              <a:lnSpc>
+                <a:spcPct val="150000"/>
+              </a:lnSpc>
+              <a:spcBef>
+                <a:spcPts val="0"/>
+              </a:spcBef>
+              <a:spcAft>
+                <a:spcPts val="0"/>
+              </a:spcAft>
+              <a:buClrTx/>
+              <a:buSzTx/>
+              <a:tabLst/>
+              <a:defRPr/>
+            </a:pPr>
+            <a:r>
+              <a:rPr lang="en-US" altLang="ko-KR" dirty="0">
+                <a:latin typeface="12롯데마트드림Medium" panose="02020603020101020101" pitchFamily="18" charset="-127"/>
+                <a:ea typeface="12롯데마트드림Medium" panose="02020603020101020101" pitchFamily="18" charset="-127"/>
+              </a:rPr>
+              <a:t>ex) learning rate, epoch, </a:t>
+            </a:r>
+            <a:r>
+              <a:rPr lang="en-US" altLang="ko-KR" dirty="0" err="1">
+                <a:latin typeface="12롯데마트드림Medium" panose="02020603020101020101" pitchFamily="18" charset="-127"/>
+                <a:ea typeface="12롯데마트드림Medium" panose="02020603020101020101" pitchFamily="18" charset="-127"/>
+              </a:rPr>
+              <a:t>n_depth</a:t>
+            </a:r>
+            <a:endParaRPr lang="en-US" altLang="ko-KR" dirty="0">
+              <a:latin typeface="12롯데마트드림Medium" panose="02020603020101020101" pitchFamily="18" charset="-127"/>
+              <a:ea typeface="12롯데마트드림Medium" panose="02020603020101020101" pitchFamily="18" charset="-127"/>
+            </a:endParaRPr>
+          </a:p>
+        </p:txBody>
+      </p:sp>
+      <p:sp>
+        <p:nvSpPr>
+          <p:cNvPr id="12" name="직사각형 11"/>
+          <p:cNvSpPr/>
+          <p:nvPr/>
+        </p:nvSpPr>
+        <p:spPr>
+          <a:xfrm>
+            <a:off x="1249922" y="868368"/>
+            <a:ext cx="3979655" cy="461665"/>
+          </a:xfrm>
+          <a:prstGeom prst="rect">
+            <a:avLst/>
+          </a:prstGeom>
+          <a:noFill/>
+        </p:spPr>
+        <p:txBody>
+          <a:bodyPr wrap="square">
+            <a:spAutoFit/>
+          </a:bodyPr>
+          <a:lstStyle/>
+          <a:p>
+            <a:pPr marL="0" marR="0" lvl="0" indent="0" algn="l" defTabSz="914400" rtl="0" eaLnBrk="1" fontAlgn="auto" latinLnBrk="1" hangingPunct="1">
+              <a:lnSpc>
+                <a:spcPct val="100000"/>
+              </a:lnSpc>
+              <a:spcBef>
+                <a:spcPts val="0"/>
+              </a:spcBef>
+              <a:spcAft>
+                <a:spcPts val="0"/>
+              </a:spcAft>
+              <a:buClrTx/>
+              <a:buSzTx/>
+              <a:buFontTx/>
+              <a:buNone/>
+              <a:tabLst/>
+              <a:defRPr/>
+            </a:pPr>
+            <a:r>
+              <a:rPr kumimoji="0" lang="ko-KR" altLang="en-US" sz="2400" b="0" i="0" u="none" strike="noStrike" kern="1200" cap="none" spc="0" normalizeH="0" baseline="0" noProof="0" dirty="0" err="1">
+                <a:ln>
+                  <a:noFill/>
+                </a:ln>
+                <a:effectLst/>
+                <a:uLnTx/>
+                <a:uFillTx/>
+                <a:latin typeface="12롯데마트드림Bold" panose="02020603020101020101" pitchFamily="18" charset="-127"/>
+                <a:ea typeface="12롯데마트드림Bold" panose="02020603020101020101" pitchFamily="18" charset="-127"/>
+              </a:rPr>
+              <a:t>하이퍼파라미터</a:t>
+            </a:r>
+            <a:r>
+              <a:rPr kumimoji="0" lang="ko-KR" altLang="en-US" sz="2400" b="0" i="0" u="none" strike="noStrike" kern="1200" cap="none" spc="0" normalizeH="0" baseline="0" noProof="0" dirty="0">
+                <a:ln>
+                  <a:noFill/>
+                </a:ln>
+                <a:effectLst/>
+                <a:uLnTx/>
+                <a:uFillTx/>
+                <a:latin typeface="12롯데마트드림Bold" panose="02020603020101020101" pitchFamily="18" charset="-127"/>
+                <a:ea typeface="12롯데마트드림Bold" panose="02020603020101020101" pitchFamily="18" charset="-127"/>
+              </a:rPr>
+              <a:t> 최적화</a:t>
+            </a:r>
+            <a:endParaRPr kumimoji="0" lang="en-US" altLang="ko-KR" sz="2400" b="0" i="0" u="none" strike="noStrike" kern="1200" cap="none" spc="0" normalizeH="0" baseline="0" noProof="0" dirty="0">
+              <a:ln>
+                <a:noFill/>
+              </a:ln>
+              <a:effectLst/>
+              <a:uLnTx/>
+              <a:uFillTx/>
+              <a:latin typeface="12롯데마트드림Bold" panose="02020603020101020101" pitchFamily="18" charset="-127"/>
+              <a:ea typeface="12롯데마트드림Bold" panose="02020603020101020101" pitchFamily="18" charset="-127"/>
+            </a:endParaRPr>
+          </a:p>
+        </p:txBody>
+      </p:sp>
+      <p:sp>
+        <p:nvSpPr>
+          <p:cNvPr id="5" name="TextBox 4">
+            <a:extLst>
+              <a:ext uri="{FF2B5EF4-FFF2-40B4-BE49-F238E27FC236}">
+                <a16:creationId xmlns:a16="http://schemas.microsoft.com/office/drawing/2014/main" id="{E025B14A-2479-4CD4-38E0-4A8C7F1576AC}"/>
+              </a:ext>
+            </a:extLst>
+          </p:cNvPr>
+          <p:cNvSpPr txBox="1"/>
+          <p:nvPr/>
+        </p:nvSpPr>
+        <p:spPr>
+          <a:xfrm>
+            <a:off x="2783384" y="4059642"/>
+            <a:ext cx="6625232" cy="1658018"/>
+          </a:xfrm>
+          <a:prstGeom prst="rect">
+            <a:avLst/>
+          </a:prstGeom>
+          <a:noFill/>
+        </p:spPr>
+        <p:txBody>
+          <a:bodyPr wrap="square">
+            <a:spAutoFit/>
+          </a:bodyPr>
+          <a:lstStyle/>
+          <a:p>
+            <a:pPr marR="0" lvl="0" algn="ctr" defTabSz="914400" rtl="0" eaLnBrk="1" fontAlgn="auto" latinLnBrk="1" hangingPunct="1">
+              <a:lnSpc>
+                <a:spcPct val="150000"/>
+              </a:lnSpc>
+              <a:spcBef>
+                <a:spcPts val="0"/>
+              </a:spcBef>
+              <a:spcAft>
+                <a:spcPts val="0"/>
+              </a:spcAft>
+              <a:buClrTx/>
+              <a:buSzTx/>
+              <a:tabLst/>
+              <a:defRPr/>
+            </a:pPr>
+            <a:r>
+              <a:rPr kumimoji="0" lang="en-US" altLang="ko-KR" sz="1400" b="1" i="0" u="none" strike="noStrike" kern="1200" cap="none" spc="0" normalizeH="0" baseline="0" noProof="0" dirty="0" err="1">
+                <a:ln>
+                  <a:noFill/>
+                </a:ln>
+                <a:effectLst/>
+                <a:uLnTx/>
+                <a:uFillTx/>
+                <a:latin typeface="12롯데마트드림Medium" panose="02020603020101020101" pitchFamily="18" charset="-127"/>
+                <a:ea typeface="12롯데마트드림Medium" panose="02020603020101020101" pitchFamily="18" charset="-127"/>
+              </a:rPr>
+              <a:t>RandomForestClassifier</a:t>
+            </a:r>
+            <a:r>
+              <a:rPr kumimoji="0" lang="en-US" altLang="ko-KR" sz="1400" b="1" i="0" u="none" strike="noStrike" kern="1200" cap="none" spc="0" normalizeH="0" baseline="0" noProof="0" dirty="0">
+                <a:ln>
+                  <a:noFill/>
+                </a:ln>
+                <a:effectLst/>
+                <a:uLnTx/>
+                <a:uFillTx/>
+                <a:latin typeface="12롯데마트드림Medium" panose="02020603020101020101" pitchFamily="18" charset="-127"/>
+                <a:ea typeface="12롯데마트드림Medium" panose="02020603020101020101" pitchFamily="18" charset="-127"/>
+              </a:rPr>
+              <a:t>(</a:t>
+            </a:r>
+            <a:r>
+              <a:rPr kumimoji="0" lang="en-US" altLang="ko-KR" sz="1400" b="1" i="0" u="none" strike="noStrike" kern="1200" cap="none" spc="0" normalizeH="0" baseline="0" noProof="0" dirty="0" err="1">
+                <a:ln>
+                  <a:noFill/>
+                </a:ln>
+                <a:effectLst/>
+                <a:highlight>
+                  <a:srgbClr val="FFFF00"/>
+                </a:highlight>
+                <a:uLnTx/>
+                <a:uFillTx/>
+                <a:latin typeface="12롯데마트드림Medium" panose="02020603020101020101" pitchFamily="18" charset="-127"/>
+                <a:ea typeface="12롯데마트드림Medium" panose="02020603020101020101" pitchFamily="18" charset="-127"/>
+              </a:rPr>
+              <a:t>n_estimators</a:t>
+            </a:r>
+            <a:r>
+              <a:rPr kumimoji="0" lang="en-US" altLang="ko-KR" sz="1400" b="1" i="0" u="none" strike="noStrike" kern="1200" cap="none" spc="0" normalizeH="0" baseline="0" noProof="0" dirty="0">
+                <a:ln>
+                  <a:noFill/>
+                </a:ln>
+                <a:effectLst/>
+                <a:uLnTx/>
+                <a:uFillTx/>
+                <a:latin typeface="12롯데마트드림Medium" panose="02020603020101020101" pitchFamily="18" charset="-127"/>
+                <a:ea typeface="12롯데마트드림Medium" panose="02020603020101020101" pitchFamily="18" charset="-127"/>
+              </a:rPr>
+              <a:t>=100, *, criterion='</a:t>
+            </a:r>
+            <a:r>
+              <a:rPr kumimoji="0" lang="en-US" altLang="ko-KR" sz="1400" b="1" i="0" u="none" strike="noStrike" kern="1200" cap="none" spc="0" normalizeH="0" baseline="0" noProof="0" dirty="0" err="1">
+                <a:ln>
+                  <a:noFill/>
+                </a:ln>
+                <a:effectLst/>
+                <a:uLnTx/>
+                <a:uFillTx/>
+                <a:latin typeface="12롯데마트드림Medium" panose="02020603020101020101" pitchFamily="18" charset="-127"/>
+                <a:ea typeface="12롯데마트드림Medium" panose="02020603020101020101" pitchFamily="18" charset="-127"/>
+              </a:rPr>
+              <a:t>gini</a:t>
+            </a:r>
+            <a:r>
+              <a:rPr kumimoji="0" lang="en-US" altLang="ko-KR" sz="1400" b="1" i="0" u="none" strike="noStrike" kern="1200" cap="none" spc="0" normalizeH="0" baseline="0" noProof="0" dirty="0">
+                <a:ln>
+                  <a:noFill/>
+                </a:ln>
+                <a:effectLst/>
+                <a:uLnTx/>
+                <a:uFillTx/>
+                <a:latin typeface="12롯데마트드림Medium" panose="02020603020101020101" pitchFamily="18" charset="-127"/>
+                <a:ea typeface="12롯데마트드림Medium" panose="02020603020101020101" pitchFamily="18" charset="-127"/>
+              </a:rPr>
+              <a:t>', </a:t>
+            </a:r>
+            <a:r>
+              <a:rPr kumimoji="0" lang="en-US" altLang="ko-KR" sz="1400" b="1" i="0" u="none" strike="noStrike" kern="1200" cap="none" spc="0" normalizeH="0" baseline="0" noProof="0" dirty="0" err="1">
+                <a:ln>
+                  <a:noFill/>
+                </a:ln>
+                <a:effectLst/>
+                <a:highlight>
+                  <a:srgbClr val="FFFF00"/>
+                </a:highlight>
+                <a:uLnTx/>
+                <a:uFillTx/>
+                <a:latin typeface="12롯데마트드림Medium" panose="02020603020101020101" pitchFamily="18" charset="-127"/>
+                <a:ea typeface="12롯데마트드림Medium" panose="02020603020101020101" pitchFamily="18" charset="-127"/>
+              </a:rPr>
+              <a:t>max_depth</a:t>
+            </a:r>
+            <a:r>
+              <a:rPr kumimoji="0" lang="en-US" altLang="ko-KR" sz="1400" b="1" i="0" u="none" strike="noStrike" kern="1200" cap="none" spc="0" normalizeH="0" baseline="0" noProof="0" dirty="0">
+                <a:ln>
+                  <a:noFill/>
+                </a:ln>
+                <a:effectLst/>
+                <a:uLnTx/>
+                <a:uFillTx/>
+                <a:latin typeface="12롯데마트드림Medium" panose="02020603020101020101" pitchFamily="18" charset="-127"/>
+                <a:ea typeface="12롯데마트드림Medium" panose="02020603020101020101" pitchFamily="18" charset="-127"/>
+              </a:rPr>
+              <a:t>=None, </a:t>
+            </a:r>
+            <a:r>
+              <a:rPr kumimoji="0" lang="en-US" altLang="ko-KR" sz="1400" b="1" i="0" u="none" strike="noStrike" kern="1200" cap="none" spc="0" normalizeH="0" baseline="0" noProof="0" dirty="0" err="1">
+                <a:ln>
+                  <a:noFill/>
+                </a:ln>
+                <a:effectLst/>
+                <a:highlight>
+                  <a:srgbClr val="FFFF00"/>
+                </a:highlight>
+                <a:uLnTx/>
+                <a:uFillTx/>
+                <a:latin typeface="12롯데마트드림Medium" panose="02020603020101020101" pitchFamily="18" charset="-127"/>
+                <a:ea typeface="12롯데마트드림Medium" panose="02020603020101020101" pitchFamily="18" charset="-127"/>
+              </a:rPr>
+              <a:t>min_samples_split</a:t>
+            </a:r>
+            <a:r>
+              <a:rPr kumimoji="0" lang="en-US" altLang="ko-KR" sz="1400" b="1" i="0" u="none" strike="noStrike" kern="1200" cap="none" spc="0" normalizeH="0" baseline="0" noProof="0" dirty="0">
+                <a:ln>
+                  <a:noFill/>
+                </a:ln>
+                <a:effectLst/>
+                <a:uLnTx/>
+                <a:uFillTx/>
+                <a:latin typeface="12롯데마트드림Medium" panose="02020603020101020101" pitchFamily="18" charset="-127"/>
+                <a:ea typeface="12롯데마트드림Medium" panose="02020603020101020101" pitchFamily="18" charset="-127"/>
+              </a:rPr>
+              <a:t>=2, </a:t>
+            </a:r>
+            <a:r>
+              <a:rPr kumimoji="0" lang="en-US" altLang="ko-KR" sz="1400" b="1" i="0" u="none" strike="noStrike" kern="1200" cap="none" spc="0" normalizeH="0" baseline="0" noProof="0" dirty="0" err="1">
+                <a:ln>
+                  <a:noFill/>
+                </a:ln>
+                <a:effectLst/>
+                <a:highlight>
+                  <a:srgbClr val="FFFF00"/>
+                </a:highlight>
+                <a:uLnTx/>
+                <a:uFillTx/>
+                <a:latin typeface="12롯데마트드림Medium" panose="02020603020101020101" pitchFamily="18" charset="-127"/>
+                <a:ea typeface="12롯데마트드림Medium" panose="02020603020101020101" pitchFamily="18" charset="-127"/>
+              </a:rPr>
+              <a:t>min_samples_leaf</a:t>
+            </a:r>
+            <a:r>
+              <a:rPr kumimoji="0" lang="en-US" altLang="ko-KR" sz="1400" b="1" i="0" u="none" strike="noStrike" kern="1200" cap="none" spc="0" normalizeH="0" baseline="0" noProof="0" dirty="0">
+                <a:ln>
+                  <a:noFill/>
+                </a:ln>
+                <a:effectLst/>
+                <a:uLnTx/>
+                <a:uFillTx/>
+                <a:latin typeface="12롯데마트드림Medium" panose="02020603020101020101" pitchFamily="18" charset="-127"/>
+                <a:ea typeface="12롯데마트드림Medium" panose="02020603020101020101" pitchFamily="18" charset="-127"/>
+              </a:rPr>
+              <a:t>=1, </a:t>
+            </a:r>
+            <a:r>
+              <a:rPr kumimoji="0" lang="en-US" altLang="ko-KR" sz="1400" b="1" i="0" u="none" strike="noStrike" kern="1200" cap="none" spc="0" normalizeH="0" baseline="0" noProof="0" dirty="0" err="1">
+                <a:ln>
+                  <a:noFill/>
+                </a:ln>
+                <a:effectLst/>
+                <a:uLnTx/>
+                <a:uFillTx/>
+                <a:latin typeface="12롯데마트드림Medium" panose="02020603020101020101" pitchFamily="18" charset="-127"/>
+                <a:ea typeface="12롯데마트드림Medium" panose="02020603020101020101" pitchFamily="18" charset="-127"/>
+              </a:rPr>
+              <a:t>min_weight_fraction_leaf</a:t>
+            </a:r>
+            <a:r>
+              <a:rPr kumimoji="0" lang="en-US" altLang="ko-KR" sz="1400" b="1" i="0" u="none" strike="noStrike" kern="1200" cap="none" spc="0" normalizeH="0" baseline="0" noProof="0" dirty="0">
+                <a:ln>
+                  <a:noFill/>
+                </a:ln>
+                <a:effectLst/>
+                <a:uLnTx/>
+                <a:uFillTx/>
+                <a:latin typeface="12롯데마트드림Medium" panose="02020603020101020101" pitchFamily="18" charset="-127"/>
+                <a:ea typeface="12롯데마트드림Medium" panose="02020603020101020101" pitchFamily="18" charset="-127"/>
+              </a:rPr>
+              <a:t>=0.0, </a:t>
+            </a:r>
+            <a:r>
+              <a:rPr kumimoji="0" lang="en-US" altLang="ko-KR" sz="1400" b="1" i="0" u="none" strike="noStrike" kern="1200" cap="none" spc="0" normalizeH="0" baseline="0" noProof="0" dirty="0" err="1">
+                <a:ln>
+                  <a:noFill/>
+                </a:ln>
+                <a:effectLst/>
+                <a:uLnTx/>
+                <a:uFillTx/>
+                <a:latin typeface="12롯데마트드림Medium" panose="02020603020101020101" pitchFamily="18" charset="-127"/>
+                <a:ea typeface="12롯데마트드림Medium" panose="02020603020101020101" pitchFamily="18" charset="-127"/>
+              </a:rPr>
+              <a:t>max_features</a:t>
+            </a:r>
+            <a:r>
+              <a:rPr kumimoji="0" lang="en-US" altLang="ko-KR" sz="1400" b="1" i="0" u="none" strike="noStrike" kern="1200" cap="none" spc="0" normalizeH="0" baseline="0" noProof="0" dirty="0">
+                <a:ln>
+                  <a:noFill/>
+                </a:ln>
+                <a:effectLst/>
+                <a:uLnTx/>
+                <a:uFillTx/>
+                <a:latin typeface="12롯데마트드림Medium" panose="02020603020101020101" pitchFamily="18" charset="-127"/>
+                <a:ea typeface="12롯데마트드림Medium" panose="02020603020101020101" pitchFamily="18" charset="-127"/>
+              </a:rPr>
+              <a:t>='sqrt', </a:t>
+            </a:r>
+            <a:r>
+              <a:rPr kumimoji="0" lang="en-US" altLang="ko-KR" sz="1400" b="1" i="0" u="none" strike="noStrike" kern="1200" cap="none" spc="0" normalizeH="0" baseline="0" noProof="0" dirty="0" err="1">
+                <a:ln>
+                  <a:noFill/>
+                </a:ln>
+                <a:effectLst/>
+                <a:uLnTx/>
+                <a:uFillTx/>
+                <a:latin typeface="12롯데마트드림Medium" panose="02020603020101020101" pitchFamily="18" charset="-127"/>
+                <a:ea typeface="12롯데마트드림Medium" panose="02020603020101020101" pitchFamily="18" charset="-127"/>
+              </a:rPr>
+              <a:t>max_leaf_nodes</a:t>
+            </a:r>
+            <a:r>
+              <a:rPr kumimoji="0" lang="en-US" altLang="ko-KR" sz="1400" b="1" i="0" u="none" strike="noStrike" kern="1200" cap="none" spc="0" normalizeH="0" baseline="0" noProof="0" dirty="0">
+                <a:ln>
+                  <a:noFill/>
+                </a:ln>
+                <a:effectLst/>
+                <a:uLnTx/>
+                <a:uFillTx/>
+                <a:latin typeface="12롯데마트드림Medium" panose="02020603020101020101" pitchFamily="18" charset="-127"/>
+                <a:ea typeface="12롯데마트드림Medium" panose="02020603020101020101" pitchFamily="18" charset="-127"/>
+              </a:rPr>
+              <a:t>=None, </a:t>
+            </a:r>
+            <a:r>
+              <a:rPr kumimoji="0" lang="en-US" altLang="ko-KR" sz="1400" b="1" i="0" u="none" strike="noStrike" kern="1200" cap="none" spc="0" normalizeH="0" baseline="0" noProof="0" dirty="0" err="1">
+                <a:ln>
+                  <a:noFill/>
+                </a:ln>
+                <a:effectLst/>
+                <a:uLnTx/>
+                <a:uFillTx/>
+                <a:latin typeface="12롯데마트드림Medium" panose="02020603020101020101" pitchFamily="18" charset="-127"/>
+                <a:ea typeface="12롯데마트드림Medium" panose="02020603020101020101" pitchFamily="18" charset="-127"/>
+              </a:rPr>
+              <a:t>min_impurity_decrease</a:t>
+            </a:r>
+            <a:r>
+              <a:rPr kumimoji="0" lang="en-US" altLang="ko-KR" sz="1400" b="1" i="0" u="none" strike="noStrike" kern="1200" cap="none" spc="0" normalizeH="0" baseline="0" noProof="0" dirty="0">
+                <a:ln>
+                  <a:noFill/>
+                </a:ln>
+                <a:effectLst/>
+                <a:uLnTx/>
+                <a:uFillTx/>
+                <a:latin typeface="12롯데마트드림Medium" panose="02020603020101020101" pitchFamily="18" charset="-127"/>
+                <a:ea typeface="12롯데마트드림Medium" panose="02020603020101020101" pitchFamily="18" charset="-127"/>
+              </a:rPr>
+              <a:t>=0.0, bootstrap=True, </a:t>
+            </a:r>
+            <a:r>
+              <a:rPr kumimoji="0" lang="en-US" altLang="ko-KR" sz="1400" b="1" i="0" u="none" strike="noStrike" kern="1200" cap="none" spc="0" normalizeH="0" baseline="0" noProof="0" dirty="0" err="1">
+                <a:ln>
+                  <a:noFill/>
+                </a:ln>
+                <a:effectLst/>
+                <a:uLnTx/>
+                <a:uFillTx/>
+                <a:latin typeface="12롯데마트드림Medium" panose="02020603020101020101" pitchFamily="18" charset="-127"/>
+                <a:ea typeface="12롯데마트드림Medium" panose="02020603020101020101" pitchFamily="18" charset="-127"/>
+              </a:rPr>
+              <a:t>oob_score</a:t>
+            </a:r>
+            <a:r>
+              <a:rPr kumimoji="0" lang="en-US" altLang="ko-KR" sz="1400" b="1" i="0" u="none" strike="noStrike" kern="1200" cap="none" spc="0" normalizeH="0" baseline="0" noProof="0" dirty="0">
+                <a:ln>
+                  <a:noFill/>
+                </a:ln>
+                <a:effectLst/>
+                <a:uLnTx/>
+                <a:uFillTx/>
+                <a:latin typeface="12롯데마트드림Medium" panose="02020603020101020101" pitchFamily="18" charset="-127"/>
+                <a:ea typeface="12롯데마트드림Medium" panose="02020603020101020101" pitchFamily="18" charset="-127"/>
+              </a:rPr>
+              <a:t>=False, </a:t>
+            </a:r>
+            <a:r>
+              <a:rPr kumimoji="0" lang="en-US" altLang="ko-KR" sz="1400" b="1" i="0" u="none" strike="noStrike" kern="1200" cap="none" spc="0" normalizeH="0" baseline="0" noProof="0" dirty="0" err="1">
+                <a:ln>
+                  <a:noFill/>
+                </a:ln>
+                <a:effectLst/>
+                <a:uLnTx/>
+                <a:uFillTx/>
+                <a:latin typeface="12롯데마트드림Medium" panose="02020603020101020101" pitchFamily="18" charset="-127"/>
+                <a:ea typeface="12롯데마트드림Medium" panose="02020603020101020101" pitchFamily="18" charset="-127"/>
+              </a:rPr>
+              <a:t>n_jobs</a:t>
+            </a:r>
+            <a:r>
+              <a:rPr kumimoji="0" lang="en-US" altLang="ko-KR" sz="1400" b="1" i="0" u="none" strike="noStrike" kern="1200" cap="none" spc="0" normalizeH="0" baseline="0" noProof="0" dirty="0">
+                <a:ln>
+                  <a:noFill/>
+                </a:ln>
+                <a:effectLst/>
+                <a:uLnTx/>
+                <a:uFillTx/>
+                <a:latin typeface="12롯데마트드림Medium" panose="02020603020101020101" pitchFamily="18" charset="-127"/>
+                <a:ea typeface="12롯데마트드림Medium" panose="02020603020101020101" pitchFamily="18" charset="-127"/>
+              </a:rPr>
+              <a:t>=None, </a:t>
+            </a:r>
+            <a:r>
+              <a:rPr kumimoji="0" lang="en-US" altLang="ko-KR" sz="1400" b="1" i="0" u="none" strike="noStrike" kern="1200" cap="none" spc="0" normalizeH="0" baseline="0" noProof="0" dirty="0" err="1">
+                <a:ln>
+                  <a:noFill/>
+                </a:ln>
+                <a:effectLst/>
+                <a:highlight>
+                  <a:srgbClr val="FFFF00"/>
+                </a:highlight>
+                <a:uLnTx/>
+                <a:uFillTx/>
+                <a:latin typeface="12롯데마트드림Medium" panose="02020603020101020101" pitchFamily="18" charset="-127"/>
+                <a:ea typeface="12롯데마트드림Medium" panose="02020603020101020101" pitchFamily="18" charset="-127"/>
+              </a:rPr>
+              <a:t>random_state</a:t>
+            </a:r>
+            <a:r>
+              <a:rPr kumimoji="0" lang="en-US" altLang="ko-KR" sz="1400" b="1" i="0" u="none" strike="noStrike" kern="1200" cap="none" spc="0" normalizeH="0" baseline="0" noProof="0" dirty="0">
+                <a:ln>
+                  <a:noFill/>
+                </a:ln>
+                <a:effectLst/>
+                <a:uLnTx/>
+                <a:uFillTx/>
+                <a:latin typeface="12롯데마트드림Medium" panose="02020603020101020101" pitchFamily="18" charset="-127"/>
+                <a:ea typeface="12롯데마트드림Medium" panose="02020603020101020101" pitchFamily="18" charset="-127"/>
+              </a:rPr>
+              <a:t>=None, verbose=0, </a:t>
+            </a:r>
+            <a:r>
+              <a:rPr kumimoji="0" lang="en-US" altLang="ko-KR" sz="1400" b="1" i="0" u="none" strike="noStrike" kern="1200" cap="none" spc="0" normalizeH="0" baseline="0" noProof="0" dirty="0" err="1">
+                <a:ln>
+                  <a:noFill/>
+                </a:ln>
+                <a:effectLst/>
+                <a:uLnTx/>
+                <a:uFillTx/>
+                <a:latin typeface="12롯데마트드림Medium" panose="02020603020101020101" pitchFamily="18" charset="-127"/>
+                <a:ea typeface="12롯데마트드림Medium" panose="02020603020101020101" pitchFamily="18" charset="-127"/>
+              </a:rPr>
+              <a:t>warm_start</a:t>
+            </a:r>
+            <a:r>
+              <a:rPr kumimoji="0" lang="en-US" altLang="ko-KR" sz="1400" b="1" i="0" u="none" strike="noStrike" kern="1200" cap="none" spc="0" normalizeH="0" baseline="0" noProof="0" dirty="0">
+                <a:ln>
+                  <a:noFill/>
+                </a:ln>
+                <a:effectLst/>
+                <a:uLnTx/>
+                <a:uFillTx/>
+                <a:latin typeface="12롯데마트드림Medium" panose="02020603020101020101" pitchFamily="18" charset="-127"/>
+                <a:ea typeface="12롯데마트드림Medium" panose="02020603020101020101" pitchFamily="18" charset="-127"/>
+              </a:rPr>
+              <a:t>=False, </a:t>
+            </a:r>
+            <a:r>
+              <a:rPr kumimoji="0" lang="en-US" altLang="ko-KR" sz="1400" b="1" i="0" u="none" strike="noStrike" kern="1200" cap="none" spc="0" normalizeH="0" baseline="0" noProof="0" dirty="0" err="1">
+                <a:ln>
+                  <a:noFill/>
+                </a:ln>
+                <a:effectLst/>
+                <a:uLnTx/>
+                <a:uFillTx/>
+                <a:latin typeface="12롯데마트드림Medium" panose="02020603020101020101" pitchFamily="18" charset="-127"/>
+                <a:ea typeface="12롯데마트드림Medium" panose="02020603020101020101" pitchFamily="18" charset="-127"/>
+              </a:rPr>
+              <a:t>class_weight</a:t>
+            </a:r>
+            <a:r>
+              <a:rPr kumimoji="0" lang="en-US" altLang="ko-KR" sz="1400" b="1" i="0" u="none" strike="noStrike" kern="1200" cap="none" spc="0" normalizeH="0" baseline="0" noProof="0" dirty="0">
+                <a:ln>
+                  <a:noFill/>
+                </a:ln>
+                <a:effectLst/>
+                <a:uLnTx/>
+                <a:uFillTx/>
+                <a:latin typeface="12롯데마트드림Medium" panose="02020603020101020101" pitchFamily="18" charset="-127"/>
+                <a:ea typeface="12롯데마트드림Medium" panose="02020603020101020101" pitchFamily="18" charset="-127"/>
+              </a:rPr>
+              <a:t>=None, </a:t>
+            </a:r>
+            <a:r>
+              <a:rPr kumimoji="0" lang="en-US" altLang="ko-KR" sz="1400" b="1" i="0" u="none" strike="noStrike" kern="1200" cap="none" spc="0" normalizeH="0" baseline="0" noProof="0" dirty="0" err="1">
+                <a:ln>
+                  <a:noFill/>
+                </a:ln>
+                <a:effectLst/>
+                <a:uLnTx/>
+                <a:uFillTx/>
+                <a:latin typeface="12롯데마트드림Medium" panose="02020603020101020101" pitchFamily="18" charset="-127"/>
+                <a:ea typeface="12롯데마트드림Medium" panose="02020603020101020101" pitchFamily="18" charset="-127"/>
+              </a:rPr>
+              <a:t>ccp_alpha</a:t>
+            </a:r>
+            <a:r>
+              <a:rPr kumimoji="0" lang="en-US" altLang="ko-KR" sz="1400" b="1" i="0" u="none" strike="noStrike" kern="1200" cap="none" spc="0" normalizeH="0" baseline="0" noProof="0" dirty="0">
+                <a:ln>
+                  <a:noFill/>
+                </a:ln>
+                <a:effectLst/>
+                <a:uLnTx/>
+                <a:uFillTx/>
+                <a:latin typeface="12롯데마트드림Medium" panose="02020603020101020101" pitchFamily="18" charset="-127"/>
+                <a:ea typeface="12롯데마트드림Medium" panose="02020603020101020101" pitchFamily="18" charset="-127"/>
+              </a:rPr>
+              <a:t>=0.0, </a:t>
+            </a:r>
+            <a:r>
+              <a:rPr kumimoji="0" lang="en-US" altLang="ko-KR" sz="1400" b="1" i="0" u="none" strike="noStrike" kern="1200" cap="none" spc="0" normalizeH="0" baseline="0" noProof="0" dirty="0" err="1">
+                <a:ln>
+                  <a:noFill/>
+                </a:ln>
+                <a:effectLst/>
+                <a:uLnTx/>
+                <a:uFillTx/>
+                <a:latin typeface="12롯데마트드림Medium" panose="02020603020101020101" pitchFamily="18" charset="-127"/>
+                <a:ea typeface="12롯데마트드림Medium" panose="02020603020101020101" pitchFamily="18" charset="-127"/>
+              </a:rPr>
+              <a:t>max_samples</a:t>
+            </a:r>
+            <a:r>
+              <a:rPr kumimoji="0" lang="en-US" altLang="ko-KR" sz="1400" b="1" i="0" u="none" strike="noStrike" kern="1200" cap="none" spc="0" normalizeH="0" baseline="0" noProof="0" dirty="0">
+                <a:ln>
+                  <a:noFill/>
+                </a:ln>
+                <a:effectLst/>
+                <a:uLnTx/>
+                <a:uFillTx/>
+                <a:latin typeface="12롯데마트드림Medium" panose="02020603020101020101" pitchFamily="18" charset="-127"/>
+                <a:ea typeface="12롯데마트드림Medium" panose="02020603020101020101" pitchFamily="18" charset="-127"/>
+              </a:rPr>
+              <a:t>=None)</a:t>
+            </a:r>
+          </a:p>
+        </p:txBody>
+      </p:sp>
+      <p:sp>
+        <p:nvSpPr>
+          <p:cNvPr id="3" name="슬라이드 번호 개체 틀 2">
+            <a:extLst>
+              <a:ext uri="{FF2B5EF4-FFF2-40B4-BE49-F238E27FC236}">
+                <a16:creationId xmlns:a16="http://schemas.microsoft.com/office/drawing/2014/main" id="{39730D26-60B5-0075-413E-80F091144E7D}"/>
+              </a:ext>
+            </a:extLst>
+          </p:cNvPr>
+          <p:cNvSpPr>
+            <a:spLocks noGrp="1"/>
+          </p:cNvSpPr>
+          <p:nvPr>
+            <p:ph type="sldNum" sz="quarter" idx="12"/>
+          </p:nvPr>
+        </p:nvSpPr>
+        <p:spPr/>
+        <p:txBody>
+          <a:bodyPr/>
+          <a:lstStyle/>
+          <a:p>
+            <a:fld id="{377596EA-09B2-4F20-B22D-AC03DEA0B276}" type="slidenum">
+              <a:rPr lang="ko-KR" altLang="en-US" smtClean="0"/>
+              <a:t>9</a:t>
+            </a:fld>
+            <a:endParaRPr lang="ko-KR" altLang="en-US"/>
+          </a:p>
+        </p:txBody>
+      </p:sp>
+      <p:sp>
+        <p:nvSpPr>
+          <p:cNvPr id="2" name="직사각형 1">
+            <a:extLst>
+              <a:ext uri="{FF2B5EF4-FFF2-40B4-BE49-F238E27FC236}">
+                <a16:creationId xmlns:a16="http://schemas.microsoft.com/office/drawing/2014/main" id="{402C4EC1-9FAB-2525-1982-1431D6A45E6D}"/>
+              </a:ext>
+            </a:extLst>
+          </p:cNvPr>
+          <p:cNvSpPr/>
+          <p:nvPr/>
+        </p:nvSpPr>
+        <p:spPr>
+          <a:xfrm>
+            <a:off x="1450269" y="1690777"/>
+            <a:ext cx="8983138" cy="443263"/>
+          </a:xfrm>
+          <a:prstGeom prst="rect">
+            <a:avLst/>
+          </a:prstGeom>
+          <a:noFill/>
+        </p:spPr>
+        <p:txBody>
+          <a:bodyPr wrap="square">
+            <a:spAutoFit/>
+          </a:bodyPr>
+          <a:lstStyle/>
+          <a:p>
+            <a:pPr marR="0" lvl="0" defTabSz="914400" rtl="0" eaLnBrk="1" fontAlgn="auto" latinLnBrk="1" hangingPunct="1">
+              <a:lnSpc>
+                <a:spcPct val="150000"/>
+              </a:lnSpc>
+              <a:spcBef>
+                <a:spcPts val="0"/>
+              </a:spcBef>
+              <a:spcAft>
+                <a:spcPts val="0"/>
+              </a:spcAft>
+              <a:buClrTx/>
+              <a:buSzTx/>
+              <a:tabLst/>
+              <a:defRPr/>
+            </a:pPr>
+            <a:r>
+              <a:rPr kumimoji="0" lang="ko-KR" altLang="en-US" i="0" u="none" strike="noStrike" kern="1200" cap="none" spc="0" normalizeH="0" baseline="0" noProof="0" dirty="0">
+                <a:ln>
+                  <a:noFill/>
+                </a:ln>
+                <a:effectLst/>
+                <a:uLnTx/>
+                <a:uFillTx/>
+                <a:latin typeface="12롯데마트드림Bold" panose="02020603020101020101" pitchFamily="18" charset="-127"/>
+                <a:ea typeface="12롯데마트드림Bold" panose="02020603020101020101" pitchFamily="18" charset="-127"/>
+              </a:rPr>
+              <a:t>파라미터</a:t>
+            </a:r>
+            <a:r>
+              <a:rPr kumimoji="0" lang="en-US" altLang="ko-KR" i="0" u="none" strike="noStrike" kern="1200" cap="none" spc="0" normalizeH="0" baseline="0" noProof="0" dirty="0">
+                <a:ln>
+                  <a:noFill/>
+                </a:ln>
+                <a:effectLst/>
+                <a:uLnTx/>
+                <a:uFillTx/>
+                <a:latin typeface="12롯데마트드림Bold" panose="02020603020101020101" pitchFamily="18" charset="-127"/>
+                <a:ea typeface="12롯데마트드림Bold" panose="02020603020101020101" pitchFamily="18" charset="-127"/>
+              </a:rPr>
+              <a:t>(Parameter)</a:t>
+            </a:r>
+            <a:r>
+              <a:rPr kumimoji="0" lang="ko-KR" altLang="en-US" i="0" u="none" strike="noStrike" kern="1200" cap="none" spc="0" normalizeH="0" baseline="0" noProof="0" dirty="0">
+                <a:ln>
+                  <a:noFill/>
+                </a:ln>
+                <a:effectLst/>
+                <a:uLnTx/>
+                <a:uFillTx/>
+                <a:latin typeface="12롯데마트드림Medium" panose="02020603020101020101" pitchFamily="18" charset="-127"/>
+                <a:ea typeface="12롯데마트드림Medium" panose="02020603020101020101" pitchFamily="18" charset="-127"/>
+              </a:rPr>
+              <a:t> </a:t>
+            </a:r>
+            <a:r>
+              <a:rPr kumimoji="0" lang="en-US" altLang="ko-KR" i="0" u="none" strike="noStrike" kern="1200" cap="none" spc="0" normalizeH="0" baseline="0" noProof="0" dirty="0">
+                <a:ln>
+                  <a:noFill/>
+                </a:ln>
+                <a:effectLst/>
+                <a:uLnTx/>
+                <a:uFillTx/>
+                <a:latin typeface="12롯데마트드림Medium" panose="02020603020101020101" pitchFamily="18" charset="-127"/>
+                <a:ea typeface="12롯데마트드림Medium" panose="02020603020101020101" pitchFamily="18" charset="-127"/>
+              </a:rPr>
+              <a:t>:</a:t>
+            </a:r>
+            <a:r>
+              <a:rPr kumimoji="0" lang="ko-KR" altLang="en-US" i="0" u="none" strike="noStrike" kern="1200" cap="none" spc="0" normalizeH="0" baseline="0" noProof="0" dirty="0">
+                <a:ln>
+                  <a:noFill/>
+                </a:ln>
+                <a:effectLst/>
+                <a:uLnTx/>
+                <a:uFillTx/>
+                <a:latin typeface="12롯데마트드림Medium" panose="02020603020101020101" pitchFamily="18" charset="-127"/>
+                <a:ea typeface="12롯데마트드림Medium" panose="02020603020101020101" pitchFamily="18" charset="-127"/>
+              </a:rPr>
+              <a:t> 모델 내부에서 결정되는 변수</a:t>
+            </a:r>
+            <a:r>
+              <a:rPr kumimoji="0" lang="en-US" altLang="ko-KR" i="0" u="none" strike="noStrike" kern="1200" cap="none" spc="0" normalizeH="0" baseline="0" noProof="0" dirty="0">
+                <a:ln>
+                  <a:noFill/>
+                </a:ln>
+                <a:effectLst/>
+                <a:uLnTx/>
+                <a:uFillTx/>
+                <a:latin typeface="12롯데마트드림Medium" panose="02020603020101020101" pitchFamily="18" charset="-127"/>
+                <a:ea typeface="12롯데마트드림Medium" panose="02020603020101020101" pitchFamily="18" charset="-127"/>
+              </a:rPr>
+              <a:t>, ex) </a:t>
+            </a:r>
+            <a:r>
+              <a:rPr kumimoji="0" lang="ko-KR" altLang="en-US" i="0" u="none" strike="noStrike" kern="1200" cap="none" spc="0" normalizeH="0" baseline="0" noProof="0" dirty="0">
+                <a:ln>
+                  <a:noFill/>
+                </a:ln>
+                <a:effectLst/>
+                <a:uLnTx/>
+                <a:uFillTx/>
+                <a:latin typeface="12롯데마트드림Medium" panose="02020603020101020101" pitchFamily="18" charset="-127"/>
+                <a:ea typeface="12롯데마트드림Medium" panose="02020603020101020101" pitchFamily="18" charset="-127"/>
+              </a:rPr>
+              <a:t>가중치</a:t>
+            </a:r>
+            <a:r>
+              <a:rPr kumimoji="0" lang="en-US" altLang="ko-KR" i="0" u="none" strike="noStrike" kern="1200" cap="none" spc="0" normalizeH="0" baseline="0" noProof="0" dirty="0">
+                <a:ln>
+                  <a:noFill/>
+                </a:ln>
+                <a:effectLst/>
+                <a:uLnTx/>
+                <a:uFillTx/>
+                <a:latin typeface="12롯데마트드림Medium" panose="02020603020101020101" pitchFamily="18" charset="-127"/>
+                <a:ea typeface="12롯데마트드림Medium" panose="02020603020101020101" pitchFamily="18" charset="-127"/>
+              </a:rPr>
+              <a:t>, bias</a:t>
+            </a:r>
+          </a:p>
+        </p:txBody>
+      </p:sp>
+      <p:sp>
+        <p:nvSpPr>
+          <p:cNvPr id="6" name="TextBox 5">
+            <a:extLst>
+              <a:ext uri="{FF2B5EF4-FFF2-40B4-BE49-F238E27FC236}">
+                <a16:creationId xmlns:a16="http://schemas.microsoft.com/office/drawing/2014/main" id="{DEA193C9-5558-4C05-2BD6-793207B4DAF1}"/>
+              </a:ext>
+            </a:extLst>
+          </p:cNvPr>
+          <p:cNvSpPr txBox="1"/>
+          <p:nvPr/>
+        </p:nvSpPr>
+        <p:spPr>
+          <a:xfrm>
+            <a:off x="1450268" y="3509834"/>
+            <a:ext cx="9291464" cy="404278"/>
+          </a:xfrm>
+          <a:prstGeom prst="rect">
+            <a:avLst/>
+          </a:prstGeom>
+          <a:noFill/>
+        </p:spPr>
+        <p:txBody>
+          <a:bodyPr wrap="square">
+            <a:spAutoFit/>
+          </a:bodyPr>
+          <a:lstStyle/>
+          <a:p>
+            <a:pPr marR="0" lvl="0" defTabSz="914400" rtl="0" eaLnBrk="1" fontAlgn="auto" latinLnBrk="1" hangingPunct="1">
+              <a:lnSpc>
+                <a:spcPct val="150000"/>
+              </a:lnSpc>
+              <a:spcBef>
+                <a:spcPts val="0"/>
+              </a:spcBef>
+              <a:spcAft>
+                <a:spcPts val="0"/>
+              </a:spcAft>
+              <a:buClrTx/>
+              <a:buSzTx/>
+              <a:tabLst/>
+              <a:defRPr/>
+            </a:pPr>
+            <a:r>
+              <a:rPr kumimoji="0" lang="ko-KR" altLang="en-US" sz="1600" i="0" u="none" strike="noStrike" kern="1200" cap="none" spc="0" normalizeH="0" baseline="0" noProof="0" dirty="0" err="1">
+                <a:ln>
+                  <a:noFill/>
+                </a:ln>
+                <a:effectLst/>
+                <a:uLnTx/>
+                <a:uFillTx/>
+                <a:latin typeface="12롯데마트드림Medium" panose="02020603020101020101" pitchFamily="18" charset="-127"/>
+                <a:ea typeface="12롯데마트드림Medium" panose="02020603020101020101" pitchFamily="18" charset="-127"/>
+              </a:rPr>
+              <a:t>머신러닝</a:t>
+            </a:r>
+            <a:r>
+              <a:rPr lang="en-US" altLang="ko-KR" sz="1600" dirty="0">
+                <a:latin typeface="12롯데마트드림Medium" panose="02020603020101020101" pitchFamily="18" charset="-127"/>
+                <a:ea typeface="12롯데마트드림Medium" panose="02020603020101020101" pitchFamily="18" charset="-127"/>
+              </a:rPr>
+              <a:t>·</a:t>
+            </a:r>
+            <a:r>
+              <a:rPr kumimoji="0" lang="ko-KR" altLang="en-US" sz="1600" i="0" u="none" strike="noStrike" kern="1200" cap="none" spc="0" normalizeH="0" baseline="0" noProof="0" dirty="0">
+                <a:ln>
+                  <a:noFill/>
+                </a:ln>
+                <a:effectLst/>
+                <a:uLnTx/>
+                <a:uFillTx/>
+                <a:latin typeface="12롯데마트드림Medium" panose="02020603020101020101" pitchFamily="18" charset="-127"/>
+                <a:ea typeface="12롯데마트드림Medium" panose="02020603020101020101" pitchFamily="18" charset="-127"/>
+              </a:rPr>
+              <a:t>딥러닝 모델을 쓸 때 사용자가 직접 세팅할 수 </a:t>
+            </a:r>
+            <a:r>
+              <a:rPr lang="ko-KR" altLang="en-US" sz="1600" dirty="0" err="1">
+                <a:latin typeface="12롯데마트드림Medium" panose="02020603020101020101" pitchFamily="18" charset="-127"/>
+                <a:ea typeface="12롯데마트드림Medium" panose="02020603020101020101" pitchFamily="18" charset="-127"/>
+              </a:rPr>
+              <a:t>있</a:t>
+            </a:r>
+            <a:r>
+              <a:rPr kumimoji="0" lang="ko-KR" altLang="en-US" sz="1600" i="0" u="none" strike="noStrike" kern="1200" cap="none" spc="0" normalizeH="0" baseline="0" noProof="0" dirty="0">
+                <a:ln>
+                  <a:noFill/>
+                </a:ln>
+                <a:effectLst/>
+                <a:uLnTx/>
+                <a:uFillTx/>
+                <a:latin typeface="12롯데마트드림Medium" panose="02020603020101020101" pitchFamily="18" charset="-127"/>
+                <a:ea typeface="12롯데마트드림Medium" panose="02020603020101020101" pitchFamily="18" charset="-127"/>
+              </a:rPr>
+              <a:t>는 </a:t>
+            </a:r>
+            <a:r>
+              <a:rPr kumimoji="0" lang="ko-KR" altLang="en-US" sz="1600" i="0" u="none" strike="noStrike" kern="1200" cap="none" spc="0" normalizeH="0" baseline="0" noProof="0" dirty="0" err="1">
+                <a:ln>
+                  <a:noFill/>
+                </a:ln>
+                <a:effectLst/>
+                <a:uLnTx/>
+                <a:uFillTx/>
+                <a:latin typeface="12롯데마트드림Medium" panose="02020603020101020101" pitchFamily="18" charset="-127"/>
+                <a:ea typeface="12롯데마트드림Medium" panose="02020603020101020101" pitchFamily="18" charset="-127"/>
+              </a:rPr>
+              <a:t>하이퍼파라미터는</a:t>
+            </a:r>
+            <a:r>
+              <a:rPr kumimoji="0" lang="ko-KR" altLang="en-US" sz="1600" i="0" u="none" strike="noStrike" kern="1200" cap="none" spc="0" normalizeH="0" baseline="0" noProof="0" dirty="0">
+                <a:ln>
+                  <a:noFill/>
+                </a:ln>
+                <a:effectLst/>
+                <a:uLnTx/>
+                <a:uFillTx/>
+                <a:latin typeface="12롯데마트드림Medium" panose="02020603020101020101" pitchFamily="18" charset="-127"/>
+                <a:ea typeface="12롯데마트드림Medium" panose="02020603020101020101" pitchFamily="18" charset="-127"/>
+              </a:rPr>
+              <a:t> 상당히 많다</a:t>
+            </a:r>
+            <a:r>
+              <a:rPr lang="en-US" altLang="ko-KR" sz="1600" dirty="0">
+                <a:latin typeface="12롯데마트드림Medium" panose="02020603020101020101" pitchFamily="18" charset="-127"/>
+                <a:ea typeface="12롯데마트드림Medium" panose="02020603020101020101" pitchFamily="18" charset="-127"/>
+              </a:rPr>
+              <a:t>.</a:t>
+            </a:r>
+            <a:endParaRPr kumimoji="0" lang="en-US" altLang="ko-KR" sz="1600" i="0" u="none" strike="noStrike" kern="1200" cap="none" spc="0" normalizeH="0" baseline="0" noProof="0" dirty="0">
+              <a:ln>
+                <a:noFill/>
+              </a:ln>
+              <a:effectLst/>
+              <a:uLnTx/>
+              <a:uFillTx/>
+              <a:latin typeface="12롯데마트드림Medium" panose="02020603020101020101" pitchFamily="18" charset="-127"/>
+              <a:ea typeface="12롯데마트드림Medium" panose="02020603020101020101" pitchFamily="18" charset="-127"/>
+            </a:endParaRPr>
+          </a:p>
+        </p:txBody>
+      </p:sp>
+    </p:spTree>
+    <p:extLst>
+      <p:ext uri="{BB962C8B-B14F-4D97-AF65-F5344CB8AC3E}">
+        <p14:creationId xmlns:p14="http://schemas.microsoft.com/office/powerpoint/2010/main" val="2751320109"/>
+      </p:ext>
+    </p:extLst>
+  </p:cSld>
+  <p:clrMapOvr>
+    <a:masterClrMapping/>
+  </p:clrMapOvr>
+</p:sld>
+</file>
+
+<file path=ppt/slides/slide11.xml><?xml version="1.0" encoding="utf-8"?>
+<p:sld xmlns:a="http://schemas.openxmlformats.org/drawingml/2006/main" xmlns:r="http://schemas.openxmlformats.org/officeDocument/2006/relationships" xmlns:p="http://schemas.openxmlformats.org/presentationml/2006/main">
+  <p:cSld>
+    <p:spTree>
+      <p:nvGrpSpPr>
+        <p:cNvPr id="1" name=""/>
+        <p:cNvGrpSpPr/>
+        <p:nvPr/>
+      </p:nvGrpSpPr>
+      <p:grpSpPr>
+        <a:xfrm>
+          <a:off x="0" y="0"/>
+          <a:ext cx="0" cy="0"/>
+          <a:chOff x="0" y="0"/>
+          <a:chExt cx="0" cy="0"/>
+        </a:xfrm>
+      </p:grpSpPr>
+      <p:pic>
+        <p:nvPicPr>
+          <p:cNvPr id="3" name="그림 2">
+            <a:extLst>
+              <a:ext uri="{FF2B5EF4-FFF2-40B4-BE49-F238E27FC236}">
+                <a16:creationId xmlns:a16="http://schemas.microsoft.com/office/drawing/2014/main" id="{FA0DB2AD-F860-0785-9CF6-A57F4F6158F4}"/>
+              </a:ext>
+            </a:extLst>
+          </p:cNvPr>
+          <p:cNvPicPr>
+            <a:picLocks noChangeAspect="1"/>
+          </p:cNvPicPr>
+          <p:nvPr/>
+        </p:nvPicPr>
+        <p:blipFill>
+          <a:blip r:embed="rId2"/>
+          <a:stretch>
+            <a:fillRect/>
+          </a:stretch>
+        </p:blipFill>
+        <p:spPr>
+          <a:xfrm>
+            <a:off x="1462067" y="3280554"/>
+            <a:ext cx="5752659" cy="2876330"/>
+          </a:xfrm>
+          <a:prstGeom prst="rect">
+            <a:avLst/>
+          </a:prstGeom>
+        </p:spPr>
+      </p:pic>
+      <p:sp>
+        <p:nvSpPr>
+          <p:cNvPr id="7" name="직사각형 6"/>
+          <p:cNvSpPr/>
+          <p:nvPr/>
+        </p:nvSpPr>
+        <p:spPr>
+          <a:xfrm>
+            <a:off x="1462067" y="1477727"/>
+            <a:ext cx="8983138" cy="1655133"/>
+          </a:xfrm>
+          <a:prstGeom prst="rect">
+            <a:avLst/>
+          </a:prstGeom>
+          <a:noFill/>
+        </p:spPr>
+        <p:txBody>
+          <a:bodyPr wrap="square">
+            <a:spAutoFit/>
+          </a:bodyPr>
+          <a:lstStyle/>
+          <a:p>
+            <a:pPr marL="342900" marR="0" lvl="0" indent="-342900" defTabSz="914400" rtl="0" eaLnBrk="1" fontAlgn="auto" latinLnBrk="1" hangingPunct="1">
+              <a:lnSpc>
+                <a:spcPct val="200000"/>
+              </a:lnSpc>
+              <a:spcBef>
+                <a:spcPts val="0"/>
+              </a:spcBef>
+              <a:spcAft>
+                <a:spcPts val="0"/>
+              </a:spcAft>
+              <a:buClrTx/>
+              <a:buSzTx/>
+              <a:buFontTx/>
+              <a:buAutoNum type="arabicPeriod"/>
+              <a:tabLst/>
+              <a:defRPr/>
+            </a:pPr>
+            <a:r>
+              <a:rPr kumimoji="0" lang="ko-KR" altLang="en-US" i="0" u="none" strike="noStrike" kern="1200" cap="none" spc="0" normalizeH="0" baseline="0" noProof="0" dirty="0">
+                <a:ln>
+                  <a:noFill/>
+                </a:ln>
+                <a:effectLst/>
+                <a:uLnTx/>
+                <a:uFillTx/>
+                <a:latin typeface="12롯데마트드림Medium" panose="02020603020101020101" pitchFamily="18" charset="-127"/>
+                <a:ea typeface="12롯데마트드림Medium" panose="02020603020101020101" pitchFamily="18" charset="-127"/>
+              </a:rPr>
+              <a:t>매뉴얼 </a:t>
+            </a:r>
+            <a:r>
+              <a:rPr kumimoji="0" lang="ko-KR" altLang="en-US" i="0" u="none" strike="noStrike" kern="1200" cap="none" spc="0" normalizeH="0" baseline="0" noProof="0" dirty="0" err="1">
+                <a:ln>
+                  <a:noFill/>
+                </a:ln>
+                <a:effectLst/>
+                <a:uLnTx/>
+                <a:uFillTx/>
+                <a:latin typeface="12롯데마트드림Medium" panose="02020603020101020101" pitchFamily="18" charset="-127"/>
+                <a:ea typeface="12롯데마트드림Medium" panose="02020603020101020101" pitchFamily="18" charset="-127"/>
+              </a:rPr>
+              <a:t>서치</a:t>
+            </a:r>
+            <a:r>
+              <a:rPr kumimoji="0" lang="en-US" altLang="ko-KR" i="0" u="none" strike="noStrike" kern="1200" cap="none" spc="0" normalizeH="0" baseline="0" noProof="0" dirty="0">
+                <a:ln>
+                  <a:noFill/>
+                </a:ln>
+                <a:effectLst/>
+                <a:uLnTx/>
+                <a:uFillTx/>
+                <a:latin typeface="12롯데마트드림Medium" panose="02020603020101020101" pitchFamily="18" charset="-127"/>
+                <a:ea typeface="12롯데마트드림Medium" panose="02020603020101020101" pitchFamily="18" charset="-127"/>
+              </a:rPr>
+              <a:t> Manual Search : </a:t>
+            </a:r>
+            <a:r>
+              <a:rPr kumimoji="0" lang="ko-KR" altLang="en-US" i="0" u="none" strike="noStrike" kern="1200" cap="none" spc="0" normalizeH="0" baseline="0" noProof="0" dirty="0">
+                <a:ln>
+                  <a:noFill/>
+                </a:ln>
+                <a:effectLst/>
+                <a:uLnTx/>
+                <a:uFillTx/>
+                <a:latin typeface="12롯데마트드림Medium" panose="02020603020101020101" pitchFamily="18" charset="-127"/>
+                <a:ea typeface="12롯데마트드림Medium" panose="02020603020101020101" pitchFamily="18" charset="-127"/>
+              </a:rPr>
+              <a:t>직관과 경험에 의존해서</a:t>
+            </a:r>
+            <a:endParaRPr kumimoji="0" lang="en-US" altLang="ko-KR" i="0" u="none" strike="noStrike" kern="1200" cap="none" spc="0" normalizeH="0" baseline="0" noProof="0" dirty="0">
+              <a:ln>
+                <a:noFill/>
+              </a:ln>
+              <a:effectLst/>
+              <a:uLnTx/>
+              <a:uFillTx/>
+              <a:latin typeface="12롯데마트드림Medium" panose="02020603020101020101" pitchFamily="18" charset="-127"/>
+              <a:ea typeface="12롯데마트드림Medium" panose="02020603020101020101" pitchFamily="18" charset="-127"/>
+            </a:endParaRPr>
+          </a:p>
+          <a:p>
+            <a:pPr marL="342900" marR="0" lvl="0" indent="-342900" defTabSz="914400" rtl="0" eaLnBrk="1" fontAlgn="auto" latinLnBrk="1" hangingPunct="1">
+              <a:lnSpc>
+                <a:spcPct val="200000"/>
+              </a:lnSpc>
+              <a:spcBef>
+                <a:spcPts val="0"/>
+              </a:spcBef>
+              <a:spcAft>
+                <a:spcPts val="0"/>
+              </a:spcAft>
+              <a:buClrTx/>
+              <a:buSzTx/>
+              <a:buFontTx/>
+              <a:buAutoNum type="arabicPeriod"/>
+              <a:tabLst/>
+              <a:defRPr/>
+            </a:pPr>
+            <a:r>
+              <a:rPr lang="ko-KR" altLang="en-US" dirty="0">
+                <a:latin typeface="12롯데마트드림Medium" panose="02020603020101020101" pitchFamily="18" charset="-127"/>
+                <a:ea typeface="12롯데마트드림Medium" panose="02020603020101020101" pitchFamily="18" charset="-127"/>
+              </a:rPr>
+              <a:t>그리드 </a:t>
+            </a:r>
+            <a:r>
+              <a:rPr lang="ko-KR" altLang="en-US" dirty="0" err="1">
+                <a:latin typeface="12롯데마트드림Medium" panose="02020603020101020101" pitchFamily="18" charset="-127"/>
+                <a:ea typeface="12롯데마트드림Medium" panose="02020603020101020101" pitchFamily="18" charset="-127"/>
+              </a:rPr>
+              <a:t>서치</a:t>
+            </a:r>
+            <a:r>
+              <a:rPr lang="en-US" altLang="ko-KR" dirty="0">
+                <a:latin typeface="12롯데마트드림Medium" panose="02020603020101020101" pitchFamily="18" charset="-127"/>
+                <a:ea typeface="12롯데마트드림Medium" panose="02020603020101020101" pitchFamily="18" charset="-127"/>
+              </a:rPr>
+              <a:t> Grid Search : </a:t>
+            </a:r>
+            <a:r>
+              <a:rPr lang="ko-KR" altLang="en-US" dirty="0">
+                <a:latin typeface="12롯데마트드림Medium" panose="02020603020101020101" pitchFamily="18" charset="-127"/>
+                <a:ea typeface="12롯데마트드림Medium" panose="02020603020101020101" pitchFamily="18" charset="-127"/>
+              </a:rPr>
+              <a:t>탐색할 </a:t>
+            </a:r>
+            <a:r>
+              <a:rPr lang="ko-KR" altLang="en-US" dirty="0" err="1">
+                <a:latin typeface="12롯데마트드림Medium" panose="02020603020101020101" pitchFamily="18" charset="-127"/>
+                <a:ea typeface="12롯데마트드림Medium" panose="02020603020101020101" pitchFamily="18" charset="-127"/>
+              </a:rPr>
+              <a:t>하이퍼파라미터의</a:t>
+            </a:r>
+            <a:r>
+              <a:rPr lang="ko-KR" altLang="en-US" dirty="0">
+                <a:latin typeface="12롯데마트드림Medium" panose="02020603020101020101" pitchFamily="18" charset="-127"/>
+                <a:ea typeface="12롯데마트드림Medium" panose="02020603020101020101" pitchFamily="18" charset="-127"/>
+              </a:rPr>
+              <a:t> 범위 지정</a:t>
+            </a:r>
+            <a:endParaRPr lang="en-US" altLang="ko-KR" dirty="0">
+              <a:latin typeface="12롯데마트드림Medium" panose="02020603020101020101" pitchFamily="18" charset="-127"/>
+              <a:ea typeface="12롯데마트드림Medium" panose="02020603020101020101" pitchFamily="18" charset="-127"/>
+            </a:endParaRPr>
+          </a:p>
+          <a:p>
+            <a:pPr marL="342900" marR="0" lvl="0" indent="-342900" defTabSz="914400" rtl="0" eaLnBrk="1" fontAlgn="auto" latinLnBrk="1" hangingPunct="1">
+              <a:lnSpc>
+                <a:spcPct val="200000"/>
+              </a:lnSpc>
+              <a:spcBef>
+                <a:spcPts val="0"/>
+              </a:spcBef>
+              <a:spcAft>
+                <a:spcPts val="0"/>
+              </a:spcAft>
+              <a:buClrTx/>
+              <a:buSzTx/>
+              <a:buFontTx/>
+              <a:buAutoNum type="arabicPeriod"/>
+              <a:tabLst/>
+              <a:defRPr/>
+            </a:pPr>
+            <a:r>
+              <a:rPr kumimoji="0" lang="ko-KR" altLang="en-US" i="0" u="none" strike="noStrike" kern="1200" cap="none" spc="0" normalizeH="0" baseline="0" noProof="0" dirty="0">
+                <a:ln>
+                  <a:noFill/>
+                </a:ln>
+                <a:effectLst/>
+                <a:uLnTx/>
+                <a:uFillTx/>
+                <a:latin typeface="12롯데마트드림Medium" panose="02020603020101020101" pitchFamily="18" charset="-127"/>
+                <a:ea typeface="12롯데마트드림Medium" panose="02020603020101020101" pitchFamily="18" charset="-127"/>
+              </a:rPr>
+              <a:t>랜덤 </a:t>
+            </a:r>
+            <a:r>
+              <a:rPr kumimoji="0" lang="ko-KR" altLang="en-US" i="0" u="none" strike="noStrike" kern="1200" cap="none" spc="0" normalizeH="0" baseline="0" noProof="0" dirty="0" err="1">
+                <a:ln>
+                  <a:noFill/>
+                </a:ln>
+                <a:effectLst/>
+                <a:uLnTx/>
+                <a:uFillTx/>
+                <a:latin typeface="12롯데마트드림Medium" panose="02020603020101020101" pitchFamily="18" charset="-127"/>
+                <a:ea typeface="12롯데마트드림Medium" panose="02020603020101020101" pitchFamily="18" charset="-127"/>
+              </a:rPr>
+              <a:t>서치</a:t>
+            </a:r>
+            <a:r>
+              <a:rPr kumimoji="0" lang="en-US" altLang="ko-KR" i="0" u="none" strike="noStrike" kern="1200" cap="none" spc="0" normalizeH="0" baseline="0" noProof="0" dirty="0">
+                <a:ln>
+                  <a:noFill/>
+                </a:ln>
+                <a:effectLst/>
+                <a:uLnTx/>
+                <a:uFillTx/>
+                <a:latin typeface="12롯데마트드림Medium" panose="02020603020101020101" pitchFamily="18" charset="-127"/>
+                <a:ea typeface="12롯데마트드림Medium" panose="02020603020101020101" pitchFamily="18" charset="-127"/>
+              </a:rPr>
+              <a:t> Random Search : </a:t>
+            </a:r>
+            <a:r>
+              <a:rPr lang="ko-KR" altLang="en-US" dirty="0">
+                <a:latin typeface="12롯데마트드림Medium" panose="02020603020101020101" pitchFamily="18" charset="-127"/>
+                <a:ea typeface="12롯데마트드림Medium" panose="02020603020101020101" pitchFamily="18" charset="-127"/>
+              </a:rPr>
+              <a:t>탐색할 </a:t>
+            </a:r>
+            <a:r>
+              <a:rPr lang="ko-KR" altLang="en-US" dirty="0" err="1">
+                <a:latin typeface="12롯데마트드림Medium" panose="02020603020101020101" pitchFamily="18" charset="-127"/>
+                <a:ea typeface="12롯데마트드림Medium" panose="02020603020101020101" pitchFamily="18" charset="-127"/>
+              </a:rPr>
+              <a:t>하이퍼파라미터의</a:t>
+            </a:r>
+            <a:r>
+              <a:rPr lang="ko-KR" altLang="en-US" dirty="0">
+                <a:latin typeface="12롯데마트드림Medium" panose="02020603020101020101" pitchFamily="18" charset="-127"/>
+                <a:ea typeface="12롯데마트드림Medium" panose="02020603020101020101" pitchFamily="18" charset="-127"/>
+              </a:rPr>
+              <a:t> 범위 지정 </a:t>
+            </a:r>
+            <a:r>
+              <a:rPr lang="en-US" altLang="ko-KR" dirty="0">
+                <a:latin typeface="12롯데마트드림Medium" panose="02020603020101020101" pitchFamily="18" charset="-127"/>
+                <a:ea typeface="12롯데마트드림Medium" panose="02020603020101020101" pitchFamily="18" charset="-127"/>
+              </a:rPr>
+              <a:t>+ </a:t>
+            </a:r>
+            <a:r>
+              <a:rPr lang="ko-KR" altLang="en-US" dirty="0">
+                <a:latin typeface="12롯데마트드림Medium" panose="02020603020101020101" pitchFamily="18" charset="-127"/>
+                <a:ea typeface="12롯데마트드림Medium" panose="02020603020101020101" pitchFamily="18" charset="-127"/>
+              </a:rPr>
+              <a:t>무작위</a:t>
+            </a:r>
+            <a:endParaRPr kumimoji="0" lang="en-US" altLang="ko-KR" i="0" u="none" strike="noStrike" kern="1200" cap="none" spc="0" normalizeH="0" baseline="0" noProof="0" dirty="0">
+              <a:ln>
+                <a:noFill/>
+              </a:ln>
+              <a:effectLst/>
+              <a:uLnTx/>
+              <a:uFillTx/>
+              <a:latin typeface="12롯데마트드림Medium" panose="02020603020101020101" pitchFamily="18" charset="-127"/>
+              <a:ea typeface="12롯데마트드림Medium" panose="02020603020101020101" pitchFamily="18" charset="-127"/>
+            </a:endParaRPr>
+          </a:p>
+        </p:txBody>
+      </p:sp>
+      <p:sp>
+        <p:nvSpPr>
+          <p:cNvPr id="12" name="직사각형 11"/>
+          <p:cNvSpPr/>
+          <p:nvPr/>
+        </p:nvSpPr>
+        <p:spPr>
+          <a:xfrm>
+            <a:off x="1249922" y="868368"/>
+            <a:ext cx="3979655" cy="461665"/>
+          </a:xfrm>
+          <a:prstGeom prst="rect">
+            <a:avLst/>
+          </a:prstGeom>
+          <a:noFill/>
+        </p:spPr>
+        <p:txBody>
+          <a:bodyPr wrap="square">
+            <a:spAutoFit/>
+          </a:bodyPr>
+          <a:lstStyle/>
+          <a:p>
+            <a:pPr marL="0" marR="0" lvl="0" indent="0" algn="l" defTabSz="914400" rtl="0" eaLnBrk="1" fontAlgn="auto" latinLnBrk="1" hangingPunct="1">
+              <a:lnSpc>
+                <a:spcPct val="100000"/>
+              </a:lnSpc>
+              <a:spcBef>
+                <a:spcPts val="0"/>
+              </a:spcBef>
+              <a:spcAft>
+                <a:spcPts val="0"/>
+              </a:spcAft>
+              <a:buClrTx/>
+              <a:buSzTx/>
+              <a:buFontTx/>
+              <a:buNone/>
+              <a:tabLst/>
+              <a:defRPr/>
+            </a:pPr>
+            <a:r>
+              <a:rPr kumimoji="0" lang="ko-KR" altLang="en-US" sz="2400" b="0" i="0" u="none" strike="noStrike" kern="1200" cap="none" spc="0" normalizeH="0" baseline="0" noProof="0" dirty="0" err="1">
+                <a:ln>
+                  <a:noFill/>
+                </a:ln>
+                <a:effectLst/>
+                <a:uLnTx/>
+                <a:uFillTx/>
+                <a:latin typeface="12롯데마트드림Bold" panose="02020603020101020101" pitchFamily="18" charset="-127"/>
+                <a:ea typeface="12롯데마트드림Bold" panose="02020603020101020101" pitchFamily="18" charset="-127"/>
+              </a:rPr>
+              <a:t>하이퍼파라미터</a:t>
+            </a:r>
+            <a:r>
+              <a:rPr kumimoji="0" lang="ko-KR" altLang="en-US" sz="2400" b="0" i="0" u="none" strike="noStrike" kern="1200" cap="none" spc="0" normalizeH="0" baseline="0" noProof="0" dirty="0">
+                <a:ln>
+                  <a:noFill/>
+                </a:ln>
+                <a:effectLst/>
+                <a:uLnTx/>
+                <a:uFillTx/>
+                <a:latin typeface="12롯데마트드림Bold" panose="02020603020101020101" pitchFamily="18" charset="-127"/>
+                <a:ea typeface="12롯데마트드림Bold" panose="02020603020101020101" pitchFamily="18" charset="-127"/>
+              </a:rPr>
+              <a:t> 최적화</a:t>
+            </a:r>
+            <a:endParaRPr kumimoji="0" lang="en-US" altLang="ko-KR" sz="2400" b="0" i="0" u="none" strike="noStrike" kern="1200" cap="none" spc="0" normalizeH="0" baseline="0" noProof="0" dirty="0">
+              <a:ln>
+                <a:noFill/>
+              </a:ln>
+              <a:effectLst/>
+              <a:uLnTx/>
+              <a:uFillTx/>
+              <a:latin typeface="12롯데마트드림Bold" panose="02020603020101020101" pitchFamily="18" charset="-127"/>
+              <a:ea typeface="12롯데마트드림Bold" panose="02020603020101020101" pitchFamily="18" charset="-127"/>
+            </a:endParaRPr>
+          </a:p>
+        </p:txBody>
+      </p:sp>
+      <p:sp>
+        <p:nvSpPr>
+          <p:cNvPr id="4" name="슬라이드 번호 개체 틀 3">
+            <a:extLst>
+              <a:ext uri="{FF2B5EF4-FFF2-40B4-BE49-F238E27FC236}">
+                <a16:creationId xmlns:a16="http://schemas.microsoft.com/office/drawing/2014/main" id="{F9A33F19-ADE4-D41C-71DC-E15A02010F6C}"/>
+              </a:ext>
+            </a:extLst>
+          </p:cNvPr>
+          <p:cNvSpPr>
+            <a:spLocks noGrp="1"/>
+          </p:cNvSpPr>
+          <p:nvPr>
+            <p:ph type="sldNum" sz="quarter" idx="12"/>
+          </p:nvPr>
+        </p:nvSpPr>
+        <p:spPr/>
+        <p:txBody>
+          <a:bodyPr/>
+          <a:lstStyle/>
+          <a:p>
+            <a:fld id="{377596EA-09B2-4F20-B22D-AC03DEA0B276}" type="slidenum">
+              <a:rPr lang="ko-KR" altLang="en-US" smtClean="0"/>
+              <a:t>10</a:t>
+            </a:fld>
+            <a:endParaRPr lang="ko-KR" altLang="en-US"/>
+          </a:p>
+        </p:txBody>
+      </p:sp>
+      <p:sp>
+        <p:nvSpPr>
+          <p:cNvPr id="2" name="TextBox 1">
+            <a:extLst>
+              <a:ext uri="{FF2B5EF4-FFF2-40B4-BE49-F238E27FC236}">
+                <a16:creationId xmlns:a16="http://schemas.microsoft.com/office/drawing/2014/main" id="{D9F4063A-C998-5389-261A-982AA737B9E6}"/>
+              </a:ext>
+            </a:extLst>
+          </p:cNvPr>
+          <p:cNvSpPr txBox="1"/>
+          <p:nvPr/>
+        </p:nvSpPr>
+        <p:spPr>
+          <a:xfrm>
+            <a:off x="7650480" y="4319805"/>
+            <a:ext cx="3510280" cy="1011687"/>
+          </a:xfrm>
+          <a:prstGeom prst="rect">
+            <a:avLst/>
+          </a:prstGeom>
+          <a:noFill/>
+          <a:ln>
+            <a:solidFill>
+              <a:schemeClr val="tx1"/>
+            </a:solidFill>
+          </a:ln>
+        </p:spPr>
+        <p:txBody>
+          <a:bodyPr wrap="square">
+            <a:spAutoFit/>
+          </a:bodyPr>
+          <a:lstStyle/>
+          <a:p>
+            <a:pPr marR="0" lvl="0" algn="ctr" defTabSz="914400" rtl="0" eaLnBrk="1" fontAlgn="auto" latinLnBrk="1" hangingPunct="1">
+              <a:lnSpc>
+                <a:spcPct val="150000"/>
+              </a:lnSpc>
+              <a:spcBef>
+                <a:spcPts val="0"/>
+              </a:spcBef>
+              <a:spcAft>
+                <a:spcPts val="0"/>
+              </a:spcAft>
+              <a:buClrTx/>
+              <a:buSzTx/>
+              <a:tabLst/>
+              <a:defRPr/>
+            </a:pPr>
+            <a:r>
+              <a:rPr kumimoji="0" lang="en-US" altLang="ko-KR" sz="1400" b="1" i="0" u="none" strike="noStrike" kern="1200" cap="none" spc="0" normalizeH="0" baseline="0" noProof="0" dirty="0" err="1">
+                <a:ln>
+                  <a:noFill/>
+                </a:ln>
+                <a:effectLst/>
+                <a:uLnTx/>
+                <a:uFillTx/>
+                <a:latin typeface="12롯데마트드림Medium" panose="02020603020101020101" pitchFamily="18" charset="-127"/>
+                <a:ea typeface="12롯데마트드림Medium" panose="02020603020101020101" pitchFamily="18" charset="-127"/>
+              </a:rPr>
+              <a:t>RandomForestClassifier</a:t>
+            </a:r>
+            <a:r>
+              <a:rPr kumimoji="0" lang="en-US" altLang="ko-KR" sz="1400" b="1" i="0" u="none" strike="noStrike" kern="1200" cap="none" spc="0" normalizeH="0" baseline="0" noProof="0" dirty="0">
+                <a:ln>
+                  <a:noFill/>
+                </a:ln>
+                <a:effectLst/>
+                <a:uLnTx/>
+                <a:uFillTx/>
+                <a:latin typeface="12롯데마트드림Medium" panose="02020603020101020101" pitchFamily="18" charset="-127"/>
+                <a:ea typeface="12롯데마트드림Medium" panose="02020603020101020101" pitchFamily="18" charset="-127"/>
+              </a:rPr>
+              <a:t>(</a:t>
+            </a:r>
+            <a:r>
+              <a:rPr kumimoji="0" lang="en-US" altLang="ko-KR" sz="1400" b="1" i="0" u="none" strike="noStrike" kern="1200" cap="none" spc="0" normalizeH="0" baseline="0" noProof="0" dirty="0" err="1">
+                <a:ln>
+                  <a:noFill/>
+                </a:ln>
+                <a:effectLst/>
+                <a:highlight>
+                  <a:srgbClr val="FFFF00"/>
+                </a:highlight>
+                <a:uLnTx/>
+                <a:uFillTx/>
+                <a:latin typeface="12롯데마트드림Medium" panose="02020603020101020101" pitchFamily="18" charset="-127"/>
+                <a:ea typeface="12롯데마트드림Medium" panose="02020603020101020101" pitchFamily="18" charset="-127"/>
+              </a:rPr>
+              <a:t>n_estimators</a:t>
+            </a:r>
+            <a:r>
+              <a:rPr kumimoji="0" lang="en-US" altLang="ko-KR" sz="1400" b="1" i="0" u="none" strike="noStrike" kern="1200" cap="none" spc="0" normalizeH="0" baseline="0" noProof="0" dirty="0">
+                <a:ln>
+                  <a:noFill/>
+                </a:ln>
+                <a:effectLst/>
+                <a:uLnTx/>
+                <a:uFillTx/>
+                <a:latin typeface="12롯데마트드림Medium" panose="02020603020101020101" pitchFamily="18" charset="-127"/>
+                <a:ea typeface="12롯데마트드림Medium" panose="02020603020101020101" pitchFamily="18" charset="-127"/>
+              </a:rPr>
+              <a:t>=100, </a:t>
+            </a:r>
+            <a:r>
+              <a:rPr kumimoji="0" lang="en-US" altLang="ko-KR" sz="1400" b="1" i="0" u="none" strike="noStrike" kern="1200" cap="none" spc="0" normalizeH="0" baseline="0" noProof="0" dirty="0" err="1">
+                <a:ln>
+                  <a:noFill/>
+                </a:ln>
+                <a:effectLst/>
+                <a:highlight>
+                  <a:srgbClr val="FFFF00"/>
+                </a:highlight>
+                <a:uLnTx/>
+                <a:uFillTx/>
+                <a:latin typeface="12롯데마트드림Medium" panose="02020603020101020101" pitchFamily="18" charset="-127"/>
+                <a:ea typeface="12롯데마트드림Medium" panose="02020603020101020101" pitchFamily="18" charset="-127"/>
+              </a:rPr>
+              <a:t>max_depth</a:t>
+            </a:r>
+            <a:r>
+              <a:rPr kumimoji="0" lang="en-US" altLang="ko-KR" sz="1400" b="1" i="0" u="none" strike="noStrike" kern="1200" cap="none" spc="0" normalizeH="0" baseline="0" noProof="0" dirty="0">
+                <a:ln>
+                  <a:noFill/>
+                </a:ln>
+                <a:effectLst/>
+                <a:uLnTx/>
+                <a:uFillTx/>
+                <a:latin typeface="12롯데마트드림Medium" panose="02020603020101020101" pitchFamily="18" charset="-127"/>
+                <a:ea typeface="12롯데마트드림Medium" panose="02020603020101020101" pitchFamily="18" charset="-127"/>
+              </a:rPr>
+              <a:t>=None, </a:t>
+            </a:r>
+            <a:r>
+              <a:rPr kumimoji="0" lang="en-US" altLang="ko-KR" sz="1400" b="1" i="0" u="none" strike="noStrike" kern="1200" cap="none" spc="0" normalizeH="0" baseline="0" noProof="0" dirty="0" err="1">
+                <a:ln>
+                  <a:noFill/>
+                </a:ln>
+                <a:effectLst/>
+                <a:highlight>
+                  <a:srgbClr val="FFFF00"/>
+                </a:highlight>
+                <a:uLnTx/>
+                <a:uFillTx/>
+                <a:latin typeface="12롯데마트드림Medium" panose="02020603020101020101" pitchFamily="18" charset="-127"/>
+                <a:ea typeface="12롯데마트드림Medium" panose="02020603020101020101" pitchFamily="18" charset="-127"/>
+              </a:rPr>
+              <a:t>min_samples_split</a:t>
+            </a:r>
+            <a:r>
+              <a:rPr kumimoji="0" lang="en-US" altLang="ko-KR" sz="1400" b="1" i="0" u="none" strike="noStrike" kern="1200" cap="none" spc="0" normalizeH="0" baseline="0" noProof="0" dirty="0">
+                <a:ln>
+                  <a:noFill/>
+                </a:ln>
+                <a:effectLst/>
+                <a:uLnTx/>
+                <a:uFillTx/>
+                <a:latin typeface="12롯데마트드림Medium" panose="02020603020101020101" pitchFamily="18" charset="-127"/>
+                <a:ea typeface="12롯데마트드림Medium" panose="02020603020101020101" pitchFamily="18" charset="-127"/>
+              </a:rPr>
+              <a:t>=2, </a:t>
+            </a:r>
+            <a:r>
+              <a:rPr kumimoji="0" lang="en-US" altLang="ko-KR" sz="1400" b="1" i="0" u="none" strike="noStrike" kern="1200" cap="none" spc="0" normalizeH="0" baseline="0" noProof="0" dirty="0" err="1">
+                <a:ln>
+                  <a:noFill/>
+                </a:ln>
+                <a:effectLst/>
+                <a:highlight>
+                  <a:srgbClr val="FFFF00"/>
+                </a:highlight>
+                <a:uLnTx/>
+                <a:uFillTx/>
+                <a:latin typeface="12롯데마트드림Medium" panose="02020603020101020101" pitchFamily="18" charset="-127"/>
+                <a:ea typeface="12롯데마트드림Medium" panose="02020603020101020101" pitchFamily="18" charset="-127"/>
+              </a:rPr>
+              <a:t>min_samples_leaf</a:t>
+            </a:r>
+            <a:r>
+              <a:rPr kumimoji="0" lang="en-US" altLang="ko-KR" sz="1400" b="1" i="0" u="none" strike="noStrike" kern="1200" cap="none" spc="0" normalizeH="0" baseline="0" noProof="0" dirty="0">
+                <a:ln>
+                  <a:noFill/>
+                </a:ln>
+                <a:effectLst/>
+                <a:uLnTx/>
+                <a:uFillTx/>
+                <a:latin typeface="12롯데마트드림Medium" panose="02020603020101020101" pitchFamily="18" charset="-127"/>
+                <a:ea typeface="12롯데마트드림Medium" panose="02020603020101020101" pitchFamily="18" charset="-127"/>
+              </a:rPr>
+              <a:t>=1,)</a:t>
+            </a:r>
+          </a:p>
+        </p:txBody>
+      </p:sp>
+    </p:spTree>
+    <p:extLst>
+      <p:ext uri="{BB962C8B-B14F-4D97-AF65-F5344CB8AC3E}">
+        <p14:creationId xmlns:p14="http://schemas.microsoft.com/office/powerpoint/2010/main" val="2779397201"/>
+      </p:ext>
+    </p:extLst>
+  </p:cSld>
+  <p:clrMapOvr>
+    <a:masterClrMapping/>
+  </p:clrMapOvr>
+</p:sld>
+</file>
+
+<file path=ppt/slides/slide12.xml><?xml version="1.0" encoding="utf-8"?>
 <p:sld xmlns:a="http://schemas.openxmlformats.org/drawingml/2006/main" xmlns:r="http://schemas.openxmlformats.org/officeDocument/2006/relationships" xmlns:p="http://schemas.openxmlformats.org/presentationml/2006/main">
   <p:cSld>
     <p:spTree>
@@ -6046,6 +9032,35 @@
           </a:fontRef>
         </p:style>
       </p:cxnSp>
+      <p:sp>
+        <p:nvSpPr>
+          <p:cNvPr id="4" name="슬라이드 번호 개체 틀 3">
+            <a:extLst>
+              <a:ext uri="{FF2B5EF4-FFF2-40B4-BE49-F238E27FC236}">
+                <a16:creationId xmlns:a16="http://schemas.microsoft.com/office/drawing/2014/main" id="{DC7E6485-ACBA-D008-97CD-E36648B6A702}"/>
+              </a:ext>
+            </a:extLst>
+          </p:cNvPr>
+          <p:cNvSpPr>
+            <a:spLocks noGrp="1"/>
+          </p:cNvSpPr>
+          <p:nvPr>
+            <p:ph type="sldNum" sz="quarter" idx="12"/>
+          </p:nvPr>
+        </p:nvSpPr>
+        <p:spPr/>
+        <p:txBody>
+          <a:bodyPr/>
+          <a:lstStyle/>
+          <a:p>
+            <a:fld id="{377596EA-09B2-4F20-B22D-AC03DEA0B276}" type="slidenum">
+              <a:rPr lang="ko-KR" altLang="en-US" smtClean="0"/>
+              <a:t>11</a:t>
+            </a:fld>
+            <a:endParaRPr lang="ko-KR" altLang="en-US"/>
+          </a:p>
+        </p:txBody>
+      </p:sp>
     </p:spTree>
     <p:extLst>
       <p:ext uri="{BB962C8B-B14F-4D97-AF65-F5344CB8AC3E}">
@@ -6059,7 +9074,7 @@
 </p:sld>
 </file>
 
-<file path=ppt/slides/slide11.xml><?xml version="1.0" encoding="utf-8"?>
+<file path=ppt/slides/slide13.xml><?xml version="1.0" encoding="utf-8"?>
 <p:sld xmlns:a="http://schemas.openxmlformats.org/drawingml/2006/main" xmlns:r="http://schemas.openxmlformats.org/officeDocument/2006/relationships" xmlns:p="http://schemas.openxmlformats.org/presentationml/2006/main">
   <p:cSld>
     <p:spTree>
@@ -6150,6 +9165,35 @@
               <a:latin typeface="+mj-lt"/>
               <a:ea typeface="Noto Sans CJK KR Bold" panose="020B0800000000000000" pitchFamily="34" charset="-127"/>
             </a:endParaRPr>
+          </a:p>
+        </p:txBody>
+      </p:sp>
+      <p:sp>
+        <p:nvSpPr>
+          <p:cNvPr id="5" name="슬라이드 번호 개체 틀 4">
+            <a:extLst>
+              <a:ext uri="{FF2B5EF4-FFF2-40B4-BE49-F238E27FC236}">
+                <a16:creationId xmlns:a16="http://schemas.microsoft.com/office/drawing/2014/main" id="{2CA70B95-8BFD-E558-032B-15FCEA9A25A6}"/>
+              </a:ext>
+            </a:extLst>
+          </p:cNvPr>
+          <p:cNvSpPr>
+            <a:spLocks noGrp="1"/>
+          </p:cNvSpPr>
+          <p:nvPr>
+            <p:ph type="sldNum" sz="quarter" idx="12"/>
+          </p:nvPr>
+        </p:nvSpPr>
+        <p:spPr/>
+        <p:txBody>
+          <a:bodyPr/>
+          <a:lstStyle/>
+          <a:p>
+            <a:fld id="{377596EA-09B2-4F20-B22D-AC03DEA0B276}" type="slidenum">
+              <a:rPr lang="ko-KR" altLang="en-US" smtClean="0"/>
+              <a:t>12</a:t>
+            </a:fld>
+            <a:endParaRPr lang="ko-KR" altLang="en-US" dirty="0"/>
           </a:p>
         </p:txBody>
       </p:sp>
@@ -6303,7 +9347,7 @@
                 <a:latin typeface="12롯데마트드림Bold" panose="02020603020101020101" pitchFamily="18" charset="-127"/>
                 <a:ea typeface="12롯데마트드림Bold" panose="02020603020101020101" pitchFamily="18" charset="-127"/>
               </a:rPr>
-              <a:t>모델링 </a:t>
+              <a:t>모델 검증 </a:t>
             </a:r>
             <a:r>
               <a:rPr lang="en-US" altLang="ko-KR" sz="2400" dirty="0">
@@ -7520,6 +10564,35 @@
           </a:p>
         </p:txBody>
       </p:sp>
+      <p:sp>
+        <p:nvSpPr>
+          <p:cNvPr id="4" name="슬라이드 번호 개체 틀 3">
+            <a:extLst>
+              <a:ext uri="{FF2B5EF4-FFF2-40B4-BE49-F238E27FC236}">
+                <a16:creationId xmlns:a16="http://schemas.microsoft.com/office/drawing/2014/main" id="{1F6844BA-6719-8D6C-E63F-D168AEA8011F}"/>
+              </a:ext>
+            </a:extLst>
+          </p:cNvPr>
+          <p:cNvSpPr>
+            <a:spLocks noGrp="1"/>
+          </p:cNvSpPr>
+          <p:nvPr>
+            <p:ph type="sldNum" sz="quarter" idx="12"/>
+          </p:nvPr>
+        </p:nvSpPr>
+        <p:spPr/>
+        <p:txBody>
+          <a:bodyPr/>
+          <a:lstStyle/>
+          <a:p>
+            <a:fld id="{377596EA-09B2-4F20-B22D-AC03DEA0B276}" type="slidenum">
+              <a:rPr lang="ko-KR" altLang="en-US" smtClean="0"/>
+              <a:t>2</a:t>
+            </a:fld>
+            <a:endParaRPr lang="ko-KR" altLang="en-US" dirty="0"/>
+          </a:p>
+        </p:txBody>
+      </p:sp>
     </p:spTree>
     <p:extLst>
       <p:ext uri="{BB962C8B-B14F-4D97-AF65-F5344CB8AC3E}">
@@ -7579,7 +10652,7 @@
         </p:blipFill>
         <p:spPr bwMode="auto">
           <a:xfrm>
-            <a:off x="3194080" y="2815745"/>
+            <a:off x="3194080" y="3306402"/>
             <a:ext cx="6118830" cy="2023162"/>
           </a:xfrm>
           <a:prstGeom prst="rect">
@@ -7612,7 +10685,7 @@
         <p:spPr>
           <a:xfrm>
             <a:off x="1450269" y="1589894"/>
-            <a:ext cx="8983138" cy="858761"/>
+            <a:ext cx="8983138" cy="443263"/>
           </a:xfrm>
           <a:prstGeom prst="rect">
             <a:avLst/>
@@ -7645,7 +10718,7 @@
                 <a:latin typeface="12롯데마트드림Medium" panose="02020603020101020101" pitchFamily="18" charset="-127"/>
                 <a:ea typeface="12롯데마트드림Medium" panose="02020603020101020101" pitchFamily="18" charset="-127"/>
               </a:rPr>
-              <a:t>학습을 과하게 시켜 학습 데이터에선 최적의 결과를 내지만 새로운 데이터에 대해선 판단력이 부정확해지는 문제</a:t>
+              <a:t>학습 데이터에선 최적의 결과를 내지만 새로운 데이터에 대해선 판단력이 부정확해지는 문제</a:t>
             </a:r>
             <a:endParaRPr lang="en-US" altLang="ko-KR" dirty="0">
               <a:latin typeface="12롯데마트드림Medium" panose="02020603020101020101" pitchFamily="18" charset="-127"/>
@@ -7733,7 +10806,7 @@
         </p:nvSpPr>
         <p:spPr>
           <a:xfrm>
-            <a:off x="1450269" y="5205997"/>
+            <a:off x="1450269" y="5419927"/>
             <a:ext cx="8983138" cy="443263"/>
           </a:xfrm>
           <a:prstGeom prst="rect">
@@ -7767,7 +10840,168 @@
                 <a:latin typeface="12롯데마트드림Medium" panose="02020603020101020101" pitchFamily="18" charset="-127"/>
                 <a:ea typeface="12롯데마트드림Medium" panose="02020603020101020101" pitchFamily="18" charset="-127"/>
               </a:rPr>
-              <a:t>이를 해결하기 위해 모델 검증 과정을 거침</a:t>
+              <a:t>이를 해결하기 위해 학습 조기 종료</a:t>
+            </a:r>
+            <a:r>
+              <a:rPr lang="en-US" altLang="ko-KR" dirty="0">
+                <a:latin typeface="12롯데마트드림Medium" panose="02020603020101020101" pitchFamily="18" charset="-127"/>
+                <a:ea typeface="12롯데마트드림Medium" panose="02020603020101020101" pitchFamily="18" charset="-127"/>
+              </a:rPr>
+              <a:t>, </a:t>
+            </a:r>
+            <a:r>
+              <a:rPr lang="ko-KR" altLang="en-US" dirty="0">
+                <a:latin typeface="12롯데마트드림Medium" panose="02020603020101020101" pitchFamily="18" charset="-127"/>
+                <a:ea typeface="12롯데마트드림Medium" panose="02020603020101020101" pitchFamily="18" charset="-127"/>
+              </a:rPr>
+              <a:t>정규화</a:t>
+            </a:r>
+            <a:r>
+              <a:rPr lang="en-US" altLang="ko-KR" dirty="0">
+                <a:latin typeface="12롯데마트드림Medium" panose="02020603020101020101" pitchFamily="18" charset="-127"/>
+                <a:ea typeface="12롯데마트드림Medium" panose="02020603020101020101" pitchFamily="18" charset="-127"/>
+              </a:rPr>
+              <a:t>, </a:t>
+            </a:r>
+            <a:r>
+              <a:rPr lang="ko-KR" altLang="en-US" dirty="0">
+                <a:highlight>
+                  <a:srgbClr val="FFFF00"/>
+                </a:highlight>
+                <a:latin typeface="12롯데마트드림Medium" panose="02020603020101020101" pitchFamily="18" charset="-127"/>
+                <a:ea typeface="12롯데마트드림Medium" panose="02020603020101020101" pitchFamily="18" charset="-127"/>
+              </a:rPr>
+              <a:t>모델 검증</a:t>
+            </a:r>
+            <a:r>
+              <a:rPr lang="ko-KR" altLang="en-US" dirty="0">
+                <a:latin typeface="12롯데마트드림Medium" panose="02020603020101020101" pitchFamily="18" charset="-127"/>
+                <a:ea typeface="12롯데마트드림Medium" panose="02020603020101020101" pitchFamily="18" charset="-127"/>
+              </a:rPr>
+              <a:t> 등의 과정을 거침</a:t>
+            </a:r>
+            <a:endParaRPr lang="en-US" altLang="ko-KR" dirty="0">
+              <a:latin typeface="12롯데마트드림Medium" panose="02020603020101020101" pitchFamily="18" charset="-127"/>
+              <a:ea typeface="12롯데마트드림Medium" panose="02020603020101020101" pitchFamily="18" charset="-127"/>
+            </a:endParaRPr>
+          </a:p>
+        </p:txBody>
+      </p:sp>
+      <p:sp>
+        <p:nvSpPr>
+          <p:cNvPr id="6" name="슬라이드 번호 개체 틀 5">
+            <a:extLst>
+              <a:ext uri="{FF2B5EF4-FFF2-40B4-BE49-F238E27FC236}">
+                <a16:creationId xmlns:a16="http://schemas.microsoft.com/office/drawing/2014/main" id="{114FD493-3893-BC57-587C-603B374E87A8}"/>
+              </a:ext>
+            </a:extLst>
+          </p:cNvPr>
+          <p:cNvSpPr>
+            <a:spLocks noGrp="1"/>
+          </p:cNvSpPr>
+          <p:nvPr>
+            <p:ph type="sldNum" sz="quarter" idx="12"/>
+          </p:nvPr>
+        </p:nvSpPr>
+        <p:spPr/>
+        <p:txBody>
+          <a:bodyPr/>
+          <a:lstStyle/>
+          <a:p>
+            <a:fld id="{377596EA-09B2-4F20-B22D-AC03DEA0B276}" type="slidenum">
+              <a:rPr lang="ko-KR" altLang="en-US" smtClean="0"/>
+              <a:t>3</a:t>
+            </a:fld>
+            <a:endParaRPr lang="ko-KR" altLang="en-US"/>
+          </a:p>
+        </p:txBody>
+      </p:sp>
+      <p:sp>
+        <p:nvSpPr>
+          <p:cNvPr id="2" name="직사각형 1">
+            <a:extLst>
+              <a:ext uri="{FF2B5EF4-FFF2-40B4-BE49-F238E27FC236}">
+                <a16:creationId xmlns:a16="http://schemas.microsoft.com/office/drawing/2014/main" id="{E282A85C-0533-B7BF-2337-1F7FEDD108B4}"/>
+              </a:ext>
+            </a:extLst>
+          </p:cNvPr>
+          <p:cNvSpPr/>
+          <p:nvPr/>
+        </p:nvSpPr>
+        <p:spPr>
+          <a:xfrm>
+            <a:off x="1450269" y="2139564"/>
+            <a:ext cx="8983138" cy="858761"/>
+          </a:xfrm>
+          <a:prstGeom prst="rect">
+            <a:avLst/>
+          </a:prstGeom>
+          <a:noFill/>
+        </p:spPr>
+        <p:txBody>
+          <a:bodyPr wrap="square">
+            <a:spAutoFit/>
+          </a:bodyPr>
+          <a:lstStyle/>
+          <a:p>
+            <a:pPr marL="342900" marR="0" lvl="0" indent="-342900" defTabSz="914400" rtl="0" eaLnBrk="1" fontAlgn="auto" latinLnBrk="1" hangingPunct="1">
+              <a:lnSpc>
+                <a:spcPct val="150000"/>
+              </a:lnSpc>
+              <a:spcBef>
+                <a:spcPts val="0"/>
+              </a:spcBef>
+              <a:spcAft>
+                <a:spcPts val="0"/>
+              </a:spcAft>
+              <a:buClrTx/>
+              <a:buSzTx/>
+              <a:buAutoNum type="arabicParenR"/>
+              <a:tabLst/>
+              <a:defRPr/>
+            </a:pPr>
+            <a:r>
+              <a:rPr lang="en-US" altLang="ko-KR" dirty="0">
+                <a:latin typeface="12롯데마트드림Medium" panose="02020603020101020101" pitchFamily="18" charset="-127"/>
+                <a:ea typeface="12롯데마트드림Medium" panose="02020603020101020101" pitchFamily="18" charset="-127"/>
+              </a:rPr>
+              <a:t>train </a:t>
+            </a:r>
+            <a:r>
+              <a:rPr lang="ko-KR" altLang="en-US" dirty="0">
+                <a:latin typeface="12롯데마트드림Medium" panose="02020603020101020101" pitchFamily="18" charset="-127"/>
+                <a:ea typeface="12롯데마트드림Medium" panose="02020603020101020101" pitchFamily="18" charset="-127"/>
+              </a:rPr>
+              <a:t>데이터가 적은 경우</a:t>
+            </a:r>
+            <a:endParaRPr lang="en-US" altLang="ko-KR" dirty="0">
+              <a:latin typeface="12롯데마트드림Medium" panose="02020603020101020101" pitchFamily="18" charset="-127"/>
+              <a:ea typeface="12롯데마트드림Medium" panose="02020603020101020101" pitchFamily="18" charset="-127"/>
+            </a:endParaRPr>
+          </a:p>
+          <a:p>
+            <a:pPr marL="342900" marR="0" lvl="0" indent="-342900" defTabSz="914400" rtl="0" eaLnBrk="1" fontAlgn="auto" latinLnBrk="1" hangingPunct="1">
+              <a:lnSpc>
+                <a:spcPct val="150000"/>
+              </a:lnSpc>
+              <a:spcBef>
+                <a:spcPts val="0"/>
+              </a:spcBef>
+              <a:spcAft>
+                <a:spcPts val="0"/>
+              </a:spcAft>
+              <a:buClrTx/>
+              <a:buSzTx/>
+              <a:buAutoNum type="arabicParenR"/>
+              <a:tabLst/>
+              <a:defRPr/>
+            </a:pPr>
+            <a:r>
+              <a:rPr lang="ko-KR" altLang="en-US" dirty="0">
+                <a:latin typeface="12롯데마트드림Medium" panose="02020603020101020101" pitchFamily="18" charset="-127"/>
+                <a:ea typeface="12롯데마트드림Medium" panose="02020603020101020101" pitchFamily="18" charset="-127"/>
+              </a:rPr>
+              <a:t>데이터에 비해 과하게 복잡한 모델을 사용한 경우</a:t>
             </a:r>
             <a:endParaRPr lang="en-US" altLang="ko-KR" dirty="0">
               <a:latin typeface="12롯데마트드림Medium" panose="02020603020101020101" pitchFamily="18" charset="-127"/>
@@ -7779,7 +11013,7 @@
     </p:spTree>
     <p:extLst>
       <p:ext uri="{BB962C8B-B14F-4D97-AF65-F5344CB8AC3E}">
-        <p14:creationId xmlns:p14="http://schemas.microsoft.com/office/powerpoint/2010/main" val="2707322339"/>
+        <p14:creationId xmlns:p14="http://schemas.microsoft.com/office/powerpoint/2010/main" val="1401841489"/>
       </p:ext>
     </p:extLst>
   </p:cSld>
@@ -8192,11 +11426,11 @@
               <a:defRPr/>
             </a:pPr>
             <a:r>
-              <a:rPr lang="ko-KR" altLang="en-US" sz="1200">
-                <a:latin typeface="12롯데마트드림Medium" panose="02020603020101020101" pitchFamily="18" charset="-127"/>
-                <a:ea typeface="12롯데마트드림Medium" panose="02020603020101020101" pitchFamily="18" charset="-127"/>
-              </a:rPr>
-              <a:t>모델 학습 및 선택</a:t>
+              <a:rPr lang="ko-KR" altLang="en-US" sz="1200" dirty="0">
+                <a:latin typeface="12롯데마트드림Medium" panose="02020603020101020101" pitchFamily="18" charset="-127"/>
+                <a:ea typeface="12롯데마트드림Medium" panose="02020603020101020101" pitchFamily="18" charset="-127"/>
+              </a:rPr>
+              <a:t>모델 학습 및 검증</a:t>
             </a:r>
             <a:endParaRPr lang="en-US" altLang="ko-KR" sz="1200" dirty="0">
               <a:latin typeface="12롯데마트드림Medium" panose="02020603020101020101" pitchFamily="18" charset="-127"/>
@@ -8369,6 +11603,230 @@
               <a:latin typeface="12롯데마트드림Medium" panose="02020603020101020101" pitchFamily="18" charset="-127"/>
               <a:ea typeface="12롯데마트드림Medium" panose="02020603020101020101" pitchFamily="18" charset="-127"/>
             </a:endParaRPr>
+          </a:p>
+        </p:txBody>
+      </p:sp>
+      <p:sp>
+        <p:nvSpPr>
+          <p:cNvPr id="6" name="슬라이드 번호 개체 틀 5">
+            <a:extLst>
+              <a:ext uri="{FF2B5EF4-FFF2-40B4-BE49-F238E27FC236}">
+                <a16:creationId xmlns:a16="http://schemas.microsoft.com/office/drawing/2014/main" id="{BE9774AF-B901-0D92-4580-6F8C2C716F42}"/>
+              </a:ext>
+            </a:extLst>
+          </p:cNvPr>
+          <p:cNvSpPr>
+            <a:spLocks noGrp="1"/>
+          </p:cNvSpPr>
+          <p:nvPr>
+            <p:ph type="sldNum" sz="quarter" idx="12"/>
+          </p:nvPr>
+        </p:nvSpPr>
+        <p:spPr/>
+        <p:txBody>
+          <a:bodyPr/>
+          <a:lstStyle/>
+          <a:p>
+            <a:fld id="{377596EA-09B2-4F20-B22D-AC03DEA0B276}" type="slidenum">
+              <a:rPr lang="ko-KR" altLang="en-US" smtClean="0"/>
+              <a:t>4</a:t>
+            </a:fld>
+            <a:endParaRPr lang="ko-KR" altLang="en-US"/>
+          </a:p>
+        </p:txBody>
+      </p:sp>
+      <p:sp>
+        <p:nvSpPr>
+          <p:cNvPr id="4" name="TextBox 3">
+            <a:extLst>
+              <a:ext uri="{FF2B5EF4-FFF2-40B4-BE49-F238E27FC236}">
+                <a16:creationId xmlns:a16="http://schemas.microsoft.com/office/drawing/2014/main" id="{72BD88CC-9269-FD97-B361-C480CFFF60D5}"/>
+              </a:ext>
+            </a:extLst>
+          </p:cNvPr>
+          <p:cNvSpPr txBox="1"/>
+          <p:nvPr/>
+        </p:nvSpPr>
+        <p:spPr>
+          <a:xfrm>
+            <a:off x="7562821" y="2943718"/>
+            <a:ext cx="502208" cy="230832"/>
+          </a:xfrm>
+          <a:prstGeom prst="rect">
+            <a:avLst/>
+          </a:prstGeom>
+          <a:solidFill>
+            <a:srgbClr val="EAA7A7"/>
+          </a:solidFill>
+        </p:spPr>
+        <p:txBody>
+          <a:bodyPr wrap="square" rtlCol="0">
+            <a:spAutoFit/>
+          </a:bodyPr>
+          <a:lstStyle/>
+          <a:p>
+            <a:pPr algn="ctr"/>
+            <a:r>
+              <a:rPr lang="en-US" altLang="ko-KR" sz="900" dirty="0"/>
+              <a:t>Valid</a:t>
+            </a:r>
+            <a:endParaRPr lang="ko-KR" altLang="en-US" sz="900" dirty="0"/>
+          </a:p>
+        </p:txBody>
+      </p:sp>
+      <p:sp>
+        <p:nvSpPr>
+          <p:cNvPr id="5" name="TextBox 4">
+            <a:extLst>
+              <a:ext uri="{FF2B5EF4-FFF2-40B4-BE49-F238E27FC236}">
+                <a16:creationId xmlns:a16="http://schemas.microsoft.com/office/drawing/2014/main" id="{A70BAB51-6B6F-1CD2-47E0-F034CA686D1A}"/>
+              </a:ext>
+            </a:extLst>
+          </p:cNvPr>
+          <p:cNvSpPr txBox="1"/>
+          <p:nvPr/>
+        </p:nvSpPr>
+        <p:spPr>
+          <a:xfrm>
+            <a:off x="8192352" y="3529188"/>
+            <a:ext cx="502208" cy="230832"/>
+          </a:xfrm>
+          <a:prstGeom prst="rect">
+            <a:avLst/>
+          </a:prstGeom>
+          <a:solidFill>
+            <a:srgbClr val="EAA7A7"/>
+          </a:solidFill>
+        </p:spPr>
+        <p:txBody>
+          <a:bodyPr wrap="square" rtlCol="0">
+            <a:spAutoFit/>
+          </a:bodyPr>
+          <a:lstStyle/>
+          <a:p>
+            <a:pPr algn="ctr"/>
+            <a:r>
+              <a:rPr lang="en-US" altLang="ko-KR" sz="900" dirty="0"/>
+              <a:t>Valid</a:t>
+            </a:r>
+            <a:endParaRPr lang="ko-KR" altLang="en-US" sz="900" dirty="0"/>
+          </a:p>
+        </p:txBody>
+      </p:sp>
+      <p:sp>
+        <p:nvSpPr>
+          <p:cNvPr id="9" name="TextBox 8">
+            <a:extLst>
+              <a:ext uri="{FF2B5EF4-FFF2-40B4-BE49-F238E27FC236}">
+                <a16:creationId xmlns:a16="http://schemas.microsoft.com/office/drawing/2014/main" id="{251903BB-B7F0-1E03-7A37-E1AB8D880113}"/>
+              </a:ext>
+            </a:extLst>
+          </p:cNvPr>
+          <p:cNvSpPr txBox="1"/>
+          <p:nvPr/>
+        </p:nvSpPr>
+        <p:spPr>
+          <a:xfrm>
+            <a:off x="8832114" y="4097513"/>
+            <a:ext cx="502208" cy="230832"/>
+          </a:xfrm>
+          <a:prstGeom prst="rect">
+            <a:avLst/>
+          </a:prstGeom>
+          <a:solidFill>
+            <a:srgbClr val="EAA7A7"/>
+          </a:solidFill>
+        </p:spPr>
+        <p:txBody>
+          <a:bodyPr wrap="square" rtlCol="0">
+            <a:spAutoFit/>
+          </a:bodyPr>
+          <a:lstStyle/>
+          <a:p>
+            <a:pPr algn="ctr"/>
+            <a:r>
+              <a:rPr lang="en-US" altLang="ko-KR" sz="900" dirty="0"/>
+              <a:t>Valid</a:t>
+            </a:r>
+            <a:endParaRPr lang="ko-KR" altLang="en-US" sz="900" dirty="0"/>
+          </a:p>
+        </p:txBody>
+      </p:sp>
+      <p:sp>
+        <p:nvSpPr>
+          <p:cNvPr id="11" name="TextBox 10">
+            <a:extLst>
+              <a:ext uri="{FF2B5EF4-FFF2-40B4-BE49-F238E27FC236}">
+                <a16:creationId xmlns:a16="http://schemas.microsoft.com/office/drawing/2014/main" id="{E0104DDF-6850-5A06-3BCD-507AC1FD7C85}"/>
+              </a:ext>
+            </a:extLst>
+          </p:cNvPr>
+          <p:cNvSpPr txBox="1"/>
+          <p:nvPr/>
+        </p:nvSpPr>
+        <p:spPr>
+          <a:xfrm>
+            <a:off x="9465527" y="4675363"/>
+            <a:ext cx="502208" cy="230832"/>
+          </a:xfrm>
+          <a:prstGeom prst="rect">
+            <a:avLst/>
+          </a:prstGeom>
+          <a:solidFill>
+            <a:srgbClr val="EAA7A7"/>
+          </a:solidFill>
+        </p:spPr>
+        <p:txBody>
+          <a:bodyPr wrap="square" rtlCol="0">
+            <a:spAutoFit/>
+          </a:bodyPr>
+          <a:lstStyle/>
+          <a:p>
+            <a:pPr algn="ctr"/>
+            <a:r>
+              <a:rPr lang="en-US" altLang="ko-KR" sz="900" dirty="0"/>
+              <a:t>Valid</a:t>
+            </a:r>
+            <a:endParaRPr lang="ko-KR" altLang="en-US" sz="900" dirty="0"/>
+          </a:p>
+        </p:txBody>
+      </p:sp>
+      <p:sp>
+        <p:nvSpPr>
+          <p:cNvPr id="12" name="TextBox 11">
+            <a:extLst>
+              <a:ext uri="{FF2B5EF4-FFF2-40B4-BE49-F238E27FC236}">
+                <a16:creationId xmlns:a16="http://schemas.microsoft.com/office/drawing/2014/main" id="{3E319462-302B-AB7D-0B0E-54AA5E7AEB14}"/>
+              </a:ext>
+            </a:extLst>
+          </p:cNvPr>
+          <p:cNvSpPr txBox="1"/>
+          <p:nvPr/>
+        </p:nvSpPr>
+        <p:spPr>
+          <a:xfrm>
+            <a:off x="10091002" y="5251626"/>
+            <a:ext cx="502208" cy="230832"/>
+          </a:xfrm>
+          <a:prstGeom prst="rect">
+            <a:avLst/>
+          </a:prstGeom>
+          <a:solidFill>
+            <a:srgbClr val="EAA7A7"/>
+          </a:solidFill>
+        </p:spPr>
+        <p:txBody>
+          <a:bodyPr wrap="square" rtlCol="0">
+            <a:spAutoFit/>
+          </a:bodyPr>
+          <a:lstStyle/>
+          <a:p>
+            <a:pPr algn="ctr"/>
+            <a:r>
+              <a:rPr lang="en-US" altLang="ko-KR" sz="900" dirty="0"/>
+              <a:t>Valid</a:t>
+            </a:r>
+            <a:endParaRPr lang="ko-KR" altLang="en-US" sz="900" dirty="0"/>
           </a:p>
         </p:txBody>
       </p:sp>
@@ -8554,7 +12012,7 @@
           </p:cNvPicPr>
           <p:nvPr/>
         </p:nvPicPr>
-        <p:blipFill>
+        <p:blipFill rotWithShape="1">
           <a:blip r:embed="rId2">
             <a:extLst>
               <a:ext uri="{28A0092B-C50C-407E-A947-70E740481C1C}">
@@ -8562,15 +12020,13 @@
               </a:ext>
             </a:extLst>
           </a:blip>
-          <a:srcRect/>
-          <a:stretch>
-            <a:fillRect/>
-          </a:stretch>
+          <a:srcRect l="13937" r="12804"/>
+          <a:stretch/>
         </p:blipFill>
         <p:spPr bwMode="auto">
           <a:xfrm>
-            <a:off x="6096000" y="2402517"/>
-            <a:ext cx="5357368" cy="3348355"/>
+            <a:off x="7346023" y="1906937"/>
+            <a:ext cx="3924727" cy="3348355"/>
           </a:xfrm>
           <a:prstGeom prst="rect">
             <a:avLst/>
@@ -8601,8 +12057,8 @@
         </p:nvSpPr>
         <p:spPr>
           <a:xfrm>
-            <a:off x="1492670" y="3306934"/>
-            <a:ext cx="4770970" cy="1655133"/>
+            <a:off x="1492670" y="2803365"/>
+            <a:ext cx="5526662" cy="2209131"/>
           </a:xfrm>
           <a:prstGeom prst="rect">
             <a:avLst/>
@@ -8615,7 +12071,7 @@
           </a:bodyPr>
           <a:lstStyle/>
           <a:p>
-            <a:pPr marR="0" lvl="0" defTabSz="914400" rtl="0" eaLnBrk="1" fontAlgn="auto" latinLnBrk="1" hangingPunct="1">
+            <a:pPr marR="0" lvl="0" algn="just" defTabSz="914400" rtl="0" eaLnBrk="1" fontAlgn="auto" latinLnBrk="1" hangingPunct="1">
               <a:lnSpc>
                 <a:spcPct val="200000"/>
               </a:lnSpc>
@@ -8642,15 +12098,18 @@
                 <a:latin typeface="12롯데마트드림Medium" panose="02020603020101020101" pitchFamily="18" charset="-127"/>
                 <a:ea typeface="12롯데마트드림Medium" panose="02020603020101020101" pitchFamily="18" charset="-127"/>
               </a:rPr>
-              <a:t>의 경우 데이터 셋을 일정한 간격으로 분할</a:t>
-            </a:r>
-            <a:endParaRPr lang="en-US" altLang="ko-KR" dirty="0">
-              <a:latin typeface="12롯데마트드림Medium" panose="02020603020101020101" pitchFamily="18" charset="-127"/>
-              <a:ea typeface="12롯데마트드림Medium" panose="02020603020101020101" pitchFamily="18" charset="-127"/>
-            </a:endParaRPr>
-          </a:p>
-          <a:p>
-            <a:pPr marR="0" lvl="0" defTabSz="914400" rtl="0" eaLnBrk="1" fontAlgn="auto" latinLnBrk="1" hangingPunct="1">
+              <a:t>의 경우 데이터 셋을 일정한 간격으로 분할할 때</a:t>
+            </a:r>
+            <a:r>
+              <a:rPr lang="en-US" altLang="ko-KR" dirty="0">
+                <a:latin typeface="12롯데마트드림Medium" panose="02020603020101020101" pitchFamily="18" charset="-127"/>
+                <a:ea typeface="12롯데마트드림Medium" panose="02020603020101020101" pitchFamily="18" charset="-127"/>
+              </a:rPr>
+              <a:t>, </a:t>
+            </a:r>
+          </a:p>
+          <a:p>
+            <a:pPr marR="0" lvl="0" algn="just" defTabSz="914400" rtl="0" eaLnBrk="1" fontAlgn="auto" latinLnBrk="1" hangingPunct="1">
               <a:lnSpc>
                 <a:spcPct val="200000"/>
               </a:lnSpc>
@@ -8670,7 +12129,7 @@
                 <a:latin typeface="12롯데마트드림Medium" panose="02020603020101020101" pitchFamily="18" charset="-127"/>
                 <a:ea typeface="12롯데마트드림Medium" panose="02020603020101020101" pitchFamily="18" charset="-127"/>
               </a:rPr>
-              <a:t>불균형한 데이터가 될 수 있음</a:t>
+              <a:t>  불균형한 데이터가 될 수 있음</a:t>
             </a:r>
             <a:r>
               <a:rPr lang="en-US" altLang="ko-KR" dirty="0">
@@ -8681,7 +12140,7 @@
             </a:r>
           </a:p>
           <a:p>
-            <a:pPr marR="0" lvl="0" defTabSz="914400" rtl="0" eaLnBrk="1" fontAlgn="auto" latinLnBrk="1" hangingPunct="1">
+            <a:pPr marR="0" lvl="0" algn="just" defTabSz="914400" rtl="0" eaLnBrk="1" fontAlgn="auto" latinLnBrk="1" hangingPunct="1">
               <a:lnSpc>
                 <a:spcPct val="200000"/>
               </a:lnSpc>
@@ -8696,31 +12155,81 @@
               <a:tabLst/>
               <a:defRPr/>
             </a:pPr>
-            <a:r>
-              <a:rPr lang="ko-KR" altLang="en-US" dirty="0">
-                <a:latin typeface="12롯데마트드림Medium" panose="02020603020101020101" pitchFamily="18" charset="-127"/>
-                <a:ea typeface="12롯데마트드림Medium" panose="02020603020101020101" pitchFamily="18" charset="-127"/>
-              </a:rPr>
-              <a:t>계층화</a:t>
-            </a:r>
-            <a:r>
-              <a:rPr lang="en-US" altLang="ko-KR" dirty="0">
-                <a:latin typeface="12롯데마트드림Medium" panose="02020603020101020101" pitchFamily="18" charset="-127"/>
-                <a:ea typeface="12롯데마트드림Medium" panose="02020603020101020101" pitchFamily="18" charset="-127"/>
-              </a:rPr>
-              <a:t>(Stratified)</a:t>
-            </a:r>
-            <a:r>
-              <a:rPr lang="ko-KR" altLang="en-US" dirty="0">
-                <a:latin typeface="12롯데마트드림Medium" panose="02020603020101020101" pitchFamily="18" charset="-127"/>
-                <a:ea typeface="12롯데마트드림Medium" panose="02020603020101020101" pitchFamily="18" charset="-127"/>
-              </a:rPr>
-              <a:t>된 분할로 해결</a:t>
-            </a:r>
             <a:endParaRPr lang="en-US" altLang="ko-KR" dirty="0">
               <a:latin typeface="12롯데마트드림Medium" panose="02020603020101020101" pitchFamily="18" charset="-127"/>
               <a:ea typeface="12롯데마트드림Medium" panose="02020603020101020101" pitchFamily="18" charset="-127"/>
             </a:endParaRPr>
+          </a:p>
+          <a:p>
+            <a:pPr marR="0" lvl="0" algn="just" defTabSz="914400" rtl="0" eaLnBrk="1" fontAlgn="auto" latinLnBrk="1" hangingPunct="1">
+              <a:lnSpc>
+                <a:spcPct val="200000"/>
+              </a:lnSpc>
+              <a:spcBef>
+                <a:spcPts val="0"/>
+              </a:spcBef>
+              <a:spcAft>
+                <a:spcPts val="0"/>
+              </a:spcAft>
+              <a:buClrTx/>
+              <a:buSzTx/>
+              <a:tabLst/>
+              <a:defRPr/>
+            </a:pPr>
+            <a:r>
+              <a:rPr lang="ko-KR" altLang="en-US" dirty="0">
+                <a:latin typeface="12롯데마트드림Medium" panose="02020603020101020101" pitchFamily="18" charset="-127"/>
+                <a:ea typeface="12롯데마트드림Medium" panose="02020603020101020101" pitchFamily="18" charset="-127"/>
+              </a:rPr>
+              <a:t>계층화</a:t>
+            </a:r>
+            <a:r>
+              <a:rPr lang="en-US" altLang="ko-KR" dirty="0">
+                <a:latin typeface="12롯데마트드림Medium" panose="02020603020101020101" pitchFamily="18" charset="-127"/>
+                <a:ea typeface="12롯데마트드림Medium" panose="02020603020101020101" pitchFamily="18" charset="-127"/>
+              </a:rPr>
+              <a:t>(Stratified)</a:t>
+            </a:r>
+            <a:r>
+              <a:rPr lang="ko-KR" altLang="en-US" dirty="0">
+                <a:latin typeface="12롯데마트드림Medium" panose="02020603020101020101" pitchFamily="18" charset="-127"/>
+                <a:ea typeface="12롯데마트드림Medium" panose="02020603020101020101" pitchFamily="18" charset="-127"/>
+              </a:rPr>
+              <a:t>된 분할로 해결</a:t>
+            </a:r>
+            <a:endParaRPr lang="en-US" altLang="ko-KR" dirty="0">
+              <a:latin typeface="12롯데마트드림Medium" panose="02020603020101020101" pitchFamily="18" charset="-127"/>
+              <a:ea typeface="12롯데마트드림Medium" panose="02020603020101020101" pitchFamily="18" charset="-127"/>
+            </a:endParaRPr>
+          </a:p>
+        </p:txBody>
+      </p:sp>
+      <p:sp>
+        <p:nvSpPr>
+          <p:cNvPr id="3" name="슬라이드 번호 개체 틀 2">
+            <a:extLst>
+              <a:ext uri="{FF2B5EF4-FFF2-40B4-BE49-F238E27FC236}">
+                <a16:creationId xmlns:a16="http://schemas.microsoft.com/office/drawing/2014/main" id="{085842EE-661B-D9DE-2DCB-C0661E816835}"/>
+              </a:ext>
+            </a:extLst>
+          </p:cNvPr>
+          <p:cNvSpPr>
+            <a:spLocks noGrp="1"/>
+          </p:cNvSpPr>
+          <p:nvPr>
+            <p:ph type="sldNum" sz="quarter" idx="12"/>
+          </p:nvPr>
+        </p:nvSpPr>
+        <p:spPr/>
+        <p:txBody>
+          <a:bodyPr/>
+          <a:lstStyle/>
+          <a:p>
+            <a:fld id="{377596EA-09B2-4F20-B22D-AC03DEA0B276}" type="slidenum">
+              <a:rPr lang="ko-KR" altLang="en-US" smtClean="0"/>
+              <a:t>5</a:t>
+            </a:fld>
+            <a:endParaRPr lang="ko-KR" altLang="en-US"/>
           </a:p>
         </p:txBody>
       </p:sp>
@@ -9153,6 +12662,35 @@
           </a:p>
         </p:txBody>
       </p:sp>
+      <p:sp>
+        <p:nvSpPr>
+          <p:cNvPr id="5" name="슬라이드 번호 개체 틀 4">
+            <a:extLst>
+              <a:ext uri="{FF2B5EF4-FFF2-40B4-BE49-F238E27FC236}">
+                <a16:creationId xmlns:a16="http://schemas.microsoft.com/office/drawing/2014/main" id="{0DC23E59-B81B-9D4F-CB90-096ED5A40896}"/>
+              </a:ext>
+            </a:extLst>
+          </p:cNvPr>
+          <p:cNvSpPr>
+            <a:spLocks noGrp="1"/>
+          </p:cNvSpPr>
+          <p:nvPr>
+            <p:ph type="sldNum" sz="quarter" idx="12"/>
+          </p:nvPr>
+        </p:nvSpPr>
+        <p:spPr/>
+        <p:txBody>
+          <a:bodyPr/>
+          <a:lstStyle/>
+          <a:p>
+            <a:fld id="{377596EA-09B2-4F20-B22D-AC03DEA0B276}" type="slidenum">
+              <a:rPr lang="ko-KR" altLang="en-US" smtClean="0"/>
+              <a:t>6</a:t>
+            </a:fld>
+            <a:endParaRPr lang="ko-KR" altLang="en-US"/>
+          </a:p>
+        </p:txBody>
+      </p:sp>
     </p:spTree>
     <p:extLst>
       <p:ext uri="{BB962C8B-B14F-4D97-AF65-F5344CB8AC3E}">
@@ -9183,216 +12721,53 @@
           <a:chExt cx="0" cy="0"/>
         </a:xfrm>
       </p:grpSpPr>
-      <p:sp>
-        <p:nvSpPr>
-          <p:cNvPr id="7" name="직사각형 6"/>
-          <p:cNvSpPr/>
+      <p:pic>
+        <p:nvPicPr>
+          <p:cNvPr id="1036" name="Picture 12">
+            <a:extLst>
+              <a:ext uri="{FF2B5EF4-FFF2-40B4-BE49-F238E27FC236}">
+                <a16:creationId xmlns:a16="http://schemas.microsoft.com/office/drawing/2014/main" id="{91559BAF-AF70-69D9-E238-74784FB5272B}"/>
+              </a:ext>
+            </a:extLst>
+          </p:cNvPr>
+          <p:cNvPicPr>
+            <a:picLocks noChangeAspect="1" noChangeArrowheads="1"/>
+          </p:cNvPicPr>
           <p:nvPr/>
-        </p:nvSpPr>
-        <p:spPr>
+        </p:nvPicPr>
+        <p:blipFill>
+          <a:blip r:embed="rId2">
+            <a:extLst>
+              <a:ext uri="{28A0092B-C50C-407E-A947-70E740481C1C}">
+                <a14:useLocalDpi xmlns:a14="http://schemas.microsoft.com/office/drawing/2010/main" val="0"/>
+              </a:ext>
+            </a:extLst>
+          </a:blip>
+          <a:srcRect/>
+          <a:stretch>
+            <a:fillRect/>
+          </a:stretch>
+        </p:blipFill>
+        <p:spPr bwMode="auto">
           <a:xfrm>
-            <a:off x="1450269" y="1956638"/>
-            <a:ext cx="8983138" cy="1689758"/>
+            <a:off x="8874760" y="3131981"/>
+            <a:ext cx="2339220" cy="905176"/>
           </a:xfrm>
           <a:prstGeom prst="rect">
             <a:avLst/>
           </a:prstGeom>
           <a:noFill/>
+          <a:extLst>
+            <a:ext uri="{909E8E84-426E-40DD-AFC4-6F175D3DCCD1}">
+              <a14:hiddenFill xmlns:a14="http://schemas.microsoft.com/office/drawing/2010/main">
+                <a:solidFill>
+                  <a:srgbClr val="FFFFFF"/>
+                </a:solidFill>
+              </a14:hiddenFill>
+            </a:ext>
+          </a:extLst>
         </p:spPr>
-        <p:txBody>
-          <a:bodyPr wrap="square">
-            <a:spAutoFit/>
-          </a:bodyPr>
-          <a:lstStyle/>
-          <a:p>
-            <a:pPr marR="0" lvl="0" defTabSz="914400" rtl="0" eaLnBrk="1" fontAlgn="auto" latinLnBrk="1" hangingPunct="1">
-              <a:lnSpc>
-                <a:spcPct val="150000"/>
-              </a:lnSpc>
-              <a:spcBef>
-                <a:spcPts val="0"/>
-              </a:spcBef>
-              <a:spcAft>
-                <a:spcPts val="0"/>
-              </a:spcAft>
-              <a:buClrTx/>
-              <a:buSzTx/>
-              <a:tabLst/>
-              <a:defRPr/>
-            </a:pPr>
-            <a:r>
-              <a:rPr kumimoji="0" lang="ko-KR" altLang="en-US" b="1" i="0" u="none" strike="noStrike" kern="1200" cap="none" spc="0" normalizeH="0" baseline="0" noProof="0" dirty="0" err="1">
-                <a:ln>
-                  <a:noFill/>
-                </a:ln>
-                <a:effectLst/>
-                <a:uLnTx/>
-                <a:uFillTx/>
-                <a:latin typeface="12롯데마트드림Medium" panose="02020603020101020101" pitchFamily="18" charset="-127"/>
-                <a:ea typeface="12롯데마트드림Medium" panose="02020603020101020101" pitchFamily="18" charset="-127"/>
-              </a:rPr>
-              <a:t>하이퍼파라미터</a:t>
-            </a:r>
-            <a:r>
-              <a:rPr kumimoji="0" lang="ko-KR" altLang="en-US" i="0" u="none" strike="noStrike" kern="1200" cap="none" spc="0" normalizeH="0" baseline="0" noProof="0" dirty="0">
-                <a:ln>
-                  <a:noFill/>
-                </a:ln>
-                <a:effectLst/>
-                <a:uLnTx/>
-                <a:uFillTx/>
-                <a:latin typeface="12롯데마트드림Medium" panose="02020603020101020101" pitchFamily="18" charset="-127"/>
-                <a:ea typeface="12롯데마트드림Medium" panose="02020603020101020101" pitchFamily="18" charset="-127"/>
-              </a:rPr>
-              <a:t> </a:t>
-            </a:r>
-            <a:r>
-              <a:rPr kumimoji="0" lang="en-US" altLang="ko-KR" i="0" u="none" strike="noStrike" kern="1200" cap="none" spc="0" normalizeH="0" baseline="0" noProof="0" dirty="0">
-                <a:ln>
-                  <a:noFill/>
-                </a:ln>
-                <a:effectLst/>
-                <a:uLnTx/>
-                <a:uFillTx/>
-                <a:latin typeface="12롯데마트드림Medium" panose="02020603020101020101" pitchFamily="18" charset="-127"/>
-                <a:ea typeface="12롯데마트드림Medium" panose="02020603020101020101" pitchFamily="18" charset="-127"/>
-              </a:rPr>
-              <a:t>:</a:t>
-            </a:r>
-            <a:r>
-              <a:rPr kumimoji="0" lang="ko-KR" altLang="en-US" i="0" u="none" strike="noStrike" kern="1200" cap="none" spc="0" normalizeH="0" baseline="0" noProof="0" dirty="0">
-                <a:ln>
-                  <a:noFill/>
-                </a:ln>
-                <a:effectLst/>
-                <a:uLnTx/>
-                <a:uFillTx/>
-                <a:latin typeface="12롯데마트드림Medium" panose="02020603020101020101" pitchFamily="18" charset="-127"/>
-                <a:ea typeface="12롯데마트드림Medium" panose="02020603020101020101" pitchFamily="18" charset="-127"/>
-              </a:rPr>
-              <a:t> 모델링에서 사용자가 직접 세팅해주는 값</a:t>
-            </a:r>
-            <a:endParaRPr kumimoji="0" lang="en-US" altLang="ko-KR" i="0" u="none" strike="noStrike" kern="1200" cap="none" spc="0" normalizeH="0" baseline="0" noProof="0" dirty="0">
-              <a:ln>
-                <a:noFill/>
-              </a:ln>
-              <a:effectLst/>
-              <a:uLnTx/>
-              <a:uFillTx/>
-              <a:latin typeface="12롯데마트드림Medium" panose="02020603020101020101" pitchFamily="18" charset="-127"/>
-              <a:ea typeface="12롯데마트드림Medium" panose="02020603020101020101" pitchFamily="18" charset="-127"/>
-            </a:endParaRPr>
-          </a:p>
-          <a:p>
-            <a:pPr marR="0" lvl="0" defTabSz="914400" rtl="0" eaLnBrk="1" fontAlgn="auto" latinLnBrk="1" hangingPunct="1">
-              <a:lnSpc>
-                <a:spcPct val="150000"/>
-              </a:lnSpc>
-              <a:spcBef>
-                <a:spcPts val="0"/>
-              </a:spcBef>
-              <a:spcAft>
-                <a:spcPts val="0"/>
-              </a:spcAft>
-              <a:buClrTx/>
-              <a:buSzTx/>
-              <a:tabLst/>
-              <a:defRPr/>
-            </a:pPr>
-            <a:endParaRPr kumimoji="0" lang="en-US" altLang="ko-KR" i="0" u="none" strike="noStrike" kern="1200" cap="none" spc="0" normalizeH="0" baseline="0" noProof="0" dirty="0">
-              <a:ln>
-                <a:noFill/>
-              </a:ln>
-              <a:effectLst/>
-              <a:uLnTx/>
-              <a:uFillTx/>
-              <a:latin typeface="12롯데마트드림Medium" panose="02020603020101020101" pitchFamily="18" charset="-127"/>
-              <a:ea typeface="12롯데마트드림Medium" panose="02020603020101020101" pitchFamily="18" charset="-127"/>
-            </a:endParaRPr>
-          </a:p>
-          <a:p>
-            <a:pPr marR="0" lvl="0" defTabSz="914400" rtl="0" eaLnBrk="1" fontAlgn="auto" latinLnBrk="1" hangingPunct="1">
-              <a:lnSpc>
-                <a:spcPct val="150000"/>
-              </a:lnSpc>
-              <a:spcBef>
-                <a:spcPts val="0"/>
-              </a:spcBef>
-              <a:spcAft>
-                <a:spcPts val="0"/>
-              </a:spcAft>
-              <a:buClrTx/>
-              <a:buSzTx/>
-              <a:tabLst/>
-              <a:defRPr/>
-            </a:pPr>
-            <a:r>
-              <a:rPr kumimoji="0" lang="ko-KR" altLang="en-US" i="0" u="none" strike="noStrike" kern="1200" cap="none" spc="0" normalizeH="0" baseline="0" noProof="0" dirty="0" err="1">
-                <a:ln>
-                  <a:noFill/>
-                </a:ln>
-                <a:effectLst/>
-                <a:uLnTx/>
-                <a:uFillTx/>
-                <a:latin typeface="12롯데마트드림Medium" panose="02020603020101020101" pitchFamily="18" charset="-127"/>
-                <a:ea typeface="12롯데마트드림Medium" panose="02020603020101020101" pitchFamily="18" charset="-127"/>
-              </a:rPr>
-              <a:t>머신러닝</a:t>
-            </a:r>
-            <a:r>
-              <a:rPr kumimoji="0" lang="ko-KR" altLang="en-US" i="0" u="none" strike="noStrike" kern="1200" cap="none" spc="0" normalizeH="0" baseline="0" noProof="0" dirty="0">
-                <a:ln>
-                  <a:noFill/>
-                </a:ln>
-                <a:effectLst/>
-                <a:uLnTx/>
-                <a:uFillTx/>
-                <a:latin typeface="12롯데마트드림Medium" panose="02020603020101020101" pitchFamily="18" charset="-127"/>
-                <a:ea typeface="12롯데마트드림Medium" panose="02020603020101020101" pitchFamily="18" charset="-127"/>
-              </a:rPr>
-              <a:t> 모델을 쓸 때 사용자가 직접 세팅해야 하는 값은 상당히 많다</a:t>
-            </a:r>
-            <a:r>
-              <a:rPr lang="en-US" altLang="ko-KR" dirty="0">
-                <a:latin typeface="12롯데마트드림Medium" panose="02020603020101020101" pitchFamily="18" charset="-127"/>
-                <a:ea typeface="12롯데마트드림Medium" panose="02020603020101020101" pitchFamily="18" charset="-127"/>
-              </a:rPr>
-              <a:t>.</a:t>
-            </a:r>
-            <a:endParaRPr kumimoji="0" lang="en-US" altLang="ko-KR" i="0" u="none" strike="noStrike" kern="1200" cap="none" spc="0" normalizeH="0" baseline="0" noProof="0" dirty="0">
-              <a:ln>
-                <a:noFill/>
-              </a:ln>
-              <a:effectLst/>
-              <a:uLnTx/>
-              <a:uFillTx/>
-              <a:latin typeface="12롯데마트드림Medium" panose="02020603020101020101" pitchFamily="18" charset="-127"/>
-              <a:ea typeface="12롯데마트드림Medium" panose="02020603020101020101" pitchFamily="18" charset="-127"/>
-            </a:endParaRPr>
-          </a:p>
-          <a:p>
-            <a:pPr marR="0" lvl="0" defTabSz="914400" rtl="0" eaLnBrk="1" fontAlgn="auto" latinLnBrk="1" hangingPunct="1">
-              <a:lnSpc>
-                <a:spcPct val="150000"/>
-              </a:lnSpc>
-              <a:spcBef>
-                <a:spcPts val="0"/>
-              </a:spcBef>
-              <a:spcAft>
-                <a:spcPts val="0"/>
-              </a:spcAft>
-              <a:buClrTx/>
-              <a:buSzTx/>
-              <a:tabLst/>
-              <a:defRPr/>
-            </a:pPr>
-            <a:endParaRPr lang="en-US" altLang="ko-KR" dirty="0">
-              <a:latin typeface="12롯데마트드림Medium" panose="02020603020101020101" pitchFamily="18" charset="-127"/>
-              <a:ea typeface="12롯데마트드림Medium" panose="02020603020101020101" pitchFamily="18" charset="-127"/>
-            </a:endParaRPr>
-          </a:p>
-        </p:txBody>
-      </p:sp>
+      </p:pic>
       <p:sp>
         <p:nvSpPr>
           <p:cNvPr id="12" name="직사각형 11"/>
@@ -9433,30 +12808,11 @@
               <a:defRPr/>
             </a:pPr>
             <a:r>
-              <a:rPr kumimoji="0" lang="ko-KR" altLang="en-US" sz="2400" b="0" i="0" u="none" strike="noStrike" kern="1200" cap="none" spc="0" normalizeH="0" baseline="0" noProof="0" dirty="0" err="1">
-                <a:ln>
-                  <a:noFill/>
-                </a:ln>
-                <a:effectLst/>
-                <a:uLnTx/>
-                <a:uFillTx/>
+              <a:rPr lang="ko-KR" altLang="en-US" sz="2400" dirty="0">
                 <a:latin typeface="12롯데마트드림Bold" panose="02020603020101020101" pitchFamily="18" charset="-127"/>
                 <a:ea typeface="12롯데마트드림Bold" panose="02020603020101020101" pitchFamily="18" charset="-127"/>
               </a:rPr>
-              <a:t>하이퍼파라미터</a:t>
-            </a:r>
-            <a:r>
-              <a:rPr kumimoji="0" lang="ko-KR" altLang="en-US" sz="2400" b="0" i="0" u="none" strike="noStrike" kern="1200" cap="none" spc="0" normalizeH="0" baseline="0" noProof="0" dirty="0">
-                <a:ln>
-                  <a:noFill/>
-                </a:ln>
-                <a:effectLst/>
-                <a:uLnTx/>
-                <a:uFillTx/>
-                <a:latin typeface="12롯데마트드림Bold" panose="02020603020101020101" pitchFamily="18" charset="-127"/>
-                <a:ea typeface="12롯데마트드림Bold" panose="02020603020101020101" pitchFamily="18" charset="-127"/>
-              </a:rPr>
-              <a:t> 최적화</a:t>
+              <a:t>모델 성능 평가</a:t>
             </a:r>
             <a:endParaRPr kumimoji="0" lang="en-US" altLang="ko-KR" sz="2400" b="0" i="0" u="none" strike="noStrike" kern="1200" cap="none" spc="0" normalizeH="0" baseline="0" noProof="0" dirty="0">
               <a:ln>
@@ -9473,10 +12829,10 @@
       </p:sp>
       <p:sp>
         <p:nvSpPr>
-          <p:cNvPr id="5" name="TextBox 4">
+          <p:cNvPr id="11" name="TextBox 10">
             <a:extLst>
               <a:ext uri="{FF2B5EF4-FFF2-40B4-BE49-F238E27FC236}">
-                <a16:creationId xmlns:a16="http://schemas.microsoft.com/office/drawing/2014/main" id="{E025B14A-2479-4CD4-38E0-4A8C7F1576AC}"/>
+                <a16:creationId xmlns:a16="http://schemas.microsoft.com/office/drawing/2014/main" id="{47EBCAFB-0A16-017D-A808-8BC8AE63EDC6}"/>
               </a:ext>
             </a:extLst>
           </p:cNvPr>
@@ -9485,8 +12841,165 @@
         </p:nvSpPr>
         <p:spPr>
           <a:xfrm>
-            <a:off x="1450269" y="4273002"/>
-            <a:ext cx="9693868" cy="1334853"/>
+            <a:off x="1707121" y="2483842"/>
+            <a:ext cx="6095759" cy="2308324"/>
+          </a:xfrm>
+          <a:prstGeom prst="rect">
+            <a:avLst/>
+          </a:prstGeom>
+          <a:noFill/>
+        </p:spPr>
+        <p:txBody>
+          <a:bodyPr wrap="square">
+            <a:spAutoFit/>
+          </a:bodyPr>
+          <a:lstStyle/>
+          <a:p>
+            <a:r>
+              <a:rPr lang="ko-KR" altLang="en-US" sz="1600" dirty="0">
+                <a:latin typeface="12롯데마트드림Medium" panose="02020603020101020101" pitchFamily="18" charset="-127"/>
+                <a:ea typeface="12롯데마트드림Medium" panose="02020603020101020101" pitchFamily="18" charset="-127"/>
+              </a:rPr>
+              <a:t>결정계수</a:t>
+            </a:r>
+            <a:r>
+              <a:rPr lang="en-US" altLang="ko-KR" sz="1600" dirty="0">
+                <a:latin typeface="12롯데마트드림Medium" panose="02020603020101020101" pitchFamily="18" charset="-127"/>
+                <a:ea typeface="12롯데마트드림Medium" panose="02020603020101020101" pitchFamily="18" charset="-127"/>
+              </a:rPr>
+              <a:t>(R^2) : </a:t>
+            </a:r>
+            <a:r>
+              <a:rPr lang="ko-KR" altLang="en-US" sz="1600" dirty="0">
+                <a:latin typeface="12롯데마트드림Medium" panose="02020603020101020101" pitchFamily="18" charset="-127"/>
+                <a:ea typeface="12롯데마트드림Medium" panose="02020603020101020101" pitchFamily="18" charset="-127"/>
+              </a:rPr>
+              <a:t>전체 분산 중</a:t>
+            </a:r>
+            <a:r>
+              <a:rPr lang="en-US" altLang="ko-KR" sz="1600" dirty="0">
+                <a:latin typeface="12롯데마트드림Medium" panose="02020603020101020101" pitchFamily="18" charset="-127"/>
+                <a:ea typeface="12롯데마트드림Medium" panose="02020603020101020101" pitchFamily="18" charset="-127"/>
+              </a:rPr>
+              <a:t>,</a:t>
+            </a:r>
+            <a:r>
+              <a:rPr lang="ko-KR" altLang="en-US" sz="1600" dirty="0">
+                <a:latin typeface="12롯데마트드림Medium" panose="02020603020101020101" pitchFamily="18" charset="-127"/>
+                <a:ea typeface="12롯데마트드림Medium" panose="02020603020101020101" pitchFamily="18" charset="-127"/>
+              </a:rPr>
+              <a:t> 모델로 설명 가능한 분산의 비율</a:t>
+            </a:r>
+            <a:endParaRPr lang="en-US" altLang="ko-KR" sz="1600" dirty="0">
+              <a:latin typeface="12롯데마트드림Medium" panose="02020603020101020101" pitchFamily="18" charset="-127"/>
+              <a:ea typeface="12롯데마트드림Medium" panose="02020603020101020101" pitchFamily="18" charset="-127"/>
+            </a:endParaRPr>
+          </a:p>
+          <a:p>
+            <a:endParaRPr lang="en-US" altLang="ko-KR" sz="1600" dirty="0">
+              <a:latin typeface="12롯데마트드림Medium" panose="02020603020101020101" pitchFamily="18" charset="-127"/>
+              <a:ea typeface="12롯데마트드림Medium" panose="02020603020101020101" pitchFamily="18" charset="-127"/>
+            </a:endParaRPr>
+          </a:p>
+          <a:p>
+            <a:endParaRPr lang="en-US" altLang="ko-KR" sz="1600" dirty="0">
+              <a:latin typeface="12롯데마트드림Medium" panose="02020603020101020101" pitchFamily="18" charset="-127"/>
+              <a:ea typeface="12롯데마트드림Medium" panose="02020603020101020101" pitchFamily="18" charset="-127"/>
+            </a:endParaRPr>
+          </a:p>
+          <a:p>
+            <a:endParaRPr lang="en-US" altLang="ko-KR" sz="1600" dirty="0">
+              <a:latin typeface="12롯데마트드림Medium" panose="02020603020101020101" pitchFamily="18" charset="-127"/>
+              <a:ea typeface="12롯데마트드림Medium" panose="02020603020101020101" pitchFamily="18" charset="-127"/>
+            </a:endParaRPr>
+          </a:p>
+          <a:p>
+            <a:r>
+              <a:rPr lang="en-US" altLang="ko-KR" sz="1600" dirty="0">
+                <a:latin typeface="12롯데마트드림Medium" panose="02020603020101020101" pitchFamily="18" charset="-127"/>
+                <a:ea typeface="12롯데마트드림Medium" panose="02020603020101020101" pitchFamily="18" charset="-127"/>
+              </a:rPr>
+              <a:t>MSE : </a:t>
+            </a:r>
+            <a:r>
+              <a:rPr lang="ko-KR" altLang="en-US" sz="1600" dirty="0">
+                <a:latin typeface="12롯데마트드림Medium" panose="02020603020101020101" pitchFamily="18" charset="-127"/>
+                <a:ea typeface="12롯데마트드림Medium" panose="02020603020101020101" pitchFamily="18" charset="-127"/>
+              </a:rPr>
+              <a:t>가장 일반적인 회귀 모델 지표</a:t>
+            </a:r>
+            <a:r>
+              <a:rPr lang="en-US" altLang="ko-KR" sz="1600" dirty="0">
+                <a:latin typeface="12롯데마트드림Medium" panose="02020603020101020101" pitchFamily="18" charset="-127"/>
+                <a:ea typeface="12롯데마트드림Medium" panose="02020603020101020101" pitchFamily="18" charset="-127"/>
+              </a:rPr>
+              <a:t>,  </a:t>
+            </a:r>
+            <a:r>
+              <a:rPr lang="ko-KR" altLang="en-US" sz="1600" dirty="0">
+                <a:latin typeface="12롯데마트드림Medium" panose="02020603020101020101" pitchFamily="18" charset="-127"/>
+                <a:ea typeface="12롯데마트드림Medium" panose="02020603020101020101" pitchFamily="18" charset="-127"/>
+              </a:rPr>
+              <a:t>평균 제곱 오차</a:t>
+            </a:r>
+            <a:endParaRPr lang="en-US" altLang="ko-KR" sz="1600" dirty="0">
+              <a:latin typeface="12롯데마트드림Medium" panose="02020603020101020101" pitchFamily="18" charset="-127"/>
+              <a:ea typeface="12롯데마트드림Medium" panose="02020603020101020101" pitchFamily="18" charset="-127"/>
+            </a:endParaRPr>
+          </a:p>
+          <a:p>
+            <a:endParaRPr lang="en-US" altLang="ko-KR" sz="1600" dirty="0">
+              <a:latin typeface="12롯데마트드림Medium" panose="02020603020101020101" pitchFamily="18" charset="-127"/>
+              <a:ea typeface="12롯데마트드림Medium" panose="02020603020101020101" pitchFamily="18" charset="-127"/>
+            </a:endParaRPr>
+          </a:p>
+          <a:p>
+            <a:endParaRPr lang="en-US" altLang="ko-KR" sz="1600" dirty="0">
+              <a:latin typeface="12롯데마트드림Medium" panose="02020603020101020101" pitchFamily="18" charset="-127"/>
+              <a:ea typeface="12롯데마트드림Medium" panose="02020603020101020101" pitchFamily="18" charset="-127"/>
+            </a:endParaRPr>
+          </a:p>
+          <a:p>
+            <a:endParaRPr lang="en-US" altLang="ko-KR" sz="1600" dirty="0">
+              <a:latin typeface="12롯데마트드림Medium" panose="02020603020101020101" pitchFamily="18" charset="-127"/>
+              <a:ea typeface="12롯데마트드림Medium" panose="02020603020101020101" pitchFamily="18" charset="-127"/>
+            </a:endParaRPr>
+          </a:p>
+          <a:p>
+            <a:r>
+              <a:rPr lang="en-US" altLang="ko-KR" sz="1600" dirty="0">
+                <a:latin typeface="12롯데마트드림Medium" panose="02020603020101020101" pitchFamily="18" charset="-127"/>
+                <a:ea typeface="12롯데마트드림Medium" panose="02020603020101020101" pitchFamily="18" charset="-127"/>
+              </a:rPr>
+              <a:t>MAE : </a:t>
+            </a:r>
+            <a:r>
+              <a:rPr lang="ko-KR" altLang="en-US" sz="1600" dirty="0">
+                <a:latin typeface="12롯데마트드림Medium" panose="02020603020101020101" pitchFamily="18" charset="-127"/>
+                <a:ea typeface="12롯데마트드림Medium" panose="02020603020101020101" pitchFamily="18" charset="-127"/>
+              </a:rPr>
+              <a:t>평균 절대 오차</a:t>
+            </a:r>
+            <a:endParaRPr lang="ko-KR" altLang="en-US" sz="1600" dirty="0"/>
+          </a:p>
+        </p:txBody>
+      </p:sp>
+      <p:sp>
+        <p:nvSpPr>
+          <p:cNvPr id="9" name="직사각형 8">
+            <a:extLst>
+              <a:ext uri="{FF2B5EF4-FFF2-40B4-BE49-F238E27FC236}">
+                <a16:creationId xmlns:a16="http://schemas.microsoft.com/office/drawing/2014/main" id="{DEA7CEEE-E89B-13A5-C0B2-D59F5FA13504}"/>
+              </a:ext>
+            </a:extLst>
+          </p:cNvPr>
+          <p:cNvSpPr/>
+          <p:nvPr/>
+        </p:nvSpPr>
+        <p:spPr>
+          <a:xfrm>
+            <a:off x="1497807" y="1685306"/>
+            <a:ext cx="5649809" cy="443263"/>
           </a:xfrm>
           <a:prstGeom prst="rect">
             <a:avLst/>
@@ -9515,469 +13028,359 @@
               <a:defRPr/>
             </a:pPr>
             <a:r>
-              <a:rPr kumimoji="0" lang="en-US" altLang="ko-KR" sz="1400" b="1" i="0" u="none" strike="noStrike" kern="1200" cap="none" spc="0" normalizeH="0" baseline="0" noProof="0" dirty="0" err="1">
-                <a:ln>
-                  <a:noFill/>
-                </a:ln>
-                <a:effectLst/>
-                <a:uLnTx/>
-                <a:uFillTx/>
-                <a:latin typeface="12롯데마트드림Medium" panose="02020603020101020101" pitchFamily="18" charset="-127"/>
-                <a:ea typeface="12롯데마트드림Medium" panose="02020603020101020101" pitchFamily="18" charset="-127"/>
-              </a:rPr>
-              <a:t>RandomForestClassifier</a:t>
-            </a:r>
-            <a:r>
-              <a:rPr kumimoji="0" lang="en-US" altLang="ko-KR" sz="1400" b="1" i="0" u="none" strike="noStrike" kern="1200" cap="none" spc="0" normalizeH="0" baseline="0" noProof="0" dirty="0">
-                <a:ln>
-                  <a:noFill/>
-                </a:ln>
-                <a:effectLst/>
-                <a:uLnTx/>
-                <a:uFillTx/>
-                <a:latin typeface="12롯데마트드림Medium" panose="02020603020101020101" pitchFamily="18" charset="-127"/>
-                <a:ea typeface="12롯데마트드림Medium" panose="02020603020101020101" pitchFamily="18" charset="-127"/>
-              </a:rPr>
-              <a:t>(</a:t>
-            </a:r>
-            <a:r>
-              <a:rPr kumimoji="0" lang="en-US" altLang="ko-KR" sz="1400" b="1" i="0" u="none" strike="noStrike" kern="1200" cap="none" spc="0" normalizeH="0" baseline="0" noProof="0" dirty="0" err="1">
-                <a:ln>
-                  <a:noFill/>
-                </a:ln>
-                <a:effectLst/>
-                <a:highlight>
-                  <a:srgbClr val="FFFF00"/>
-                </a:highlight>
-                <a:uLnTx/>
-                <a:uFillTx/>
-                <a:latin typeface="12롯데마트드림Medium" panose="02020603020101020101" pitchFamily="18" charset="-127"/>
-                <a:ea typeface="12롯데마트드림Medium" panose="02020603020101020101" pitchFamily="18" charset="-127"/>
-              </a:rPr>
-              <a:t>n_estimators</a:t>
-            </a:r>
-            <a:r>
-              <a:rPr kumimoji="0" lang="en-US" altLang="ko-KR" sz="1400" b="1" i="0" u="none" strike="noStrike" kern="1200" cap="none" spc="0" normalizeH="0" baseline="0" noProof="0" dirty="0">
-                <a:ln>
-                  <a:noFill/>
-                </a:ln>
-                <a:effectLst/>
-                <a:uLnTx/>
-                <a:uFillTx/>
-                <a:latin typeface="12롯데마트드림Medium" panose="02020603020101020101" pitchFamily="18" charset="-127"/>
-                <a:ea typeface="12롯데마트드림Medium" panose="02020603020101020101" pitchFamily="18" charset="-127"/>
-              </a:rPr>
-              <a:t>=100, *, criterion='</a:t>
-            </a:r>
-            <a:r>
-              <a:rPr kumimoji="0" lang="en-US" altLang="ko-KR" sz="1400" b="1" i="0" u="none" strike="noStrike" kern="1200" cap="none" spc="0" normalizeH="0" baseline="0" noProof="0" dirty="0" err="1">
-                <a:ln>
-                  <a:noFill/>
-                </a:ln>
-                <a:effectLst/>
-                <a:uLnTx/>
-                <a:uFillTx/>
-                <a:latin typeface="12롯데마트드림Medium" panose="02020603020101020101" pitchFamily="18" charset="-127"/>
-                <a:ea typeface="12롯데마트드림Medium" panose="02020603020101020101" pitchFamily="18" charset="-127"/>
-              </a:rPr>
-              <a:t>gini</a:t>
-            </a:r>
-            <a:r>
-              <a:rPr kumimoji="0" lang="en-US" altLang="ko-KR" sz="1400" b="1" i="0" u="none" strike="noStrike" kern="1200" cap="none" spc="0" normalizeH="0" baseline="0" noProof="0" dirty="0">
-                <a:ln>
-                  <a:noFill/>
-                </a:ln>
-                <a:effectLst/>
-                <a:uLnTx/>
-                <a:uFillTx/>
-                <a:latin typeface="12롯데마트드림Medium" panose="02020603020101020101" pitchFamily="18" charset="-127"/>
-                <a:ea typeface="12롯데마트드림Medium" panose="02020603020101020101" pitchFamily="18" charset="-127"/>
-              </a:rPr>
-              <a:t>', </a:t>
-            </a:r>
-            <a:r>
-              <a:rPr kumimoji="0" lang="en-US" altLang="ko-KR" sz="1400" b="1" i="0" u="none" strike="noStrike" kern="1200" cap="none" spc="0" normalizeH="0" baseline="0" noProof="0" dirty="0" err="1">
-                <a:ln>
-                  <a:noFill/>
-                </a:ln>
-                <a:effectLst/>
-                <a:highlight>
-                  <a:srgbClr val="FFFF00"/>
-                </a:highlight>
-                <a:uLnTx/>
-                <a:uFillTx/>
-                <a:latin typeface="12롯데마트드림Medium" panose="02020603020101020101" pitchFamily="18" charset="-127"/>
-                <a:ea typeface="12롯데마트드림Medium" panose="02020603020101020101" pitchFamily="18" charset="-127"/>
-              </a:rPr>
-              <a:t>max_depth</a:t>
-            </a:r>
-            <a:r>
-              <a:rPr kumimoji="0" lang="en-US" altLang="ko-KR" sz="1400" b="1" i="0" u="none" strike="noStrike" kern="1200" cap="none" spc="0" normalizeH="0" baseline="0" noProof="0" dirty="0">
-                <a:ln>
-                  <a:noFill/>
-                </a:ln>
-                <a:effectLst/>
-                <a:uLnTx/>
-                <a:uFillTx/>
-                <a:latin typeface="12롯데마트드림Medium" panose="02020603020101020101" pitchFamily="18" charset="-127"/>
-                <a:ea typeface="12롯데마트드림Medium" panose="02020603020101020101" pitchFamily="18" charset="-127"/>
-              </a:rPr>
-              <a:t>=None, </a:t>
-            </a:r>
-            <a:r>
-              <a:rPr kumimoji="0" lang="en-US" altLang="ko-KR" sz="1400" b="1" i="0" u="none" strike="noStrike" kern="1200" cap="none" spc="0" normalizeH="0" baseline="0" noProof="0" dirty="0" err="1">
-                <a:ln>
-                  <a:noFill/>
-                </a:ln>
-                <a:effectLst/>
-                <a:highlight>
-                  <a:srgbClr val="FFFF00"/>
-                </a:highlight>
-                <a:uLnTx/>
-                <a:uFillTx/>
-                <a:latin typeface="12롯데마트드림Medium" panose="02020603020101020101" pitchFamily="18" charset="-127"/>
-                <a:ea typeface="12롯데마트드림Medium" panose="02020603020101020101" pitchFamily="18" charset="-127"/>
-              </a:rPr>
-              <a:t>min_samples_split</a:t>
-            </a:r>
-            <a:r>
-              <a:rPr kumimoji="0" lang="en-US" altLang="ko-KR" sz="1400" b="1" i="0" u="none" strike="noStrike" kern="1200" cap="none" spc="0" normalizeH="0" baseline="0" noProof="0" dirty="0">
-                <a:ln>
-                  <a:noFill/>
-                </a:ln>
-                <a:effectLst/>
-                <a:uLnTx/>
-                <a:uFillTx/>
-                <a:latin typeface="12롯데마트드림Medium" panose="02020603020101020101" pitchFamily="18" charset="-127"/>
-                <a:ea typeface="12롯데마트드림Medium" panose="02020603020101020101" pitchFamily="18" charset="-127"/>
-              </a:rPr>
-              <a:t>=2, </a:t>
-            </a:r>
-            <a:r>
-              <a:rPr kumimoji="0" lang="en-US" altLang="ko-KR" sz="1400" b="1" i="0" u="none" strike="noStrike" kern="1200" cap="none" spc="0" normalizeH="0" baseline="0" noProof="0" dirty="0" err="1">
-                <a:ln>
-                  <a:noFill/>
-                </a:ln>
-                <a:effectLst/>
-                <a:highlight>
-                  <a:srgbClr val="FFFF00"/>
-                </a:highlight>
-                <a:uLnTx/>
-                <a:uFillTx/>
-                <a:latin typeface="12롯데마트드림Medium" panose="02020603020101020101" pitchFamily="18" charset="-127"/>
-                <a:ea typeface="12롯데마트드림Medium" panose="02020603020101020101" pitchFamily="18" charset="-127"/>
-              </a:rPr>
-              <a:t>min_samples_leaf</a:t>
-            </a:r>
-            <a:r>
-              <a:rPr kumimoji="0" lang="en-US" altLang="ko-KR" sz="1400" b="1" i="0" u="none" strike="noStrike" kern="1200" cap="none" spc="0" normalizeH="0" baseline="0" noProof="0" dirty="0">
-                <a:ln>
-                  <a:noFill/>
-                </a:ln>
-                <a:effectLst/>
-                <a:uLnTx/>
-                <a:uFillTx/>
-                <a:latin typeface="12롯데마트드림Medium" panose="02020603020101020101" pitchFamily="18" charset="-127"/>
-                <a:ea typeface="12롯데마트드림Medium" panose="02020603020101020101" pitchFamily="18" charset="-127"/>
-              </a:rPr>
-              <a:t>=1, </a:t>
-            </a:r>
-            <a:r>
-              <a:rPr kumimoji="0" lang="en-US" altLang="ko-KR" sz="1400" b="1" i="0" u="none" strike="noStrike" kern="1200" cap="none" spc="0" normalizeH="0" baseline="0" noProof="0" dirty="0" err="1">
-                <a:ln>
-                  <a:noFill/>
-                </a:ln>
-                <a:effectLst/>
-                <a:uLnTx/>
-                <a:uFillTx/>
-                <a:latin typeface="12롯데마트드림Medium" panose="02020603020101020101" pitchFamily="18" charset="-127"/>
-                <a:ea typeface="12롯데마트드림Medium" panose="02020603020101020101" pitchFamily="18" charset="-127"/>
-              </a:rPr>
-              <a:t>min_weight_fraction_leaf</a:t>
-            </a:r>
-            <a:r>
-              <a:rPr kumimoji="0" lang="en-US" altLang="ko-KR" sz="1400" b="1" i="0" u="none" strike="noStrike" kern="1200" cap="none" spc="0" normalizeH="0" baseline="0" noProof="0" dirty="0">
-                <a:ln>
-                  <a:noFill/>
-                </a:ln>
-                <a:effectLst/>
-                <a:uLnTx/>
-                <a:uFillTx/>
-                <a:latin typeface="12롯데마트드림Medium" panose="02020603020101020101" pitchFamily="18" charset="-127"/>
-                <a:ea typeface="12롯데마트드림Medium" panose="02020603020101020101" pitchFamily="18" charset="-127"/>
-              </a:rPr>
-              <a:t>=0.0, </a:t>
-            </a:r>
-            <a:r>
-              <a:rPr kumimoji="0" lang="en-US" altLang="ko-KR" sz="1400" b="1" i="0" u="none" strike="noStrike" kern="1200" cap="none" spc="0" normalizeH="0" baseline="0" noProof="0" dirty="0" err="1">
-                <a:ln>
-                  <a:noFill/>
-                </a:ln>
-                <a:effectLst/>
-                <a:uLnTx/>
-                <a:uFillTx/>
-                <a:latin typeface="12롯데마트드림Medium" panose="02020603020101020101" pitchFamily="18" charset="-127"/>
-                <a:ea typeface="12롯데마트드림Medium" panose="02020603020101020101" pitchFamily="18" charset="-127"/>
-              </a:rPr>
-              <a:t>max_features</a:t>
-            </a:r>
-            <a:r>
-              <a:rPr kumimoji="0" lang="en-US" altLang="ko-KR" sz="1400" b="1" i="0" u="none" strike="noStrike" kern="1200" cap="none" spc="0" normalizeH="0" baseline="0" noProof="0" dirty="0">
-                <a:ln>
-                  <a:noFill/>
-                </a:ln>
-                <a:effectLst/>
-                <a:uLnTx/>
-                <a:uFillTx/>
-                <a:latin typeface="12롯데마트드림Medium" panose="02020603020101020101" pitchFamily="18" charset="-127"/>
-                <a:ea typeface="12롯데마트드림Medium" panose="02020603020101020101" pitchFamily="18" charset="-127"/>
-              </a:rPr>
-              <a:t>='sqrt', </a:t>
-            </a:r>
-            <a:r>
-              <a:rPr kumimoji="0" lang="en-US" altLang="ko-KR" sz="1400" b="1" i="0" u="none" strike="noStrike" kern="1200" cap="none" spc="0" normalizeH="0" baseline="0" noProof="0" dirty="0" err="1">
-                <a:ln>
-                  <a:noFill/>
-                </a:ln>
-                <a:effectLst/>
-                <a:uLnTx/>
-                <a:uFillTx/>
-                <a:latin typeface="12롯데마트드림Medium" panose="02020603020101020101" pitchFamily="18" charset="-127"/>
-                <a:ea typeface="12롯데마트드림Medium" panose="02020603020101020101" pitchFamily="18" charset="-127"/>
-              </a:rPr>
-              <a:t>max_leaf_nodes</a:t>
-            </a:r>
-            <a:r>
-              <a:rPr kumimoji="0" lang="en-US" altLang="ko-KR" sz="1400" b="1" i="0" u="none" strike="noStrike" kern="1200" cap="none" spc="0" normalizeH="0" baseline="0" noProof="0" dirty="0">
-                <a:ln>
-                  <a:noFill/>
-                </a:ln>
-                <a:effectLst/>
-                <a:uLnTx/>
-                <a:uFillTx/>
-                <a:latin typeface="12롯데마트드림Medium" panose="02020603020101020101" pitchFamily="18" charset="-127"/>
-                <a:ea typeface="12롯데마트드림Medium" panose="02020603020101020101" pitchFamily="18" charset="-127"/>
-              </a:rPr>
-              <a:t>=None, </a:t>
-            </a:r>
-            <a:r>
-              <a:rPr kumimoji="0" lang="en-US" altLang="ko-KR" sz="1400" b="1" i="0" u="none" strike="noStrike" kern="1200" cap="none" spc="0" normalizeH="0" baseline="0" noProof="0" dirty="0" err="1">
-                <a:ln>
-                  <a:noFill/>
-                </a:ln>
-                <a:effectLst/>
-                <a:uLnTx/>
-                <a:uFillTx/>
-                <a:latin typeface="12롯데마트드림Medium" panose="02020603020101020101" pitchFamily="18" charset="-127"/>
-                <a:ea typeface="12롯데마트드림Medium" panose="02020603020101020101" pitchFamily="18" charset="-127"/>
-              </a:rPr>
-              <a:t>min_impurity_decrease</a:t>
-            </a:r>
-            <a:r>
-              <a:rPr kumimoji="0" lang="en-US" altLang="ko-KR" sz="1400" b="1" i="0" u="none" strike="noStrike" kern="1200" cap="none" spc="0" normalizeH="0" baseline="0" noProof="0" dirty="0">
-                <a:ln>
-                  <a:noFill/>
-                </a:ln>
-                <a:effectLst/>
-                <a:uLnTx/>
-                <a:uFillTx/>
-                <a:latin typeface="12롯데마트드림Medium" panose="02020603020101020101" pitchFamily="18" charset="-127"/>
-                <a:ea typeface="12롯데마트드림Medium" panose="02020603020101020101" pitchFamily="18" charset="-127"/>
-              </a:rPr>
-              <a:t>=0.0, bootstrap=True, </a:t>
-            </a:r>
-            <a:r>
-              <a:rPr kumimoji="0" lang="en-US" altLang="ko-KR" sz="1400" b="1" i="0" u="none" strike="noStrike" kern="1200" cap="none" spc="0" normalizeH="0" baseline="0" noProof="0" dirty="0" err="1">
-                <a:ln>
-                  <a:noFill/>
-                </a:ln>
-                <a:effectLst/>
-                <a:uLnTx/>
-                <a:uFillTx/>
-                <a:latin typeface="12롯데마트드림Medium" panose="02020603020101020101" pitchFamily="18" charset="-127"/>
-                <a:ea typeface="12롯데마트드림Medium" panose="02020603020101020101" pitchFamily="18" charset="-127"/>
-              </a:rPr>
-              <a:t>oob_score</a:t>
-            </a:r>
-            <a:r>
-              <a:rPr kumimoji="0" lang="en-US" altLang="ko-KR" sz="1400" b="1" i="0" u="none" strike="noStrike" kern="1200" cap="none" spc="0" normalizeH="0" baseline="0" noProof="0" dirty="0">
-                <a:ln>
-                  <a:noFill/>
-                </a:ln>
-                <a:effectLst/>
-                <a:uLnTx/>
-                <a:uFillTx/>
-                <a:latin typeface="12롯데마트드림Medium" panose="02020603020101020101" pitchFamily="18" charset="-127"/>
-                <a:ea typeface="12롯데마트드림Medium" panose="02020603020101020101" pitchFamily="18" charset="-127"/>
-              </a:rPr>
-              <a:t>=False, </a:t>
-            </a:r>
-            <a:r>
-              <a:rPr kumimoji="0" lang="en-US" altLang="ko-KR" sz="1400" b="1" i="0" u="none" strike="noStrike" kern="1200" cap="none" spc="0" normalizeH="0" baseline="0" noProof="0" dirty="0" err="1">
-                <a:ln>
-                  <a:noFill/>
-                </a:ln>
-                <a:effectLst/>
-                <a:uLnTx/>
-                <a:uFillTx/>
-                <a:latin typeface="12롯데마트드림Medium" panose="02020603020101020101" pitchFamily="18" charset="-127"/>
-                <a:ea typeface="12롯데마트드림Medium" panose="02020603020101020101" pitchFamily="18" charset="-127"/>
-              </a:rPr>
-              <a:t>n_jobs</a:t>
-            </a:r>
-            <a:r>
-              <a:rPr kumimoji="0" lang="en-US" altLang="ko-KR" sz="1400" b="1" i="0" u="none" strike="noStrike" kern="1200" cap="none" spc="0" normalizeH="0" baseline="0" noProof="0" dirty="0">
-                <a:ln>
-                  <a:noFill/>
-                </a:ln>
-                <a:effectLst/>
-                <a:uLnTx/>
-                <a:uFillTx/>
-                <a:latin typeface="12롯데마트드림Medium" panose="02020603020101020101" pitchFamily="18" charset="-127"/>
-                <a:ea typeface="12롯데마트드림Medium" panose="02020603020101020101" pitchFamily="18" charset="-127"/>
-              </a:rPr>
-              <a:t>=None, </a:t>
-            </a:r>
-            <a:r>
-              <a:rPr kumimoji="0" lang="en-US" altLang="ko-KR" sz="1400" b="1" i="0" u="none" strike="noStrike" kern="1200" cap="none" spc="0" normalizeH="0" baseline="0" noProof="0" dirty="0" err="1">
-                <a:ln>
-                  <a:noFill/>
-                </a:ln>
-                <a:effectLst/>
-                <a:highlight>
-                  <a:srgbClr val="FFFF00"/>
-                </a:highlight>
-                <a:uLnTx/>
-                <a:uFillTx/>
-                <a:latin typeface="12롯데마트드림Medium" panose="02020603020101020101" pitchFamily="18" charset="-127"/>
-                <a:ea typeface="12롯데마트드림Medium" panose="02020603020101020101" pitchFamily="18" charset="-127"/>
-              </a:rPr>
-              <a:t>random_state</a:t>
-            </a:r>
-            <a:r>
-              <a:rPr kumimoji="0" lang="en-US" altLang="ko-KR" sz="1400" b="1" i="0" u="none" strike="noStrike" kern="1200" cap="none" spc="0" normalizeH="0" baseline="0" noProof="0" dirty="0">
-                <a:ln>
-                  <a:noFill/>
-                </a:ln>
-                <a:effectLst/>
-                <a:uLnTx/>
-                <a:uFillTx/>
-                <a:latin typeface="12롯데마트드림Medium" panose="02020603020101020101" pitchFamily="18" charset="-127"/>
-                <a:ea typeface="12롯데마트드림Medium" panose="02020603020101020101" pitchFamily="18" charset="-127"/>
-              </a:rPr>
-              <a:t>=None, verbose=0, </a:t>
-            </a:r>
-            <a:r>
-              <a:rPr kumimoji="0" lang="en-US" altLang="ko-KR" sz="1400" b="1" i="0" u="none" strike="noStrike" kern="1200" cap="none" spc="0" normalizeH="0" baseline="0" noProof="0" dirty="0" err="1">
-                <a:ln>
-                  <a:noFill/>
-                </a:ln>
-                <a:effectLst/>
-                <a:uLnTx/>
-                <a:uFillTx/>
-                <a:latin typeface="12롯데마트드림Medium" panose="02020603020101020101" pitchFamily="18" charset="-127"/>
-                <a:ea typeface="12롯데마트드림Medium" panose="02020603020101020101" pitchFamily="18" charset="-127"/>
-              </a:rPr>
-              <a:t>warm_start</a:t>
-            </a:r>
-            <a:r>
-              <a:rPr kumimoji="0" lang="en-US" altLang="ko-KR" sz="1400" b="1" i="0" u="none" strike="noStrike" kern="1200" cap="none" spc="0" normalizeH="0" baseline="0" noProof="0" dirty="0">
-                <a:ln>
-                  <a:noFill/>
-                </a:ln>
-                <a:effectLst/>
-                <a:uLnTx/>
-                <a:uFillTx/>
-                <a:latin typeface="12롯데마트드림Medium" panose="02020603020101020101" pitchFamily="18" charset="-127"/>
-                <a:ea typeface="12롯데마트드림Medium" panose="02020603020101020101" pitchFamily="18" charset="-127"/>
-              </a:rPr>
-              <a:t>=False, </a:t>
-            </a:r>
-            <a:r>
-              <a:rPr kumimoji="0" lang="en-US" altLang="ko-KR" sz="1400" b="1" i="0" u="none" strike="noStrike" kern="1200" cap="none" spc="0" normalizeH="0" baseline="0" noProof="0" dirty="0" err="1">
-                <a:ln>
-                  <a:noFill/>
-                </a:ln>
-                <a:effectLst/>
-                <a:uLnTx/>
-                <a:uFillTx/>
-                <a:latin typeface="12롯데마트드림Medium" panose="02020603020101020101" pitchFamily="18" charset="-127"/>
-                <a:ea typeface="12롯데마트드림Medium" panose="02020603020101020101" pitchFamily="18" charset="-127"/>
-              </a:rPr>
-              <a:t>class_weight</a:t>
-            </a:r>
-            <a:r>
-              <a:rPr kumimoji="0" lang="en-US" altLang="ko-KR" sz="1400" b="1" i="0" u="none" strike="noStrike" kern="1200" cap="none" spc="0" normalizeH="0" baseline="0" noProof="0" dirty="0">
-                <a:ln>
-                  <a:noFill/>
-                </a:ln>
-                <a:effectLst/>
-                <a:uLnTx/>
-                <a:uFillTx/>
-                <a:latin typeface="12롯데마트드림Medium" panose="02020603020101020101" pitchFamily="18" charset="-127"/>
-                <a:ea typeface="12롯데마트드림Medium" panose="02020603020101020101" pitchFamily="18" charset="-127"/>
-              </a:rPr>
-              <a:t>=None, </a:t>
-            </a:r>
-            <a:r>
-              <a:rPr kumimoji="0" lang="en-US" altLang="ko-KR" sz="1400" b="1" i="0" u="none" strike="noStrike" kern="1200" cap="none" spc="0" normalizeH="0" baseline="0" noProof="0" dirty="0" err="1">
-                <a:ln>
-                  <a:noFill/>
-                </a:ln>
-                <a:effectLst/>
-                <a:uLnTx/>
-                <a:uFillTx/>
-                <a:latin typeface="12롯데마트드림Medium" panose="02020603020101020101" pitchFamily="18" charset="-127"/>
-                <a:ea typeface="12롯데마트드림Medium" panose="02020603020101020101" pitchFamily="18" charset="-127"/>
-              </a:rPr>
-              <a:t>ccp_alpha</a:t>
-            </a:r>
-            <a:r>
-              <a:rPr kumimoji="0" lang="en-US" altLang="ko-KR" sz="1400" b="1" i="0" u="none" strike="noStrike" kern="1200" cap="none" spc="0" normalizeH="0" baseline="0" noProof="0" dirty="0">
-                <a:ln>
-                  <a:noFill/>
-                </a:ln>
-                <a:effectLst/>
-                <a:uLnTx/>
-                <a:uFillTx/>
-                <a:latin typeface="12롯데마트드림Medium" panose="02020603020101020101" pitchFamily="18" charset="-127"/>
-                <a:ea typeface="12롯데마트드림Medium" panose="02020603020101020101" pitchFamily="18" charset="-127"/>
-              </a:rPr>
-              <a:t>=0.0, </a:t>
-            </a:r>
-            <a:r>
-              <a:rPr kumimoji="0" lang="en-US" altLang="ko-KR" sz="1400" b="1" i="0" u="none" strike="noStrike" kern="1200" cap="none" spc="0" normalizeH="0" baseline="0" noProof="0" dirty="0" err="1">
-                <a:ln>
-                  <a:noFill/>
-                </a:ln>
-                <a:effectLst/>
-                <a:uLnTx/>
-                <a:uFillTx/>
-                <a:latin typeface="12롯데마트드림Medium" panose="02020603020101020101" pitchFamily="18" charset="-127"/>
-                <a:ea typeface="12롯데마트드림Medium" panose="02020603020101020101" pitchFamily="18" charset="-127"/>
-              </a:rPr>
-              <a:t>max_samples</a:t>
-            </a:r>
-            <a:r>
-              <a:rPr kumimoji="0" lang="en-US" altLang="ko-KR" sz="1400" b="1" i="0" u="none" strike="noStrike" kern="1200" cap="none" spc="0" normalizeH="0" baseline="0" noProof="0" dirty="0">
-                <a:ln>
-                  <a:noFill/>
-                </a:ln>
-                <a:effectLst/>
-                <a:uLnTx/>
-                <a:uFillTx/>
-                <a:latin typeface="12롯데마트드림Medium" panose="02020603020101020101" pitchFamily="18" charset="-127"/>
-                <a:ea typeface="12롯데마트드림Medium" panose="02020603020101020101" pitchFamily="18" charset="-127"/>
-              </a:rPr>
-              <a:t>=None)</a:t>
+              <a:rPr lang="ko-KR" altLang="en-US" dirty="0">
+                <a:latin typeface="12롯데마트드림Medium" panose="02020603020101020101" pitchFamily="18" charset="-127"/>
+                <a:ea typeface="12롯데마트드림Medium" panose="02020603020101020101" pitchFamily="18" charset="-127"/>
+              </a:rPr>
+              <a:t>회귀</a:t>
+            </a:r>
+            <a:r>
+              <a:rPr lang="en-US" altLang="ko-KR" dirty="0">
+                <a:latin typeface="12롯데마트드림Medium" panose="02020603020101020101" pitchFamily="18" charset="-127"/>
+                <a:ea typeface="12롯데마트드림Medium" panose="02020603020101020101" pitchFamily="18" charset="-127"/>
+              </a:rPr>
+              <a:t>, </a:t>
+            </a:r>
+            <a:r>
+              <a:rPr lang="ko-KR" altLang="en-US" dirty="0">
+                <a:latin typeface="12롯데마트드림Medium" panose="02020603020101020101" pitchFamily="18" charset="-127"/>
+                <a:ea typeface="12롯데마트드림Medium" panose="02020603020101020101" pitchFamily="18" charset="-127"/>
+              </a:rPr>
+              <a:t>예측 모델 평가 지표</a:t>
             </a:r>
           </a:p>
         </p:txBody>
       </p:sp>
+      <p:pic>
+        <p:nvPicPr>
+          <p:cNvPr id="18" name="그림 17">
+            <a:extLst>
+              <a:ext uri="{FF2B5EF4-FFF2-40B4-BE49-F238E27FC236}">
+                <a16:creationId xmlns:a16="http://schemas.microsoft.com/office/drawing/2014/main" id="{0275FEF4-A520-E60A-FADB-9EACECCFE59B}"/>
+              </a:ext>
+            </a:extLst>
+          </p:cNvPr>
+          <p:cNvPicPr>
+            <a:picLocks noChangeAspect="1"/>
+          </p:cNvPicPr>
+          <p:nvPr/>
+        </p:nvPicPr>
+        <p:blipFill>
+          <a:blip r:embed="rId3"/>
+          <a:stretch>
+            <a:fillRect/>
+          </a:stretch>
+        </p:blipFill>
+        <p:spPr>
+          <a:xfrm>
+            <a:off x="7147616" y="2333635"/>
+            <a:ext cx="2352656" cy="593280"/>
+          </a:xfrm>
+          <a:prstGeom prst="rect">
+            <a:avLst/>
+          </a:prstGeom>
+          <a:noFill/>
+        </p:spPr>
+      </p:pic>
+      <p:pic>
+        <p:nvPicPr>
+          <p:cNvPr id="1040" name="Picture 16">
+            <a:extLst>
+              <a:ext uri="{FF2B5EF4-FFF2-40B4-BE49-F238E27FC236}">
+                <a16:creationId xmlns:a16="http://schemas.microsoft.com/office/drawing/2014/main" id="{F862AE07-32FE-6F78-20CA-4E1D98D5B29B}"/>
+              </a:ext>
+            </a:extLst>
+          </p:cNvPr>
+          <p:cNvPicPr>
+            <a:picLocks noChangeAspect="1" noChangeArrowheads="1"/>
+          </p:cNvPicPr>
+          <p:nvPr/>
+        </p:nvPicPr>
+        <p:blipFill rotWithShape="1">
+          <a:blip r:embed="rId4">
+            <a:extLst>
+              <a:ext uri="{28A0092B-C50C-407E-A947-70E740481C1C}">
+                <a14:useLocalDpi xmlns:a14="http://schemas.microsoft.com/office/drawing/2010/main" val="0"/>
+              </a:ext>
+            </a:extLst>
+          </a:blip>
+          <a:srcRect l="15326" t="2898" r="36780" b="81351"/>
+          <a:stretch/>
+        </p:blipFill>
+        <p:spPr bwMode="auto">
+          <a:xfrm>
+            <a:off x="4954084" y="4192262"/>
+            <a:ext cx="2193532" cy="833352"/>
+          </a:xfrm>
+          <a:prstGeom prst="rect">
+            <a:avLst/>
+          </a:prstGeom>
+          <a:noFill/>
+        </p:spPr>
+      </p:pic>
+      <p:sp>
+        <p:nvSpPr>
+          <p:cNvPr id="21" name="슬라이드 번호 개체 틀 20">
+            <a:extLst>
+              <a:ext uri="{FF2B5EF4-FFF2-40B4-BE49-F238E27FC236}">
+                <a16:creationId xmlns:a16="http://schemas.microsoft.com/office/drawing/2014/main" id="{9F1BD499-6863-EF71-8663-59B35CE3A219}"/>
+              </a:ext>
+            </a:extLst>
+          </p:cNvPr>
+          <p:cNvSpPr>
+            <a:spLocks noGrp="1"/>
+          </p:cNvSpPr>
+          <p:nvPr>
+            <p:ph type="sldNum" sz="quarter" idx="12"/>
+          </p:nvPr>
+        </p:nvSpPr>
+        <p:spPr/>
+        <p:txBody>
+          <a:bodyPr/>
+          <a:lstStyle/>
+          <a:p>
+            <a:fld id="{377596EA-09B2-4F20-B22D-AC03DEA0B276}" type="slidenum">
+              <a:rPr lang="ko-KR" altLang="en-US" smtClean="0"/>
+              <a:t>7</a:t>
+            </a:fld>
+            <a:endParaRPr lang="ko-KR" altLang="en-US"/>
+          </a:p>
+        </p:txBody>
+      </p:sp>
+      <p:sp>
+        <p:nvSpPr>
+          <p:cNvPr id="2" name="TextBox 1">
+            <a:extLst>
+              <a:ext uri="{FF2B5EF4-FFF2-40B4-BE49-F238E27FC236}">
+                <a16:creationId xmlns:a16="http://schemas.microsoft.com/office/drawing/2014/main" id="{97C63588-5307-82DE-D298-0A40F795107A}"/>
+              </a:ext>
+            </a:extLst>
+          </p:cNvPr>
+          <p:cNvSpPr txBox="1"/>
+          <p:nvPr/>
+        </p:nvSpPr>
+        <p:spPr>
+          <a:xfrm>
+            <a:off x="1895583" y="3761375"/>
+            <a:ext cx="5111393" cy="600164"/>
+          </a:xfrm>
+          <a:prstGeom prst="rect">
+            <a:avLst/>
+          </a:prstGeom>
+          <a:noFill/>
+        </p:spPr>
+        <p:txBody>
+          <a:bodyPr wrap="square" rtlCol="0">
+            <a:spAutoFit/>
+          </a:bodyPr>
+          <a:lstStyle/>
+          <a:p>
+            <a:r>
+              <a:rPr lang="ko-KR" altLang="en-US" sz="1100" dirty="0">
+                <a:solidFill>
+                  <a:srgbClr val="FF0000"/>
+                </a:solidFill>
+                <a:latin typeface="12롯데마트드림Medium" panose="02020603020101020101" pitchFamily="18" charset="-127"/>
+                <a:ea typeface="12롯데마트드림Medium" panose="02020603020101020101" pitchFamily="18" charset="-127"/>
+              </a:rPr>
+              <a:t>이상치에 민감</a:t>
+            </a:r>
+            <a:endParaRPr lang="en-US" altLang="ko-KR" sz="1100" dirty="0">
+              <a:solidFill>
+                <a:srgbClr val="FF0000"/>
+              </a:solidFill>
+              <a:latin typeface="12롯데마트드림Medium" panose="02020603020101020101" pitchFamily="18" charset="-127"/>
+              <a:ea typeface="12롯데마트드림Medium" panose="02020603020101020101" pitchFamily="18" charset="-127"/>
+            </a:endParaRPr>
+          </a:p>
+          <a:p>
+            <a:r>
+              <a:rPr lang="ko-KR" altLang="en-US" sz="1100" dirty="0">
+                <a:solidFill>
+                  <a:srgbClr val="FF0000"/>
+                </a:solidFill>
+                <a:latin typeface="12롯데마트드림Medium" panose="02020603020101020101" pitchFamily="18" charset="-127"/>
+                <a:ea typeface="12롯데마트드림Medium" panose="02020603020101020101" pitchFamily="18" charset="-127"/>
+              </a:rPr>
+              <a:t>미분 가능하다 </a:t>
+            </a:r>
+            <a:r>
+              <a:rPr lang="en-US" altLang="ko-KR" sz="1100" dirty="0">
+                <a:solidFill>
+                  <a:srgbClr val="FF0000"/>
+                </a:solidFill>
+                <a:latin typeface="12롯데마트드림Medium" panose="02020603020101020101" pitchFamily="18" charset="-127"/>
+                <a:ea typeface="12롯데마트드림Medium" panose="02020603020101020101" pitchFamily="18" charset="-127"/>
+              </a:rPr>
+              <a:t>-&gt; </a:t>
+            </a:r>
+            <a:r>
+              <a:rPr lang="ko-KR" altLang="en-US" sz="1100" dirty="0">
+                <a:solidFill>
+                  <a:srgbClr val="FF0000"/>
+                </a:solidFill>
+                <a:latin typeface="12롯데마트드림Medium" panose="02020603020101020101" pitchFamily="18" charset="-127"/>
+                <a:ea typeface="12롯데마트드림Medium" panose="02020603020101020101" pitchFamily="18" charset="-127"/>
+              </a:rPr>
+              <a:t>미분을 통해 최적해를 구할 수 있다</a:t>
+            </a:r>
+            <a:r>
+              <a:rPr lang="en-US" altLang="ko-KR" sz="1100" dirty="0">
+                <a:solidFill>
+                  <a:srgbClr val="FF0000"/>
+                </a:solidFill>
+                <a:latin typeface="12롯데마트드림Medium" panose="02020603020101020101" pitchFamily="18" charset="-127"/>
+                <a:ea typeface="12롯데마트드림Medium" panose="02020603020101020101" pitchFamily="18" charset="-127"/>
+              </a:rPr>
+              <a:t>.</a:t>
+            </a:r>
+          </a:p>
+          <a:p>
+            <a:endParaRPr lang="ko-KR" altLang="en-US" sz="1100" dirty="0">
+              <a:solidFill>
+                <a:srgbClr val="FF0000"/>
+              </a:solidFill>
+              <a:latin typeface="12롯데마트드림Medium" panose="02020603020101020101" pitchFamily="18" charset="-127"/>
+              <a:ea typeface="12롯데마트드림Medium" panose="02020603020101020101" pitchFamily="18" charset="-127"/>
+            </a:endParaRPr>
+          </a:p>
+        </p:txBody>
+      </p:sp>
+      <p:sp>
+        <p:nvSpPr>
+          <p:cNvPr id="3" name="TextBox 2">
+            <a:extLst>
+              <a:ext uri="{FF2B5EF4-FFF2-40B4-BE49-F238E27FC236}">
+                <a16:creationId xmlns:a16="http://schemas.microsoft.com/office/drawing/2014/main" id="{97FBCFA7-FEA1-2BCC-120E-68C9419F914B}"/>
+              </a:ext>
+            </a:extLst>
+          </p:cNvPr>
+          <p:cNvSpPr txBox="1"/>
+          <p:nvPr/>
+        </p:nvSpPr>
+        <p:spPr>
+          <a:xfrm>
+            <a:off x="1895583" y="4771357"/>
+            <a:ext cx="5111393" cy="430887"/>
+          </a:xfrm>
+          <a:prstGeom prst="rect">
+            <a:avLst/>
+          </a:prstGeom>
+          <a:noFill/>
+        </p:spPr>
+        <p:txBody>
+          <a:bodyPr wrap="square" rtlCol="0">
+            <a:spAutoFit/>
+          </a:bodyPr>
+          <a:lstStyle/>
+          <a:p>
+            <a:r>
+              <a:rPr lang="ko-KR" altLang="en-US" sz="1100" dirty="0">
+                <a:solidFill>
+                  <a:srgbClr val="FF0000"/>
+                </a:solidFill>
+                <a:latin typeface="12롯데마트드림Medium" panose="02020603020101020101" pitchFamily="18" charset="-127"/>
+                <a:ea typeface="12롯데마트드림Medium" panose="02020603020101020101" pitchFamily="18" charset="-127"/>
+              </a:rPr>
+              <a:t>이상치에 둔감 </a:t>
+            </a:r>
+            <a:r>
+              <a:rPr lang="en-US" altLang="ko-KR" sz="1100" dirty="0">
+                <a:solidFill>
+                  <a:srgbClr val="FF0000"/>
+                </a:solidFill>
+                <a:latin typeface="12롯데마트드림Medium" panose="02020603020101020101" pitchFamily="18" charset="-127"/>
+                <a:ea typeface="12롯데마트드림Medium" panose="02020603020101020101" pitchFamily="18" charset="-127"/>
+              </a:rPr>
+              <a:t>(robust)</a:t>
+            </a:r>
+          </a:p>
+          <a:p>
+            <a:r>
+              <a:rPr lang="ko-KR" altLang="en-US" sz="1100" dirty="0">
+                <a:solidFill>
+                  <a:srgbClr val="FF0000"/>
+                </a:solidFill>
+                <a:latin typeface="12롯데마트드림Medium" panose="02020603020101020101" pitchFamily="18" charset="-127"/>
+                <a:ea typeface="12롯데마트드림Medium" panose="02020603020101020101" pitchFamily="18" charset="-127"/>
+              </a:rPr>
+              <a:t>모든 </a:t>
+            </a:r>
+            <a:r>
+              <a:rPr lang="en-US" altLang="ko-KR" sz="1100" dirty="0">
+                <a:solidFill>
+                  <a:srgbClr val="FF0000"/>
+                </a:solidFill>
+                <a:latin typeface="12롯데마트드림Medium" panose="02020603020101020101" pitchFamily="18" charset="-127"/>
+                <a:ea typeface="12롯데마트드림Medium" panose="02020603020101020101" pitchFamily="18" charset="-127"/>
+              </a:rPr>
+              <a:t>sample</a:t>
+            </a:r>
+            <a:r>
+              <a:rPr lang="ko-KR" altLang="en-US" sz="1100" dirty="0">
+                <a:solidFill>
+                  <a:srgbClr val="FF0000"/>
+                </a:solidFill>
+                <a:latin typeface="12롯데마트드림Medium" panose="02020603020101020101" pitchFamily="18" charset="-127"/>
+                <a:ea typeface="12롯데마트드림Medium" panose="02020603020101020101" pitchFamily="18" charset="-127"/>
+              </a:rPr>
+              <a:t>의 오차에 동일한 가중치를 부여한다</a:t>
+            </a:r>
+            <a:r>
+              <a:rPr lang="en-US" altLang="ko-KR" sz="1100" dirty="0">
+                <a:solidFill>
+                  <a:srgbClr val="FF0000"/>
+                </a:solidFill>
+                <a:latin typeface="12롯데마트드림Medium" panose="02020603020101020101" pitchFamily="18" charset="-127"/>
+                <a:ea typeface="12롯데마트드림Medium" panose="02020603020101020101" pitchFamily="18" charset="-127"/>
+              </a:rPr>
+              <a:t>.</a:t>
+            </a:r>
+          </a:p>
+        </p:txBody>
+      </p:sp>
+      <p:pic>
+        <p:nvPicPr>
+          <p:cNvPr id="1026" name="Picture 2" descr="회귀 모델에 대한 성능 평가 지표들">
+            <a:extLst>
+              <a:ext uri="{FF2B5EF4-FFF2-40B4-BE49-F238E27FC236}">
+                <a16:creationId xmlns:a16="http://schemas.microsoft.com/office/drawing/2014/main" id="{73BC8886-B7C2-64A5-334D-5B72F6E8BEF3}"/>
+              </a:ext>
+            </a:extLst>
+          </p:cNvPr>
+          <p:cNvPicPr>
+            <a:picLocks noChangeAspect="1" noChangeArrowheads="1"/>
+          </p:cNvPicPr>
+          <p:nvPr/>
+        </p:nvPicPr>
+        <p:blipFill>
+          <a:blip r:embed="rId5">
+            <a:extLst>
+              <a:ext uri="{28A0092B-C50C-407E-A947-70E740481C1C}">
+                <a14:useLocalDpi xmlns:a14="http://schemas.microsoft.com/office/drawing/2010/main" val="0"/>
+              </a:ext>
+            </a:extLst>
+          </a:blip>
+          <a:srcRect/>
+          <a:stretch>
+            <a:fillRect/>
+          </a:stretch>
+        </p:blipFill>
+        <p:spPr bwMode="auto">
+          <a:xfrm>
+            <a:off x="6564423" y="3357802"/>
+            <a:ext cx="1942518" cy="563330"/>
+          </a:xfrm>
+          <a:prstGeom prst="rect">
+            <a:avLst/>
+          </a:prstGeom>
+          <a:noFill/>
+        </p:spPr>
+      </p:pic>
     </p:spTree>
     <p:extLst>
       <p:ext uri="{BB962C8B-B14F-4D97-AF65-F5344CB8AC3E}">
-        <p14:creationId xmlns:p14="http://schemas.microsoft.com/office/powerpoint/2010/main" val="2751320109"/>
+        <p14:creationId xmlns:p14="http://schemas.microsoft.com/office/powerpoint/2010/main" val="3115309125"/>
       </p:ext>
     </p:extLst>
   </p:cSld>
@@ -10004,308 +13407,6 @@
           <a:chExt cx="0" cy="0"/>
         </a:xfrm>
       </p:grpSpPr>
-      <p:pic>
-        <p:nvPicPr>
-          <p:cNvPr id="3" name="그림 2">
-            <a:extLst>
-              <a:ext uri="{FF2B5EF4-FFF2-40B4-BE49-F238E27FC236}">
-                <a16:creationId xmlns:a16="http://schemas.microsoft.com/office/drawing/2014/main" id="{FA0DB2AD-F860-0785-9CF6-A57F4F6158F4}"/>
-              </a:ext>
-            </a:extLst>
-          </p:cNvPr>
-          <p:cNvPicPr>
-            <a:picLocks noChangeAspect="1"/>
-          </p:cNvPicPr>
-          <p:nvPr/>
-        </p:nvPicPr>
-        <p:blipFill>
-          <a:blip r:embed="rId2"/>
-          <a:stretch>
-            <a:fillRect/>
-          </a:stretch>
-        </p:blipFill>
-        <p:spPr>
-          <a:xfrm>
-            <a:off x="3077307" y="3310264"/>
-            <a:ext cx="5752659" cy="2876330"/>
-          </a:xfrm>
-          <a:prstGeom prst="rect">
-            <a:avLst/>
-          </a:prstGeom>
-        </p:spPr>
-      </p:pic>
-      <p:sp>
-        <p:nvSpPr>
-          <p:cNvPr id="7" name="직사각형 6"/>
-          <p:cNvSpPr/>
-          <p:nvPr/>
-        </p:nvSpPr>
-        <p:spPr>
-          <a:xfrm>
-            <a:off x="1462067" y="1480829"/>
-            <a:ext cx="8983138" cy="1655133"/>
-          </a:xfrm>
-          <a:prstGeom prst="rect">
-            <a:avLst/>
-          </a:prstGeom>
-          <a:noFill/>
-        </p:spPr>
-        <p:txBody>
-          <a:bodyPr wrap="square">
-            <a:spAutoFit/>
-          </a:bodyPr>
-          <a:lstStyle/>
-          <a:p>
-            <a:pPr marL="342900" marR="0" lvl="0" indent="-342900" defTabSz="914400" rtl="0" eaLnBrk="1" fontAlgn="auto" latinLnBrk="1" hangingPunct="1">
-              <a:lnSpc>
-                <a:spcPct val="200000"/>
-              </a:lnSpc>
-              <a:spcBef>
-                <a:spcPts val="0"/>
-              </a:spcBef>
-              <a:spcAft>
-                <a:spcPts val="0"/>
-              </a:spcAft>
-              <a:buClrTx/>
-              <a:buSzTx/>
-              <a:buFontTx/>
-              <a:buAutoNum type="arabicPeriod"/>
-              <a:tabLst/>
-              <a:defRPr/>
-            </a:pPr>
-            <a:r>
-              <a:rPr kumimoji="0" lang="ko-KR" altLang="en-US" i="0" u="none" strike="noStrike" kern="1200" cap="none" spc="0" normalizeH="0" baseline="0" noProof="0" dirty="0">
-                <a:ln>
-                  <a:noFill/>
-                </a:ln>
-                <a:effectLst/>
-                <a:uLnTx/>
-                <a:uFillTx/>
-                <a:latin typeface="12롯데마트드림Medium" panose="02020603020101020101" pitchFamily="18" charset="-127"/>
-                <a:ea typeface="12롯데마트드림Medium" panose="02020603020101020101" pitchFamily="18" charset="-127"/>
-              </a:rPr>
-              <a:t>매뉴얼 </a:t>
-            </a:r>
-            <a:r>
-              <a:rPr kumimoji="0" lang="ko-KR" altLang="en-US" i="0" u="none" strike="noStrike" kern="1200" cap="none" spc="0" normalizeH="0" baseline="0" noProof="0" dirty="0" err="1">
-                <a:ln>
-                  <a:noFill/>
-                </a:ln>
-                <a:effectLst/>
-                <a:uLnTx/>
-                <a:uFillTx/>
-                <a:latin typeface="12롯데마트드림Medium" panose="02020603020101020101" pitchFamily="18" charset="-127"/>
-                <a:ea typeface="12롯데마트드림Medium" panose="02020603020101020101" pitchFamily="18" charset="-127"/>
-              </a:rPr>
-              <a:t>서치</a:t>
-            </a:r>
-            <a:r>
-              <a:rPr kumimoji="0" lang="en-US" altLang="ko-KR" i="0" u="none" strike="noStrike" kern="1200" cap="none" spc="0" normalizeH="0" baseline="0" noProof="0" dirty="0">
-                <a:ln>
-                  <a:noFill/>
-                </a:ln>
-                <a:effectLst/>
-                <a:uLnTx/>
-                <a:uFillTx/>
-                <a:latin typeface="12롯데마트드림Medium" panose="02020603020101020101" pitchFamily="18" charset="-127"/>
-                <a:ea typeface="12롯데마트드림Medium" panose="02020603020101020101" pitchFamily="18" charset="-127"/>
-              </a:rPr>
-              <a:t> Manual Search : </a:t>
-            </a:r>
-            <a:r>
-              <a:rPr kumimoji="0" lang="ko-KR" altLang="en-US" i="0" u="none" strike="noStrike" kern="1200" cap="none" spc="0" normalizeH="0" baseline="0" noProof="0" dirty="0">
-                <a:ln>
-                  <a:noFill/>
-                </a:ln>
-                <a:effectLst/>
-                <a:uLnTx/>
-                <a:uFillTx/>
-                <a:latin typeface="12롯데마트드림Medium" panose="02020603020101020101" pitchFamily="18" charset="-127"/>
-                <a:ea typeface="12롯데마트드림Medium" panose="02020603020101020101" pitchFamily="18" charset="-127"/>
-              </a:rPr>
-              <a:t>직관과 경험에 의존해서</a:t>
-            </a:r>
-            <a:endParaRPr kumimoji="0" lang="en-US" altLang="ko-KR" i="0" u="none" strike="noStrike" kern="1200" cap="none" spc="0" normalizeH="0" baseline="0" noProof="0" dirty="0">
-              <a:ln>
-                <a:noFill/>
-              </a:ln>
-              <a:effectLst/>
-              <a:uLnTx/>
-              <a:uFillTx/>
-              <a:latin typeface="12롯데마트드림Medium" panose="02020603020101020101" pitchFamily="18" charset="-127"/>
-              <a:ea typeface="12롯데마트드림Medium" panose="02020603020101020101" pitchFamily="18" charset="-127"/>
-            </a:endParaRPr>
-          </a:p>
-          <a:p>
-            <a:pPr marL="342900" marR="0" lvl="0" indent="-342900" defTabSz="914400" rtl="0" eaLnBrk="1" fontAlgn="auto" latinLnBrk="1" hangingPunct="1">
-              <a:lnSpc>
-                <a:spcPct val="200000"/>
-              </a:lnSpc>
-              <a:spcBef>
-                <a:spcPts val="0"/>
-              </a:spcBef>
-              <a:spcAft>
-                <a:spcPts val="0"/>
-              </a:spcAft>
-              <a:buClrTx/>
-              <a:buSzTx/>
-              <a:buFontTx/>
-              <a:buAutoNum type="arabicPeriod"/>
-              <a:tabLst/>
-              <a:defRPr/>
-            </a:pPr>
-            <a:r>
-              <a:rPr lang="ko-KR" altLang="en-US" dirty="0">
-                <a:latin typeface="12롯데마트드림Medium" panose="02020603020101020101" pitchFamily="18" charset="-127"/>
-                <a:ea typeface="12롯데마트드림Medium" panose="02020603020101020101" pitchFamily="18" charset="-127"/>
-              </a:rPr>
-              <a:t>그리드 </a:t>
-            </a:r>
-            <a:r>
-              <a:rPr lang="ko-KR" altLang="en-US" dirty="0" err="1">
-                <a:latin typeface="12롯데마트드림Medium" panose="02020603020101020101" pitchFamily="18" charset="-127"/>
-                <a:ea typeface="12롯데마트드림Medium" panose="02020603020101020101" pitchFamily="18" charset="-127"/>
-              </a:rPr>
-              <a:t>서치</a:t>
-            </a:r>
-            <a:r>
-              <a:rPr lang="en-US" altLang="ko-KR" dirty="0">
-                <a:latin typeface="12롯데마트드림Medium" panose="02020603020101020101" pitchFamily="18" charset="-127"/>
-                <a:ea typeface="12롯데마트드림Medium" panose="02020603020101020101" pitchFamily="18" charset="-127"/>
-              </a:rPr>
-              <a:t> Grid Search : </a:t>
-            </a:r>
-            <a:r>
-              <a:rPr lang="ko-KR" altLang="en-US" dirty="0">
-                <a:latin typeface="12롯데마트드림Medium" panose="02020603020101020101" pitchFamily="18" charset="-127"/>
-                <a:ea typeface="12롯데마트드림Medium" panose="02020603020101020101" pitchFamily="18" charset="-127"/>
-              </a:rPr>
-              <a:t>탐색할 </a:t>
-            </a:r>
-            <a:r>
-              <a:rPr lang="ko-KR" altLang="en-US" dirty="0" err="1">
-                <a:latin typeface="12롯데마트드림Medium" panose="02020603020101020101" pitchFamily="18" charset="-127"/>
-                <a:ea typeface="12롯데마트드림Medium" panose="02020603020101020101" pitchFamily="18" charset="-127"/>
-              </a:rPr>
-              <a:t>하이퍼</a:t>
-            </a:r>
-            <a:r>
-              <a:rPr lang="ko-KR" altLang="en-US" dirty="0">
-                <a:latin typeface="12롯데마트드림Medium" panose="02020603020101020101" pitchFamily="18" charset="-127"/>
-                <a:ea typeface="12롯데마트드림Medium" panose="02020603020101020101" pitchFamily="18" charset="-127"/>
-              </a:rPr>
-              <a:t> 파라미터의 범위 지정</a:t>
-            </a:r>
-            <a:endParaRPr lang="en-US" altLang="ko-KR" dirty="0">
-              <a:latin typeface="12롯데마트드림Medium" panose="02020603020101020101" pitchFamily="18" charset="-127"/>
-              <a:ea typeface="12롯데마트드림Medium" panose="02020603020101020101" pitchFamily="18" charset="-127"/>
-            </a:endParaRPr>
-          </a:p>
-          <a:p>
-            <a:pPr marL="342900" marR="0" lvl="0" indent="-342900" defTabSz="914400" rtl="0" eaLnBrk="1" fontAlgn="auto" latinLnBrk="1" hangingPunct="1">
-              <a:lnSpc>
-                <a:spcPct val="200000"/>
-              </a:lnSpc>
-              <a:spcBef>
-                <a:spcPts val="0"/>
-              </a:spcBef>
-              <a:spcAft>
-                <a:spcPts val="0"/>
-              </a:spcAft>
-              <a:buClrTx/>
-              <a:buSzTx/>
-              <a:buFontTx/>
-              <a:buAutoNum type="arabicPeriod"/>
-              <a:tabLst/>
-              <a:defRPr/>
-            </a:pPr>
-            <a:r>
-              <a:rPr kumimoji="0" lang="ko-KR" altLang="en-US" i="0" u="none" strike="noStrike" kern="1200" cap="none" spc="0" normalizeH="0" baseline="0" noProof="0" dirty="0">
-                <a:ln>
-                  <a:noFill/>
-                </a:ln>
-                <a:effectLst/>
-                <a:uLnTx/>
-                <a:uFillTx/>
-                <a:latin typeface="12롯데마트드림Medium" panose="02020603020101020101" pitchFamily="18" charset="-127"/>
-                <a:ea typeface="12롯데마트드림Medium" panose="02020603020101020101" pitchFamily="18" charset="-127"/>
-              </a:rPr>
-              <a:t>랜덤 </a:t>
-            </a:r>
-            <a:r>
-              <a:rPr kumimoji="0" lang="ko-KR" altLang="en-US" i="0" u="none" strike="noStrike" kern="1200" cap="none" spc="0" normalizeH="0" baseline="0" noProof="0" dirty="0" err="1">
-                <a:ln>
-                  <a:noFill/>
-                </a:ln>
-                <a:effectLst/>
-                <a:uLnTx/>
-                <a:uFillTx/>
-                <a:latin typeface="12롯데마트드림Medium" panose="02020603020101020101" pitchFamily="18" charset="-127"/>
-                <a:ea typeface="12롯데마트드림Medium" panose="02020603020101020101" pitchFamily="18" charset="-127"/>
-              </a:rPr>
-              <a:t>서치</a:t>
-            </a:r>
-            <a:r>
-              <a:rPr kumimoji="0" lang="en-US" altLang="ko-KR" i="0" u="none" strike="noStrike" kern="1200" cap="none" spc="0" normalizeH="0" baseline="0" noProof="0" dirty="0">
-                <a:ln>
-                  <a:noFill/>
-                </a:ln>
-                <a:effectLst/>
-                <a:uLnTx/>
-                <a:uFillTx/>
-                <a:latin typeface="12롯데마트드림Medium" panose="02020603020101020101" pitchFamily="18" charset="-127"/>
-                <a:ea typeface="12롯데마트드림Medium" panose="02020603020101020101" pitchFamily="18" charset="-127"/>
-              </a:rPr>
-              <a:t> Random Search : </a:t>
-            </a:r>
-            <a:r>
-              <a:rPr lang="ko-KR" altLang="en-US" dirty="0">
-                <a:latin typeface="12롯데마트드림Medium" panose="02020603020101020101" pitchFamily="18" charset="-127"/>
-                <a:ea typeface="12롯데마트드림Medium" panose="02020603020101020101" pitchFamily="18" charset="-127"/>
-              </a:rPr>
-              <a:t>탐색할 </a:t>
-            </a:r>
-            <a:r>
-              <a:rPr lang="ko-KR" altLang="en-US" dirty="0" err="1">
-                <a:latin typeface="12롯데마트드림Medium" panose="02020603020101020101" pitchFamily="18" charset="-127"/>
-                <a:ea typeface="12롯데마트드림Medium" panose="02020603020101020101" pitchFamily="18" charset="-127"/>
-              </a:rPr>
-              <a:t>하이퍼</a:t>
-            </a:r>
-            <a:r>
-              <a:rPr lang="ko-KR" altLang="en-US" dirty="0">
-                <a:latin typeface="12롯데마트드림Medium" panose="02020603020101020101" pitchFamily="18" charset="-127"/>
-                <a:ea typeface="12롯데마트드림Medium" panose="02020603020101020101" pitchFamily="18" charset="-127"/>
-              </a:rPr>
-              <a:t> 파라미터의 범위 지정 </a:t>
-            </a:r>
-            <a:r>
-              <a:rPr lang="en-US" altLang="ko-KR" dirty="0">
-                <a:latin typeface="12롯데마트드림Medium" panose="02020603020101020101" pitchFamily="18" charset="-127"/>
-                <a:ea typeface="12롯데마트드림Medium" panose="02020603020101020101" pitchFamily="18" charset="-127"/>
-              </a:rPr>
-              <a:t>+ </a:t>
-            </a:r>
-            <a:r>
-              <a:rPr lang="ko-KR" altLang="en-US" dirty="0">
-                <a:latin typeface="12롯데마트드림Medium" panose="02020603020101020101" pitchFamily="18" charset="-127"/>
-                <a:ea typeface="12롯데마트드림Medium" panose="02020603020101020101" pitchFamily="18" charset="-127"/>
-              </a:rPr>
-              <a:t>무작위</a:t>
-            </a:r>
-            <a:endParaRPr kumimoji="0" lang="en-US" altLang="ko-KR" i="0" u="none" strike="noStrike" kern="1200" cap="none" spc="0" normalizeH="0" baseline="0" noProof="0" dirty="0">
-              <a:ln>
-                <a:noFill/>
-              </a:ln>
-              <a:effectLst/>
-              <a:uLnTx/>
-              <a:uFillTx/>
-              <a:latin typeface="12롯데마트드림Medium" panose="02020603020101020101" pitchFamily="18" charset="-127"/>
-              <a:ea typeface="12롯데마트드림Medium" panose="02020603020101020101" pitchFamily="18" charset="-127"/>
-            </a:endParaRPr>
-          </a:p>
-        </p:txBody>
-      </p:sp>
       <p:sp>
         <p:nvSpPr>
           <p:cNvPr id="12" name="직사각형 11"/>
@@ -10346,30 +13447,11 @@
               <a:defRPr/>
             </a:pPr>
             <a:r>
-              <a:rPr kumimoji="0" lang="ko-KR" altLang="en-US" sz="2400" b="0" i="0" u="none" strike="noStrike" kern="1200" cap="none" spc="0" normalizeH="0" baseline="0" noProof="0" dirty="0" err="1">
-                <a:ln>
-                  <a:noFill/>
-                </a:ln>
-                <a:effectLst/>
-                <a:uLnTx/>
-                <a:uFillTx/>
+              <a:rPr lang="ko-KR" altLang="en-US" sz="2400" dirty="0">
                 <a:latin typeface="12롯데마트드림Bold" panose="02020603020101020101" pitchFamily="18" charset="-127"/>
                 <a:ea typeface="12롯데마트드림Bold" panose="02020603020101020101" pitchFamily="18" charset="-127"/>
               </a:rPr>
-              <a:t>하이퍼파라미터</a:t>
-            </a:r>
-            <a:r>
-              <a:rPr kumimoji="0" lang="ko-KR" altLang="en-US" sz="2400" b="0" i="0" u="none" strike="noStrike" kern="1200" cap="none" spc="0" normalizeH="0" baseline="0" noProof="0" dirty="0">
-                <a:ln>
-                  <a:noFill/>
-                </a:ln>
-                <a:effectLst/>
-                <a:uLnTx/>
-                <a:uFillTx/>
-                <a:latin typeface="12롯데마트드림Bold" panose="02020603020101020101" pitchFamily="18" charset="-127"/>
-                <a:ea typeface="12롯데마트드림Bold" panose="02020603020101020101" pitchFamily="18" charset="-127"/>
-              </a:rPr>
-              <a:t> 최적화</a:t>
+              <a:t>모델 성능 평가</a:t>
             </a:r>
             <a:endParaRPr kumimoji="0" lang="en-US" altLang="ko-KR" sz="2400" b="0" i="0" u="none" strike="noStrike" kern="1200" cap="none" spc="0" normalizeH="0" baseline="0" noProof="0" dirty="0">
               <a:ln>
@@ -10384,10 +13466,1381 @@
           </a:p>
         </p:txBody>
       </p:sp>
+      <p:sp>
+        <p:nvSpPr>
+          <p:cNvPr id="4" name="TextBox 3">
+            <a:extLst>
+              <a:ext uri="{FF2B5EF4-FFF2-40B4-BE49-F238E27FC236}">
+                <a16:creationId xmlns:a16="http://schemas.microsoft.com/office/drawing/2014/main" id="{571D20C0-6E01-4517-B022-F4A95561E6D4}"/>
+              </a:ext>
+            </a:extLst>
+          </p:cNvPr>
+          <p:cNvSpPr txBox="1"/>
+          <p:nvPr/>
+        </p:nvSpPr>
+        <p:spPr>
+          <a:xfrm>
+            <a:off x="1707121" y="2523020"/>
+            <a:ext cx="5490557" cy="3170099"/>
+          </a:xfrm>
+          <a:prstGeom prst="rect">
+            <a:avLst/>
+          </a:prstGeom>
+          <a:solidFill>
+            <a:schemeClr val="bg1"/>
+          </a:solidFill>
+        </p:spPr>
+        <p:txBody>
+          <a:bodyPr wrap="square">
+            <a:spAutoFit/>
+          </a:bodyPr>
+          <a:lstStyle/>
+          <a:p>
+            <a:r>
+              <a:rPr lang="ko-KR" altLang="en-US" sz="1600" dirty="0">
+                <a:latin typeface="12롯데마트드림Medium" panose="02020603020101020101" pitchFamily="18" charset="-127"/>
+                <a:ea typeface="12롯데마트드림Medium" panose="02020603020101020101" pitchFamily="18" charset="-127"/>
+              </a:rPr>
+              <a:t>정확도</a:t>
+            </a:r>
+            <a:r>
+              <a:rPr lang="en-US" altLang="ko-KR" sz="1600" dirty="0">
+                <a:latin typeface="12롯데마트드림Medium" panose="02020603020101020101" pitchFamily="18" charset="-127"/>
+                <a:ea typeface="12롯데마트드림Medium" panose="02020603020101020101" pitchFamily="18" charset="-127"/>
+              </a:rPr>
+              <a:t>(Accuracy) = (TP+TN) / (TP+FP+FN+TN)</a:t>
+            </a:r>
+          </a:p>
+          <a:p>
+            <a:endParaRPr lang="en-US" altLang="ko-KR" sz="1600" dirty="0">
+              <a:latin typeface="12롯데마트드림Medium" panose="02020603020101020101" pitchFamily="18" charset="-127"/>
+              <a:ea typeface="12롯데마트드림Medium" panose="02020603020101020101" pitchFamily="18" charset="-127"/>
+            </a:endParaRPr>
+          </a:p>
+          <a:p>
+            <a:pPr>
+              <a:lnSpc>
+                <a:spcPct val="150000"/>
+              </a:lnSpc>
+            </a:pPr>
+            <a:r>
+              <a:rPr lang="ko-KR" altLang="en-US" sz="1600" dirty="0">
+                <a:latin typeface="12롯데마트드림Medium" panose="02020603020101020101" pitchFamily="18" charset="-127"/>
+                <a:ea typeface="12롯데마트드림Medium" panose="02020603020101020101" pitchFamily="18" charset="-127"/>
+              </a:rPr>
+              <a:t>정밀도</a:t>
+            </a:r>
+            <a:r>
+              <a:rPr lang="en-US" altLang="ko-KR" sz="1600" dirty="0">
+                <a:latin typeface="12롯데마트드림Medium" panose="02020603020101020101" pitchFamily="18" charset="-127"/>
+                <a:ea typeface="12롯데마트드림Medium" panose="02020603020101020101" pitchFamily="18" charset="-127"/>
+              </a:rPr>
+              <a:t>(Precision) = TP / (TP+FP)</a:t>
+            </a:r>
+          </a:p>
+          <a:p>
+            <a:endParaRPr lang="en-US" altLang="ko-KR" sz="1600" dirty="0">
+              <a:latin typeface="12롯데마트드림Medium" panose="02020603020101020101" pitchFamily="18" charset="-127"/>
+              <a:ea typeface="12롯데마트드림Medium" panose="02020603020101020101" pitchFamily="18" charset="-127"/>
+            </a:endParaRPr>
+          </a:p>
+          <a:p>
+            <a:r>
+              <a:rPr lang="ko-KR" altLang="en-US" sz="1600" dirty="0" err="1">
+                <a:latin typeface="12롯데마트드림Medium" panose="02020603020101020101" pitchFamily="18" charset="-127"/>
+                <a:ea typeface="12롯데마트드림Medium" panose="02020603020101020101" pitchFamily="18" charset="-127"/>
+              </a:rPr>
+              <a:t>재현율</a:t>
+            </a:r>
+            <a:r>
+              <a:rPr lang="en-US" altLang="ko-KR" sz="1600" dirty="0">
+                <a:latin typeface="12롯데마트드림Medium" panose="02020603020101020101" pitchFamily="18" charset="-127"/>
+                <a:ea typeface="12롯데마트드림Medium" panose="02020603020101020101" pitchFamily="18" charset="-127"/>
+              </a:rPr>
+              <a:t>(Recall) = TP / (TP+FN)</a:t>
+            </a:r>
+          </a:p>
+          <a:p>
+            <a:endParaRPr lang="en-US" altLang="ko-KR" sz="1600" dirty="0">
+              <a:latin typeface="12롯데마트드림Medium" panose="02020603020101020101" pitchFamily="18" charset="-127"/>
+              <a:ea typeface="12롯데마트드림Medium" panose="02020603020101020101" pitchFamily="18" charset="-127"/>
+            </a:endParaRPr>
+          </a:p>
+          <a:p>
+            <a:r>
+              <a:rPr lang="en-US" altLang="ko-KR" sz="1600" dirty="0">
+                <a:latin typeface="12롯데마트드림Medium" panose="02020603020101020101" pitchFamily="18" charset="-127"/>
+                <a:ea typeface="12롯데마트드림Medium" panose="02020603020101020101" pitchFamily="18" charset="-127"/>
+              </a:rPr>
+              <a:t>F1-Score = 2 * (</a:t>
+            </a:r>
+            <a:r>
+              <a:rPr lang="ko-KR" altLang="en-US" sz="1600" dirty="0">
+                <a:latin typeface="12롯데마트드림Medium" panose="02020603020101020101" pitchFamily="18" charset="-127"/>
+                <a:ea typeface="12롯데마트드림Medium" panose="02020603020101020101" pitchFamily="18" charset="-127"/>
+              </a:rPr>
+              <a:t>정밀도</a:t>
+            </a:r>
+            <a:r>
+              <a:rPr lang="en-US" altLang="ko-KR" sz="1600" dirty="0">
+                <a:latin typeface="12롯데마트드림Medium" panose="02020603020101020101" pitchFamily="18" charset="-127"/>
+                <a:ea typeface="12롯데마트드림Medium" panose="02020603020101020101" pitchFamily="18" charset="-127"/>
+              </a:rPr>
+              <a:t>*</a:t>
+            </a:r>
+            <a:r>
+              <a:rPr lang="ko-KR" altLang="en-US" sz="1600" dirty="0" err="1">
+                <a:latin typeface="12롯데마트드림Medium" panose="02020603020101020101" pitchFamily="18" charset="-127"/>
+                <a:ea typeface="12롯데마트드림Medium" panose="02020603020101020101" pitchFamily="18" charset="-127"/>
+              </a:rPr>
+              <a:t>재현율</a:t>
+            </a:r>
+            <a:r>
+              <a:rPr lang="en-US" altLang="ko-KR" sz="1600" dirty="0">
+                <a:latin typeface="12롯데마트드림Medium" panose="02020603020101020101" pitchFamily="18" charset="-127"/>
+                <a:ea typeface="12롯데마트드림Medium" panose="02020603020101020101" pitchFamily="18" charset="-127"/>
+              </a:rPr>
+              <a:t>) / (</a:t>
+            </a:r>
+            <a:r>
+              <a:rPr lang="ko-KR" altLang="en-US" sz="1600" dirty="0">
+                <a:latin typeface="12롯데마트드림Medium" panose="02020603020101020101" pitchFamily="18" charset="-127"/>
+                <a:ea typeface="12롯데마트드림Medium" panose="02020603020101020101" pitchFamily="18" charset="-127"/>
+              </a:rPr>
+              <a:t>정밀도</a:t>
+            </a:r>
+            <a:r>
+              <a:rPr lang="en-US" altLang="ko-KR" sz="1600" dirty="0">
+                <a:latin typeface="12롯데마트드림Medium" panose="02020603020101020101" pitchFamily="18" charset="-127"/>
+                <a:ea typeface="12롯데마트드림Medium" panose="02020603020101020101" pitchFamily="18" charset="-127"/>
+              </a:rPr>
+              <a:t>+</a:t>
+            </a:r>
+            <a:r>
+              <a:rPr lang="ko-KR" altLang="en-US" sz="1600" dirty="0" err="1">
+                <a:latin typeface="12롯데마트드림Medium" panose="02020603020101020101" pitchFamily="18" charset="-127"/>
+                <a:ea typeface="12롯데마트드림Medium" panose="02020603020101020101" pitchFamily="18" charset="-127"/>
+              </a:rPr>
+              <a:t>재현율</a:t>
+            </a:r>
+            <a:r>
+              <a:rPr lang="en-US" altLang="ko-KR" sz="1600" dirty="0">
+                <a:latin typeface="12롯데마트드림Medium" panose="02020603020101020101" pitchFamily="18" charset="-127"/>
+                <a:ea typeface="12롯데마트드림Medium" panose="02020603020101020101" pitchFamily="18" charset="-127"/>
+              </a:rPr>
+              <a:t>)</a:t>
+            </a:r>
+          </a:p>
+          <a:p>
+            <a:endParaRPr lang="en-US" altLang="ko-KR" sz="1600" dirty="0">
+              <a:latin typeface="12롯데마트드림Medium" panose="02020603020101020101" pitchFamily="18" charset="-127"/>
+              <a:ea typeface="12롯데마트드림Medium" panose="02020603020101020101" pitchFamily="18" charset="-127"/>
+            </a:endParaRPr>
+          </a:p>
+          <a:p>
+            <a:endParaRPr lang="en-US" altLang="ko-KR" sz="1600" dirty="0">
+              <a:latin typeface="12롯데마트드림Medium" panose="02020603020101020101" pitchFamily="18" charset="-127"/>
+              <a:ea typeface="12롯데마트드림Medium" panose="02020603020101020101" pitchFamily="18" charset="-127"/>
+            </a:endParaRPr>
+          </a:p>
+          <a:p>
+            <a:endParaRPr lang="en-US" altLang="ko-KR" sz="1600" dirty="0">
+              <a:latin typeface="12롯데마트드림Medium" panose="02020603020101020101" pitchFamily="18" charset="-127"/>
+              <a:ea typeface="12롯데마트드림Medium" panose="02020603020101020101" pitchFamily="18" charset="-127"/>
+            </a:endParaRPr>
+          </a:p>
+          <a:p>
+            <a:r>
+              <a:rPr lang="en-US" altLang="ko-KR" sz="1600" dirty="0">
+                <a:latin typeface="12롯데마트드림Medium" panose="02020603020101020101" pitchFamily="18" charset="-127"/>
+                <a:ea typeface="12롯데마트드림Medium" panose="02020603020101020101" pitchFamily="18" charset="-127"/>
+              </a:rPr>
+              <a:t>…</a:t>
+            </a:r>
+          </a:p>
+          <a:p>
+            <a:r>
+              <a:rPr lang="ko-KR" altLang="en-US" sz="1600" dirty="0">
+                <a:latin typeface="12롯데마트드림Medium" panose="02020603020101020101" pitchFamily="18" charset="-127"/>
+                <a:ea typeface="12롯데마트드림Medium" panose="02020603020101020101" pitchFamily="18" charset="-127"/>
+              </a:rPr>
+              <a:t>특이도 등등</a:t>
+            </a:r>
+            <a:endParaRPr lang="ko-KR" altLang="en-US" sz="1600" dirty="0"/>
+          </a:p>
+        </p:txBody>
+      </p:sp>
+      <p:sp>
+        <p:nvSpPr>
+          <p:cNvPr id="3" name="직사각형 2">
+            <a:extLst>
+              <a:ext uri="{FF2B5EF4-FFF2-40B4-BE49-F238E27FC236}">
+                <a16:creationId xmlns:a16="http://schemas.microsoft.com/office/drawing/2014/main" id="{F4F7C999-AC69-FF5F-172F-E542BAB13986}"/>
+              </a:ext>
+            </a:extLst>
+          </p:cNvPr>
+          <p:cNvSpPr/>
+          <p:nvPr/>
+        </p:nvSpPr>
+        <p:spPr>
+          <a:xfrm>
+            <a:off x="1497807" y="1685306"/>
+            <a:ext cx="5649809" cy="443263"/>
+          </a:xfrm>
+          <a:prstGeom prst="rect">
+            <a:avLst/>
+          </a:prstGeom>
+          <a:noFill/>
+        </p:spPr>
+        <p:txBody>
+          <a:bodyPr wrap="square">
+            <a:spAutoFit/>
+          </a:bodyPr>
+          <a:lstStyle/>
+          <a:p>
+            <a:pPr marR="0" lvl="0" defTabSz="914400" rtl="0" eaLnBrk="1" fontAlgn="auto" latinLnBrk="1" hangingPunct="1">
+              <a:lnSpc>
+                <a:spcPct val="150000"/>
+              </a:lnSpc>
+              <a:spcBef>
+                <a:spcPts val="0"/>
+              </a:spcBef>
+              <a:spcAft>
+                <a:spcPts val="0"/>
+              </a:spcAft>
+              <a:buClrTx/>
+              <a:buSzTx/>
+              <a:tabLst/>
+              <a:defRPr/>
+            </a:pPr>
+            <a:r>
+              <a:rPr lang="ko-KR" altLang="en-US" dirty="0">
+                <a:latin typeface="12롯데마트드림Medium" panose="02020603020101020101" pitchFamily="18" charset="-127"/>
+                <a:ea typeface="12롯데마트드림Medium" panose="02020603020101020101" pitchFamily="18" charset="-127"/>
+              </a:rPr>
+              <a:t>분류 모델 평가 지표</a:t>
+            </a:r>
+          </a:p>
+        </p:txBody>
+      </p:sp>
+      <p:graphicFrame>
+        <p:nvGraphicFramePr>
+          <p:cNvPr id="5" name="표 7">
+            <a:extLst>
+              <a:ext uri="{FF2B5EF4-FFF2-40B4-BE49-F238E27FC236}">
+                <a16:creationId xmlns:a16="http://schemas.microsoft.com/office/drawing/2014/main" id="{446FE62F-96AB-B4D7-B6A5-D9D2C491B913}"/>
+              </a:ext>
+            </a:extLst>
+          </p:cNvPr>
+          <p:cNvGraphicFramePr>
+            <a:graphicFrameLocks noGrp="1"/>
+          </p:cNvGraphicFramePr>
+          <p:nvPr>
+            <p:extLst>
+              <p:ext uri="{D42A27DB-BD31-4B8C-83A1-F6EECF244321}">
+                <p14:modId xmlns:p14="http://schemas.microsoft.com/office/powerpoint/2010/main" val="349661723"/>
+              </p:ext>
+            </p:extLst>
+          </p:nvPr>
+        </p:nvGraphicFramePr>
+        <p:xfrm>
+          <a:off x="7408972" y="2669041"/>
+          <a:ext cx="3285221" cy="2236490"/>
+        </p:xfrm>
+        <a:graphic>
+          <a:graphicData uri="http://schemas.openxmlformats.org/drawingml/2006/table">
+            <a:tbl>
+              <a:tblPr firstRow="1" bandRow="1">
+                <a:tableStyleId>{2D5ABB26-0587-4C30-8999-92F81FD0307C}</a:tableStyleId>
+              </a:tblPr>
+              <a:tblGrid>
+                <a:gridCol w="770562">
+                  <a:extLst>
+                    <a:ext uri="{9D8B030D-6E8A-4147-A177-3AD203B41FA5}">
+                      <a16:colId xmlns:a16="http://schemas.microsoft.com/office/drawing/2014/main" val="1722306169"/>
+                    </a:ext>
+                  </a:extLst>
+                </a:gridCol>
+                <a:gridCol w="701269">
+                  <a:extLst>
+                    <a:ext uri="{9D8B030D-6E8A-4147-A177-3AD203B41FA5}">
+                      <a16:colId xmlns:a16="http://schemas.microsoft.com/office/drawing/2014/main" val="3876123098"/>
+                    </a:ext>
+                  </a:extLst>
+                </a:gridCol>
+                <a:gridCol w="906695">
+                  <a:extLst>
+                    <a:ext uri="{9D8B030D-6E8A-4147-A177-3AD203B41FA5}">
+                      <a16:colId xmlns:a16="http://schemas.microsoft.com/office/drawing/2014/main" val="26869279"/>
+                    </a:ext>
+                  </a:extLst>
+                </a:gridCol>
+                <a:gridCol w="906695">
+                  <a:extLst>
+                    <a:ext uri="{9D8B030D-6E8A-4147-A177-3AD203B41FA5}">
+                      <a16:colId xmlns:a16="http://schemas.microsoft.com/office/drawing/2014/main" val="3889224686"/>
+                    </a:ext>
+                  </a:extLst>
+                </a:gridCol>
+              </a:tblGrid>
+              <a:tr h="292814">
+                <a:tc rowSpan="2" gridSpan="2">
+                  <a:txBody>
+                    <a:bodyPr/>
+                    <a:lstStyle/>
+                    <a:p>
+                      <a:pPr algn="ctr" latinLnBrk="1"/>
+                      <a:endParaRPr lang="ko-KR" altLang="en-US" sz="1800" dirty="0">
+                        <a:latin typeface="12롯데마트드림Bold" panose="02020603020101020101" pitchFamily="18" charset="-127"/>
+                        <a:ea typeface="12롯데마트드림Bold" panose="02020603020101020101" pitchFamily="18" charset="-127"/>
+                      </a:endParaRPr>
+                    </a:p>
+                  </a:txBody>
+                  <a:tcPr marL="117127" marR="117127" marT="58564" marB="58564" anchor="ctr">
+                    <a:lnL w="12700" cap="flat" cmpd="sng" algn="ctr">
+                      <a:noFill/>
+                      <a:prstDash val="solid"/>
+                      <a:round/>
+                      <a:headEnd type="none" w="med" len="med"/>
+                      <a:tailEnd type="none" w="med" len="med"/>
+                    </a:lnL>
+                    <a:lnR w="12700" cap="flat" cmpd="sng" algn="ctr">
+                      <a:solidFill>
+                        <a:schemeClr val="tx1"/>
+                      </a:solidFill>
+                      <a:prstDash val="solid"/>
+                      <a:round/>
+                      <a:headEnd type="none" w="med" len="med"/>
+                      <a:tailEnd type="none" w="med" len="med"/>
+                    </a:lnR>
+                    <a:lnT w="12700" cap="flat" cmpd="sng" algn="ctr">
+                      <a:noFill/>
+                      <a:prstDash val="solid"/>
+                      <a:round/>
+                      <a:headEnd type="none" w="med" len="med"/>
+                      <a:tailEnd type="none" w="med" len="med"/>
+                    </a:lnT>
+                    <a:lnB w="12700" cap="flat" cmpd="sng" algn="ctr">
+                      <a:solidFill>
+                        <a:schemeClr val="tx1"/>
+                      </a:solidFill>
+                      <a:prstDash val="solid"/>
+                      <a:round/>
+                      <a:headEnd type="none" w="med" len="med"/>
+                      <a:tailEnd type="none" w="med" len="med"/>
+                    </a:lnB>
+                  </a:tcPr>
+                </a:tc>
+                <a:tc rowSpan="2" hMerge="1">
+                  <a:txBody>
+                    <a:bodyPr/>
+                    <a:lstStyle/>
+                    <a:p>
+                      <a:pPr latinLnBrk="1"/>
+                      <a:endParaRPr lang="ko-KR" altLang="en-US"/>
+                    </a:p>
+                  </a:txBody>
+                  <a:tcPr>
+                    <a:lnL w="12700" cap="flat" cmpd="sng" algn="ctr">
+                      <a:solidFill>
+                        <a:schemeClr val="tx1"/>
+                      </a:solidFill>
+                      <a:prstDash val="solid"/>
+                      <a:round/>
+                      <a:headEnd type="none" w="med" len="med"/>
+                      <a:tailEnd type="none" w="med" len="med"/>
+                    </a:lnL>
+                    <a:lnR w="12700" cap="flat" cmpd="sng" algn="ctr">
+                      <a:solidFill>
+                        <a:schemeClr val="tx1"/>
+                      </a:solidFill>
+                      <a:prstDash val="solid"/>
+                      <a:round/>
+                      <a:headEnd type="none" w="med" len="med"/>
+                      <a:tailEnd type="none" w="med" len="med"/>
+                    </a:lnR>
+                    <a:lnT w="12700" cap="flat" cmpd="sng" algn="ctr">
+                      <a:solidFill>
+                        <a:schemeClr val="tx1"/>
+                      </a:solidFill>
+                      <a:prstDash val="solid"/>
+                      <a:round/>
+                      <a:headEnd type="none" w="med" len="med"/>
+                      <a:tailEnd type="none" w="med" len="med"/>
+                    </a:lnT>
+                    <a:lnB w="12700" cap="flat" cmpd="sng" algn="ctr">
+                      <a:solidFill>
+                        <a:schemeClr val="tx1"/>
+                      </a:solidFill>
+                      <a:prstDash val="solid"/>
+                      <a:round/>
+                      <a:headEnd type="none" w="med" len="med"/>
+                      <a:tailEnd type="none" w="med" len="med"/>
+                    </a:lnB>
+                  </a:tcPr>
+                </a:tc>
+                <a:tc gridSpan="2">
+                  <a:txBody>
+                    <a:bodyPr/>
+                    <a:lstStyle/>
+                    <a:p>
+                      <a:pPr algn="ctr" latinLnBrk="1"/>
+                      <a:r>
+                        <a:rPr lang="ko-KR" altLang="en-US" sz="1800" dirty="0">
+                          <a:latin typeface="12롯데마트드림Bold" panose="02020603020101020101" pitchFamily="18" charset="-127"/>
+                          <a:ea typeface="12롯데마트드림Bold" panose="02020603020101020101" pitchFamily="18" charset="-127"/>
+                        </a:rPr>
+                        <a:t>실제 정답</a:t>
+                      </a:r>
+                    </a:p>
+                  </a:txBody>
+                  <a:tcPr marL="117127" marR="117127" marT="58564" marB="58564" anchor="ctr">
+                    <a:lnL w="12700" cap="flat" cmpd="sng" algn="ctr">
+                      <a:solidFill>
+                        <a:schemeClr val="tx1"/>
+                      </a:solidFill>
+                      <a:prstDash val="solid"/>
+                      <a:round/>
+                      <a:headEnd type="none" w="med" len="med"/>
+                      <a:tailEnd type="none" w="med" len="med"/>
+                    </a:lnL>
+                    <a:lnR w="12700" cap="flat" cmpd="sng" algn="ctr">
+                      <a:solidFill>
+                        <a:schemeClr val="tx1"/>
+                      </a:solidFill>
+                      <a:prstDash val="solid"/>
+                      <a:round/>
+                      <a:headEnd type="none" w="med" len="med"/>
+                      <a:tailEnd type="none" w="med" len="med"/>
+                    </a:lnR>
+                    <a:lnT w="12700" cap="flat" cmpd="sng" algn="ctr">
+                      <a:solidFill>
+                        <a:schemeClr val="tx1"/>
+                      </a:solidFill>
+                      <a:prstDash val="solid"/>
+                      <a:round/>
+                      <a:headEnd type="none" w="med" len="med"/>
+                      <a:tailEnd type="none" w="med" len="med"/>
+                    </a:lnT>
+                    <a:lnB w="12700" cap="flat" cmpd="sng" algn="ctr">
+                      <a:solidFill>
+                        <a:schemeClr val="tx1"/>
+                      </a:solidFill>
+                      <a:prstDash val="solid"/>
+                      <a:round/>
+                      <a:headEnd type="none" w="med" len="med"/>
+                      <a:tailEnd type="none" w="med" len="med"/>
+                    </a:lnB>
+                  </a:tcPr>
+                </a:tc>
+                <a:tc hMerge="1">
+                  <a:txBody>
+                    <a:bodyPr/>
+                    <a:lstStyle/>
+                    <a:p>
+                      <a:pPr latinLnBrk="1"/>
+                      <a:endParaRPr lang="ko-KR" altLang="en-US" dirty="0"/>
+                    </a:p>
+                  </a:txBody>
+                  <a:tcPr>
+                    <a:lnL w="12700" cap="flat" cmpd="sng" algn="ctr">
+                      <a:solidFill>
+                        <a:schemeClr val="tx1"/>
+                      </a:solidFill>
+                      <a:prstDash val="solid"/>
+                      <a:round/>
+                      <a:headEnd type="none" w="med" len="med"/>
+                      <a:tailEnd type="none" w="med" len="med"/>
+                    </a:lnL>
+                    <a:lnR w="12700" cap="flat" cmpd="sng" algn="ctr">
+                      <a:solidFill>
+                        <a:schemeClr val="tx1"/>
+                      </a:solidFill>
+                      <a:prstDash val="solid"/>
+                      <a:round/>
+                      <a:headEnd type="none" w="med" len="med"/>
+                      <a:tailEnd type="none" w="med" len="med"/>
+                    </a:lnR>
+                    <a:lnT w="12700" cap="flat" cmpd="sng" algn="ctr">
+                      <a:solidFill>
+                        <a:schemeClr val="tx1"/>
+                      </a:solidFill>
+                      <a:prstDash val="solid"/>
+                      <a:round/>
+                      <a:headEnd type="none" w="med" len="med"/>
+                      <a:tailEnd type="none" w="med" len="med"/>
+                    </a:lnT>
+                    <a:lnB w="12700" cap="flat" cmpd="sng" algn="ctr">
+                      <a:solidFill>
+                        <a:schemeClr val="tx1"/>
+                      </a:solidFill>
+                      <a:prstDash val="solid"/>
+                      <a:round/>
+                      <a:headEnd type="none" w="med" len="med"/>
+                      <a:tailEnd type="none" w="med" len="med"/>
+                    </a:lnB>
+                  </a:tcPr>
+                </a:tc>
+                <a:extLst>
+                  <a:ext uri="{0D108BD9-81ED-4DB2-BD59-A6C34878D82A}">
+                    <a16:rowId xmlns:a16="http://schemas.microsoft.com/office/drawing/2014/main" val="1447411535"/>
+                  </a:ext>
+                </a:extLst>
+              </a:tr>
+              <a:tr h="296921">
+                <a:tc gridSpan="2" vMerge="1">
+                  <a:txBody>
+                    <a:bodyPr/>
+                    <a:lstStyle/>
+                    <a:p>
+                      <a:pPr latinLnBrk="1"/>
+                      <a:endParaRPr lang="ko-KR" altLang="en-US" dirty="0"/>
+                    </a:p>
+                  </a:txBody>
+                  <a:tcPr>
+                    <a:lnL w="12700" cap="flat" cmpd="sng" algn="ctr">
+                      <a:solidFill>
+                        <a:schemeClr val="tx1"/>
+                      </a:solidFill>
+                      <a:prstDash val="solid"/>
+                      <a:round/>
+                      <a:headEnd type="none" w="med" len="med"/>
+                      <a:tailEnd type="none" w="med" len="med"/>
+                    </a:lnL>
+                    <a:lnR w="12700" cap="flat" cmpd="sng" algn="ctr">
+                      <a:solidFill>
+                        <a:schemeClr val="tx1"/>
+                      </a:solidFill>
+                      <a:prstDash val="solid"/>
+                      <a:round/>
+                      <a:headEnd type="none" w="med" len="med"/>
+                      <a:tailEnd type="none" w="med" len="med"/>
+                    </a:lnR>
+                    <a:lnT w="12700" cap="flat" cmpd="sng" algn="ctr">
+                      <a:solidFill>
+                        <a:schemeClr val="tx1"/>
+                      </a:solidFill>
+                      <a:prstDash val="solid"/>
+                      <a:round/>
+                      <a:headEnd type="none" w="med" len="med"/>
+                      <a:tailEnd type="none" w="med" len="med"/>
+                    </a:lnT>
+                    <a:lnB w="12700" cap="flat" cmpd="sng" algn="ctr">
+                      <a:solidFill>
+                        <a:schemeClr val="tx1"/>
+                      </a:solidFill>
+                      <a:prstDash val="solid"/>
+                      <a:round/>
+                      <a:headEnd type="none" w="med" len="med"/>
+                      <a:tailEnd type="none" w="med" len="med"/>
+                    </a:lnB>
+                  </a:tcPr>
+                </a:tc>
+                <a:tc hMerge="1" vMerge="1">
+                  <a:txBody>
+                    <a:bodyPr/>
+                    <a:lstStyle/>
+                    <a:p>
+                      <a:pPr latinLnBrk="1"/>
+                      <a:endParaRPr lang="ko-KR" altLang="en-US" dirty="0"/>
+                    </a:p>
+                  </a:txBody>
+                  <a:tcPr>
+                    <a:lnL w="12700" cap="flat" cmpd="sng" algn="ctr">
+                      <a:solidFill>
+                        <a:schemeClr val="tx1"/>
+                      </a:solidFill>
+                      <a:prstDash val="solid"/>
+                      <a:round/>
+                      <a:headEnd type="none" w="med" len="med"/>
+                      <a:tailEnd type="none" w="med" len="med"/>
+                    </a:lnL>
+                    <a:lnR w="12700" cap="flat" cmpd="sng" algn="ctr">
+                      <a:solidFill>
+                        <a:schemeClr val="tx1"/>
+                      </a:solidFill>
+                      <a:prstDash val="solid"/>
+                      <a:round/>
+                      <a:headEnd type="none" w="med" len="med"/>
+                      <a:tailEnd type="none" w="med" len="med"/>
+                    </a:lnR>
+                    <a:lnT w="12700" cap="flat" cmpd="sng" algn="ctr">
+                      <a:solidFill>
+                        <a:schemeClr val="tx1"/>
+                      </a:solidFill>
+                      <a:prstDash val="solid"/>
+                      <a:round/>
+                      <a:headEnd type="none" w="med" len="med"/>
+                      <a:tailEnd type="none" w="med" len="med"/>
+                    </a:lnT>
+                    <a:lnB w="12700" cap="flat" cmpd="sng" algn="ctr">
+                      <a:solidFill>
+                        <a:schemeClr val="tx1"/>
+                      </a:solidFill>
+                      <a:prstDash val="solid"/>
+                      <a:round/>
+                      <a:headEnd type="none" w="med" len="med"/>
+                      <a:tailEnd type="none" w="med" len="med"/>
+                    </a:lnB>
+                  </a:tcPr>
+                </a:tc>
+                <a:tc>
+                  <a:txBody>
+                    <a:bodyPr/>
+                    <a:lstStyle/>
+                    <a:p>
+                      <a:pPr algn="ctr" latinLnBrk="1"/>
+                      <a:r>
+                        <a:rPr lang="en-US" altLang="ko-KR" sz="1800" dirty="0">
+                          <a:latin typeface="12롯데마트드림Bold" panose="02020603020101020101" pitchFamily="18" charset="-127"/>
+                          <a:ea typeface="12롯데마트드림Bold" panose="02020603020101020101" pitchFamily="18" charset="-127"/>
+                        </a:rPr>
+                        <a:t>True</a:t>
+                      </a:r>
+                      <a:endParaRPr lang="ko-KR" altLang="en-US" sz="1800" dirty="0">
+                        <a:latin typeface="12롯데마트드림Bold" panose="02020603020101020101" pitchFamily="18" charset="-127"/>
+                        <a:ea typeface="12롯데마트드림Bold" panose="02020603020101020101" pitchFamily="18" charset="-127"/>
+                      </a:endParaRPr>
+                    </a:p>
+                  </a:txBody>
+                  <a:tcPr marL="66377" marR="66377" marT="33187" marB="33187" anchor="ctr">
+                    <a:lnL w="12700" cap="flat" cmpd="sng" algn="ctr">
+                      <a:solidFill>
+                        <a:schemeClr val="tx1"/>
+                      </a:solidFill>
+                      <a:prstDash val="solid"/>
+                      <a:round/>
+                      <a:headEnd type="none" w="med" len="med"/>
+                      <a:tailEnd type="none" w="med" len="med"/>
+                    </a:lnL>
+                    <a:lnR w="12700" cap="flat" cmpd="sng" algn="ctr">
+                      <a:solidFill>
+                        <a:schemeClr val="tx1"/>
+                      </a:solidFill>
+                      <a:prstDash val="solid"/>
+                      <a:round/>
+                      <a:headEnd type="none" w="med" len="med"/>
+                      <a:tailEnd type="none" w="med" len="med"/>
+                    </a:lnR>
+                    <a:lnT w="12700" cap="flat" cmpd="sng" algn="ctr">
+                      <a:solidFill>
+                        <a:schemeClr val="tx1"/>
+                      </a:solidFill>
+                      <a:prstDash val="solid"/>
+                      <a:round/>
+                      <a:headEnd type="none" w="med" len="med"/>
+                      <a:tailEnd type="none" w="med" len="med"/>
+                    </a:lnT>
+                    <a:lnB w="12700" cap="flat" cmpd="sng" algn="ctr">
+                      <a:solidFill>
+                        <a:schemeClr val="tx1"/>
+                      </a:solidFill>
+                      <a:prstDash val="solid"/>
+                      <a:round/>
+                      <a:headEnd type="none" w="med" len="med"/>
+                      <a:tailEnd type="none" w="med" len="med"/>
+                    </a:lnB>
+                  </a:tcPr>
+                </a:tc>
+                <a:tc>
+                  <a:txBody>
+                    <a:bodyPr/>
+                    <a:lstStyle/>
+                    <a:p>
+                      <a:pPr algn="ctr" latinLnBrk="1"/>
+                      <a:r>
+                        <a:rPr lang="en-US" altLang="ko-KR" sz="1800" dirty="0">
+                          <a:latin typeface="12롯데마트드림Bold" panose="02020603020101020101" pitchFamily="18" charset="-127"/>
+                          <a:ea typeface="12롯데마트드림Bold" panose="02020603020101020101" pitchFamily="18" charset="-127"/>
+                        </a:rPr>
+                        <a:t>False</a:t>
+                      </a:r>
+                      <a:endParaRPr lang="ko-KR" altLang="en-US" sz="1800" dirty="0">
+                        <a:latin typeface="12롯데마트드림Bold" panose="02020603020101020101" pitchFamily="18" charset="-127"/>
+                        <a:ea typeface="12롯데마트드림Bold" panose="02020603020101020101" pitchFamily="18" charset="-127"/>
+                      </a:endParaRPr>
+                    </a:p>
+                  </a:txBody>
+                  <a:tcPr marL="66377" marR="66377" marT="33187" marB="33187" anchor="ctr">
+                    <a:lnL w="12700" cap="flat" cmpd="sng" algn="ctr">
+                      <a:solidFill>
+                        <a:schemeClr val="tx1"/>
+                      </a:solidFill>
+                      <a:prstDash val="solid"/>
+                      <a:round/>
+                      <a:headEnd type="none" w="med" len="med"/>
+                      <a:tailEnd type="none" w="med" len="med"/>
+                    </a:lnL>
+                    <a:lnR w="12700" cap="flat" cmpd="sng" algn="ctr">
+                      <a:solidFill>
+                        <a:schemeClr val="tx1"/>
+                      </a:solidFill>
+                      <a:prstDash val="solid"/>
+                      <a:round/>
+                      <a:headEnd type="none" w="med" len="med"/>
+                      <a:tailEnd type="none" w="med" len="med"/>
+                    </a:lnR>
+                    <a:lnT w="12700" cap="flat" cmpd="sng" algn="ctr">
+                      <a:solidFill>
+                        <a:schemeClr val="tx1"/>
+                      </a:solidFill>
+                      <a:prstDash val="solid"/>
+                      <a:round/>
+                      <a:headEnd type="none" w="med" len="med"/>
+                      <a:tailEnd type="none" w="med" len="med"/>
+                    </a:lnT>
+                    <a:lnB w="12700" cap="flat" cmpd="sng" algn="ctr">
+                      <a:solidFill>
+                        <a:schemeClr val="tx1"/>
+                      </a:solidFill>
+                      <a:prstDash val="solid"/>
+                      <a:round/>
+                      <a:headEnd type="none" w="med" len="med"/>
+                      <a:tailEnd type="none" w="med" len="med"/>
+                    </a:lnB>
+                  </a:tcPr>
+                </a:tc>
+                <a:extLst>
+                  <a:ext uri="{0D108BD9-81ED-4DB2-BD59-A6C34878D82A}">
+                    <a16:rowId xmlns:a16="http://schemas.microsoft.com/office/drawing/2014/main" val="1654388704"/>
+                  </a:ext>
+                </a:extLst>
+              </a:tr>
+              <a:tr h="612969">
+                <a:tc rowSpan="2">
+                  <a:txBody>
+                    <a:bodyPr/>
+                    <a:lstStyle/>
+                    <a:p>
+                      <a:pPr algn="ctr" latinLnBrk="1"/>
+                      <a:r>
+                        <a:rPr lang="ko-KR" altLang="en-US" sz="1800" dirty="0">
+                          <a:latin typeface="12롯데마트드림Bold" panose="02020603020101020101" pitchFamily="18" charset="-127"/>
+                          <a:ea typeface="12롯데마트드림Bold" panose="02020603020101020101" pitchFamily="18" charset="-127"/>
+                        </a:rPr>
+                        <a:t>분류 결과</a:t>
+                      </a:r>
+                    </a:p>
+                  </a:txBody>
+                  <a:tcPr marL="117127" marR="117127" marT="58564" marB="58564" anchor="ctr">
+                    <a:lnL w="12700" cap="flat" cmpd="sng" algn="ctr">
+                      <a:solidFill>
+                        <a:schemeClr val="tx1"/>
+                      </a:solidFill>
+                      <a:prstDash val="solid"/>
+                      <a:round/>
+                      <a:headEnd type="none" w="med" len="med"/>
+                      <a:tailEnd type="none" w="med" len="med"/>
+                    </a:lnL>
+                    <a:lnR w="12700" cap="flat" cmpd="sng" algn="ctr">
+                      <a:solidFill>
+                        <a:schemeClr val="tx1"/>
+                      </a:solidFill>
+                      <a:prstDash val="solid"/>
+                      <a:round/>
+                      <a:headEnd type="none" w="med" len="med"/>
+                      <a:tailEnd type="none" w="med" len="med"/>
+                    </a:lnR>
+                    <a:lnT w="12700" cap="flat" cmpd="sng" algn="ctr">
+                      <a:solidFill>
+                        <a:schemeClr val="tx1"/>
+                      </a:solidFill>
+                      <a:prstDash val="solid"/>
+                      <a:round/>
+                      <a:headEnd type="none" w="med" len="med"/>
+                      <a:tailEnd type="none" w="med" len="med"/>
+                    </a:lnT>
+                    <a:lnB w="12700" cap="flat" cmpd="sng" algn="ctr">
+                      <a:solidFill>
+                        <a:schemeClr val="tx1"/>
+                      </a:solidFill>
+                      <a:prstDash val="solid"/>
+                      <a:round/>
+                      <a:headEnd type="none" w="med" len="med"/>
+                      <a:tailEnd type="none" w="med" len="med"/>
+                    </a:lnB>
+                  </a:tcPr>
+                </a:tc>
+                <a:tc>
+                  <a:txBody>
+                    <a:bodyPr/>
+                    <a:lstStyle/>
+                    <a:p>
+                      <a:pPr algn="ctr" latinLnBrk="1"/>
+                      <a:r>
+                        <a:rPr lang="en-US" altLang="ko-KR" sz="1800" dirty="0">
+                          <a:latin typeface="12롯데마트드림Bold" panose="02020603020101020101" pitchFamily="18" charset="-127"/>
+                          <a:ea typeface="12롯데마트드림Bold" panose="02020603020101020101" pitchFamily="18" charset="-127"/>
+                        </a:rPr>
+                        <a:t>True</a:t>
+                      </a:r>
+                      <a:endParaRPr lang="ko-KR" altLang="en-US" sz="1800" dirty="0">
+                        <a:latin typeface="12롯데마트드림Bold" panose="02020603020101020101" pitchFamily="18" charset="-127"/>
+                        <a:ea typeface="12롯데마트드림Bold" panose="02020603020101020101" pitchFamily="18" charset="-127"/>
+                      </a:endParaRPr>
+                    </a:p>
+                  </a:txBody>
+                  <a:tcPr marL="66377" marR="66377" marT="33187" marB="33187" anchor="ctr">
+                    <a:lnL w="12700" cap="flat" cmpd="sng" algn="ctr">
+                      <a:solidFill>
+                        <a:schemeClr val="tx1"/>
+                      </a:solidFill>
+                      <a:prstDash val="solid"/>
+                      <a:round/>
+                      <a:headEnd type="none" w="med" len="med"/>
+                      <a:tailEnd type="none" w="med" len="med"/>
+                    </a:lnL>
+                    <a:lnR w="12700" cap="flat" cmpd="sng" algn="ctr">
+                      <a:solidFill>
+                        <a:schemeClr val="tx1"/>
+                      </a:solidFill>
+                      <a:prstDash val="solid"/>
+                      <a:round/>
+                      <a:headEnd type="none" w="med" len="med"/>
+                      <a:tailEnd type="none" w="med" len="med"/>
+                    </a:lnR>
+                    <a:lnT w="12700" cap="flat" cmpd="sng" algn="ctr">
+                      <a:solidFill>
+                        <a:schemeClr val="tx1"/>
+                      </a:solidFill>
+                      <a:prstDash val="solid"/>
+                      <a:round/>
+                      <a:headEnd type="none" w="med" len="med"/>
+                      <a:tailEnd type="none" w="med" len="med"/>
+                    </a:lnT>
+                    <a:lnB w="12700" cap="flat" cmpd="sng" algn="ctr">
+                      <a:solidFill>
+                        <a:schemeClr val="tx1"/>
+                      </a:solidFill>
+                      <a:prstDash val="solid"/>
+                      <a:round/>
+                      <a:headEnd type="none" w="med" len="med"/>
+                      <a:tailEnd type="none" w="med" len="med"/>
+                    </a:lnB>
+                  </a:tcPr>
+                </a:tc>
+                <a:tc>
+                  <a:txBody>
+                    <a:bodyPr/>
+                    <a:lstStyle/>
+                    <a:p>
+                      <a:pPr algn="ctr" latinLnBrk="1"/>
+                      <a:r>
+                        <a:rPr lang="en-US" altLang="ko-KR" sz="1800" dirty="0">
+                          <a:solidFill>
+                            <a:srgbClr val="0070C0"/>
+                          </a:solidFill>
+                          <a:latin typeface="12롯데마트드림Bold" panose="02020603020101020101" pitchFamily="18" charset="-127"/>
+                          <a:ea typeface="12롯데마트드림Bold" panose="02020603020101020101" pitchFamily="18" charset="-127"/>
+                        </a:rPr>
+                        <a:t>True Positive</a:t>
+                      </a:r>
+                      <a:endParaRPr lang="ko-KR" altLang="en-US" sz="1800" dirty="0">
+                        <a:solidFill>
+                          <a:srgbClr val="0070C0"/>
+                        </a:solidFill>
+                        <a:latin typeface="12롯데마트드림Bold" panose="02020603020101020101" pitchFamily="18" charset="-127"/>
+                        <a:ea typeface="12롯데마트드림Bold" panose="02020603020101020101" pitchFamily="18" charset="-127"/>
+                      </a:endParaRPr>
+                    </a:p>
+                  </a:txBody>
+                  <a:tcPr marL="66377" marR="66377" marT="33187" marB="33187" anchor="ctr">
+                    <a:lnL w="12700" cap="flat" cmpd="sng" algn="ctr">
+                      <a:solidFill>
+                        <a:schemeClr val="tx1"/>
+                      </a:solidFill>
+                      <a:prstDash val="solid"/>
+                      <a:round/>
+                      <a:headEnd type="none" w="med" len="med"/>
+                      <a:tailEnd type="none" w="med" len="med"/>
+                    </a:lnL>
+                    <a:lnR w="12700" cap="flat" cmpd="sng" algn="ctr">
+                      <a:solidFill>
+                        <a:schemeClr val="tx1"/>
+                      </a:solidFill>
+                      <a:prstDash val="solid"/>
+                      <a:round/>
+                      <a:headEnd type="none" w="med" len="med"/>
+                      <a:tailEnd type="none" w="med" len="med"/>
+                    </a:lnR>
+                    <a:lnT w="12700" cap="flat" cmpd="sng" algn="ctr">
+                      <a:solidFill>
+                        <a:schemeClr val="tx1"/>
+                      </a:solidFill>
+                      <a:prstDash val="solid"/>
+                      <a:round/>
+                      <a:headEnd type="none" w="med" len="med"/>
+                      <a:tailEnd type="none" w="med" len="med"/>
+                    </a:lnT>
+                    <a:lnB w="12700" cap="flat" cmpd="sng" algn="ctr">
+                      <a:solidFill>
+                        <a:schemeClr val="tx1"/>
+                      </a:solidFill>
+                      <a:prstDash val="solid"/>
+                      <a:round/>
+                      <a:headEnd type="none" w="med" len="med"/>
+                      <a:tailEnd type="none" w="med" len="med"/>
+                    </a:lnB>
+                  </a:tcPr>
+                </a:tc>
+                <a:tc>
+                  <a:txBody>
+                    <a:bodyPr/>
+                    <a:lstStyle/>
+                    <a:p>
+                      <a:pPr marL="0" marR="0" lvl="0" indent="0" algn="ctr" defTabSz="914400" rtl="0" eaLnBrk="1" fontAlgn="auto" latinLnBrk="1" hangingPunct="1">
+                        <a:lnSpc>
+                          <a:spcPct val="100000"/>
+                        </a:lnSpc>
+                        <a:spcBef>
+                          <a:spcPts val="0"/>
+                        </a:spcBef>
+                        <a:spcAft>
+                          <a:spcPts val="0"/>
+                        </a:spcAft>
+                        <a:buClrTx/>
+                        <a:buSzTx/>
+                        <a:buFontTx/>
+                        <a:buNone/>
+                        <a:tabLst/>
+                        <a:defRPr/>
+                      </a:pPr>
+                      <a:r>
+                        <a:rPr lang="en-US" altLang="ko-KR" sz="1800" dirty="0">
+                          <a:latin typeface="12롯데마트드림Bold" panose="02020603020101020101" pitchFamily="18" charset="-127"/>
+                          <a:ea typeface="12롯데마트드림Bold" panose="02020603020101020101" pitchFamily="18" charset="-127"/>
+                        </a:rPr>
+                        <a:t>False Positive</a:t>
+                      </a:r>
+                      <a:endParaRPr lang="ko-KR" altLang="en-US" sz="1800" dirty="0">
+                        <a:latin typeface="12롯데마트드림Bold" panose="02020603020101020101" pitchFamily="18" charset="-127"/>
+                        <a:ea typeface="12롯데마트드림Bold" panose="02020603020101020101" pitchFamily="18" charset="-127"/>
+                      </a:endParaRPr>
+                    </a:p>
+                  </a:txBody>
+                  <a:tcPr marL="66377" marR="66377" marT="33187" marB="33187" anchor="ctr">
+                    <a:lnL w="12700" cap="flat" cmpd="sng" algn="ctr">
+                      <a:solidFill>
+                        <a:schemeClr val="tx1"/>
+                      </a:solidFill>
+                      <a:prstDash val="solid"/>
+                      <a:round/>
+                      <a:headEnd type="none" w="med" len="med"/>
+                      <a:tailEnd type="none" w="med" len="med"/>
+                    </a:lnL>
+                    <a:lnR w="12700" cap="flat" cmpd="sng" algn="ctr">
+                      <a:solidFill>
+                        <a:schemeClr val="tx1"/>
+                      </a:solidFill>
+                      <a:prstDash val="solid"/>
+                      <a:round/>
+                      <a:headEnd type="none" w="med" len="med"/>
+                      <a:tailEnd type="none" w="med" len="med"/>
+                    </a:lnR>
+                    <a:lnT w="12700" cap="flat" cmpd="sng" algn="ctr">
+                      <a:solidFill>
+                        <a:schemeClr val="tx1"/>
+                      </a:solidFill>
+                      <a:prstDash val="solid"/>
+                      <a:round/>
+                      <a:headEnd type="none" w="med" len="med"/>
+                      <a:tailEnd type="none" w="med" len="med"/>
+                    </a:lnT>
+                    <a:lnB w="12700" cap="flat" cmpd="sng" algn="ctr">
+                      <a:solidFill>
+                        <a:schemeClr val="tx1"/>
+                      </a:solidFill>
+                      <a:prstDash val="solid"/>
+                      <a:round/>
+                      <a:headEnd type="none" w="med" len="med"/>
+                      <a:tailEnd type="none" w="med" len="med"/>
+                    </a:lnB>
+                  </a:tcPr>
+                </a:tc>
+                <a:extLst>
+                  <a:ext uri="{0D108BD9-81ED-4DB2-BD59-A6C34878D82A}">
+                    <a16:rowId xmlns:a16="http://schemas.microsoft.com/office/drawing/2014/main" val="3223390592"/>
+                  </a:ext>
+                </a:extLst>
+              </a:tr>
+              <a:tr h="612969">
+                <a:tc vMerge="1">
+                  <a:txBody>
+                    <a:bodyPr/>
+                    <a:lstStyle/>
+                    <a:p>
+                      <a:pPr latinLnBrk="1"/>
+                      <a:endParaRPr lang="ko-KR" altLang="en-US" dirty="0"/>
+                    </a:p>
+                  </a:txBody>
+                  <a:tcPr>
+                    <a:lnL w="12700" cap="flat" cmpd="sng" algn="ctr">
+                      <a:solidFill>
+                        <a:schemeClr val="tx1"/>
+                      </a:solidFill>
+                      <a:prstDash val="solid"/>
+                      <a:round/>
+                      <a:headEnd type="none" w="med" len="med"/>
+                      <a:tailEnd type="none" w="med" len="med"/>
+                    </a:lnL>
+                    <a:lnR w="12700" cap="flat" cmpd="sng" algn="ctr">
+                      <a:solidFill>
+                        <a:schemeClr val="tx1"/>
+                      </a:solidFill>
+                      <a:prstDash val="solid"/>
+                      <a:round/>
+                      <a:headEnd type="none" w="med" len="med"/>
+                      <a:tailEnd type="none" w="med" len="med"/>
+                    </a:lnR>
+                    <a:lnT w="12700" cap="flat" cmpd="sng" algn="ctr">
+                      <a:solidFill>
+                        <a:schemeClr val="tx1"/>
+                      </a:solidFill>
+                      <a:prstDash val="solid"/>
+                      <a:round/>
+                      <a:headEnd type="none" w="med" len="med"/>
+                      <a:tailEnd type="none" w="med" len="med"/>
+                    </a:lnT>
+                    <a:lnB w="12700" cap="flat" cmpd="sng" algn="ctr">
+                      <a:solidFill>
+                        <a:schemeClr val="tx1"/>
+                      </a:solidFill>
+                      <a:prstDash val="solid"/>
+                      <a:round/>
+                      <a:headEnd type="none" w="med" len="med"/>
+                      <a:tailEnd type="none" w="med" len="med"/>
+                    </a:lnB>
+                  </a:tcPr>
+                </a:tc>
+                <a:tc>
+                  <a:txBody>
+                    <a:bodyPr/>
+                    <a:lstStyle/>
+                    <a:p>
+                      <a:pPr algn="ctr" latinLnBrk="1"/>
+                      <a:r>
+                        <a:rPr lang="en-US" altLang="ko-KR" sz="1800" dirty="0">
+                          <a:latin typeface="12롯데마트드림Bold" panose="02020603020101020101" pitchFamily="18" charset="-127"/>
+                          <a:ea typeface="12롯데마트드림Bold" panose="02020603020101020101" pitchFamily="18" charset="-127"/>
+                        </a:rPr>
+                        <a:t>False</a:t>
+                      </a:r>
+                      <a:endParaRPr lang="ko-KR" altLang="en-US" sz="1800" dirty="0">
+                        <a:latin typeface="12롯데마트드림Bold" panose="02020603020101020101" pitchFamily="18" charset="-127"/>
+                        <a:ea typeface="12롯데마트드림Bold" panose="02020603020101020101" pitchFamily="18" charset="-127"/>
+                      </a:endParaRPr>
+                    </a:p>
+                  </a:txBody>
+                  <a:tcPr marL="66377" marR="66377" marT="33187" marB="33187" anchor="ctr">
+                    <a:lnL w="12700" cap="flat" cmpd="sng" algn="ctr">
+                      <a:solidFill>
+                        <a:schemeClr val="tx1"/>
+                      </a:solidFill>
+                      <a:prstDash val="solid"/>
+                      <a:round/>
+                      <a:headEnd type="none" w="med" len="med"/>
+                      <a:tailEnd type="none" w="med" len="med"/>
+                    </a:lnL>
+                    <a:lnR w="12700" cap="flat" cmpd="sng" algn="ctr">
+                      <a:solidFill>
+                        <a:schemeClr val="tx1"/>
+                      </a:solidFill>
+                      <a:prstDash val="solid"/>
+                      <a:round/>
+                      <a:headEnd type="none" w="med" len="med"/>
+                      <a:tailEnd type="none" w="med" len="med"/>
+                    </a:lnR>
+                    <a:lnT w="12700" cap="flat" cmpd="sng" algn="ctr">
+                      <a:solidFill>
+                        <a:schemeClr val="tx1"/>
+                      </a:solidFill>
+                      <a:prstDash val="solid"/>
+                      <a:round/>
+                      <a:headEnd type="none" w="med" len="med"/>
+                      <a:tailEnd type="none" w="med" len="med"/>
+                    </a:lnT>
+                    <a:lnB w="12700" cap="flat" cmpd="sng" algn="ctr">
+                      <a:solidFill>
+                        <a:schemeClr val="tx1"/>
+                      </a:solidFill>
+                      <a:prstDash val="solid"/>
+                      <a:round/>
+                      <a:headEnd type="none" w="med" len="med"/>
+                      <a:tailEnd type="none" w="med" len="med"/>
+                    </a:lnB>
+                  </a:tcPr>
+                </a:tc>
+                <a:tc>
+                  <a:txBody>
+                    <a:bodyPr/>
+                    <a:lstStyle/>
+                    <a:p>
+                      <a:pPr algn="ctr" latinLnBrk="1"/>
+                      <a:r>
+                        <a:rPr lang="en-US" altLang="ko-KR" sz="1800" dirty="0">
+                          <a:latin typeface="12롯데마트드림Bold" panose="02020603020101020101" pitchFamily="18" charset="-127"/>
+                          <a:ea typeface="12롯데마트드림Bold" panose="02020603020101020101" pitchFamily="18" charset="-127"/>
+                        </a:rPr>
+                        <a:t>False Negative</a:t>
+                      </a:r>
+                      <a:endParaRPr lang="ko-KR" altLang="en-US" sz="1800" dirty="0">
+                        <a:latin typeface="12롯데마트드림Bold" panose="02020603020101020101" pitchFamily="18" charset="-127"/>
+                        <a:ea typeface="12롯데마트드림Bold" panose="02020603020101020101" pitchFamily="18" charset="-127"/>
+                      </a:endParaRPr>
+                    </a:p>
+                  </a:txBody>
+                  <a:tcPr marL="66377" marR="66377" marT="33187" marB="33187" anchor="ctr">
+                    <a:lnL w="12700" cap="flat" cmpd="sng" algn="ctr">
+                      <a:solidFill>
+                        <a:schemeClr val="tx1"/>
+                      </a:solidFill>
+                      <a:prstDash val="solid"/>
+                      <a:round/>
+                      <a:headEnd type="none" w="med" len="med"/>
+                      <a:tailEnd type="none" w="med" len="med"/>
+                    </a:lnL>
+                    <a:lnR w="12700" cap="flat" cmpd="sng" algn="ctr">
+                      <a:solidFill>
+                        <a:schemeClr val="tx1"/>
+                      </a:solidFill>
+                      <a:prstDash val="solid"/>
+                      <a:round/>
+                      <a:headEnd type="none" w="med" len="med"/>
+                      <a:tailEnd type="none" w="med" len="med"/>
+                    </a:lnR>
+                    <a:lnT w="12700" cap="flat" cmpd="sng" algn="ctr">
+                      <a:solidFill>
+                        <a:schemeClr val="tx1"/>
+                      </a:solidFill>
+                      <a:prstDash val="solid"/>
+                      <a:round/>
+                      <a:headEnd type="none" w="med" len="med"/>
+                      <a:tailEnd type="none" w="med" len="med"/>
+                    </a:lnT>
+                    <a:lnB w="12700" cap="flat" cmpd="sng" algn="ctr">
+                      <a:solidFill>
+                        <a:schemeClr val="tx1"/>
+                      </a:solidFill>
+                      <a:prstDash val="solid"/>
+                      <a:round/>
+                      <a:headEnd type="none" w="med" len="med"/>
+                      <a:tailEnd type="none" w="med" len="med"/>
+                    </a:lnB>
+                  </a:tcPr>
+                </a:tc>
+                <a:tc>
+                  <a:txBody>
+                    <a:bodyPr/>
+                    <a:lstStyle/>
+                    <a:p>
+                      <a:pPr algn="ctr" latinLnBrk="1"/>
+                      <a:r>
+                        <a:rPr lang="en-US" altLang="ko-KR" sz="1800" dirty="0">
+                          <a:solidFill>
+                            <a:srgbClr val="0070C0"/>
+                          </a:solidFill>
+                          <a:latin typeface="12롯데마트드림Bold" panose="02020603020101020101" pitchFamily="18" charset="-127"/>
+                          <a:ea typeface="12롯데마트드림Bold" panose="02020603020101020101" pitchFamily="18" charset="-127"/>
+                        </a:rPr>
+                        <a:t>True Negative</a:t>
+                      </a:r>
+                      <a:endParaRPr lang="ko-KR" altLang="en-US" sz="1800" dirty="0">
+                        <a:solidFill>
+                          <a:srgbClr val="0070C0"/>
+                        </a:solidFill>
+                        <a:latin typeface="12롯데마트드림Bold" panose="02020603020101020101" pitchFamily="18" charset="-127"/>
+                        <a:ea typeface="12롯데마트드림Bold" panose="02020603020101020101" pitchFamily="18" charset="-127"/>
+                      </a:endParaRPr>
+                    </a:p>
+                  </a:txBody>
+                  <a:tcPr marL="66377" marR="66377" marT="33187" marB="33187" anchor="ctr">
+                    <a:lnL w="12700" cap="flat" cmpd="sng" algn="ctr">
+                      <a:solidFill>
+                        <a:schemeClr val="tx1"/>
+                      </a:solidFill>
+                      <a:prstDash val="solid"/>
+                      <a:round/>
+                      <a:headEnd type="none" w="med" len="med"/>
+                      <a:tailEnd type="none" w="med" len="med"/>
+                    </a:lnL>
+                    <a:lnR w="12700" cap="flat" cmpd="sng" algn="ctr">
+                      <a:solidFill>
+                        <a:schemeClr val="tx1"/>
+                      </a:solidFill>
+                      <a:prstDash val="solid"/>
+                      <a:round/>
+                      <a:headEnd type="none" w="med" len="med"/>
+                      <a:tailEnd type="none" w="med" len="med"/>
+                    </a:lnR>
+                    <a:lnT w="12700" cap="flat" cmpd="sng" algn="ctr">
+                      <a:solidFill>
+                        <a:schemeClr val="tx1"/>
+                      </a:solidFill>
+                      <a:prstDash val="solid"/>
+                      <a:round/>
+                      <a:headEnd type="none" w="med" len="med"/>
+                      <a:tailEnd type="none" w="med" len="med"/>
+                    </a:lnT>
+                    <a:lnB w="12700" cap="flat" cmpd="sng" algn="ctr">
+                      <a:solidFill>
+                        <a:schemeClr val="tx1"/>
+                      </a:solidFill>
+                      <a:prstDash val="solid"/>
+                      <a:round/>
+                      <a:headEnd type="none" w="med" len="med"/>
+                      <a:tailEnd type="none" w="med" len="med"/>
+                    </a:lnB>
+                  </a:tcPr>
+                </a:tc>
+                <a:extLst>
+                  <a:ext uri="{0D108BD9-81ED-4DB2-BD59-A6C34878D82A}">
+                    <a16:rowId xmlns:a16="http://schemas.microsoft.com/office/drawing/2014/main" val="3311908025"/>
+                  </a:ext>
+                </a:extLst>
+              </a:tr>
+            </a:tbl>
+          </a:graphicData>
+        </a:graphic>
+      </p:graphicFrame>
+      <p:sp>
+        <p:nvSpPr>
+          <p:cNvPr id="8" name="직사각형 7">
+            <a:extLst>
+              <a:ext uri="{FF2B5EF4-FFF2-40B4-BE49-F238E27FC236}">
+                <a16:creationId xmlns:a16="http://schemas.microsoft.com/office/drawing/2014/main" id="{5B6C4F52-4D75-8ECD-82A4-7C4877E70AF3}"/>
+              </a:ext>
+            </a:extLst>
+          </p:cNvPr>
+          <p:cNvSpPr/>
+          <p:nvPr/>
+        </p:nvSpPr>
+        <p:spPr>
+          <a:xfrm>
+            <a:off x="8056246" y="2128569"/>
+            <a:ext cx="1895360" cy="404278"/>
+          </a:xfrm>
+          <a:prstGeom prst="rect">
+            <a:avLst/>
+          </a:prstGeom>
+          <a:noFill/>
+        </p:spPr>
+        <p:txBody>
+          <a:bodyPr wrap="square">
+            <a:spAutoFit/>
+          </a:bodyPr>
+          <a:lstStyle/>
+          <a:p>
+            <a:pPr marR="0" lvl="0" algn="ctr" defTabSz="914400" rtl="0" eaLnBrk="1" fontAlgn="auto" latinLnBrk="1" hangingPunct="1">
+              <a:lnSpc>
+                <a:spcPct val="150000"/>
+              </a:lnSpc>
+              <a:spcBef>
+                <a:spcPts val="0"/>
+              </a:spcBef>
+              <a:spcAft>
+                <a:spcPts val="0"/>
+              </a:spcAft>
+              <a:buClrTx/>
+              <a:buSzTx/>
+              <a:tabLst/>
+              <a:defRPr/>
+            </a:pPr>
+            <a:r>
+              <a:rPr lang="en-US" altLang="ko-KR" sz="1600" dirty="0">
+                <a:latin typeface="12롯데마트드림Medium" panose="02020603020101020101" pitchFamily="18" charset="-127"/>
+                <a:ea typeface="12롯데마트드림Medium" panose="02020603020101020101" pitchFamily="18" charset="-127"/>
+              </a:rPr>
+              <a:t>&lt;Confusion Matrix&gt;</a:t>
+            </a:r>
+            <a:endParaRPr lang="ko-KR" altLang="en-US" sz="1600" dirty="0">
+              <a:latin typeface="12롯데마트드림Medium" panose="02020603020101020101" pitchFamily="18" charset="-127"/>
+              <a:ea typeface="12롯데마트드림Medium" panose="02020603020101020101" pitchFamily="18" charset="-127"/>
+            </a:endParaRPr>
+          </a:p>
+        </p:txBody>
+      </p:sp>
+      <p:sp>
+        <p:nvSpPr>
+          <p:cNvPr id="9" name="TextBox 8">
+            <a:extLst>
+              <a:ext uri="{FF2B5EF4-FFF2-40B4-BE49-F238E27FC236}">
+                <a16:creationId xmlns:a16="http://schemas.microsoft.com/office/drawing/2014/main" id="{07105FCC-651F-B405-63F5-641102CEA52C}"/>
+              </a:ext>
+            </a:extLst>
+          </p:cNvPr>
+          <p:cNvSpPr txBox="1"/>
+          <p:nvPr/>
+        </p:nvSpPr>
+        <p:spPr>
+          <a:xfrm>
+            <a:off x="1628455" y="4374974"/>
+            <a:ext cx="1222624" cy="430887"/>
+          </a:xfrm>
+          <a:prstGeom prst="rect">
+            <a:avLst/>
+          </a:prstGeom>
+          <a:noFill/>
+        </p:spPr>
+        <p:txBody>
+          <a:bodyPr wrap="square" rtlCol="0">
+            <a:spAutoFit/>
+          </a:bodyPr>
+          <a:lstStyle/>
+          <a:p>
+            <a:pPr algn="ctr"/>
+            <a:r>
+              <a:rPr lang="ko-KR" altLang="en-US" sz="1100" dirty="0">
+                <a:latin typeface="12롯데마트드림Medium" panose="02020603020101020101" pitchFamily="18" charset="-127"/>
+                <a:ea typeface="12롯데마트드림Medium" panose="02020603020101020101" pitchFamily="18" charset="-127"/>
+              </a:rPr>
+              <a:t>정밀도와 재현율의 </a:t>
+            </a:r>
+            <a:r>
+              <a:rPr lang="ko-KR" altLang="en-US" sz="1100" dirty="0">
+                <a:solidFill>
+                  <a:srgbClr val="FF0000"/>
+                </a:solidFill>
+                <a:latin typeface="12롯데마트드림Bold" panose="02020603020101020101" pitchFamily="18" charset="-127"/>
+                <a:ea typeface="12롯데마트드림Bold" panose="02020603020101020101" pitchFamily="18" charset="-127"/>
+              </a:rPr>
+              <a:t>조화 평균</a:t>
+            </a:r>
+          </a:p>
+        </p:txBody>
+      </p:sp>
+      <p:sp>
+        <p:nvSpPr>
+          <p:cNvPr id="13" name="슬라이드 번호 개체 틀 12">
+            <a:extLst>
+              <a:ext uri="{FF2B5EF4-FFF2-40B4-BE49-F238E27FC236}">
+                <a16:creationId xmlns:a16="http://schemas.microsoft.com/office/drawing/2014/main" id="{8920037B-4162-945F-20F6-C7F5E134BA64}"/>
+              </a:ext>
+            </a:extLst>
+          </p:cNvPr>
+          <p:cNvSpPr>
+            <a:spLocks noGrp="1"/>
+          </p:cNvSpPr>
+          <p:nvPr>
+            <p:ph type="sldNum" sz="quarter" idx="12"/>
+          </p:nvPr>
+        </p:nvSpPr>
+        <p:spPr/>
+        <p:txBody>
+          <a:bodyPr/>
+          <a:lstStyle/>
+          <a:p>
+            <a:fld id="{377596EA-09B2-4F20-B22D-AC03DEA0B276}" type="slidenum">
+              <a:rPr lang="ko-KR" altLang="en-US" smtClean="0"/>
+              <a:t>8</a:t>
+            </a:fld>
+            <a:endParaRPr lang="ko-KR" altLang="en-US"/>
+          </a:p>
+        </p:txBody>
+      </p:sp>
     </p:spTree>
     <p:extLst>
       <p:ext uri="{BB962C8B-B14F-4D97-AF65-F5344CB8AC3E}">
-        <p14:creationId xmlns:p14="http://schemas.microsoft.com/office/powerpoint/2010/main" val="2779397201"/>
+        <p14:creationId xmlns:p14="http://schemas.microsoft.com/office/powerpoint/2010/main" val="2384452723"/>
       </p:ext>
     </p:extLst>
   </p:cSld>
